--- a/course/4 - Organization and Projects/Organization and Projects.pptx
+++ b/course/4 - Organization and Projects/Organization and Projects.pptx
@@ -5,21 +5,30 @@
     <p:sldMasterId id="2147483648" r:id="rId1"/>
   </p:sldMasterIdLst>
   <p:notesMasterIdLst>
-    <p:notesMasterId r:id="rId14"/>
+    <p:notesMasterId r:id="rId23"/>
   </p:notesMasterIdLst>
   <p:sldIdLst>
     <p:sldId id="256" r:id="rId2"/>
-    <p:sldId id="262" r:id="rId3"/>
-    <p:sldId id="267" r:id="rId4"/>
-    <p:sldId id="257" r:id="rId5"/>
-    <p:sldId id="258" r:id="rId6"/>
-    <p:sldId id="263" r:id="rId7"/>
-    <p:sldId id="264" r:id="rId8"/>
-    <p:sldId id="265" r:id="rId9"/>
-    <p:sldId id="268" r:id="rId10"/>
-    <p:sldId id="269" r:id="rId11"/>
-    <p:sldId id="270" r:id="rId12"/>
-    <p:sldId id="271" r:id="rId13"/>
+    <p:sldId id="267" r:id="rId3"/>
+    <p:sldId id="273" r:id="rId4"/>
+    <p:sldId id="272" r:id="rId5"/>
+    <p:sldId id="257" r:id="rId6"/>
+    <p:sldId id="274" r:id="rId7"/>
+    <p:sldId id="258" r:id="rId8"/>
+    <p:sldId id="275" r:id="rId9"/>
+    <p:sldId id="276" r:id="rId10"/>
+    <p:sldId id="277" r:id="rId11"/>
+    <p:sldId id="280" r:id="rId12"/>
+    <p:sldId id="263" r:id="rId13"/>
+    <p:sldId id="264" r:id="rId14"/>
+    <p:sldId id="265" r:id="rId15"/>
+    <p:sldId id="278" r:id="rId16"/>
+    <p:sldId id="268" r:id="rId17"/>
+    <p:sldId id="269" r:id="rId18"/>
+    <p:sldId id="270" r:id="rId19"/>
+    <p:sldId id="271" r:id="rId20"/>
+    <p:sldId id="279" r:id="rId21"/>
+    <p:sldId id="262" r:id="rId22"/>
   </p:sldIdLst>
   <p:sldSz cx="9144000" cy="6858000" type="screen4x3"/>
   <p:notesSz cx="6858000" cy="9144000"/>
@@ -118,6 +127,22 @@
       </a:defRPr>
     </a:lvl9pPr>
   </p:defaultTextStyle>
+  <p:extLst>
+    <p:ext uri="{EFAFB233-063F-42B5-8137-9DF3F51BA10A}">
+      <p15:sldGuideLst xmlns:p15="http://schemas.microsoft.com/office/powerpoint/2012/main">
+        <p15:guide id="1" orient="horz" pos="2160">
+          <p15:clr>
+            <a:srgbClr val="A4A3A4"/>
+          </p15:clr>
+        </p15:guide>
+        <p15:guide id="2" pos="2880">
+          <p15:clr>
+            <a:srgbClr val="A4A3A4"/>
+          </p15:clr>
+        </p15:guide>
+      </p15:sldGuideLst>
+    </p:ext>
+  </p:extLst>
 </p:presentation>
 </file>
 
@@ -203,7 +228,7 @@
           <a:p>
             <a:fld id="{FB536F9C-1562-5D45-A47B-541CF3EDD6FE}" type="datetimeFigureOut">
               <a:rPr lang="en-US" smtClean="0"/>
-              <a:t>3/28/15</a:t>
+              <a:t>4/11/2015</a:t>
             </a:fld>
             <a:endParaRPr lang="en-US"/>
           </a:p>
@@ -649,37 +674,7 @@
           <a:p>
             <a:r>
               <a:rPr lang="en-US" dirty="0" smtClean="0"/>
-              <a:t>We have a very simple template class</a:t>
-            </a:r>
-          </a:p>
-          <a:p>
-            <a:r>
-              <a:rPr lang="en-US" dirty="0" smtClean="0"/>
-              <a:t>we</a:t>
-            </a:r>
-            <a:r>
-              <a:rPr lang="en-US" baseline="0" dirty="0" smtClean="0"/>
-              <a:t> need to be able to give it a template (</a:t>
-            </a:r>
-            <a:r>
-              <a:rPr lang="en-US" baseline="0" dirty="0" err="1" smtClean="0"/>
-              <a:t>flename</a:t>
-            </a:r>
-            <a:r>
-              <a:rPr lang="en-US" baseline="0" dirty="0" smtClean="0"/>
-              <a:t>) to generate</a:t>
-            </a:r>
-          </a:p>
-          <a:p>
-            <a:r>
-              <a:rPr lang="en-US" baseline="0" dirty="0" smtClean="0"/>
-              <a:t>we need to be able to give it data to insert into the template</a:t>
-            </a:r>
-          </a:p>
-          <a:p>
-            <a:r>
-              <a:rPr lang="en-US" baseline="0" dirty="0" smtClean="0"/>
-              <a:t>we need to have some helper functionality for things like escaping our output</a:t>
+              <a:t>Each of these</a:t>
             </a:r>
             <a:endParaRPr lang="en-US" dirty="0"/>
           </a:p>
@@ -711,7 +706,7 @@
     </p:spTree>
     <p:extLst>
       <p:ext uri="{BB962C8B-B14F-4D97-AF65-F5344CB8AC3E}">
-        <p14:creationId xmlns:p14="http://schemas.microsoft.com/office/powerpoint/2010/main" val="1658409535"/>
+        <p14:creationId xmlns:p14="http://schemas.microsoft.com/office/powerpoint/2010/main" val="1036834288"/>
       </p:ext>
     </p:extLst>
   </p:cSld>
@@ -767,12 +762,14 @@
           <a:p>
             <a:r>
               <a:rPr lang="en-US" dirty="0" smtClean="0"/>
-              <a:t>snippets</a:t>
+              <a:t>Data</a:t>
             </a:r>
             <a:r>
               <a:rPr lang="en-US" baseline="0" dirty="0" smtClean="0"/>
-              <a:t> of html</a:t>
-            </a:r>
+              <a:t> models – if you group all of your data together into classes – you’ll find it’s much easier to change and manipulate the way your data works</a:t>
+            </a:r>
+          </a:p>
+          <a:p>
             <a:endParaRPr lang="en-US" dirty="0"/>
           </a:p>
         </p:txBody>
@@ -794,7 +791,7 @@
           <a:p>
             <a:fld id="{418E688B-F764-3946-880A-E9595C7985CE}" type="slidenum">
               <a:rPr lang="en-US" smtClean="0"/>
-              <a:t>11</a:t>
+              <a:t>12</a:t>
             </a:fld>
             <a:endParaRPr lang="en-US"/>
           </a:p>
@@ -803,7 +800,7 @@
     </p:spTree>
     <p:extLst>
       <p:ext uri="{BB962C8B-B14F-4D97-AF65-F5344CB8AC3E}">
-        <p14:creationId xmlns:p14="http://schemas.microsoft.com/office/powerpoint/2010/main" val="3420582633"/>
+        <p14:creationId xmlns:p14="http://schemas.microsoft.com/office/powerpoint/2010/main" val="1921267855"/>
       </p:ext>
     </p:extLst>
   </p:cSld>
@@ -859,6 +856,198 @@
           <a:p>
             <a:r>
               <a:rPr lang="en-US" dirty="0" smtClean="0"/>
+              <a:t>The connection class is designed to be a simple, well designed way to talk to the database</a:t>
+            </a:r>
+          </a:p>
+          <a:p>
+            <a:r>
+              <a:rPr lang="en-US" dirty="0" smtClean="0"/>
+              <a:t>Each</a:t>
+            </a:r>
+            <a:r>
+              <a:rPr lang="en-US" baseline="0" dirty="0" smtClean="0"/>
+              <a:t> data model will require this class to be passed into it</a:t>
+            </a:r>
+          </a:p>
+          <a:p>
+            <a:r>
+              <a:rPr lang="en-US" baseline="0" dirty="0" smtClean="0"/>
+              <a:t>This is often known as “dependency injection” – we pass in the things that are necessary for the object when we create it</a:t>
+            </a:r>
+            <a:endParaRPr lang="en-US" dirty="0"/>
+          </a:p>
+        </p:txBody>
+      </p:sp>
+      <p:sp>
+        <p:nvSpPr>
+          <p:cNvPr id="4" name="Slide Number Placeholder 3"/>
+          <p:cNvSpPr>
+            <a:spLocks noGrp="1"/>
+          </p:cNvSpPr>
+          <p:nvPr>
+            <p:ph type="sldNum" sz="quarter" idx="10"/>
+          </p:nvPr>
+        </p:nvSpPr>
+        <p:spPr/>
+        <p:txBody>
+          <a:bodyPr/>
+          <a:lstStyle/>
+          <a:p>
+            <a:fld id="{418E688B-F764-3946-880A-E9595C7985CE}" type="slidenum">
+              <a:rPr lang="en-US" smtClean="0"/>
+              <a:t>13</a:t>
+            </a:fld>
+            <a:endParaRPr lang="en-US"/>
+          </a:p>
+        </p:txBody>
+      </p:sp>
+    </p:spTree>
+    <p:extLst>
+      <p:ext uri="{BB962C8B-B14F-4D97-AF65-F5344CB8AC3E}">
+        <p14:creationId xmlns:p14="http://schemas.microsoft.com/office/powerpoint/2010/main" val="2942844580"/>
+      </p:ext>
+    </p:extLst>
+  </p:cSld>
+  <p:clrMapOvr>
+    <a:masterClrMapping/>
+  </p:clrMapOvr>
+</p:notes>
+</file>
+
+<file path=ppt/notesSlides/notesSlide13.xml><?xml version="1.0" encoding="utf-8"?>
+<p:notes xmlns:a="http://schemas.openxmlformats.org/drawingml/2006/main" xmlns:r="http://schemas.openxmlformats.org/officeDocument/2006/relationships" xmlns:p="http://schemas.openxmlformats.org/presentationml/2006/main">
+  <p:cSld>
+    <p:spTree>
+      <p:nvGrpSpPr>
+        <p:cNvPr id="1" name=""/>
+        <p:cNvGrpSpPr/>
+        <p:nvPr/>
+      </p:nvGrpSpPr>
+      <p:grpSpPr>
+        <a:xfrm>
+          <a:off x="0" y="0"/>
+          <a:ext cx="0" cy="0"/>
+          <a:chOff x="0" y="0"/>
+          <a:chExt cx="0" cy="0"/>
+        </a:xfrm>
+      </p:grpSpPr>
+      <p:sp>
+        <p:nvSpPr>
+          <p:cNvPr id="2" name="Slide Image Placeholder 1"/>
+          <p:cNvSpPr>
+            <a:spLocks noGrp="1" noRot="1" noChangeAspect="1"/>
+          </p:cNvSpPr>
+          <p:nvPr>
+            <p:ph type="sldImg"/>
+          </p:nvPr>
+        </p:nvSpPr>
+        <p:spPr/>
+      </p:sp>
+      <p:sp>
+        <p:nvSpPr>
+          <p:cNvPr id="3" name="Notes Placeholder 2"/>
+          <p:cNvSpPr>
+            <a:spLocks noGrp="1"/>
+          </p:cNvSpPr>
+          <p:nvPr>
+            <p:ph type="body" idx="1"/>
+          </p:nvPr>
+        </p:nvSpPr>
+        <p:spPr/>
+        <p:txBody>
+          <a:bodyPr/>
+          <a:lstStyle/>
+          <a:p>
+            <a:r>
+              <a:rPr lang="en-US" dirty="0" smtClean="0"/>
+              <a:t>So we’re creating two models – each with some very very basic information about our application</a:t>
+            </a:r>
+            <a:endParaRPr lang="en-US" dirty="0"/>
+          </a:p>
+        </p:txBody>
+      </p:sp>
+      <p:sp>
+        <p:nvSpPr>
+          <p:cNvPr id="4" name="Slide Number Placeholder 3"/>
+          <p:cNvSpPr>
+            <a:spLocks noGrp="1"/>
+          </p:cNvSpPr>
+          <p:nvPr>
+            <p:ph type="sldNum" sz="quarter" idx="10"/>
+          </p:nvPr>
+        </p:nvSpPr>
+        <p:spPr/>
+        <p:txBody>
+          <a:bodyPr/>
+          <a:lstStyle/>
+          <a:p>
+            <a:fld id="{418E688B-F764-3946-880A-E9595C7985CE}" type="slidenum">
+              <a:rPr lang="en-US" smtClean="0"/>
+              <a:t>14</a:t>
+            </a:fld>
+            <a:endParaRPr lang="en-US"/>
+          </a:p>
+        </p:txBody>
+      </p:sp>
+    </p:spTree>
+    <p:extLst>
+      <p:ext uri="{BB962C8B-B14F-4D97-AF65-F5344CB8AC3E}">
+        <p14:creationId xmlns:p14="http://schemas.microsoft.com/office/powerpoint/2010/main" val="1399912607"/>
+      </p:ext>
+    </p:extLst>
+  </p:cSld>
+  <p:clrMapOvr>
+    <a:masterClrMapping/>
+  </p:clrMapOvr>
+</p:notes>
+</file>
+
+<file path=ppt/notesSlides/notesSlide14.xml><?xml version="1.0" encoding="utf-8"?>
+<p:notes xmlns:a="http://schemas.openxmlformats.org/drawingml/2006/main" xmlns:r="http://schemas.openxmlformats.org/officeDocument/2006/relationships" xmlns:p="http://schemas.openxmlformats.org/presentationml/2006/main">
+  <p:cSld>
+    <p:spTree>
+      <p:nvGrpSpPr>
+        <p:cNvPr id="1" name=""/>
+        <p:cNvGrpSpPr/>
+        <p:nvPr/>
+      </p:nvGrpSpPr>
+      <p:grpSpPr>
+        <a:xfrm>
+          <a:off x="0" y="0"/>
+          <a:ext cx="0" cy="0"/>
+          <a:chOff x="0" y="0"/>
+          <a:chExt cx="0" cy="0"/>
+        </a:xfrm>
+      </p:grpSpPr>
+      <p:sp>
+        <p:nvSpPr>
+          <p:cNvPr id="2" name="Slide Image Placeholder 1"/>
+          <p:cNvSpPr>
+            <a:spLocks noGrp="1" noRot="1" noChangeAspect="1"/>
+          </p:cNvSpPr>
+          <p:nvPr>
+            <p:ph type="sldImg"/>
+          </p:nvPr>
+        </p:nvSpPr>
+        <p:spPr/>
+      </p:sp>
+      <p:sp>
+        <p:nvSpPr>
+          <p:cNvPr id="3" name="Notes Placeholder 2"/>
+          <p:cNvSpPr>
+            <a:spLocks noGrp="1"/>
+          </p:cNvSpPr>
+          <p:nvPr>
+            <p:ph type="body" idx="1"/>
+          </p:nvPr>
+        </p:nvSpPr>
+        <p:spPr/>
+        <p:txBody>
+          <a:bodyPr/>
+          <a:lstStyle/>
+          <a:p>
+            <a:r>
+              <a:rPr lang="en-US" dirty="0" smtClean="0"/>
               <a:t>PHP</a:t>
             </a:r>
             <a:r>
@@ -898,7 +1087,7 @@
           <a:p>
             <a:fld id="{418E688B-F764-3946-880A-E9595C7985CE}" type="slidenum">
               <a:rPr lang="en-US" smtClean="0"/>
-              <a:t>12</a:t>
+              <a:t>16</a:t>
             </a:fld>
             <a:endParaRPr lang="en-US"/>
           </a:p>
@@ -908,6 +1097,501 @@
     <p:extLst>
       <p:ext uri="{BB962C8B-B14F-4D97-AF65-F5344CB8AC3E}">
         <p14:creationId xmlns:p14="http://schemas.microsoft.com/office/powerpoint/2010/main" val="1921267855"/>
+      </p:ext>
+    </p:extLst>
+  </p:cSld>
+  <p:clrMapOvr>
+    <a:masterClrMapping/>
+  </p:clrMapOvr>
+</p:notes>
+</file>
+
+<file path=ppt/notesSlides/notesSlide15.xml><?xml version="1.0" encoding="utf-8"?>
+<p:notes xmlns:a="http://schemas.openxmlformats.org/drawingml/2006/main" xmlns:r="http://schemas.openxmlformats.org/officeDocument/2006/relationships" xmlns:p="http://schemas.openxmlformats.org/presentationml/2006/main">
+  <p:cSld>
+    <p:spTree>
+      <p:nvGrpSpPr>
+        <p:cNvPr id="1" name=""/>
+        <p:cNvGrpSpPr/>
+        <p:nvPr/>
+      </p:nvGrpSpPr>
+      <p:grpSpPr>
+        <a:xfrm>
+          <a:off x="0" y="0"/>
+          <a:ext cx="0" cy="0"/>
+          <a:chOff x="0" y="0"/>
+          <a:chExt cx="0" cy="0"/>
+        </a:xfrm>
+      </p:grpSpPr>
+      <p:sp>
+        <p:nvSpPr>
+          <p:cNvPr id="2" name="Slide Image Placeholder 1"/>
+          <p:cNvSpPr>
+            <a:spLocks noGrp="1" noRot="1" noChangeAspect="1"/>
+          </p:cNvSpPr>
+          <p:nvPr>
+            <p:ph type="sldImg"/>
+          </p:nvPr>
+        </p:nvSpPr>
+        <p:spPr/>
+      </p:sp>
+      <p:sp>
+        <p:nvSpPr>
+          <p:cNvPr id="3" name="Notes Placeholder 2"/>
+          <p:cNvSpPr>
+            <a:spLocks noGrp="1"/>
+          </p:cNvSpPr>
+          <p:nvPr>
+            <p:ph type="body" idx="1"/>
+          </p:nvPr>
+        </p:nvSpPr>
+        <p:spPr/>
+        <p:txBody>
+          <a:bodyPr/>
+          <a:lstStyle/>
+          <a:p>
+            <a:r>
+              <a:rPr lang="en-US" dirty="0" smtClean="0"/>
+              <a:t>We have a very simple template class</a:t>
+            </a:r>
+          </a:p>
+          <a:p>
+            <a:r>
+              <a:rPr lang="en-US" dirty="0" smtClean="0"/>
+              <a:t>we</a:t>
+            </a:r>
+            <a:r>
+              <a:rPr lang="en-US" baseline="0" dirty="0" smtClean="0"/>
+              <a:t> need to be able to give it a template (</a:t>
+            </a:r>
+            <a:r>
+              <a:rPr lang="en-US" baseline="0" dirty="0" err="1" smtClean="0"/>
+              <a:t>flename</a:t>
+            </a:r>
+            <a:r>
+              <a:rPr lang="en-US" baseline="0" dirty="0" smtClean="0"/>
+              <a:t>) to generate</a:t>
+            </a:r>
+          </a:p>
+          <a:p>
+            <a:r>
+              <a:rPr lang="en-US" baseline="0" dirty="0" smtClean="0"/>
+              <a:t>we need to be able to give it data to insert into the template</a:t>
+            </a:r>
+          </a:p>
+          <a:p>
+            <a:r>
+              <a:rPr lang="en-US" baseline="0" dirty="0" smtClean="0"/>
+              <a:t>we need to have some helper functionality for things like escaping our output</a:t>
+            </a:r>
+            <a:endParaRPr lang="en-US" dirty="0"/>
+          </a:p>
+        </p:txBody>
+      </p:sp>
+      <p:sp>
+        <p:nvSpPr>
+          <p:cNvPr id="4" name="Slide Number Placeholder 3"/>
+          <p:cNvSpPr>
+            <a:spLocks noGrp="1"/>
+          </p:cNvSpPr>
+          <p:nvPr>
+            <p:ph type="sldNum" sz="quarter" idx="10"/>
+          </p:nvPr>
+        </p:nvSpPr>
+        <p:spPr/>
+        <p:txBody>
+          <a:bodyPr/>
+          <a:lstStyle/>
+          <a:p>
+            <a:fld id="{418E688B-F764-3946-880A-E9595C7985CE}" type="slidenum">
+              <a:rPr lang="en-US" smtClean="0"/>
+              <a:t>17</a:t>
+            </a:fld>
+            <a:endParaRPr lang="en-US"/>
+          </a:p>
+        </p:txBody>
+      </p:sp>
+    </p:spTree>
+    <p:extLst>
+      <p:ext uri="{BB962C8B-B14F-4D97-AF65-F5344CB8AC3E}">
+        <p14:creationId xmlns:p14="http://schemas.microsoft.com/office/powerpoint/2010/main" val="1658409535"/>
+      </p:ext>
+    </p:extLst>
+  </p:cSld>
+  <p:clrMapOvr>
+    <a:masterClrMapping/>
+  </p:clrMapOvr>
+</p:notes>
+</file>
+
+<file path=ppt/notesSlides/notesSlide16.xml><?xml version="1.0" encoding="utf-8"?>
+<p:notes xmlns:a="http://schemas.openxmlformats.org/drawingml/2006/main" xmlns:r="http://schemas.openxmlformats.org/officeDocument/2006/relationships" xmlns:p="http://schemas.openxmlformats.org/presentationml/2006/main">
+  <p:cSld>
+    <p:spTree>
+      <p:nvGrpSpPr>
+        <p:cNvPr id="1" name=""/>
+        <p:cNvGrpSpPr/>
+        <p:nvPr/>
+      </p:nvGrpSpPr>
+      <p:grpSpPr>
+        <a:xfrm>
+          <a:off x="0" y="0"/>
+          <a:ext cx="0" cy="0"/>
+          <a:chOff x="0" y="0"/>
+          <a:chExt cx="0" cy="0"/>
+        </a:xfrm>
+      </p:grpSpPr>
+      <p:sp>
+        <p:nvSpPr>
+          <p:cNvPr id="2" name="Slide Image Placeholder 1"/>
+          <p:cNvSpPr>
+            <a:spLocks noGrp="1" noRot="1" noChangeAspect="1"/>
+          </p:cNvSpPr>
+          <p:nvPr>
+            <p:ph type="sldImg"/>
+          </p:nvPr>
+        </p:nvSpPr>
+        <p:spPr/>
+      </p:sp>
+      <p:sp>
+        <p:nvSpPr>
+          <p:cNvPr id="3" name="Notes Placeholder 2"/>
+          <p:cNvSpPr>
+            <a:spLocks noGrp="1"/>
+          </p:cNvSpPr>
+          <p:nvPr>
+            <p:ph type="body" idx="1"/>
+          </p:nvPr>
+        </p:nvSpPr>
+        <p:spPr/>
+        <p:txBody>
+          <a:bodyPr/>
+          <a:lstStyle/>
+          <a:p>
+            <a:r>
+              <a:rPr lang="en-US" dirty="0" smtClean="0"/>
+              <a:t>snippets</a:t>
+            </a:r>
+            <a:r>
+              <a:rPr lang="en-US" baseline="0" dirty="0" smtClean="0"/>
+              <a:t> of html</a:t>
+            </a:r>
+            <a:endParaRPr lang="en-US" dirty="0"/>
+          </a:p>
+        </p:txBody>
+      </p:sp>
+      <p:sp>
+        <p:nvSpPr>
+          <p:cNvPr id="4" name="Slide Number Placeholder 3"/>
+          <p:cNvSpPr>
+            <a:spLocks noGrp="1"/>
+          </p:cNvSpPr>
+          <p:nvPr>
+            <p:ph type="sldNum" sz="quarter" idx="10"/>
+          </p:nvPr>
+        </p:nvSpPr>
+        <p:spPr/>
+        <p:txBody>
+          <a:bodyPr/>
+          <a:lstStyle/>
+          <a:p>
+            <a:fld id="{418E688B-F764-3946-880A-E9595C7985CE}" type="slidenum">
+              <a:rPr lang="en-US" smtClean="0"/>
+              <a:t>18</a:t>
+            </a:fld>
+            <a:endParaRPr lang="en-US"/>
+          </a:p>
+        </p:txBody>
+      </p:sp>
+    </p:spTree>
+    <p:extLst>
+      <p:ext uri="{BB962C8B-B14F-4D97-AF65-F5344CB8AC3E}">
+        <p14:creationId xmlns:p14="http://schemas.microsoft.com/office/powerpoint/2010/main" val="3420582633"/>
+      </p:ext>
+    </p:extLst>
+  </p:cSld>
+  <p:clrMapOvr>
+    <a:masterClrMapping/>
+  </p:clrMapOvr>
+</p:notes>
+</file>
+
+<file path=ppt/notesSlides/notesSlide17.xml><?xml version="1.0" encoding="utf-8"?>
+<p:notes xmlns:a="http://schemas.openxmlformats.org/drawingml/2006/main" xmlns:r="http://schemas.openxmlformats.org/officeDocument/2006/relationships" xmlns:p="http://schemas.openxmlformats.org/presentationml/2006/main">
+  <p:cSld>
+    <p:spTree>
+      <p:nvGrpSpPr>
+        <p:cNvPr id="1" name=""/>
+        <p:cNvGrpSpPr/>
+        <p:nvPr/>
+      </p:nvGrpSpPr>
+      <p:grpSpPr>
+        <a:xfrm>
+          <a:off x="0" y="0"/>
+          <a:ext cx="0" cy="0"/>
+          <a:chOff x="0" y="0"/>
+          <a:chExt cx="0" cy="0"/>
+        </a:xfrm>
+      </p:grpSpPr>
+      <p:sp>
+        <p:nvSpPr>
+          <p:cNvPr id="2" name="Slide Image Placeholder 1"/>
+          <p:cNvSpPr>
+            <a:spLocks noGrp="1" noRot="1" noChangeAspect="1"/>
+          </p:cNvSpPr>
+          <p:nvPr>
+            <p:ph type="sldImg"/>
+          </p:nvPr>
+        </p:nvSpPr>
+        <p:spPr/>
+      </p:sp>
+      <p:sp>
+        <p:nvSpPr>
+          <p:cNvPr id="3" name="Notes Placeholder 2"/>
+          <p:cNvSpPr>
+            <a:spLocks noGrp="1"/>
+          </p:cNvSpPr>
+          <p:nvPr>
+            <p:ph type="body" idx="1"/>
+          </p:nvPr>
+        </p:nvSpPr>
+        <p:spPr/>
+        <p:txBody>
+          <a:bodyPr/>
+          <a:lstStyle/>
+          <a:p>
+            <a:r>
+              <a:rPr lang="en-US" dirty="0" smtClean="0"/>
+              <a:t>PHP</a:t>
+            </a:r>
+            <a:r>
+              <a:rPr lang="en-US" baseline="0" dirty="0" smtClean="0"/>
+              <a:t> is a template language – there’s no reason to make things complex</a:t>
+            </a:r>
+          </a:p>
+          <a:p>
+            <a:r>
+              <a:rPr lang="en-US" baseline="0" dirty="0" smtClean="0"/>
+              <a:t>although this is sometimes called “views” the concept is similar</a:t>
+            </a:r>
+          </a:p>
+          <a:p>
+            <a:r>
+              <a:rPr lang="en-US" baseline="0" dirty="0" smtClean="0"/>
+              <a:t>you have a file with placeholders that you want to fill with data before output</a:t>
+            </a:r>
+            <a:endParaRPr lang="en-US" dirty="0"/>
+          </a:p>
+        </p:txBody>
+      </p:sp>
+      <p:sp>
+        <p:nvSpPr>
+          <p:cNvPr id="4" name="Slide Number Placeholder 3"/>
+          <p:cNvSpPr>
+            <a:spLocks noGrp="1"/>
+          </p:cNvSpPr>
+          <p:nvPr>
+            <p:ph type="sldNum" sz="quarter" idx="10"/>
+          </p:nvPr>
+        </p:nvSpPr>
+        <p:spPr/>
+        <p:txBody>
+          <a:bodyPr/>
+          <a:lstStyle/>
+          <a:p>
+            <a:fld id="{418E688B-F764-3946-880A-E9595C7985CE}" type="slidenum">
+              <a:rPr lang="en-US" smtClean="0"/>
+              <a:t>19</a:t>
+            </a:fld>
+            <a:endParaRPr lang="en-US"/>
+          </a:p>
+        </p:txBody>
+      </p:sp>
+    </p:spTree>
+    <p:extLst>
+      <p:ext uri="{BB962C8B-B14F-4D97-AF65-F5344CB8AC3E}">
+        <p14:creationId xmlns:p14="http://schemas.microsoft.com/office/powerpoint/2010/main" val="1921267855"/>
+      </p:ext>
+    </p:extLst>
+  </p:cSld>
+  <p:clrMapOvr>
+    <a:masterClrMapping/>
+  </p:clrMapOvr>
+</p:notes>
+</file>
+
+<file path=ppt/notesSlides/notesSlide18.xml><?xml version="1.0" encoding="utf-8"?>
+<p:notes xmlns:a="http://schemas.openxmlformats.org/drawingml/2006/main" xmlns:r="http://schemas.openxmlformats.org/officeDocument/2006/relationships" xmlns:p="http://schemas.openxmlformats.org/presentationml/2006/main">
+  <p:cSld>
+    <p:spTree>
+      <p:nvGrpSpPr>
+        <p:cNvPr id="1" name=""/>
+        <p:cNvGrpSpPr/>
+        <p:nvPr/>
+      </p:nvGrpSpPr>
+      <p:grpSpPr>
+        <a:xfrm>
+          <a:off x="0" y="0"/>
+          <a:ext cx="0" cy="0"/>
+          <a:chOff x="0" y="0"/>
+          <a:chExt cx="0" cy="0"/>
+        </a:xfrm>
+      </p:grpSpPr>
+      <p:sp>
+        <p:nvSpPr>
+          <p:cNvPr id="2" name="Slide Image Placeholder 1"/>
+          <p:cNvSpPr>
+            <a:spLocks noGrp="1" noRot="1" noChangeAspect="1"/>
+          </p:cNvSpPr>
+          <p:nvPr>
+            <p:ph type="sldImg"/>
+          </p:nvPr>
+        </p:nvSpPr>
+        <p:spPr/>
+      </p:sp>
+      <p:sp>
+        <p:nvSpPr>
+          <p:cNvPr id="3" name="Notes Placeholder 2"/>
+          <p:cNvSpPr>
+            <a:spLocks noGrp="1"/>
+          </p:cNvSpPr>
+          <p:nvPr>
+            <p:ph type="body" idx="1"/>
+          </p:nvPr>
+        </p:nvSpPr>
+        <p:spPr/>
+        <p:txBody>
+          <a:bodyPr/>
+          <a:lstStyle/>
+          <a:p>
+            <a:endParaRPr lang="en-US" dirty="0"/>
+          </a:p>
+        </p:txBody>
+      </p:sp>
+      <p:sp>
+        <p:nvSpPr>
+          <p:cNvPr id="4" name="Slide Number Placeholder 3"/>
+          <p:cNvSpPr>
+            <a:spLocks noGrp="1"/>
+          </p:cNvSpPr>
+          <p:nvPr>
+            <p:ph type="sldNum" sz="quarter" idx="10"/>
+          </p:nvPr>
+        </p:nvSpPr>
+        <p:spPr/>
+        <p:txBody>
+          <a:bodyPr/>
+          <a:lstStyle/>
+          <a:p>
+            <a:fld id="{418E688B-F764-3946-880A-E9595C7985CE}" type="slidenum">
+              <a:rPr lang="en-US" smtClean="0"/>
+              <a:t>20</a:t>
+            </a:fld>
+            <a:endParaRPr lang="en-US"/>
+          </a:p>
+        </p:txBody>
+      </p:sp>
+    </p:spTree>
+    <p:extLst>
+      <p:ext uri="{BB962C8B-B14F-4D97-AF65-F5344CB8AC3E}">
+        <p14:creationId xmlns:p14="http://schemas.microsoft.com/office/powerpoint/2010/main" val="2479793429"/>
+      </p:ext>
+    </p:extLst>
+  </p:cSld>
+  <p:clrMapOvr>
+    <a:masterClrMapping/>
+  </p:clrMapOvr>
+</p:notes>
+</file>
+
+<file path=ppt/notesSlides/notesSlide19.xml><?xml version="1.0" encoding="utf-8"?>
+<p:notes xmlns:a="http://schemas.openxmlformats.org/drawingml/2006/main" xmlns:r="http://schemas.openxmlformats.org/officeDocument/2006/relationships" xmlns:p="http://schemas.openxmlformats.org/presentationml/2006/main">
+  <p:cSld>
+    <p:spTree>
+      <p:nvGrpSpPr>
+        <p:cNvPr id="1" name=""/>
+        <p:cNvGrpSpPr/>
+        <p:nvPr/>
+      </p:nvGrpSpPr>
+      <p:grpSpPr>
+        <a:xfrm>
+          <a:off x="0" y="0"/>
+          <a:ext cx="0" cy="0"/>
+          <a:chOff x="0" y="0"/>
+          <a:chExt cx="0" cy="0"/>
+        </a:xfrm>
+      </p:grpSpPr>
+      <p:sp>
+        <p:nvSpPr>
+          <p:cNvPr id="2" name="Slide Image Placeholder 1"/>
+          <p:cNvSpPr>
+            <a:spLocks noGrp="1" noRot="1" noChangeAspect="1"/>
+          </p:cNvSpPr>
+          <p:nvPr>
+            <p:ph type="sldImg"/>
+          </p:nvPr>
+        </p:nvSpPr>
+        <p:spPr/>
+      </p:sp>
+      <p:sp>
+        <p:nvSpPr>
+          <p:cNvPr id="3" name="Notes Placeholder 2"/>
+          <p:cNvSpPr>
+            <a:spLocks noGrp="1"/>
+          </p:cNvSpPr>
+          <p:nvPr>
+            <p:ph type="body" idx="1"/>
+          </p:nvPr>
+        </p:nvSpPr>
+        <p:spPr/>
+        <p:txBody>
+          <a:bodyPr/>
+          <a:lstStyle/>
+          <a:p>
+            <a:r>
+              <a:rPr lang="en-US" baseline="0" dirty="0" smtClean="0"/>
+              <a:t>And now we have a working application!</a:t>
+            </a:r>
+          </a:p>
+          <a:p>
+            <a:endParaRPr lang="en-US" baseline="0" dirty="0" smtClean="0"/>
+          </a:p>
+          <a:p>
+            <a:r>
+              <a:rPr lang="en-US" baseline="0" dirty="0" smtClean="0"/>
+              <a:t>What can you think of that you'd add to that application?</a:t>
+            </a:r>
+            <a:endParaRPr lang="en-US" baseline="0" dirty="0" smtClean="0"/>
+          </a:p>
+        </p:txBody>
+      </p:sp>
+      <p:sp>
+        <p:nvSpPr>
+          <p:cNvPr id="4" name="Slide Number Placeholder 3"/>
+          <p:cNvSpPr>
+            <a:spLocks noGrp="1"/>
+          </p:cNvSpPr>
+          <p:nvPr>
+            <p:ph type="sldNum" sz="quarter" idx="10"/>
+          </p:nvPr>
+        </p:nvSpPr>
+        <p:spPr/>
+        <p:txBody>
+          <a:bodyPr/>
+          <a:lstStyle/>
+          <a:p>
+            <a:fld id="{418E688B-F764-3946-880A-E9595C7985CE}" type="slidenum">
+              <a:rPr lang="en-US" smtClean="0"/>
+              <a:t>21</a:t>
+            </a:fld>
+            <a:endParaRPr lang="en-US"/>
+          </a:p>
+        </p:txBody>
+      </p:sp>
+    </p:spTree>
+    <p:extLst>
+      <p:ext uri="{BB962C8B-B14F-4D97-AF65-F5344CB8AC3E}">
+        <p14:creationId xmlns:p14="http://schemas.microsoft.com/office/powerpoint/2010/main" val="330699177"/>
       </p:ext>
     </p:extLst>
   </p:cSld>
@@ -963,67 +1647,35 @@
           <a:p>
             <a:r>
               <a:rPr lang="en-US" dirty="0" smtClean="0"/>
-              <a:t>There are four concepts we’ll talk about when organizing a “real” project you want to create with PHP</a:t>
-            </a:r>
-          </a:p>
-          <a:p>
-            <a:r>
-              <a:rPr lang="en-US" dirty="0" smtClean="0"/>
-              <a:t>Part 1 is how we lay out our files on disk and store configuration</a:t>
+              <a:t>So</a:t>
             </a:r>
             <a:r>
               <a:rPr lang="en-US" baseline="0" dirty="0" smtClean="0"/>
-              <a:t> information</a:t>
-            </a:r>
-            <a:r>
-              <a:rPr lang="en-US" dirty="0" smtClean="0"/>
-              <a:t>, this can be important</a:t>
-            </a:r>
-          </a:p>
-          <a:p>
-            <a:r>
-              <a:rPr lang="en-US" dirty="0" smtClean="0"/>
-              <a:t>Part 2 is how we organize “data models” –</a:t>
+              <a:t> here is a really simple application we’re going to write, right now, using all the skills we’ve developed in programming PHP, dealing with the internet, and writing </a:t>
             </a:r>
             <a:r>
               <a:rPr lang="en-US" baseline="0" dirty="0" smtClean="0"/>
-              <a:t> how we communicate with our database</a:t>
+              <a:t>SQL</a:t>
             </a:r>
           </a:p>
           <a:p>
             <a:r>
               <a:rPr lang="en-US" baseline="0" dirty="0" smtClean="0"/>
-              <a:t>Part 3 is how we organize “templates” – keeping our html and </a:t>
-            </a:r>
-            <a:r>
-              <a:rPr lang="en-US" baseline="0" dirty="0" err="1" smtClean="0"/>
-              <a:t>css</a:t>
-            </a:r>
+              <a:t>we're keeping our "Required components" as simple as possible</a:t>
+            </a:r>
+          </a:p>
+          <a:p>
+            <a:endParaRPr lang="en-US" baseline="0" dirty="0" smtClean="0"/>
+          </a:p>
+          <a:p>
             <a:r>
               <a:rPr lang="en-US" baseline="0" dirty="0" smtClean="0"/>
-              <a:t> away from everything else</a:t>
-            </a:r>
-          </a:p>
-          <a:p>
-            <a:r>
-              <a:rPr lang="en-US" baseline="0" dirty="0" smtClean="0"/>
-              <a:t>Part 4 is how we handle routing – giving us pretty </a:t>
-            </a:r>
-            <a:r>
-              <a:rPr lang="en-US" baseline="0" dirty="0" err="1" smtClean="0"/>
-              <a:t>urls</a:t>
+              <a:t>we're not going to describe anything beyond this to start with, we want to keep things as simple as possible</a:t>
             </a:r>
             <a:endParaRPr lang="en-US" baseline="0" dirty="0" smtClean="0"/>
           </a:p>
           <a:p>
             <a:endParaRPr lang="en-US" baseline="0" dirty="0" smtClean="0"/>
-          </a:p>
-          <a:p>
-            <a:r>
-              <a:rPr lang="en-US" baseline="0" dirty="0" smtClean="0"/>
-              <a:t>in the end we’ll have achieved “separation of concerns” – keeping different pieces of our code separated so we can change one without the other</a:t>
-            </a:r>
-            <a:endParaRPr lang="en-US" dirty="0"/>
           </a:p>
         </p:txBody>
       </p:sp>
@@ -1053,7 +1705,7 @@
     </p:spTree>
     <p:extLst>
       <p:ext uri="{BB962C8B-B14F-4D97-AF65-F5344CB8AC3E}">
-        <p14:creationId xmlns:p14="http://schemas.microsoft.com/office/powerpoint/2010/main" val="330699177"/>
+        <p14:creationId xmlns:p14="http://schemas.microsoft.com/office/powerpoint/2010/main" val="3553178449"/>
       </p:ext>
     </p:extLst>
   </p:cSld>
@@ -1109,15 +1761,40 @@
           <a:p>
             <a:r>
               <a:rPr lang="en-US" dirty="0" smtClean="0"/>
-              <a:t>So</a:t>
+              <a:t>A big problem many beginning developers</a:t>
             </a:r>
             <a:r>
               <a:rPr lang="en-US" baseline="0" dirty="0" smtClean="0"/>
-              <a:t> here is a really simple application we’re going to write, right now, using all the skills we’ve developed in programming PHP, dealing with the internet, and writing SQL</a:t>
-            </a:r>
-          </a:p>
-          <a:p>
-            <a:endParaRPr lang="en-US" baseline="0" dirty="0" smtClean="0"/>
+              <a:t> have is moving from "I can write some </a:t>
+            </a:r>
+            <a:r>
+              <a:rPr lang="en-US" baseline="0" dirty="0" err="1" smtClean="0"/>
+              <a:t>php</a:t>
+            </a:r>
+            <a:r>
+              <a:rPr lang="en-US" baseline="0" dirty="0" smtClean="0"/>
+              <a:t>" to "I can start my own new project in </a:t>
+            </a:r>
+            <a:r>
+              <a:rPr lang="en-US" baseline="0" dirty="0" err="1" smtClean="0"/>
+              <a:t>php</a:t>
+            </a:r>
+            <a:r>
+              <a:rPr lang="en-US" baseline="0" dirty="0" smtClean="0"/>
+              <a:t>"</a:t>
+            </a:r>
+          </a:p>
+          <a:p>
+            <a:r>
+              <a:rPr lang="en-US" baseline="0" dirty="0" smtClean="0"/>
+              <a:t>There are a lots of questions that roll into that problem</a:t>
+            </a:r>
+          </a:p>
+          <a:p>
+            <a:r>
+              <a:rPr lang="en-US" baseline="0" dirty="0" smtClean="0"/>
+              <a:t>this is moving beyond a question of "how to program" into "how to architect software" which is a much harder place</a:t>
+            </a:r>
           </a:p>
         </p:txBody>
       </p:sp>
@@ -1147,7 +1824,7 @@
     </p:spTree>
     <p:extLst>
       <p:ext uri="{BB962C8B-B14F-4D97-AF65-F5344CB8AC3E}">
-        <p14:creationId xmlns:p14="http://schemas.microsoft.com/office/powerpoint/2010/main" val="3553178449"/>
+        <p14:creationId xmlns:p14="http://schemas.microsoft.com/office/powerpoint/2010/main" val="1884200132"/>
       </p:ext>
     </p:extLst>
   </p:cSld>
@@ -1203,12 +1880,100 @@
           <a:p>
             <a:r>
               <a:rPr lang="en-US" dirty="0" smtClean="0"/>
-              <a:t>SO</a:t>
+              <a:t>These</a:t>
             </a:r>
             <a:r>
               <a:rPr lang="en-US" baseline="0" dirty="0" smtClean="0"/>
-              <a:t> we’ll start with the most basic thing of all – how do we organize this stuff on disc?</a:t>
-            </a:r>
+              <a:t> are 5 of the most important principles in laying out and designing a project.  We're going go use each of these things as a demonstration in how to lay things out</a:t>
+            </a:r>
+          </a:p>
+          <a:p>
+            <a:r>
+              <a:rPr lang="en-US" baseline="0" dirty="0" smtClean="0"/>
+              <a:t>because these are best displayed by example</a:t>
+            </a:r>
+          </a:p>
+          <a:p>
+            <a:endParaRPr lang="en-US" baseline="0" dirty="0" smtClean="0"/>
+          </a:p>
+          <a:p>
+            <a:r>
+              <a:rPr lang="en-US" baseline="0" dirty="0" smtClean="0"/>
+              <a:t>But hilariously enough like most things in software development we have silly acronyms for them all</a:t>
+            </a:r>
+          </a:p>
+          <a:p>
+            <a:endParaRPr lang="en-US" baseline="0" dirty="0" smtClean="0"/>
+          </a:p>
+          <a:p>
+            <a:r>
+              <a:rPr lang="en-US" dirty="0" smtClean="0"/>
+              <a:t>The DRY principle is stated as “Every piece of knowledge must have a single, unambiguous, authoritative representation within a system.” – don't repeat yourself (use the "rule</a:t>
+            </a:r>
+            <a:r>
+              <a:rPr lang="en-US" baseline="0" dirty="0" smtClean="0"/>
+              <a:t> of three")</a:t>
+            </a:r>
+            <a:endParaRPr lang="en-US" dirty="0" smtClean="0"/>
+          </a:p>
+          <a:p>
+            <a:r>
+              <a:rPr lang="en-US" dirty="0" smtClean="0"/>
+              <a:t>Separation</a:t>
+            </a:r>
+            <a:r>
+              <a:rPr lang="en-US" baseline="0" dirty="0" smtClean="0"/>
+              <a:t> of concerns  Modularity, and hence separation of concerns, is achieved by encapsulating information inside a section of code that has a well-defined interface</a:t>
+            </a:r>
+          </a:p>
+          <a:p>
+            <a:r>
+              <a:rPr lang="en-US" baseline="0" dirty="0" err="1" smtClean="0"/>
+              <a:t>yagni</a:t>
+            </a:r>
+            <a:r>
+              <a:rPr lang="en-US" baseline="0" dirty="0" smtClean="0"/>
+              <a:t> is "you </a:t>
+            </a:r>
+            <a:r>
+              <a:rPr lang="en-US" baseline="0" dirty="0" err="1" smtClean="0"/>
+              <a:t>ain't</a:t>
+            </a:r>
+            <a:r>
+              <a:rPr lang="en-US" baseline="0" dirty="0" smtClean="0"/>
+              <a:t> </a:t>
+            </a:r>
+            <a:r>
+              <a:rPr lang="en-US" baseline="0" dirty="0" err="1" smtClean="0"/>
+              <a:t>gonna</a:t>
+            </a:r>
+            <a:r>
+              <a:rPr lang="en-US" baseline="0" dirty="0" smtClean="0"/>
+              <a:t> need it") – minimize what you design upfront until </a:t>
+            </a:r>
+            <a:r>
+              <a:rPr lang="en-US" baseline="0" dirty="0" err="1" smtClean="0"/>
+              <a:t>ou</a:t>
+            </a:r>
+            <a:r>
+              <a:rPr lang="en-US" baseline="0" dirty="0" smtClean="0"/>
+              <a:t> need it</a:t>
+            </a:r>
+          </a:p>
+          <a:p>
+            <a:r>
+              <a:rPr lang="en-US" baseline="0" dirty="0" smtClean="0"/>
+              <a:t>single responsibility principle – each component or module has one job (one feature, one bit of functionality, or one aggregate of functionality)</a:t>
+            </a:r>
+          </a:p>
+          <a:p>
+            <a:r>
+              <a:rPr lang="en-US" baseline="0" dirty="0" smtClean="0"/>
+              <a:t>LOD – law of Demeter – principle of least knowledge – each object shouldn't know about internal details of another object</a:t>
+            </a:r>
+            <a:endParaRPr lang="en-US" dirty="0" smtClean="0"/>
+          </a:p>
+          <a:p>
             <a:endParaRPr lang="en-US" dirty="0"/>
           </a:p>
         </p:txBody>
@@ -1239,7 +2004,7 @@
     </p:spTree>
     <p:extLst>
       <p:ext uri="{BB962C8B-B14F-4D97-AF65-F5344CB8AC3E}">
-        <p14:creationId xmlns:p14="http://schemas.microsoft.com/office/powerpoint/2010/main" val="1921267855"/>
+        <p14:creationId xmlns:p14="http://schemas.microsoft.com/office/powerpoint/2010/main" val="2677762798"/>
       </p:ext>
     </p:extLst>
   </p:cSld>
@@ -1295,45 +2060,39 @@
           <a:p>
             <a:r>
               <a:rPr lang="en-US" dirty="0" smtClean="0"/>
-              <a:t>First</a:t>
+              <a:t>SO</a:t>
             </a:r>
             <a:r>
               <a:rPr lang="en-US" baseline="0" dirty="0" smtClean="0"/>
-              <a:t> rule of thumb, anything you don</a:t>
-            </a:r>
-            <a:r>
-              <a:rPr lang="fr-FR" baseline="0" dirty="0" smtClean="0"/>
-              <a:t>’</a:t>
+              <a:t> we’ll start with the most basic thing of all – how do we </a:t>
             </a:r>
             <a:r>
               <a:rPr lang="en-US" baseline="0" dirty="0" smtClean="0"/>
-              <a:t>t’ want the user to be able to put into a </a:t>
-            </a:r>
-            <a:r>
-              <a:rPr lang="en-US" baseline="0" dirty="0" err="1" smtClean="0"/>
-              <a:t>url</a:t>
+              <a:t>organize </a:t>
             </a:r>
             <a:r>
               <a:rPr lang="en-US" baseline="0" dirty="0" smtClean="0"/>
-              <a:t> and access should NEVER be in your </a:t>
-            </a:r>
-            <a:r>
-              <a:rPr lang="en-US" baseline="0" dirty="0" err="1" smtClean="0"/>
-              <a:t>webroot</a:t>
-            </a:r>
+              <a:t>this stuff on disc</a:t>
+            </a:r>
+            <a:r>
+              <a:rPr lang="en-US" baseline="0" dirty="0" smtClean="0"/>
+              <a:t>?</a:t>
+            </a:r>
+          </a:p>
+          <a:p>
+            <a:r>
+              <a:rPr lang="en-US" baseline="0" dirty="0" smtClean="0"/>
+              <a:t>Because we need to decide where data is going and how it's getting there</a:t>
+            </a:r>
+          </a:p>
+          <a:p>
             <a:endParaRPr lang="en-US" baseline="0" dirty="0" smtClean="0"/>
           </a:p>
           <a:p>
             <a:r>
-              <a:rPr lang="en-US" baseline="0" dirty="0" err="1" smtClean="0"/>
-              <a:t>docroot</a:t>
-            </a:r>
-            <a:endParaRPr lang="en-US" baseline="0" dirty="0" smtClean="0"/>
-          </a:p>
-          <a:p>
-            <a:endParaRPr lang="en-US" baseline="0" dirty="0" smtClean="0"/>
-          </a:p>
-          <a:p>
+              <a:rPr lang="en-US" baseline="0" dirty="0" smtClean="0"/>
+              <a:t>The principal we'll talk about here is the I'm not sure – probably you're not going to need it? perhaps?</a:t>
+            </a:r>
             <a:endParaRPr lang="en-US" dirty="0"/>
           </a:p>
         </p:txBody>
@@ -1364,7 +2123,7 @@
     </p:spTree>
     <p:extLst>
       <p:ext uri="{BB962C8B-B14F-4D97-AF65-F5344CB8AC3E}">
-        <p14:creationId xmlns:p14="http://schemas.microsoft.com/office/powerpoint/2010/main" val="282481594"/>
+        <p14:creationId xmlns:p14="http://schemas.microsoft.com/office/powerpoint/2010/main" val="1921267855"/>
       </p:ext>
     </p:extLst>
   </p:cSld>
@@ -1420,14 +2179,55 @@
           <a:p>
             <a:r>
               <a:rPr lang="en-US" dirty="0" smtClean="0"/>
-              <a:t>Data</a:t>
+              <a:t>So this is the basic way in which almost all PHP projects are laid out in this day and age</a:t>
+            </a:r>
+          </a:p>
+          <a:p>
+            <a:endParaRPr lang="en-US" dirty="0" smtClean="0"/>
+          </a:p>
+          <a:p>
+            <a:r>
+              <a:rPr lang="en-US" dirty="0" smtClean="0"/>
+              <a:t>data is the place where we'll store our database information – this might</a:t>
             </a:r>
             <a:r>
               <a:rPr lang="en-US" baseline="0" dirty="0" smtClean="0"/>
-              <a:t> models – if you group all of your data together into classes – you’ll find it’s much easier to change and manipulate the way your data works</a:t>
-            </a:r>
-          </a:p>
-          <a:p>
+              <a:t> be used for cache or something else</a:t>
+            </a:r>
+          </a:p>
+          <a:p>
+            <a:r>
+              <a:rPr lang="en-US" baseline="0" dirty="0" err="1" smtClean="0"/>
+              <a:t>config</a:t>
+            </a:r>
+            <a:r>
+              <a:rPr lang="en-US" baseline="0" dirty="0" smtClean="0"/>
+              <a:t> is the place to store configuration information</a:t>
+            </a:r>
+          </a:p>
+          <a:p>
+            <a:r>
+              <a:rPr lang="en-US" baseline="0" dirty="0" err="1" smtClean="0"/>
+              <a:t>src</a:t>
+            </a:r>
+            <a:r>
+              <a:rPr lang="en-US" baseline="0" dirty="0" smtClean="0"/>
+              <a:t> will be the majority of the actual </a:t>
+            </a:r>
+            <a:r>
+              <a:rPr lang="en-US" baseline="0" dirty="0" err="1" smtClean="0"/>
+              <a:t>php</a:t>
+            </a:r>
+            <a:r>
+              <a:rPr lang="en-US" baseline="0" dirty="0" smtClean="0"/>
+              <a:t> code for our application</a:t>
+            </a:r>
+          </a:p>
+          <a:p>
+            <a:r>
+              <a:rPr lang="en-US" baseline="0" dirty="0" smtClean="0"/>
+              <a:t>public is where the information you want to see via the web</a:t>
+            </a:r>
             <a:endParaRPr lang="en-US" dirty="0"/>
           </a:p>
         </p:txBody>
@@ -1458,7 +2258,7 @@
     </p:spTree>
     <p:extLst>
       <p:ext uri="{BB962C8B-B14F-4D97-AF65-F5344CB8AC3E}">
-        <p14:creationId xmlns:p14="http://schemas.microsoft.com/office/powerpoint/2010/main" val="1921267855"/>
+        <p14:creationId xmlns:p14="http://schemas.microsoft.com/office/powerpoint/2010/main" val="1930757139"/>
       </p:ext>
     </p:extLst>
   </p:cSld>
@@ -1514,24 +2314,52 @@
           <a:p>
             <a:r>
               <a:rPr lang="en-US" dirty="0" smtClean="0"/>
-              <a:t>The connection class is designed to be a simple, well designed way to talk to the database</a:t>
-            </a:r>
-          </a:p>
-          <a:p>
-            <a:r>
-              <a:rPr lang="en-US" dirty="0" smtClean="0"/>
-              <a:t>Each</a:t>
+              <a:t>First</a:t>
             </a:r>
             <a:r>
               <a:rPr lang="en-US" baseline="0" dirty="0" smtClean="0"/>
-              <a:t> data model will require this class to be passed into it</a:t>
-            </a:r>
-          </a:p>
-          <a:p>
+              <a:t> rule of thumb, anything you don</a:t>
+            </a:r>
+            <a:r>
+              <a:rPr lang="fr-FR" baseline="0" dirty="0" smtClean="0"/>
+              <a:t>’</a:t>
+            </a:r>
             <a:r>
               <a:rPr lang="en-US" baseline="0" dirty="0" smtClean="0"/>
-              <a:t>This is often known as “dependency injection” – we pass in the things that are necessary for the object when we create it</a:t>
-            </a:r>
+              <a:t>t’ want the user to be able to put into a </a:t>
+            </a:r>
+            <a:r>
+              <a:rPr lang="en-US" baseline="0" dirty="0" err="1" smtClean="0"/>
+              <a:t>url</a:t>
+            </a:r>
+            <a:r>
+              <a:rPr lang="en-US" baseline="0" dirty="0" smtClean="0"/>
+              <a:t> and access should NEVER be in your </a:t>
+            </a:r>
+            <a:r>
+              <a:rPr lang="en-US" baseline="0" dirty="0" err="1" smtClean="0"/>
+              <a:t>webroot</a:t>
+            </a:r>
+            <a:endParaRPr lang="en-US" baseline="0" dirty="0" smtClean="0"/>
+          </a:p>
+          <a:p>
+            <a:r>
+              <a:rPr lang="en-US" baseline="0" dirty="0" err="1" smtClean="0"/>
+              <a:t>docroot</a:t>
+            </a:r>
+            <a:endParaRPr lang="en-US" baseline="0" dirty="0" smtClean="0"/>
+          </a:p>
+          <a:p>
+            <a:endParaRPr lang="en-US" baseline="0" dirty="0" smtClean="0"/>
+          </a:p>
+          <a:p>
+            <a:r>
+              <a:rPr lang="en-US" baseline="0" dirty="0" smtClean="0"/>
+              <a:t>if you're doing hosting somewhere you ALWAYS need to know what this is</a:t>
+            </a:r>
+            <a:endParaRPr lang="en-US" baseline="0" dirty="0" smtClean="0"/>
+          </a:p>
+          <a:p>
             <a:endParaRPr lang="en-US" dirty="0"/>
           </a:p>
         </p:txBody>
@@ -1562,7 +2390,7 @@
     </p:spTree>
     <p:extLst>
       <p:ext uri="{BB962C8B-B14F-4D97-AF65-F5344CB8AC3E}">
-        <p14:creationId xmlns:p14="http://schemas.microsoft.com/office/powerpoint/2010/main" val="2942844580"/>
+        <p14:creationId xmlns:p14="http://schemas.microsoft.com/office/powerpoint/2010/main" val="282481594"/>
       </p:ext>
     </p:extLst>
   </p:cSld>
@@ -1618,7 +2446,54 @@
           <a:p>
             <a:r>
               <a:rPr lang="en-US" dirty="0" smtClean="0"/>
-              <a:t>So we’re creating two models – each with some very very basic information about our application</a:t>
+              <a:t>These are the</a:t>
+            </a:r>
+            <a:r>
+              <a:rPr lang="en-US" baseline="0" dirty="0" smtClean="0"/>
+              <a:t> actual we files we want in our public place</a:t>
+            </a:r>
+          </a:p>
+          <a:p>
+            <a:r>
+              <a:rPr lang="en-US" baseline="0" dirty="0" smtClean="0"/>
+              <a:t>anything that you will need to access via a </a:t>
+            </a:r>
+            <a:r>
+              <a:rPr lang="en-US" baseline="0" dirty="0" err="1" smtClean="0"/>
+              <a:t>url</a:t>
+            </a:r>
+            <a:r>
+              <a:rPr lang="en-US" baseline="0" dirty="0" smtClean="0"/>
+              <a:t> – an image, </a:t>
+            </a:r>
+            <a:r>
+              <a:rPr lang="en-US" baseline="0" dirty="0" err="1" smtClean="0"/>
+              <a:t>css</a:t>
+            </a:r>
+            <a:r>
+              <a:rPr lang="en-US" baseline="0" dirty="0" smtClean="0"/>
+              <a:t> files, will need to be in this public directory</a:t>
+            </a:r>
+          </a:p>
+          <a:p>
+            <a:r>
+              <a:rPr lang="en-US" baseline="0" dirty="0" smtClean="0"/>
+              <a:t>The second part of this is telling your webserver where this location is</a:t>
+            </a:r>
+          </a:p>
+          <a:p>
+            <a:r>
+              <a:rPr lang="en-US" baseline="0" dirty="0" smtClean="0"/>
+              <a:t>for this, we will need to pass a –t argument</a:t>
+            </a:r>
+          </a:p>
+          <a:p>
+            <a:endParaRPr lang="en-US" baseline="0" dirty="0" smtClean="0"/>
+          </a:p>
+          <a:p>
+            <a:r>
+              <a:rPr lang="en-US" baseline="0" dirty="0" smtClean="0"/>
+              <a:t>TODO: a bash file and batch file in the repo to double click to run it from that location</a:t>
             </a:r>
             <a:endParaRPr lang="en-US" dirty="0"/>
           </a:p>
@@ -1650,7 +2525,7 @@
     </p:spTree>
     <p:extLst>
       <p:ext uri="{BB962C8B-B14F-4D97-AF65-F5344CB8AC3E}">
-        <p14:creationId xmlns:p14="http://schemas.microsoft.com/office/powerpoint/2010/main" val="1399912607"/>
+        <p14:creationId xmlns:p14="http://schemas.microsoft.com/office/powerpoint/2010/main" val="3094314137"/>
       </p:ext>
     </p:extLst>
   </p:cSld>
@@ -1706,24 +2581,20 @@
           <a:p>
             <a:r>
               <a:rPr lang="en-US" dirty="0" smtClean="0"/>
-              <a:t>PHP</a:t>
+              <a:t>This is often</a:t>
             </a:r>
             <a:r>
               <a:rPr lang="en-US" baseline="0" dirty="0" smtClean="0"/>
-              <a:t> is a template language – there’s no reason to make things complex</a:t>
+              <a:t> called "Model View Controller" – This is probably and overly simplified term, but we will be splitting up our application into this basic concept</a:t>
             </a:r>
           </a:p>
           <a:p>
             <a:r>
               <a:rPr lang="en-US" baseline="0" dirty="0" smtClean="0"/>
-              <a:t>although this is sometimes called “views” the concept is similar</a:t>
-            </a:r>
-          </a:p>
-          <a:p>
-            <a:r>
-              <a:rPr lang="en-US" baseline="0" dirty="0" smtClean="0"/>
-              <a:t>you have a file with placeholders that you want to fill with data before output</a:t>
-            </a:r>
+              <a:t>Sometimes these come with other names but in a practical manner almost every application is broken up into the data and where it's stored, the logic of the application, and how our application is displayed</a:t>
+            </a:r>
+          </a:p>
+          <a:p>
             <a:endParaRPr lang="en-US" dirty="0"/>
           </a:p>
         </p:txBody>
@@ -1754,7 +2625,7 @@
     </p:spTree>
     <p:extLst>
       <p:ext uri="{BB962C8B-B14F-4D97-AF65-F5344CB8AC3E}">
-        <p14:creationId xmlns:p14="http://schemas.microsoft.com/office/powerpoint/2010/main" val="1921267855"/>
+        <p14:creationId xmlns:p14="http://schemas.microsoft.com/office/powerpoint/2010/main" val="3976876235"/>
       </p:ext>
     </p:extLst>
   </p:cSld>
@@ -1945,7 +2816,7 @@
           <a:p>
             <a:fld id="{4E01A416-0C0F-2245-A2B5-2B251728910F}" type="datetimeFigureOut">
               <a:rPr lang="en-US" smtClean="0"/>
-              <a:t>3/28/15</a:t>
+              <a:t>4/11/2015</a:t>
             </a:fld>
             <a:endParaRPr lang="en-US"/>
           </a:p>
@@ -2115,7 +2986,7 @@
           <a:p>
             <a:fld id="{4E01A416-0C0F-2245-A2B5-2B251728910F}" type="datetimeFigureOut">
               <a:rPr lang="en-US" smtClean="0"/>
-              <a:t>3/28/15</a:t>
+              <a:t>4/11/2015</a:t>
             </a:fld>
             <a:endParaRPr lang="en-US"/>
           </a:p>
@@ -2295,7 +3166,7 @@
           <a:p>
             <a:fld id="{4E01A416-0C0F-2245-A2B5-2B251728910F}" type="datetimeFigureOut">
               <a:rPr lang="en-US" smtClean="0"/>
-              <a:t>3/28/15</a:t>
+              <a:t>4/11/2015</a:t>
             </a:fld>
             <a:endParaRPr lang="en-US"/>
           </a:p>
@@ -2465,7 +3336,7 @@
           <a:p>
             <a:fld id="{4E01A416-0C0F-2245-A2B5-2B251728910F}" type="datetimeFigureOut">
               <a:rPr lang="en-US" smtClean="0"/>
-              <a:t>3/28/15</a:t>
+              <a:t>4/11/2015</a:t>
             </a:fld>
             <a:endParaRPr lang="en-US"/>
           </a:p>
@@ -2711,7 +3582,7 @@
           <a:p>
             <a:fld id="{4E01A416-0C0F-2245-A2B5-2B251728910F}" type="datetimeFigureOut">
               <a:rPr lang="en-US" smtClean="0"/>
-              <a:t>3/28/15</a:t>
+              <a:t>4/11/2015</a:t>
             </a:fld>
             <a:endParaRPr lang="en-US"/>
           </a:p>
@@ -2999,7 +3870,7 @@
           <a:p>
             <a:fld id="{4E01A416-0C0F-2245-A2B5-2B251728910F}" type="datetimeFigureOut">
               <a:rPr lang="en-US" smtClean="0"/>
-              <a:t>3/28/15</a:t>
+              <a:t>4/11/2015</a:t>
             </a:fld>
             <a:endParaRPr lang="en-US"/>
           </a:p>
@@ -3421,7 +4292,7 @@
           <a:p>
             <a:fld id="{4E01A416-0C0F-2245-A2B5-2B251728910F}" type="datetimeFigureOut">
               <a:rPr lang="en-US" smtClean="0"/>
-              <a:t>3/28/15</a:t>
+              <a:t>4/11/2015</a:t>
             </a:fld>
             <a:endParaRPr lang="en-US"/>
           </a:p>
@@ -3539,7 +4410,7 @@
           <a:p>
             <a:fld id="{4E01A416-0C0F-2245-A2B5-2B251728910F}" type="datetimeFigureOut">
               <a:rPr lang="en-US" smtClean="0"/>
-              <a:t>3/28/15</a:t>
+              <a:t>4/11/2015</a:t>
             </a:fld>
             <a:endParaRPr lang="en-US"/>
           </a:p>
@@ -3634,7 +4505,7 @@
           <a:p>
             <a:fld id="{4E01A416-0C0F-2245-A2B5-2B251728910F}" type="datetimeFigureOut">
               <a:rPr lang="en-US" smtClean="0"/>
-              <a:t>3/28/15</a:t>
+              <a:t>4/11/2015</a:t>
             </a:fld>
             <a:endParaRPr lang="en-US"/>
           </a:p>
@@ -3911,7 +4782,7 @@
           <a:p>
             <a:fld id="{4E01A416-0C0F-2245-A2B5-2B251728910F}" type="datetimeFigureOut">
               <a:rPr lang="en-US" smtClean="0"/>
-              <a:t>3/28/15</a:t>
+              <a:t>4/11/2015</a:t>
             </a:fld>
             <a:endParaRPr lang="en-US"/>
           </a:p>
@@ -4164,7 +5035,7 @@
           <a:p>
             <a:fld id="{4E01A416-0C0F-2245-A2B5-2B251728910F}" type="datetimeFigureOut">
               <a:rPr lang="en-US" smtClean="0"/>
-              <a:t>3/28/15</a:t>
+              <a:t>4/11/2015</a:t>
             </a:fld>
             <a:endParaRPr lang="en-US"/>
           </a:p>
@@ -4377,7 +5248,7 @@
           <a:p>
             <a:fld id="{4E01A416-0C0F-2245-A2B5-2B251728910F}" type="datetimeFigureOut">
               <a:rPr lang="en-US" smtClean="0"/>
-              <a:t>3/28/15</a:t>
+              <a:t>4/11/2015</a:t>
             </a:fld>
             <a:endParaRPr lang="en-US"/>
           </a:p>
@@ -4791,8 +5662,8 @@
           <a:lstStyle/>
           <a:p>
             <a:r>
-              <a:rPr lang="en-US" dirty="0" smtClean="0"/>
-              <a:t>Keeping things separated</a:t>
+              <a:rPr lang="en-US" dirty="0"/>
+              <a:t>From Programming to Architecture</a:t>
             </a:r>
             <a:endParaRPr lang="en-US" dirty="0"/>
           </a:p>
@@ -4808,6 +5679,13 @@
   <p:clrMapOvr>
     <a:masterClrMapping/>
   </p:clrMapOvr>
+  <p:timing>
+    <p:tnLst>
+      <p:par>
+        <p:cTn id="1" dur="indefinite" restart="never" nodeType="tmRoot"/>
+      </p:par>
+    </p:tnLst>
+  </p:timing>
 </p:sld>
 </file>
 
@@ -4830,7 +5708,7 @@
       </p:grpSpPr>
       <p:sp>
         <p:nvSpPr>
-          <p:cNvPr id="4" name="Title 3"/>
+          <p:cNvPr id="2" name="Title 1"/>
           <p:cNvSpPr>
             <a:spLocks noGrp="1"/>
           </p:cNvSpPr>
@@ -4845,7 +5723,7 @@
           <a:p>
             <a:r>
               <a:rPr lang="en-US" dirty="0" smtClean="0"/>
-              <a:t>Template Class</a:t>
+              <a:t>App Layout</a:t>
             </a:r>
             <a:endParaRPr lang="en-US" dirty="0"/>
           </a:p>
@@ -4853,7 +5731,7 @@
       </p:sp>
       <p:sp>
         <p:nvSpPr>
-          <p:cNvPr id="5" name="Content Placeholder 4"/>
+          <p:cNvPr id="3" name="Content Placeholder 2"/>
           <p:cNvSpPr>
             <a:spLocks noGrp="1"/>
           </p:cNvSpPr>
@@ -4861,20 +5739,88 @@
             <p:ph idx="1"/>
           </p:nvPr>
         </p:nvSpPr>
-        <p:spPr/>
-        <p:txBody>
-          <a:bodyPr/>
-          <a:lstStyle/>
-          <a:p>
-            <a:r>
-              <a:rPr lang="en-US" dirty="0" smtClean="0"/>
-              <a:t>Holds the data to display</a:t>
-            </a:r>
-          </a:p>
-          <a:p>
-            <a:r>
-              <a:rPr lang="en-US" dirty="0" smtClean="0"/>
-              <a:t>Has “helpers” for common functionality</a:t>
+        <p:spPr>
+          <a:solidFill>
+            <a:schemeClr val="bg1">
+              <a:lumMod val="85000"/>
+            </a:schemeClr>
+          </a:solidFill>
+          <a:ln>
+            <a:solidFill>
+              <a:schemeClr val="tx1"/>
+            </a:solidFill>
+          </a:ln>
+        </p:spPr>
+        <p:txBody>
+          <a:bodyPr/>
+          <a:lstStyle/>
+          <a:p>
+            <a:pPr marL="0" indent="0">
+              <a:buNone/>
+            </a:pPr>
+            <a:r>
+              <a:rPr lang="en-US" dirty="0" smtClean="0">
+                <a:latin typeface="Lucida Console" panose="020B0609040504020204" pitchFamily="49" charset="0"/>
+              </a:rPr>
+              <a:t>/</a:t>
+            </a:r>
+            <a:r>
+              <a:rPr lang="en-US" dirty="0" err="1" smtClean="0">
+                <a:latin typeface="Lucida Console" panose="020B0609040504020204" pitchFamily="49" charset="0"/>
+              </a:rPr>
+              <a:t>src</a:t>
+            </a:r>
+            <a:r>
+              <a:rPr lang="en-US" dirty="0" smtClean="0">
+                <a:latin typeface="Lucida Console" panose="020B0609040504020204" pitchFamily="49" charset="0"/>
+              </a:rPr>
+              <a:t>/model</a:t>
+            </a:r>
+          </a:p>
+          <a:p>
+            <a:pPr marL="0" indent="0">
+              <a:buNone/>
+            </a:pPr>
+            <a:r>
+              <a:rPr lang="en-US" dirty="0" smtClean="0">
+                <a:latin typeface="Lucida Console" panose="020B0609040504020204" pitchFamily="49" charset="0"/>
+              </a:rPr>
+              <a:t>/</a:t>
+            </a:r>
+            <a:r>
+              <a:rPr lang="en-US" dirty="0" err="1" smtClean="0">
+                <a:latin typeface="Lucida Console" panose="020B0609040504020204" pitchFamily="49" charset="0"/>
+              </a:rPr>
+              <a:t>src</a:t>
+            </a:r>
+            <a:r>
+              <a:rPr lang="en-US" dirty="0" smtClean="0">
+                <a:latin typeface="Lucida Console" panose="020B0609040504020204" pitchFamily="49" charset="0"/>
+              </a:rPr>
+              <a:t>/view</a:t>
+            </a:r>
+          </a:p>
+          <a:p>
+            <a:pPr marL="0" indent="0">
+              <a:buNone/>
+            </a:pPr>
+            <a:r>
+              <a:rPr lang="en-US" dirty="0" smtClean="0">
+                <a:latin typeface="Lucida Console" panose="020B0609040504020204" pitchFamily="49" charset="0"/>
+              </a:rPr>
+              <a:t>/</a:t>
+            </a:r>
+            <a:r>
+              <a:rPr lang="en-US" dirty="0" err="1" smtClean="0">
+                <a:latin typeface="Lucida Console" panose="020B0609040504020204" pitchFamily="49" charset="0"/>
+              </a:rPr>
+              <a:t>src</a:t>
+            </a:r>
+            <a:r>
+              <a:rPr lang="en-US" dirty="0" smtClean="0">
+                <a:latin typeface="Lucida Console" panose="020B0609040504020204" pitchFamily="49" charset="0"/>
+              </a:rPr>
+              <a:t>/controller</a:t>
             </a:r>
           </a:p>
         </p:txBody>
@@ -4882,13 +5828,20 @@
     </p:spTree>
     <p:extLst>
       <p:ext uri="{BB962C8B-B14F-4D97-AF65-F5344CB8AC3E}">
-        <p14:creationId xmlns:p14="http://schemas.microsoft.com/office/powerpoint/2010/main" val="2186060473"/>
+        <p14:creationId xmlns:p14="http://schemas.microsoft.com/office/powerpoint/2010/main" val="1457151993"/>
       </p:ext>
     </p:extLst>
   </p:cSld>
   <p:clrMapOvr>
     <a:masterClrMapping/>
   </p:clrMapOvr>
+  <p:timing>
+    <p:tnLst>
+      <p:par>
+        <p:cTn id="1" dur="indefinite" restart="never" nodeType="tmRoot"/>
+      </p:par>
+    </p:tnLst>
+  </p:timing>
 </p:sld>
 </file>
 
@@ -4926,7 +5879,7 @@
           <a:p>
             <a:r>
               <a:rPr lang="en-US" dirty="0" smtClean="0"/>
-              <a:t>Template File</a:t>
+              <a:t>Configuration</a:t>
             </a:r>
             <a:endParaRPr lang="en-US" dirty="0"/>
           </a:p>
@@ -4949,39 +5902,7 @@
           <a:p>
             <a:r>
               <a:rPr lang="en-US" dirty="0" smtClean="0"/>
-              <a:t>Mainly HTML</a:t>
-            </a:r>
-          </a:p>
-          <a:p>
-            <a:r>
-              <a:rPr lang="en-US" dirty="0" smtClean="0"/>
-              <a:t>Shortcut echo tags</a:t>
-            </a:r>
-          </a:p>
-          <a:p>
-            <a:r>
-              <a:rPr lang="en-US" dirty="0" smtClean="0"/>
-              <a:t>Very little logic </a:t>
-            </a:r>
-          </a:p>
-          <a:p>
-            <a:pPr lvl="1"/>
-            <a:r>
-              <a:rPr lang="en-US" dirty="0" smtClean="0"/>
-              <a:t>simple conditionals</a:t>
-            </a:r>
-          </a:p>
-          <a:p>
-            <a:pPr lvl="1"/>
-            <a:r>
-              <a:rPr lang="en-US" dirty="0" smtClean="0"/>
-              <a:t>simple loops</a:t>
-            </a:r>
-          </a:p>
-          <a:p>
-            <a:r>
-              <a:rPr lang="en-US" dirty="0" smtClean="0"/>
-              <a:t>Might include other templates</a:t>
+              <a:t>Information that might change</a:t>
             </a:r>
           </a:p>
         </p:txBody>
@@ -4989,13 +5910,20 @@
     </p:spTree>
     <p:extLst>
       <p:ext uri="{BB962C8B-B14F-4D97-AF65-F5344CB8AC3E}">
-        <p14:creationId xmlns:p14="http://schemas.microsoft.com/office/powerpoint/2010/main" val="219596888"/>
+        <p14:creationId xmlns:p14="http://schemas.microsoft.com/office/powerpoint/2010/main" val="339176284"/>
       </p:ext>
     </p:extLst>
   </p:cSld>
   <p:clrMapOvr>
     <a:masterClrMapping/>
   </p:clrMapOvr>
+  <p:timing>
+    <p:tnLst>
+      <p:par>
+        <p:cTn id="1" dur="indefinite" restart="never" nodeType="tmRoot"/>
+      </p:par>
+    </p:tnLst>
+  </p:timing>
 </p:sld>
 </file>
 
@@ -5033,6 +5961,668 @@
           <a:p>
             <a:r>
               <a:rPr lang="en-US" dirty="0" smtClean="0"/>
+              <a:t>Data Models</a:t>
+            </a:r>
+            <a:endParaRPr lang="en-US" dirty="0"/>
+          </a:p>
+        </p:txBody>
+      </p:sp>
+      <p:sp>
+        <p:nvSpPr>
+          <p:cNvPr id="5" name="Text Placeholder 4"/>
+          <p:cNvSpPr>
+            <a:spLocks noGrp="1"/>
+          </p:cNvSpPr>
+          <p:nvPr>
+            <p:ph type="body" idx="1"/>
+          </p:nvPr>
+        </p:nvSpPr>
+        <p:spPr/>
+        <p:txBody>
+          <a:bodyPr/>
+          <a:lstStyle/>
+          <a:p>
+            <a:r>
+              <a:rPr lang="en-US" dirty="0" smtClean="0"/>
+              <a:t>Lesson 2:</a:t>
+            </a:r>
+            <a:endParaRPr lang="en-US" dirty="0"/>
+          </a:p>
+        </p:txBody>
+      </p:sp>
+    </p:spTree>
+    <p:extLst>
+      <p:ext uri="{BB962C8B-B14F-4D97-AF65-F5344CB8AC3E}">
+        <p14:creationId xmlns:p14="http://schemas.microsoft.com/office/powerpoint/2010/main" val="2248627708"/>
+      </p:ext>
+    </p:extLst>
+  </p:cSld>
+  <p:clrMapOvr>
+    <a:masterClrMapping/>
+  </p:clrMapOvr>
+  <p:timing>
+    <p:tnLst>
+      <p:par>
+        <p:cTn id="1" dur="indefinite" restart="never" nodeType="tmRoot"/>
+      </p:par>
+    </p:tnLst>
+  </p:timing>
+</p:sld>
+</file>
+
+<file path=ppt/slides/slide13.xml><?xml version="1.0" encoding="utf-8"?>
+<p:sld xmlns:a="http://schemas.openxmlformats.org/drawingml/2006/main" xmlns:r="http://schemas.openxmlformats.org/officeDocument/2006/relationships" xmlns:p="http://schemas.openxmlformats.org/presentationml/2006/main">
+  <p:cSld>
+    <p:spTree>
+      <p:nvGrpSpPr>
+        <p:cNvPr id="1" name=""/>
+        <p:cNvGrpSpPr/>
+        <p:nvPr/>
+      </p:nvGrpSpPr>
+      <p:grpSpPr>
+        <a:xfrm>
+          <a:off x="0" y="0"/>
+          <a:ext cx="0" cy="0"/>
+          <a:chOff x="0" y="0"/>
+          <a:chExt cx="0" cy="0"/>
+        </a:xfrm>
+      </p:grpSpPr>
+      <p:sp>
+        <p:nvSpPr>
+          <p:cNvPr id="4" name="Title 3"/>
+          <p:cNvSpPr>
+            <a:spLocks noGrp="1"/>
+          </p:cNvSpPr>
+          <p:nvPr>
+            <p:ph type="title"/>
+          </p:nvPr>
+        </p:nvSpPr>
+        <p:spPr/>
+        <p:txBody>
+          <a:bodyPr/>
+          <a:lstStyle/>
+          <a:p>
+            <a:r>
+              <a:rPr lang="en-US" dirty="0" smtClean="0"/>
+              <a:t>Connection Class</a:t>
+            </a:r>
+            <a:endParaRPr lang="en-US" dirty="0"/>
+          </a:p>
+        </p:txBody>
+      </p:sp>
+      <p:sp>
+        <p:nvSpPr>
+          <p:cNvPr id="5" name="Content Placeholder 4"/>
+          <p:cNvSpPr>
+            <a:spLocks noGrp="1"/>
+          </p:cNvSpPr>
+          <p:nvPr>
+            <p:ph idx="1"/>
+          </p:nvPr>
+        </p:nvSpPr>
+        <p:spPr/>
+        <p:txBody>
+          <a:bodyPr/>
+          <a:lstStyle/>
+          <a:p>
+            <a:r>
+              <a:rPr lang="en-US" dirty="0" smtClean="0"/>
+              <a:t>Talks to the database</a:t>
+            </a:r>
+          </a:p>
+          <a:p>
+            <a:r>
+              <a:rPr lang="en-US" dirty="0" smtClean="0"/>
+              <a:t>Used by all model classes</a:t>
+            </a:r>
+          </a:p>
+          <a:p>
+            <a:r>
+              <a:rPr lang="en-US" dirty="0" smtClean="0"/>
+              <a:t>Created only once per request</a:t>
+            </a:r>
+            <a:endParaRPr lang="en-US" dirty="0"/>
+          </a:p>
+        </p:txBody>
+      </p:sp>
+    </p:spTree>
+    <p:extLst>
+      <p:ext uri="{BB962C8B-B14F-4D97-AF65-F5344CB8AC3E}">
+        <p14:creationId xmlns:p14="http://schemas.microsoft.com/office/powerpoint/2010/main" val="3107775830"/>
+      </p:ext>
+    </p:extLst>
+  </p:cSld>
+  <p:clrMapOvr>
+    <a:masterClrMapping/>
+  </p:clrMapOvr>
+  <p:timing>
+    <p:tnLst>
+      <p:par>
+        <p:cTn id="1" dur="indefinite" restart="never" nodeType="tmRoot"/>
+      </p:par>
+    </p:tnLst>
+  </p:timing>
+</p:sld>
+</file>
+
+<file path=ppt/slides/slide14.xml><?xml version="1.0" encoding="utf-8"?>
+<p:sld xmlns:a="http://schemas.openxmlformats.org/drawingml/2006/main" xmlns:r="http://schemas.openxmlformats.org/officeDocument/2006/relationships" xmlns:p="http://schemas.openxmlformats.org/presentationml/2006/main">
+  <p:cSld>
+    <p:spTree>
+      <p:nvGrpSpPr>
+        <p:cNvPr id="1" name=""/>
+        <p:cNvGrpSpPr/>
+        <p:nvPr/>
+      </p:nvGrpSpPr>
+      <p:grpSpPr>
+        <a:xfrm>
+          <a:off x="0" y="0"/>
+          <a:ext cx="0" cy="0"/>
+          <a:chOff x="0" y="0"/>
+          <a:chExt cx="0" cy="0"/>
+        </a:xfrm>
+      </p:grpSpPr>
+      <p:sp>
+        <p:nvSpPr>
+          <p:cNvPr id="2" name="Title 1"/>
+          <p:cNvSpPr>
+            <a:spLocks noGrp="1"/>
+          </p:cNvSpPr>
+          <p:nvPr>
+            <p:ph type="title"/>
+          </p:nvPr>
+        </p:nvSpPr>
+        <p:spPr/>
+        <p:txBody>
+          <a:bodyPr/>
+          <a:lstStyle/>
+          <a:p>
+            <a:r>
+              <a:rPr lang="en-US" dirty="0" smtClean="0"/>
+              <a:t>Model Classes</a:t>
+            </a:r>
+            <a:endParaRPr lang="en-US" dirty="0"/>
+          </a:p>
+        </p:txBody>
+      </p:sp>
+      <p:sp>
+        <p:nvSpPr>
+          <p:cNvPr id="3" name="Content Placeholder 2"/>
+          <p:cNvSpPr>
+            <a:spLocks noGrp="1"/>
+          </p:cNvSpPr>
+          <p:nvPr>
+            <p:ph idx="1"/>
+          </p:nvPr>
+        </p:nvSpPr>
+        <p:spPr/>
+        <p:txBody>
+          <a:bodyPr/>
+          <a:lstStyle/>
+          <a:p>
+            <a:r>
+              <a:rPr lang="en-US" dirty="0" smtClean="0"/>
+              <a:t>Journal Entry</a:t>
+            </a:r>
+          </a:p>
+          <a:p>
+            <a:pPr lvl="1"/>
+            <a:r>
+              <a:rPr lang="en-US" dirty="0" smtClean="0"/>
+              <a:t>date</a:t>
+            </a:r>
+          </a:p>
+          <a:p>
+            <a:pPr lvl="1"/>
+            <a:r>
+              <a:rPr lang="en-US" dirty="0" smtClean="0"/>
+              <a:t>text</a:t>
+            </a:r>
+          </a:p>
+          <a:p>
+            <a:r>
+              <a:rPr lang="en-US" dirty="0" smtClean="0"/>
+              <a:t>Profile</a:t>
+            </a:r>
+          </a:p>
+          <a:p>
+            <a:pPr lvl="1"/>
+            <a:r>
+              <a:rPr lang="en-US" dirty="0" smtClean="0"/>
+              <a:t>name</a:t>
+            </a:r>
+          </a:p>
+          <a:p>
+            <a:pPr lvl="1"/>
+            <a:r>
+              <a:rPr lang="en-US" dirty="0" smtClean="0"/>
+              <a:t>login</a:t>
+            </a:r>
+          </a:p>
+          <a:p>
+            <a:pPr lvl="1"/>
+            <a:r>
+              <a:rPr lang="en-US" dirty="0" smtClean="0"/>
+              <a:t>password</a:t>
+            </a:r>
+            <a:endParaRPr lang="en-US" dirty="0"/>
+          </a:p>
+        </p:txBody>
+      </p:sp>
+    </p:spTree>
+    <p:extLst>
+      <p:ext uri="{BB962C8B-B14F-4D97-AF65-F5344CB8AC3E}">
+        <p14:creationId xmlns:p14="http://schemas.microsoft.com/office/powerpoint/2010/main" val="3803216798"/>
+      </p:ext>
+    </p:extLst>
+  </p:cSld>
+  <p:clrMapOvr>
+    <a:masterClrMapping/>
+  </p:clrMapOvr>
+  <p:timing>
+    <p:tnLst>
+      <p:par>
+        <p:cTn id="1" dur="indefinite" restart="never" nodeType="tmRoot"/>
+      </p:par>
+    </p:tnLst>
+  </p:timing>
+</p:sld>
+</file>
+
+<file path=ppt/slides/slide15.xml><?xml version="1.0" encoding="utf-8"?>
+<p:sld xmlns:a="http://schemas.openxmlformats.org/drawingml/2006/main" xmlns:r="http://schemas.openxmlformats.org/officeDocument/2006/relationships" xmlns:p="http://schemas.openxmlformats.org/presentationml/2006/main">
+  <p:cSld>
+    <p:spTree>
+      <p:nvGrpSpPr>
+        <p:cNvPr id="1" name=""/>
+        <p:cNvGrpSpPr/>
+        <p:nvPr/>
+      </p:nvGrpSpPr>
+      <p:grpSpPr>
+        <a:xfrm>
+          <a:off x="0" y="0"/>
+          <a:ext cx="0" cy="0"/>
+          <a:chOff x="0" y="0"/>
+          <a:chExt cx="0" cy="0"/>
+        </a:xfrm>
+      </p:grpSpPr>
+      <p:sp>
+        <p:nvSpPr>
+          <p:cNvPr id="2" name="Title 1"/>
+          <p:cNvSpPr>
+            <a:spLocks noGrp="1"/>
+          </p:cNvSpPr>
+          <p:nvPr>
+            <p:ph type="title"/>
+          </p:nvPr>
+        </p:nvSpPr>
+        <p:spPr/>
+        <p:txBody>
+          <a:bodyPr/>
+          <a:lstStyle/>
+          <a:p>
+            <a:endParaRPr lang="en-US" dirty="0"/>
+          </a:p>
+        </p:txBody>
+      </p:sp>
+      <p:sp>
+        <p:nvSpPr>
+          <p:cNvPr id="3" name="Content Placeholder 2"/>
+          <p:cNvSpPr>
+            <a:spLocks noGrp="1"/>
+          </p:cNvSpPr>
+          <p:nvPr>
+            <p:ph idx="1"/>
+          </p:nvPr>
+        </p:nvSpPr>
+        <p:spPr/>
+        <p:txBody>
+          <a:bodyPr/>
+          <a:lstStyle/>
+          <a:p>
+            <a:endParaRPr lang="en-US"/>
+          </a:p>
+        </p:txBody>
+      </p:sp>
+    </p:spTree>
+    <p:extLst>
+      <p:ext uri="{BB962C8B-B14F-4D97-AF65-F5344CB8AC3E}">
+        <p14:creationId xmlns:p14="http://schemas.microsoft.com/office/powerpoint/2010/main" val="3740496781"/>
+      </p:ext>
+    </p:extLst>
+  </p:cSld>
+  <p:clrMapOvr>
+    <a:masterClrMapping/>
+  </p:clrMapOvr>
+  <p:timing>
+    <p:tnLst>
+      <p:par>
+        <p:cTn id="1" dur="indefinite" restart="never" nodeType="tmRoot"/>
+      </p:par>
+    </p:tnLst>
+  </p:timing>
+</p:sld>
+</file>
+
+<file path=ppt/slides/slide16.xml><?xml version="1.0" encoding="utf-8"?>
+<p:sld xmlns:a="http://schemas.openxmlformats.org/drawingml/2006/main" xmlns:r="http://schemas.openxmlformats.org/officeDocument/2006/relationships" xmlns:p="http://schemas.openxmlformats.org/presentationml/2006/main">
+  <p:cSld>
+    <p:spTree>
+      <p:nvGrpSpPr>
+        <p:cNvPr id="1" name=""/>
+        <p:cNvGrpSpPr/>
+        <p:nvPr/>
+      </p:nvGrpSpPr>
+      <p:grpSpPr>
+        <a:xfrm>
+          <a:off x="0" y="0"/>
+          <a:ext cx="0" cy="0"/>
+          <a:chOff x="0" y="0"/>
+          <a:chExt cx="0" cy="0"/>
+        </a:xfrm>
+      </p:grpSpPr>
+      <p:sp>
+        <p:nvSpPr>
+          <p:cNvPr id="4" name="Title 3"/>
+          <p:cNvSpPr>
+            <a:spLocks noGrp="1"/>
+          </p:cNvSpPr>
+          <p:nvPr>
+            <p:ph type="title"/>
+          </p:nvPr>
+        </p:nvSpPr>
+        <p:spPr/>
+        <p:txBody>
+          <a:bodyPr/>
+          <a:lstStyle/>
+          <a:p>
+            <a:r>
+              <a:rPr lang="en-US" dirty="0" smtClean="0"/>
+              <a:t>Views and Templates</a:t>
+            </a:r>
+            <a:endParaRPr lang="en-US" dirty="0"/>
+          </a:p>
+        </p:txBody>
+      </p:sp>
+      <p:sp>
+        <p:nvSpPr>
+          <p:cNvPr id="5" name="Text Placeholder 4"/>
+          <p:cNvSpPr>
+            <a:spLocks noGrp="1"/>
+          </p:cNvSpPr>
+          <p:nvPr>
+            <p:ph type="body" idx="1"/>
+          </p:nvPr>
+        </p:nvSpPr>
+        <p:spPr/>
+        <p:txBody>
+          <a:bodyPr/>
+          <a:lstStyle/>
+          <a:p>
+            <a:r>
+              <a:rPr lang="en-US" dirty="0" smtClean="0"/>
+              <a:t>Lesson 3:</a:t>
+            </a:r>
+            <a:endParaRPr lang="en-US" dirty="0"/>
+          </a:p>
+        </p:txBody>
+      </p:sp>
+    </p:spTree>
+    <p:extLst>
+      <p:ext uri="{BB962C8B-B14F-4D97-AF65-F5344CB8AC3E}">
+        <p14:creationId xmlns:p14="http://schemas.microsoft.com/office/powerpoint/2010/main" val="1564472033"/>
+      </p:ext>
+    </p:extLst>
+  </p:cSld>
+  <p:clrMapOvr>
+    <a:masterClrMapping/>
+  </p:clrMapOvr>
+  <p:timing>
+    <p:tnLst>
+      <p:par>
+        <p:cTn id="1" dur="indefinite" restart="never" nodeType="tmRoot"/>
+      </p:par>
+    </p:tnLst>
+  </p:timing>
+</p:sld>
+</file>
+
+<file path=ppt/slides/slide17.xml><?xml version="1.0" encoding="utf-8"?>
+<p:sld xmlns:a="http://schemas.openxmlformats.org/drawingml/2006/main" xmlns:r="http://schemas.openxmlformats.org/officeDocument/2006/relationships" xmlns:p="http://schemas.openxmlformats.org/presentationml/2006/main">
+  <p:cSld>
+    <p:spTree>
+      <p:nvGrpSpPr>
+        <p:cNvPr id="1" name=""/>
+        <p:cNvGrpSpPr/>
+        <p:nvPr/>
+      </p:nvGrpSpPr>
+      <p:grpSpPr>
+        <a:xfrm>
+          <a:off x="0" y="0"/>
+          <a:ext cx="0" cy="0"/>
+          <a:chOff x="0" y="0"/>
+          <a:chExt cx="0" cy="0"/>
+        </a:xfrm>
+      </p:grpSpPr>
+      <p:sp>
+        <p:nvSpPr>
+          <p:cNvPr id="4" name="Title 3"/>
+          <p:cNvSpPr>
+            <a:spLocks noGrp="1"/>
+          </p:cNvSpPr>
+          <p:nvPr>
+            <p:ph type="title"/>
+          </p:nvPr>
+        </p:nvSpPr>
+        <p:spPr/>
+        <p:txBody>
+          <a:bodyPr/>
+          <a:lstStyle/>
+          <a:p>
+            <a:r>
+              <a:rPr lang="en-US" dirty="0" smtClean="0"/>
+              <a:t>Template Class</a:t>
+            </a:r>
+            <a:endParaRPr lang="en-US" dirty="0"/>
+          </a:p>
+        </p:txBody>
+      </p:sp>
+      <p:sp>
+        <p:nvSpPr>
+          <p:cNvPr id="5" name="Content Placeholder 4"/>
+          <p:cNvSpPr>
+            <a:spLocks noGrp="1"/>
+          </p:cNvSpPr>
+          <p:nvPr>
+            <p:ph idx="1"/>
+          </p:nvPr>
+        </p:nvSpPr>
+        <p:spPr/>
+        <p:txBody>
+          <a:bodyPr/>
+          <a:lstStyle/>
+          <a:p>
+            <a:r>
+              <a:rPr lang="en-US" dirty="0" smtClean="0"/>
+              <a:t>Holds the data to display</a:t>
+            </a:r>
+          </a:p>
+          <a:p>
+            <a:r>
+              <a:rPr lang="en-US" dirty="0" smtClean="0"/>
+              <a:t>Has “helpers” for common functionality</a:t>
+            </a:r>
+          </a:p>
+        </p:txBody>
+      </p:sp>
+    </p:spTree>
+    <p:extLst>
+      <p:ext uri="{BB962C8B-B14F-4D97-AF65-F5344CB8AC3E}">
+        <p14:creationId xmlns:p14="http://schemas.microsoft.com/office/powerpoint/2010/main" val="2186060473"/>
+      </p:ext>
+    </p:extLst>
+  </p:cSld>
+  <p:clrMapOvr>
+    <a:masterClrMapping/>
+  </p:clrMapOvr>
+  <p:timing>
+    <p:tnLst>
+      <p:par>
+        <p:cTn id="1" dur="indefinite" restart="never" nodeType="tmRoot"/>
+      </p:par>
+    </p:tnLst>
+  </p:timing>
+</p:sld>
+</file>
+
+<file path=ppt/slides/slide18.xml><?xml version="1.0" encoding="utf-8"?>
+<p:sld xmlns:a="http://schemas.openxmlformats.org/drawingml/2006/main" xmlns:r="http://schemas.openxmlformats.org/officeDocument/2006/relationships" xmlns:p="http://schemas.openxmlformats.org/presentationml/2006/main">
+  <p:cSld>
+    <p:spTree>
+      <p:nvGrpSpPr>
+        <p:cNvPr id="1" name=""/>
+        <p:cNvGrpSpPr/>
+        <p:nvPr/>
+      </p:nvGrpSpPr>
+      <p:grpSpPr>
+        <a:xfrm>
+          <a:off x="0" y="0"/>
+          <a:ext cx="0" cy="0"/>
+          <a:chOff x="0" y="0"/>
+          <a:chExt cx="0" cy="0"/>
+        </a:xfrm>
+      </p:grpSpPr>
+      <p:sp>
+        <p:nvSpPr>
+          <p:cNvPr id="2" name="Title 1"/>
+          <p:cNvSpPr>
+            <a:spLocks noGrp="1"/>
+          </p:cNvSpPr>
+          <p:nvPr>
+            <p:ph type="title"/>
+          </p:nvPr>
+        </p:nvSpPr>
+        <p:spPr/>
+        <p:txBody>
+          <a:bodyPr/>
+          <a:lstStyle/>
+          <a:p>
+            <a:r>
+              <a:rPr lang="en-US" dirty="0" smtClean="0"/>
+              <a:t>Template File</a:t>
+            </a:r>
+            <a:endParaRPr lang="en-US" dirty="0"/>
+          </a:p>
+        </p:txBody>
+      </p:sp>
+      <p:sp>
+        <p:nvSpPr>
+          <p:cNvPr id="3" name="Content Placeholder 2"/>
+          <p:cNvSpPr>
+            <a:spLocks noGrp="1"/>
+          </p:cNvSpPr>
+          <p:nvPr>
+            <p:ph idx="1"/>
+          </p:nvPr>
+        </p:nvSpPr>
+        <p:spPr/>
+        <p:txBody>
+          <a:bodyPr/>
+          <a:lstStyle/>
+          <a:p>
+            <a:r>
+              <a:rPr lang="en-US" dirty="0" smtClean="0"/>
+              <a:t>Mainly HTML</a:t>
+            </a:r>
+          </a:p>
+          <a:p>
+            <a:r>
+              <a:rPr lang="en-US" dirty="0" smtClean="0"/>
+              <a:t>Shortcut echo tags</a:t>
+            </a:r>
+          </a:p>
+          <a:p>
+            <a:r>
+              <a:rPr lang="en-US" dirty="0" smtClean="0"/>
+              <a:t>Very little logic </a:t>
+            </a:r>
+          </a:p>
+          <a:p>
+            <a:pPr lvl="1"/>
+            <a:r>
+              <a:rPr lang="en-US" dirty="0" smtClean="0"/>
+              <a:t>simple conditionals</a:t>
+            </a:r>
+          </a:p>
+          <a:p>
+            <a:pPr lvl="1"/>
+            <a:r>
+              <a:rPr lang="en-US" dirty="0" smtClean="0"/>
+              <a:t>simple loops</a:t>
+            </a:r>
+          </a:p>
+          <a:p>
+            <a:r>
+              <a:rPr lang="en-US" dirty="0" smtClean="0"/>
+              <a:t>Might include other templates</a:t>
+            </a:r>
+          </a:p>
+        </p:txBody>
+      </p:sp>
+    </p:spTree>
+    <p:extLst>
+      <p:ext uri="{BB962C8B-B14F-4D97-AF65-F5344CB8AC3E}">
+        <p14:creationId xmlns:p14="http://schemas.microsoft.com/office/powerpoint/2010/main" val="219596888"/>
+      </p:ext>
+    </p:extLst>
+  </p:cSld>
+  <p:clrMapOvr>
+    <a:masterClrMapping/>
+  </p:clrMapOvr>
+  <p:timing>
+    <p:tnLst>
+      <p:par>
+        <p:cTn id="1" dur="indefinite" restart="never" nodeType="tmRoot"/>
+      </p:par>
+    </p:tnLst>
+  </p:timing>
+</p:sld>
+</file>
+
+<file path=ppt/slides/slide19.xml><?xml version="1.0" encoding="utf-8"?>
+<p:sld xmlns:a="http://schemas.openxmlformats.org/drawingml/2006/main" xmlns:r="http://schemas.openxmlformats.org/officeDocument/2006/relationships" xmlns:p="http://schemas.openxmlformats.org/presentationml/2006/main">
+  <p:cSld>
+    <p:spTree>
+      <p:nvGrpSpPr>
+        <p:cNvPr id="1" name=""/>
+        <p:cNvGrpSpPr/>
+        <p:nvPr/>
+      </p:nvGrpSpPr>
+      <p:grpSpPr>
+        <a:xfrm>
+          <a:off x="0" y="0"/>
+          <a:ext cx="0" cy="0"/>
+          <a:chOff x="0" y="0"/>
+          <a:chExt cx="0" cy="0"/>
+        </a:xfrm>
+      </p:grpSpPr>
+      <p:sp>
+        <p:nvSpPr>
+          <p:cNvPr id="4" name="Title 3"/>
+          <p:cNvSpPr>
+            <a:spLocks noGrp="1"/>
+          </p:cNvSpPr>
+          <p:nvPr>
+            <p:ph type="title"/>
+          </p:nvPr>
+        </p:nvSpPr>
+        <p:spPr/>
+        <p:txBody>
+          <a:bodyPr/>
+          <a:lstStyle/>
+          <a:p>
+            <a:r>
+              <a:rPr lang="en-US" dirty="0" smtClean="0"/>
               <a:t>Routing and Controllers</a:t>
             </a:r>
             <a:endParaRPr lang="en-US" dirty="0"/>
@@ -5056,7 +6646,7 @@
           <a:p>
             <a:r>
               <a:rPr lang="en-US" dirty="0" smtClean="0"/>
-              <a:t>And now we can change one without affecting the other</a:t>
+              <a:t>Lesson 4:</a:t>
             </a:r>
             <a:endParaRPr lang="en-US" dirty="0"/>
           </a:p>
@@ -5072,6 +6662,13 @@
   <p:clrMapOvr>
     <a:masterClrMapping/>
   </p:clrMapOvr>
+  <p:timing>
+    <p:tnLst>
+      <p:par>
+        <p:cTn id="1" dur="indefinite" restart="never" nodeType="tmRoot"/>
+      </p:par>
+    </p:tnLst>
+  </p:timing>
 </p:sld>
 </file>
 
@@ -5109,6 +6706,203 @@
           <a:p>
             <a:r>
               <a:rPr lang="en-US" dirty="0" smtClean="0"/>
+              <a:t>Practical Application</a:t>
+            </a:r>
+            <a:endParaRPr lang="en-US" dirty="0"/>
+          </a:p>
+        </p:txBody>
+      </p:sp>
+      <p:sp>
+        <p:nvSpPr>
+          <p:cNvPr id="3" name="Content Placeholder 2"/>
+          <p:cNvSpPr>
+            <a:spLocks noGrp="1"/>
+          </p:cNvSpPr>
+          <p:nvPr>
+            <p:ph idx="1"/>
+          </p:nvPr>
+        </p:nvSpPr>
+        <p:spPr/>
+        <p:txBody>
+          <a:bodyPr/>
+          <a:lstStyle/>
+          <a:p>
+            <a:r>
+              <a:rPr lang="en-US" dirty="0" smtClean="0"/>
+              <a:t>Let’s make a simple journal application</a:t>
+            </a:r>
+          </a:p>
+          <a:p>
+            <a:r>
+              <a:rPr lang="en-US" dirty="0" smtClean="0"/>
+              <a:t>Let’s have one user, </a:t>
+            </a:r>
+            <a:r>
+              <a:rPr lang="en-US" dirty="0" smtClean="0"/>
+              <a:t>that needs to log in</a:t>
+            </a:r>
+            <a:endParaRPr lang="en-US" dirty="0" smtClean="0"/>
+          </a:p>
+          <a:p>
+            <a:r>
+              <a:rPr lang="en-US" dirty="0" smtClean="0"/>
+              <a:t>Let’s have entries from the user, and store them</a:t>
+            </a:r>
+          </a:p>
+          <a:p>
+            <a:r>
+              <a:rPr lang="en-US" dirty="0" smtClean="0"/>
+              <a:t>Let’s </a:t>
+            </a:r>
+            <a:r>
+              <a:rPr lang="en-US" dirty="0" smtClean="0"/>
+              <a:t>read </a:t>
+            </a:r>
+            <a:r>
+              <a:rPr lang="en-US" dirty="0" smtClean="0"/>
+              <a:t>the entries</a:t>
+            </a:r>
+            <a:endParaRPr lang="en-US" dirty="0"/>
+          </a:p>
+        </p:txBody>
+      </p:sp>
+    </p:spTree>
+    <p:extLst>
+      <p:ext uri="{BB962C8B-B14F-4D97-AF65-F5344CB8AC3E}">
+        <p14:creationId xmlns:p14="http://schemas.microsoft.com/office/powerpoint/2010/main" val="583103874"/>
+      </p:ext>
+    </p:extLst>
+  </p:cSld>
+  <p:clrMapOvr>
+    <a:masterClrMapping/>
+  </p:clrMapOvr>
+  <p:timing>
+    <p:tnLst>
+      <p:par>
+        <p:cTn id="1" dur="indefinite" restart="never" nodeType="tmRoot"/>
+      </p:par>
+    </p:tnLst>
+  </p:timing>
+</p:sld>
+</file>
+
+<file path=ppt/slides/slide20.xml><?xml version="1.0" encoding="utf-8"?>
+<p:sld xmlns:a="http://schemas.openxmlformats.org/drawingml/2006/main" xmlns:r="http://schemas.openxmlformats.org/officeDocument/2006/relationships" xmlns:p="http://schemas.openxmlformats.org/presentationml/2006/main">
+  <p:cSld>
+    <p:spTree>
+      <p:nvGrpSpPr>
+        <p:cNvPr id="1" name=""/>
+        <p:cNvGrpSpPr/>
+        <p:nvPr/>
+      </p:nvGrpSpPr>
+      <p:grpSpPr>
+        <a:xfrm>
+          <a:off x="0" y="0"/>
+          <a:ext cx="0" cy="0"/>
+          <a:chOff x="0" y="0"/>
+          <a:chExt cx="0" cy="0"/>
+        </a:xfrm>
+      </p:grpSpPr>
+      <p:sp>
+        <p:nvSpPr>
+          <p:cNvPr id="2" name="Title 1"/>
+          <p:cNvSpPr>
+            <a:spLocks noGrp="1"/>
+          </p:cNvSpPr>
+          <p:nvPr>
+            <p:ph type="title"/>
+          </p:nvPr>
+        </p:nvSpPr>
+        <p:spPr/>
+        <p:txBody>
+          <a:bodyPr/>
+          <a:lstStyle/>
+          <a:p>
+            <a:r>
+              <a:rPr lang="en-US" dirty="0" smtClean="0"/>
+              <a:t>Security and Validation</a:t>
+            </a:r>
+            <a:endParaRPr lang="en-US" dirty="0"/>
+          </a:p>
+        </p:txBody>
+      </p:sp>
+      <p:sp>
+        <p:nvSpPr>
+          <p:cNvPr id="3" name="Text Placeholder 2"/>
+          <p:cNvSpPr>
+            <a:spLocks noGrp="1"/>
+          </p:cNvSpPr>
+          <p:nvPr>
+            <p:ph type="body" idx="1"/>
+          </p:nvPr>
+        </p:nvSpPr>
+        <p:spPr/>
+        <p:txBody>
+          <a:bodyPr/>
+          <a:lstStyle/>
+          <a:p>
+            <a:r>
+              <a:rPr lang="en-US" dirty="0" smtClean="0"/>
+              <a:t>Lesson 5:</a:t>
+            </a:r>
+            <a:endParaRPr lang="en-US" dirty="0"/>
+          </a:p>
+        </p:txBody>
+      </p:sp>
+    </p:spTree>
+    <p:extLst>
+      <p:ext uri="{BB962C8B-B14F-4D97-AF65-F5344CB8AC3E}">
+        <p14:creationId xmlns:p14="http://schemas.microsoft.com/office/powerpoint/2010/main" val="871361754"/>
+      </p:ext>
+    </p:extLst>
+  </p:cSld>
+  <p:clrMapOvr>
+    <a:masterClrMapping/>
+  </p:clrMapOvr>
+  <p:timing>
+    <p:tnLst>
+      <p:par>
+        <p:cTn id="1" dur="indefinite" restart="never" nodeType="tmRoot"/>
+      </p:par>
+    </p:tnLst>
+  </p:timing>
+</p:sld>
+</file>
+
+<file path=ppt/slides/slide21.xml><?xml version="1.0" encoding="utf-8"?>
+<p:sld xmlns:a="http://schemas.openxmlformats.org/drawingml/2006/main" xmlns:r="http://schemas.openxmlformats.org/officeDocument/2006/relationships" xmlns:p="http://schemas.openxmlformats.org/presentationml/2006/main">
+  <p:cSld>
+    <p:spTree>
+      <p:nvGrpSpPr>
+        <p:cNvPr id="1" name=""/>
+        <p:cNvGrpSpPr/>
+        <p:nvPr/>
+      </p:nvGrpSpPr>
+      <p:grpSpPr>
+        <a:xfrm>
+          <a:off x="0" y="0"/>
+          <a:ext cx="0" cy="0"/>
+          <a:chOff x="0" y="0"/>
+          <a:chExt cx="0" cy="0"/>
+        </a:xfrm>
+      </p:grpSpPr>
+      <p:sp>
+        <p:nvSpPr>
+          <p:cNvPr id="2" name="Title 1"/>
+          <p:cNvSpPr>
+            <a:spLocks noGrp="1"/>
+          </p:cNvSpPr>
+          <p:nvPr>
+            <p:ph type="title"/>
+          </p:nvPr>
+        </p:nvSpPr>
+        <p:spPr/>
+        <p:txBody>
+          <a:bodyPr/>
+          <a:lstStyle/>
+          <a:p>
+            <a:r>
+              <a:rPr lang="en-US" dirty="0" smtClean="0"/>
               <a:t>Tying it all Together</a:t>
             </a:r>
             <a:endParaRPr lang="en-US" dirty="0"/>
@@ -5134,6 +6928,7 @@
               <a:rPr lang="en-US" dirty="0" smtClean="0"/>
               <a:t>File Layout and Configuration</a:t>
             </a:r>
+            <a:endParaRPr lang="en-US" dirty="0" smtClean="0"/>
           </a:p>
           <a:p>
             <a:r>
@@ -5144,13 +6939,24 @@
           <a:p>
             <a:r>
               <a:rPr lang="en-US" dirty="0" smtClean="0"/>
-              <a:t>Templates</a:t>
-            </a:r>
-          </a:p>
-          <a:p>
-            <a:r>
-              <a:rPr lang="en-US" dirty="0" smtClean="0"/>
-              <a:t>Routing and Controllers</a:t>
+              <a:t>Views and Templates</a:t>
+            </a:r>
+            <a:endParaRPr lang="en-US" dirty="0" smtClean="0"/>
+          </a:p>
+          <a:p>
+            <a:r>
+              <a:rPr lang="en-US" dirty="0" smtClean="0"/>
+              <a:t>Routing and </a:t>
+            </a:r>
+            <a:r>
+              <a:rPr lang="en-US" dirty="0" smtClean="0"/>
+              <a:t>Controllers</a:t>
+            </a:r>
+          </a:p>
+          <a:p>
+            <a:r>
+              <a:rPr lang="en-US" dirty="0" smtClean="0"/>
+              <a:t>Security and Validation</a:t>
             </a:r>
             <a:endParaRPr lang="en-US" dirty="0"/>
           </a:p>
@@ -5166,6 +6972,13 @@
   <p:clrMapOvr>
     <a:masterClrMapping/>
   </p:clrMapOvr>
+  <p:timing>
+    <p:tnLst>
+      <p:par>
+        <p:cTn id="1" dur="indefinite" restart="never" nodeType="tmRoot"/>
+      </p:par>
+    </p:tnLst>
+  </p:timing>
 </p:sld>
 </file>
 
@@ -5203,7 +7016,7 @@
           <a:p>
             <a:r>
               <a:rPr lang="en-US" dirty="0" smtClean="0"/>
-              <a:t>Practical Application</a:t>
+              <a:t>What do we need to know?</a:t>
             </a:r>
             <a:endParaRPr lang="en-US" dirty="0"/>
           </a:p>
@@ -5226,25 +7039,19 @@
           <a:p>
             <a:r>
               <a:rPr lang="en-US" dirty="0" smtClean="0"/>
-              <a:t>Let’s make a simple journal application</a:t>
-            </a:r>
-          </a:p>
-          <a:p>
-            <a:r>
-              <a:rPr lang="en-US" dirty="0" smtClean="0"/>
-              <a:t>Let’s have one user, and store some information about the user</a:t>
-            </a:r>
-          </a:p>
-          <a:p>
-            <a:r>
-              <a:rPr lang="en-US" dirty="0" smtClean="0"/>
-              <a:t>Let’s have entries from the user, and store them</a:t>
-            </a:r>
-          </a:p>
-          <a:p>
-            <a:r>
-              <a:rPr lang="en-US" dirty="0" smtClean="0"/>
-              <a:t>Let’s read the entries</a:t>
+              <a:t>How do PHP developers tend to lay out their projects in files and directories?</a:t>
+            </a:r>
+          </a:p>
+          <a:p>
+            <a:r>
+              <a:rPr lang="en-US" dirty="0" smtClean="0"/>
+              <a:t>How do we organize the parts of our applications?</a:t>
+            </a:r>
+          </a:p>
+          <a:p>
+            <a:r>
+              <a:rPr lang="en-US" dirty="0" smtClean="0"/>
+              <a:t>How do we allow our applications to expand?</a:t>
             </a:r>
             <a:endParaRPr lang="en-US" dirty="0"/>
           </a:p>
@@ -5253,13 +7060,20 @@
     </p:spTree>
     <p:extLst>
       <p:ext uri="{BB962C8B-B14F-4D97-AF65-F5344CB8AC3E}">
-        <p14:creationId xmlns:p14="http://schemas.microsoft.com/office/powerpoint/2010/main" val="583103874"/>
+        <p14:creationId xmlns:p14="http://schemas.microsoft.com/office/powerpoint/2010/main" val="3255191227"/>
       </p:ext>
     </p:extLst>
   </p:cSld>
   <p:clrMapOvr>
     <a:masterClrMapping/>
   </p:clrMapOvr>
+  <p:timing>
+    <p:tnLst>
+      <p:par>
+        <p:cTn id="1" dur="indefinite" restart="never" nodeType="tmRoot"/>
+      </p:par>
+    </p:tnLst>
+  </p:timing>
 </p:sld>
 </file>
 
@@ -5282,7 +7096,7 @@
       </p:grpSpPr>
       <p:sp>
         <p:nvSpPr>
-          <p:cNvPr id="4" name="Title 3"/>
+          <p:cNvPr id="2" name="Title 1"/>
           <p:cNvSpPr>
             <a:spLocks noGrp="1"/>
           </p:cNvSpPr>
@@ -5297,7 +7111,7 @@
           <a:p>
             <a:r>
               <a:rPr lang="en-US" dirty="0" smtClean="0"/>
-              <a:t>File Layout and Configuration</a:t>
+              <a:t>Use the Principles of Architecture</a:t>
             </a:r>
             <a:endParaRPr lang="en-US" dirty="0"/>
           </a:p>
@@ -5305,23 +7119,74 @@
       </p:sp>
       <p:sp>
         <p:nvSpPr>
-          <p:cNvPr id="5" name="Text Placeholder 4"/>
-          <p:cNvSpPr>
-            <a:spLocks noGrp="1"/>
-          </p:cNvSpPr>
-          <p:nvPr>
-            <p:ph type="body" idx="1"/>
-          </p:nvPr>
-        </p:nvSpPr>
-        <p:spPr/>
-        <p:txBody>
-          <a:bodyPr/>
-          <a:lstStyle/>
-          <a:p>
-            <a:r>
-              <a:rPr lang="en-US" dirty="0" smtClean="0"/>
-              <a:t>We’re all files on disc</a:t>
-            </a:r>
+          <p:cNvPr id="3" name="Content Placeholder 2"/>
+          <p:cNvSpPr>
+            <a:spLocks noGrp="1"/>
+          </p:cNvSpPr>
+          <p:nvPr>
+            <p:ph idx="1"/>
+          </p:nvPr>
+        </p:nvSpPr>
+        <p:spPr/>
+        <p:txBody>
+          <a:bodyPr/>
+          <a:lstStyle/>
+          <a:p>
+            <a:pPr marL="514350" indent="-514350">
+              <a:buFont typeface="+mj-lt"/>
+              <a:buAutoNum type="arabicPeriod"/>
+            </a:pPr>
+            <a:r>
+              <a:rPr lang="en-US" dirty="0" smtClean="0"/>
+              <a:t>DRY</a:t>
+            </a:r>
+          </a:p>
+          <a:p>
+            <a:pPr marL="514350" indent="-514350">
+              <a:buFont typeface="+mj-lt"/>
+              <a:buAutoNum type="arabicPeriod"/>
+            </a:pPr>
+            <a:r>
+              <a:rPr lang="en-US" dirty="0" smtClean="0"/>
+              <a:t>SOC</a:t>
+            </a:r>
+          </a:p>
+          <a:p>
+            <a:pPr marL="514350" indent="-514350">
+              <a:buFont typeface="+mj-lt"/>
+              <a:buAutoNum type="arabicPeriod"/>
+            </a:pPr>
+            <a:r>
+              <a:rPr lang="en-US" dirty="0" smtClean="0"/>
+              <a:t>YAGNI</a:t>
+            </a:r>
+          </a:p>
+          <a:p>
+            <a:pPr marL="514350" indent="-514350">
+              <a:buFont typeface="+mj-lt"/>
+              <a:buAutoNum type="arabicPeriod"/>
+            </a:pPr>
+            <a:r>
+              <a:rPr lang="en-US" dirty="0" smtClean="0"/>
+              <a:t>SRP</a:t>
+            </a:r>
+          </a:p>
+          <a:p>
+            <a:pPr marL="514350" indent="-514350">
+              <a:buFont typeface="+mj-lt"/>
+              <a:buAutoNum type="arabicPeriod"/>
+            </a:pPr>
+            <a:r>
+              <a:rPr lang="en-US" dirty="0" err="1" smtClean="0"/>
+              <a:t>LoD</a:t>
+            </a:r>
+            <a:endParaRPr lang="en-US" dirty="0" smtClean="0"/>
+          </a:p>
+          <a:p>
+            <a:pPr marL="514350" indent="-514350">
+              <a:buFont typeface="+mj-lt"/>
+              <a:buAutoNum type="arabicPeriod"/>
+            </a:pPr>
             <a:endParaRPr lang="en-US" dirty="0"/>
           </a:p>
         </p:txBody>
@@ -5329,13 +7194,20 @@
     </p:spTree>
     <p:extLst>
       <p:ext uri="{BB962C8B-B14F-4D97-AF65-F5344CB8AC3E}">
-        <p14:creationId xmlns:p14="http://schemas.microsoft.com/office/powerpoint/2010/main" val="2597539661"/>
+        <p14:creationId xmlns:p14="http://schemas.microsoft.com/office/powerpoint/2010/main" val="3993008964"/>
       </p:ext>
     </p:extLst>
   </p:cSld>
   <p:clrMapOvr>
     <a:masterClrMapping/>
   </p:clrMapOvr>
+  <p:timing>
+    <p:tnLst>
+      <p:par>
+        <p:cTn id="1" dur="indefinite" restart="never" nodeType="tmRoot"/>
+      </p:par>
+    </p:tnLst>
+  </p:timing>
 </p:sld>
 </file>
 
@@ -5372,62 +7244,39 @@
           <a:lstStyle/>
           <a:p>
             <a:r>
-              <a:rPr lang="en-US" dirty="0"/>
-              <a:t>The Document Root</a:t>
-            </a:r>
-          </a:p>
-        </p:txBody>
-      </p:sp>
-      <p:sp>
-        <p:nvSpPr>
-          <p:cNvPr id="5" name="Content Placeholder 4"/>
-          <p:cNvSpPr>
-            <a:spLocks noGrp="1"/>
-          </p:cNvSpPr>
-          <p:nvPr>
-            <p:ph idx="1"/>
-          </p:nvPr>
-        </p:nvSpPr>
-        <p:spPr/>
-        <p:txBody>
-          <a:bodyPr/>
-          <a:lstStyle/>
-          <a:p>
-            <a:r>
-              <a:rPr lang="en-US" dirty="0"/>
-              <a:t>The document root is a directory (a folder) that is stored on your host's servers and that is designated for holding web pages</a:t>
-            </a:r>
-            <a:r>
-              <a:rPr lang="en-US" dirty="0" smtClean="0"/>
-              <a:t>.</a:t>
-            </a:r>
-          </a:p>
-          <a:p>
-            <a:r>
-              <a:rPr lang="en-US" dirty="0" smtClean="0"/>
-              <a:t>For security reasons, ONLY actual files for the user should be present – </a:t>
+              <a:rPr lang="en-US" dirty="0" smtClean="0"/>
+              <a:t>File </a:t>
             </a:r>
             <a:r>
               <a:rPr lang="en-US" dirty="0" err="1" smtClean="0"/>
-              <a:t>css</a:t>
-            </a:r>
-            <a:r>
-              <a:rPr lang="en-US" dirty="0" smtClean="0"/>
-              <a:t>, images, and the PHP files that control logic</a:t>
-            </a:r>
-          </a:p>
-          <a:p>
-            <a:r>
-              <a:rPr lang="en-US" dirty="0" smtClean="0"/>
-              <a:t>Other files (configuration, PHP classes) should be parallel to the </a:t>
-            </a:r>
-            <a:r>
-              <a:rPr lang="en-US" dirty="0" err="1" smtClean="0"/>
-              <a:t>docroot</a:t>
-            </a:r>
-            <a:r>
-              <a:rPr lang="en-US" dirty="0" smtClean="0"/>
-              <a:t> </a:t>
+              <a:t>LayouT</a:t>
+            </a:r>
+            <a:r>
+              <a:rPr lang="en-US" dirty="0" smtClean="0"/>
+              <a:t> And Configuration</a:t>
+            </a:r>
+            <a:endParaRPr lang="en-US" dirty="0"/>
+          </a:p>
+        </p:txBody>
+      </p:sp>
+      <p:sp>
+        <p:nvSpPr>
+          <p:cNvPr id="5" name="Text Placeholder 4"/>
+          <p:cNvSpPr>
+            <a:spLocks noGrp="1"/>
+          </p:cNvSpPr>
+          <p:nvPr>
+            <p:ph type="body" idx="1"/>
+          </p:nvPr>
+        </p:nvSpPr>
+        <p:spPr/>
+        <p:txBody>
+          <a:bodyPr/>
+          <a:lstStyle/>
+          <a:p>
+            <a:r>
+              <a:rPr lang="en-US" dirty="0" smtClean="0"/>
+              <a:t>Lesson 1:</a:t>
             </a:r>
             <a:endParaRPr lang="en-US" dirty="0"/>
           </a:p>
@@ -5436,13 +7285,20 @@
     </p:spTree>
     <p:extLst>
       <p:ext uri="{BB962C8B-B14F-4D97-AF65-F5344CB8AC3E}">
-        <p14:creationId xmlns:p14="http://schemas.microsoft.com/office/powerpoint/2010/main" val="4042964221"/>
+        <p14:creationId xmlns:p14="http://schemas.microsoft.com/office/powerpoint/2010/main" val="2597539661"/>
       </p:ext>
     </p:extLst>
   </p:cSld>
   <p:clrMapOvr>
     <a:masterClrMapping/>
   </p:clrMapOvr>
+  <p:timing>
+    <p:tnLst>
+      <p:par>
+        <p:cTn id="1" dur="indefinite" restart="never" nodeType="tmRoot"/>
+      </p:par>
+    </p:tnLst>
+  </p:timing>
 </p:sld>
 </file>
 
@@ -5465,7 +7321,7 @@
       </p:grpSpPr>
       <p:sp>
         <p:nvSpPr>
-          <p:cNvPr id="4" name="Title 3"/>
+          <p:cNvPr id="2" name="Title 1"/>
           <p:cNvSpPr>
             <a:spLocks noGrp="1"/>
           </p:cNvSpPr>
@@ -5480,7 +7336,7 @@
           <a:p>
             <a:r>
               <a:rPr lang="en-US" dirty="0" smtClean="0"/>
-              <a:t>Data Models</a:t>
+              <a:t>Basic Layout</a:t>
             </a:r>
             <a:endParaRPr lang="en-US" dirty="0"/>
           </a:p>
@@ -5488,45 +7344,127 @@
       </p:sp>
       <p:sp>
         <p:nvSpPr>
-          <p:cNvPr id="5" name="Text Placeholder 4"/>
-          <p:cNvSpPr>
-            <a:spLocks noGrp="1"/>
-          </p:cNvSpPr>
-          <p:nvPr>
-            <p:ph type="body" idx="1"/>
-          </p:nvPr>
-        </p:nvSpPr>
-        <p:spPr/>
-        <p:txBody>
-          <a:bodyPr/>
-          <a:lstStyle/>
-          <a:p>
-            <a:r>
-              <a:rPr lang="en-US" dirty="0" smtClean="0"/>
-              <a:t>Put all your </a:t>
-            </a:r>
-            <a:r>
-              <a:rPr lang="en-US" dirty="0" err="1" smtClean="0"/>
-              <a:t>sql</a:t>
-            </a:r>
-            <a:r>
-              <a:rPr lang="en-US" dirty="0" smtClean="0"/>
-              <a:t> together</a:t>
-            </a:r>
-            <a:endParaRPr lang="en-US" dirty="0"/>
+          <p:cNvPr id="3" name="Content Placeholder 2"/>
+          <p:cNvSpPr>
+            <a:spLocks noGrp="1"/>
+          </p:cNvSpPr>
+          <p:nvPr>
+            <p:ph idx="1"/>
+          </p:nvPr>
+        </p:nvSpPr>
+        <p:spPr>
+          <a:solidFill>
+            <a:schemeClr val="bg1">
+              <a:lumMod val="85000"/>
+            </a:schemeClr>
+          </a:solidFill>
+          <a:ln>
+            <a:solidFill>
+              <a:schemeClr val="tx1">
+                <a:lumMod val="95000"/>
+                <a:lumOff val="5000"/>
+              </a:schemeClr>
+            </a:solidFill>
+          </a:ln>
+        </p:spPr>
+        <p:txBody>
+          <a:bodyPr/>
+          <a:lstStyle/>
+          <a:p>
+            <a:pPr marL="0" indent="0">
+              <a:buNone/>
+            </a:pPr>
+            <a:r>
+              <a:rPr lang="en-US" dirty="0" smtClean="0">
+                <a:latin typeface="Lucida Console" panose="020B0609040504020204" pitchFamily="49" charset="0"/>
+              </a:rPr>
+              <a:t>/journal</a:t>
+            </a:r>
+          </a:p>
+          <a:p>
+            <a:pPr marL="0" indent="0">
+              <a:buNone/>
+            </a:pPr>
+            <a:r>
+              <a:rPr lang="en-US" dirty="0" smtClean="0">
+                <a:latin typeface="Lucida Console" panose="020B0609040504020204" pitchFamily="49" charset="0"/>
+              </a:rPr>
+              <a:t>/journal/data</a:t>
+            </a:r>
+          </a:p>
+          <a:p>
+            <a:pPr marL="0" indent="0">
+              <a:buNone/>
+            </a:pPr>
+            <a:r>
+              <a:rPr lang="en-US" dirty="0" smtClean="0">
+                <a:latin typeface="Lucida Console" panose="020B0609040504020204" pitchFamily="49" charset="0"/>
+              </a:rPr>
+              <a:t>/journal/</a:t>
+            </a:r>
+            <a:r>
+              <a:rPr lang="en-US" dirty="0" err="1" smtClean="0">
+                <a:latin typeface="Lucida Console" panose="020B0609040504020204" pitchFamily="49" charset="0"/>
+              </a:rPr>
+              <a:t>config</a:t>
+            </a:r>
+            <a:endParaRPr lang="en-US" dirty="0" smtClean="0">
+              <a:latin typeface="Lucida Console" panose="020B0609040504020204" pitchFamily="49" charset="0"/>
+            </a:endParaRPr>
+          </a:p>
+          <a:p>
+            <a:pPr marL="0" indent="0">
+              <a:buNone/>
+            </a:pPr>
+            <a:r>
+              <a:rPr lang="en-US" dirty="0" smtClean="0">
+                <a:latin typeface="Lucida Console" panose="020B0609040504020204" pitchFamily="49" charset="0"/>
+              </a:rPr>
+              <a:t>/journal/</a:t>
+            </a:r>
+            <a:r>
+              <a:rPr lang="en-US" dirty="0" err="1" smtClean="0">
+                <a:latin typeface="Lucida Console" panose="020B0609040504020204" pitchFamily="49" charset="0"/>
+              </a:rPr>
+              <a:t>src</a:t>
+            </a:r>
+            <a:endParaRPr lang="en-US" dirty="0" smtClean="0">
+              <a:latin typeface="Lucida Console" panose="020B0609040504020204" pitchFamily="49" charset="0"/>
+            </a:endParaRPr>
+          </a:p>
+          <a:p>
+            <a:pPr marL="0" indent="0">
+              <a:buNone/>
+            </a:pPr>
+            <a:r>
+              <a:rPr lang="en-US" dirty="0" smtClean="0">
+                <a:latin typeface="Lucida Console" panose="020B0609040504020204" pitchFamily="49" charset="0"/>
+              </a:rPr>
+              <a:t>/journal/public</a:t>
+            </a:r>
+            <a:endParaRPr lang="en-US" dirty="0">
+              <a:latin typeface="Lucida Console" panose="020B0609040504020204" pitchFamily="49" charset="0"/>
+            </a:endParaRPr>
           </a:p>
         </p:txBody>
       </p:sp>
     </p:spTree>
     <p:extLst>
       <p:ext uri="{BB962C8B-B14F-4D97-AF65-F5344CB8AC3E}">
-        <p14:creationId xmlns:p14="http://schemas.microsoft.com/office/powerpoint/2010/main" val="2248627708"/>
+        <p14:creationId xmlns:p14="http://schemas.microsoft.com/office/powerpoint/2010/main" val="3859177764"/>
       </p:ext>
     </p:extLst>
   </p:cSld>
   <p:clrMapOvr>
     <a:masterClrMapping/>
   </p:clrMapOvr>
+  <p:timing>
+    <p:tnLst>
+      <p:par>
+        <p:cTn id="1" dur="indefinite" restart="never" nodeType="tmRoot"/>
+      </p:par>
+    </p:tnLst>
+  </p:timing>
 </p:sld>
 </file>
 
@@ -5563,10 +7501,9 @@
           <a:lstStyle/>
           <a:p>
             <a:r>
-              <a:rPr lang="en-US" dirty="0" smtClean="0"/>
-              <a:t>Connection Class</a:t>
-            </a:r>
-            <a:endParaRPr lang="en-US" dirty="0"/>
+              <a:rPr lang="en-US" dirty="0"/>
+              <a:t>The Document Root</a:t>
+            </a:r>
           </a:p>
         </p:txBody>
       </p:sp>
@@ -5586,20 +7523,40 @@
           <a:lstStyle/>
           <a:p>
             <a:r>
-              <a:rPr lang="en-US" dirty="0" smtClean="0"/>
-              <a:t>Talks to the database</a:t>
-            </a:r>
-          </a:p>
-          <a:p>
-            <a:r>
-              <a:rPr lang="en-US" dirty="0" smtClean="0"/>
-              <a:t>Used by all model classes</a:t>
-            </a:r>
-          </a:p>
-          <a:p>
-            <a:r>
-              <a:rPr lang="en-US" dirty="0" smtClean="0"/>
-              <a:t>Created only once per request</a:t>
+              <a:rPr lang="en-US" dirty="0"/>
+              <a:t>The document root is a directory (a folder) that is stored on your host's servers and that is designated for holding web pages</a:t>
+            </a:r>
+            <a:r>
+              <a:rPr lang="en-US" dirty="0" smtClean="0"/>
+              <a:t>.</a:t>
+            </a:r>
+          </a:p>
+          <a:p>
+            <a:r>
+              <a:rPr lang="en-US" dirty="0" smtClean="0"/>
+              <a:t>For security reasons, ONLY actual files for the user should be present – </a:t>
+            </a:r>
+            <a:r>
+              <a:rPr lang="en-US" dirty="0" err="1" smtClean="0"/>
+              <a:t>css</a:t>
+            </a:r>
+            <a:r>
+              <a:rPr lang="en-US" dirty="0" smtClean="0"/>
+              <a:t>, images, and the PHP files that control logic</a:t>
+            </a:r>
+          </a:p>
+          <a:p>
+            <a:r>
+              <a:rPr lang="en-US" dirty="0" smtClean="0"/>
+              <a:t>Other files (configuration, PHP classes) should be parallel to the </a:t>
+            </a:r>
+            <a:r>
+              <a:rPr lang="en-US" dirty="0" err="1" smtClean="0"/>
+              <a:t>docroot</a:t>
+            </a:r>
+            <a:r>
+              <a:rPr lang="en-US" dirty="0" smtClean="0"/>
+              <a:t> </a:t>
             </a:r>
             <a:endParaRPr lang="en-US" dirty="0"/>
           </a:p>
@@ -5608,13 +7565,20 @@
     </p:spTree>
     <p:extLst>
       <p:ext uri="{BB962C8B-B14F-4D97-AF65-F5344CB8AC3E}">
-        <p14:creationId xmlns:p14="http://schemas.microsoft.com/office/powerpoint/2010/main" val="3107775830"/>
+        <p14:creationId xmlns:p14="http://schemas.microsoft.com/office/powerpoint/2010/main" val="4042964221"/>
       </p:ext>
     </p:extLst>
   </p:cSld>
   <p:clrMapOvr>
     <a:masterClrMapping/>
   </p:clrMapOvr>
+  <p:timing>
+    <p:tnLst>
+      <p:par>
+        <p:cTn id="1" dur="indefinite" restart="never" nodeType="tmRoot"/>
+      </p:par>
+    </p:tnLst>
+  </p:timing>
 </p:sld>
 </file>
 
@@ -5652,7 +7616,7 @@
           <a:p>
             <a:r>
               <a:rPr lang="en-US" dirty="0" smtClean="0"/>
-              <a:t>Model Classes</a:t>
+              <a:t>Web Information</a:t>
             </a:r>
             <a:endParaRPr lang="en-US" dirty="0"/>
           </a:p>
@@ -5668,70 +7632,102 @@
             <p:ph idx="1"/>
           </p:nvPr>
         </p:nvSpPr>
-        <p:spPr/>
-        <p:txBody>
-          <a:bodyPr/>
-          <a:lstStyle/>
-          <a:p>
-            <a:r>
-              <a:rPr lang="en-US" dirty="0" smtClean="0"/>
-              <a:t>Journal Entry</a:t>
-            </a:r>
-          </a:p>
-          <a:p>
-            <a:pPr lvl="1"/>
-            <a:r>
-              <a:rPr lang="en-US" dirty="0" smtClean="0"/>
-              <a:t>date</a:t>
-            </a:r>
-          </a:p>
-          <a:p>
-            <a:pPr lvl="1"/>
-            <a:r>
-              <a:rPr lang="en-US" dirty="0" smtClean="0"/>
-              <a:t>text</a:t>
-            </a:r>
-          </a:p>
-          <a:p>
-            <a:r>
-              <a:rPr lang="en-US" dirty="0" smtClean="0"/>
-              <a:t>Profile</a:t>
-            </a:r>
-          </a:p>
-          <a:p>
-            <a:pPr lvl="1"/>
-            <a:r>
-              <a:rPr lang="en-US" dirty="0" smtClean="0"/>
-              <a:t>name</a:t>
-            </a:r>
-          </a:p>
-          <a:p>
-            <a:pPr lvl="1"/>
-            <a:r>
-              <a:rPr lang="en-US" dirty="0" smtClean="0"/>
-              <a:t>login</a:t>
-            </a:r>
-          </a:p>
-          <a:p>
-            <a:pPr lvl="1"/>
-            <a:r>
-              <a:rPr lang="en-US" dirty="0" smtClean="0"/>
-              <a:t>password</a:t>
-            </a:r>
-            <a:endParaRPr lang="en-US" dirty="0"/>
+        <p:spPr>
+          <a:solidFill>
+            <a:schemeClr val="bg1">
+              <a:lumMod val="85000"/>
+            </a:schemeClr>
+          </a:solidFill>
+          <a:ln>
+            <a:solidFill>
+              <a:schemeClr val="tx1"/>
+            </a:solidFill>
+          </a:ln>
+        </p:spPr>
+        <p:txBody>
+          <a:bodyPr/>
+          <a:lstStyle/>
+          <a:p>
+            <a:pPr marL="0" indent="0">
+              <a:buNone/>
+            </a:pPr>
+            <a:r>
+              <a:rPr lang="en-US" dirty="0" smtClean="0">
+                <a:latin typeface="Lucida Console" panose="020B0609040504020204" pitchFamily="49" charset="0"/>
+              </a:rPr>
+              <a:t>/public</a:t>
+            </a:r>
+          </a:p>
+          <a:p>
+            <a:pPr marL="0" indent="0">
+              <a:buNone/>
+            </a:pPr>
+            <a:r>
+              <a:rPr lang="en-US" dirty="0" smtClean="0">
+                <a:latin typeface="Lucida Console" panose="020B0609040504020204" pitchFamily="49" charset="0"/>
+              </a:rPr>
+              <a:t>/public/</a:t>
+            </a:r>
+            <a:r>
+              <a:rPr lang="en-US" dirty="0" err="1" smtClean="0">
+                <a:latin typeface="Lucida Console" panose="020B0609040504020204" pitchFamily="49" charset="0"/>
+              </a:rPr>
+              <a:t>css</a:t>
+            </a:r>
+            <a:endParaRPr lang="en-US" dirty="0" smtClean="0">
+              <a:latin typeface="Lucida Console" panose="020B0609040504020204" pitchFamily="49" charset="0"/>
+            </a:endParaRPr>
+          </a:p>
+          <a:p>
+            <a:pPr marL="0" indent="0">
+              <a:buNone/>
+            </a:pPr>
+            <a:r>
+              <a:rPr lang="en-US" dirty="0" smtClean="0">
+                <a:latin typeface="Lucida Console" panose="020B0609040504020204" pitchFamily="49" charset="0"/>
+              </a:rPr>
+              <a:t>/public/images</a:t>
+            </a:r>
+          </a:p>
+          <a:p>
+            <a:pPr marL="0" indent="0">
+              <a:buNone/>
+            </a:pPr>
+            <a:r>
+              <a:rPr lang="en-US" dirty="0" smtClean="0">
+                <a:latin typeface="Lucida Console" panose="020B0609040504020204" pitchFamily="49" charset="0"/>
+              </a:rPr>
+              <a:t>/public/</a:t>
+            </a:r>
+            <a:r>
+              <a:rPr lang="en-US" dirty="0" err="1" smtClean="0">
+                <a:latin typeface="Lucida Console" panose="020B0609040504020204" pitchFamily="49" charset="0"/>
+              </a:rPr>
+              <a:t>index.php</a:t>
+            </a:r>
+            <a:endParaRPr lang="en-US" dirty="0">
+              <a:latin typeface="Lucida Console" panose="020B0609040504020204" pitchFamily="49" charset="0"/>
+            </a:endParaRPr>
           </a:p>
         </p:txBody>
       </p:sp>
     </p:spTree>
     <p:extLst>
       <p:ext uri="{BB962C8B-B14F-4D97-AF65-F5344CB8AC3E}">
-        <p14:creationId xmlns:p14="http://schemas.microsoft.com/office/powerpoint/2010/main" val="3803216798"/>
+        <p14:creationId xmlns:p14="http://schemas.microsoft.com/office/powerpoint/2010/main" val="3981234040"/>
       </p:ext>
     </p:extLst>
   </p:cSld>
   <p:clrMapOvr>
     <a:masterClrMapping/>
   </p:clrMapOvr>
+  <p:timing>
+    <p:tnLst>
+      <p:par>
+        <p:cTn id="1" dur="indefinite" restart="never" nodeType="tmRoot"/>
+      </p:par>
+    </p:tnLst>
+  </p:timing>
 </p:sld>
 </file>
 
@@ -5754,7 +7750,7 @@
       </p:grpSpPr>
       <p:sp>
         <p:nvSpPr>
-          <p:cNvPr id="4" name="Title 3"/>
+          <p:cNvPr id="2" name="Title 1"/>
           <p:cNvSpPr>
             <a:spLocks noGrp="1"/>
           </p:cNvSpPr>
@@ -5769,7 +7765,7 @@
           <a:p>
             <a:r>
               <a:rPr lang="en-US" dirty="0" smtClean="0"/>
-              <a:t>Templates</a:t>
+              <a:t>Application Code</a:t>
             </a:r>
             <a:endParaRPr lang="en-US" dirty="0"/>
           </a:p>
@@ -5777,31 +7773,37 @@
       </p:sp>
       <p:sp>
         <p:nvSpPr>
-          <p:cNvPr id="5" name="Text Placeholder 4"/>
-          <p:cNvSpPr>
-            <a:spLocks noGrp="1"/>
-          </p:cNvSpPr>
-          <p:nvPr>
-            <p:ph type="body" idx="1"/>
-          </p:nvPr>
-        </p:nvSpPr>
-        <p:spPr/>
-        <p:txBody>
-          <a:bodyPr/>
-          <a:lstStyle/>
-          <a:p>
-            <a:r>
-              <a:rPr lang="en-US" dirty="0" smtClean="0"/>
-              <a:t>Separate your html and </a:t>
-            </a:r>
-            <a:r>
-              <a:rPr lang="en-US" dirty="0" err="1" smtClean="0"/>
-              <a:t>php</a:t>
-            </a:r>
-            <a:r>
-              <a:rPr lang="en-US" dirty="0" smtClean="0"/>
-              <a:t> logic</a:t>
-            </a:r>
+          <p:cNvPr id="3" name="Content Placeholder 2"/>
+          <p:cNvSpPr>
+            <a:spLocks noGrp="1"/>
+          </p:cNvSpPr>
+          <p:nvPr>
+            <p:ph idx="1"/>
+          </p:nvPr>
+        </p:nvSpPr>
+        <p:spPr/>
+        <p:txBody>
+          <a:bodyPr/>
+          <a:lstStyle/>
+          <a:p>
+            <a:r>
+              <a:rPr lang="en-US" dirty="0" smtClean="0"/>
+              <a:t>Actual HTML output – our View</a:t>
+            </a:r>
+          </a:p>
+          <a:p>
+            <a:r>
+              <a:rPr lang="en-US" dirty="0" smtClean="0"/>
+              <a:t>Logic to act on – our Controller</a:t>
+            </a:r>
+          </a:p>
+          <a:p>
+            <a:r>
+              <a:rPr lang="en-US" dirty="0" smtClean="0"/>
+              <a:t>Data from our DB – our Model</a:t>
+            </a:r>
+          </a:p>
+          <a:p>
             <a:endParaRPr lang="en-US" dirty="0"/>
           </a:p>
         </p:txBody>
@@ -5809,13 +7811,20 @@
     </p:spTree>
     <p:extLst>
       <p:ext uri="{BB962C8B-B14F-4D97-AF65-F5344CB8AC3E}">
-        <p14:creationId xmlns:p14="http://schemas.microsoft.com/office/powerpoint/2010/main" val="1564472033"/>
+        <p14:creationId xmlns:p14="http://schemas.microsoft.com/office/powerpoint/2010/main" val="2975081245"/>
       </p:ext>
     </p:extLst>
   </p:cSld>
   <p:clrMapOvr>
     <a:masterClrMapping/>
   </p:clrMapOvr>
+  <p:timing>
+    <p:tnLst>
+      <p:par>
+        <p:cTn id="1" dur="indefinite" restart="never" nodeType="tmRoot"/>
+      </p:par>
+    </p:tnLst>
+  </p:timing>
 </p:sld>
 </file>
 

--- a/course/4 - Organization and Projects/Organization and Projects.pptx
+++ b/course/4 - Organization and Projects/Organization and Projects.pptx
@@ -5,30 +5,40 @@
     <p:sldMasterId id="2147483648" r:id="rId1"/>
   </p:sldMasterIdLst>
   <p:notesMasterIdLst>
-    <p:notesMasterId r:id="rId23"/>
+    <p:notesMasterId r:id="rId33"/>
   </p:notesMasterIdLst>
   <p:sldIdLst>
     <p:sldId id="256" r:id="rId2"/>
     <p:sldId id="267" r:id="rId3"/>
     <p:sldId id="273" r:id="rId4"/>
-    <p:sldId id="272" r:id="rId5"/>
-    <p:sldId id="257" r:id="rId6"/>
-    <p:sldId id="274" r:id="rId7"/>
-    <p:sldId id="258" r:id="rId8"/>
-    <p:sldId id="275" r:id="rId9"/>
+    <p:sldId id="257" r:id="rId5"/>
+    <p:sldId id="274" r:id="rId6"/>
+    <p:sldId id="258" r:id="rId7"/>
+    <p:sldId id="275" r:id="rId8"/>
+    <p:sldId id="282" r:id="rId9"/>
     <p:sldId id="276" r:id="rId10"/>
     <p:sldId id="277" r:id="rId11"/>
     <p:sldId id="280" r:id="rId12"/>
-    <p:sldId id="263" r:id="rId13"/>
-    <p:sldId id="264" r:id="rId14"/>
-    <p:sldId id="265" r:id="rId15"/>
-    <p:sldId id="278" r:id="rId16"/>
-    <p:sldId id="268" r:id="rId17"/>
-    <p:sldId id="269" r:id="rId18"/>
-    <p:sldId id="270" r:id="rId19"/>
-    <p:sldId id="271" r:id="rId20"/>
-    <p:sldId id="279" r:id="rId21"/>
-    <p:sldId id="262" r:id="rId22"/>
+    <p:sldId id="283" r:id="rId13"/>
+    <p:sldId id="284" r:id="rId14"/>
+    <p:sldId id="285" r:id="rId15"/>
+    <p:sldId id="286" r:id="rId16"/>
+    <p:sldId id="287" r:id="rId17"/>
+    <p:sldId id="288" r:id="rId18"/>
+    <p:sldId id="289" r:id="rId19"/>
+    <p:sldId id="290" r:id="rId20"/>
+    <p:sldId id="291" r:id="rId21"/>
+    <p:sldId id="263" r:id="rId22"/>
+    <p:sldId id="264" r:id="rId23"/>
+    <p:sldId id="265" r:id="rId24"/>
+    <p:sldId id="278" r:id="rId25"/>
+    <p:sldId id="268" r:id="rId26"/>
+    <p:sldId id="269" r:id="rId27"/>
+    <p:sldId id="270" r:id="rId28"/>
+    <p:sldId id="271" r:id="rId29"/>
+    <p:sldId id="279" r:id="rId30"/>
+    <p:sldId id="272" r:id="rId31"/>
+    <p:sldId id="262" r:id="rId32"/>
   </p:sldIdLst>
   <p:sldSz cx="9144000" cy="6858000" type="screen4x3"/>
   <p:notesSz cx="6858000" cy="9144000"/>
@@ -228,7 +238,7 @@
           <a:p>
             <a:fld id="{FB536F9C-1562-5D45-A47B-541CF3EDD6FE}" type="datetimeFigureOut">
               <a:rPr lang="en-US" smtClean="0"/>
-              <a:t>4/11/2015</a:t>
+              <a:t>4/12/2015</a:t>
             </a:fld>
             <a:endParaRPr lang="en-US"/>
           </a:p>
@@ -674,7 +684,11 @@
           <a:p>
             <a:r>
               <a:rPr lang="en-US" dirty="0" smtClean="0"/>
-              <a:t>Each of these</a:t>
+              <a:t>So if we have these directories</a:t>
+            </a:r>
+            <a:r>
+              <a:rPr lang="en-US" baseline="0" dirty="0" smtClean="0"/>
+              <a:t> and each one will be holding a different type of information</a:t>
             </a:r>
             <a:endParaRPr lang="en-US" dirty="0"/>
           </a:p>
@@ -762,14 +776,12 @@
           <a:p>
             <a:r>
               <a:rPr lang="en-US" dirty="0" smtClean="0"/>
-              <a:t>Data</a:t>
+              <a:t>So</a:t>
             </a:r>
             <a:r>
               <a:rPr lang="en-US" baseline="0" dirty="0" smtClean="0"/>
-              <a:t> models – if you group all of your data together into classes – you’ll find it’s much easier to change and manipulate the way your data works</a:t>
-            </a:r>
-          </a:p>
-          <a:p>
+              <a:t> many people will want to </a:t>
+            </a:r>
             <a:endParaRPr lang="en-US" dirty="0"/>
           </a:p>
         </p:txBody>
@@ -791,7 +803,7 @@
           <a:p>
             <a:fld id="{418E688B-F764-3946-880A-E9595C7985CE}" type="slidenum">
               <a:rPr lang="en-US" smtClean="0"/>
-              <a:t>12</a:t>
+              <a:t>11</a:t>
             </a:fld>
             <a:endParaRPr lang="en-US"/>
           </a:p>
@@ -800,7 +812,7 @@
     </p:spTree>
     <p:extLst>
       <p:ext uri="{BB962C8B-B14F-4D97-AF65-F5344CB8AC3E}">
-        <p14:creationId xmlns:p14="http://schemas.microsoft.com/office/powerpoint/2010/main" val="1921267855"/>
+        <p14:creationId xmlns:p14="http://schemas.microsoft.com/office/powerpoint/2010/main" val="3418710774"/>
       </p:ext>
     </p:extLst>
   </p:cSld>
@@ -856,24 +868,20 @@
           <a:p>
             <a:r>
               <a:rPr lang="en-US" dirty="0" smtClean="0"/>
-              <a:t>The connection class is designed to be a simple, well designed way to talk to the database</a:t>
-            </a:r>
-          </a:p>
-          <a:p>
-            <a:r>
-              <a:rPr lang="en-US" dirty="0" smtClean="0"/>
-              <a:t>Each</a:t>
+              <a:t>So we can actual return</a:t>
             </a:r>
             <a:r>
               <a:rPr lang="en-US" baseline="0" dirty="0" smtClean="0"/>
-              <a:t> data model will require this class to be passed into it</a:t>
+              <a:t> an array from a PHP file and store it as a variable</a:t>
             </a:r>
           </a:p>
           <a:p>
             <a:r>
               <a:rPr lang="en-US" baseline="0" dirty="0" smtClean="0"/>
-              <a:t>This is often known as “dependency injection” – we pass in the things that are necessary for the object when we create it</a:t>
-            </a:r>
+              <a:t>Remember we can have nested arrays as well, so we can have settings specific to just database, or just something else in our configuration file</a:t>
+            </a:r>
+          </a:p>
+          <a:p>
             <a:endParaRPr lang="en-US" dirty="0"/>
           </a:p>
         </p:txBody>
@@ -895,7 +903,7 @@
           <a:p>
             <a:fld id="{418E688B-F764-3946-880A-E9595C7985CE}" type="slidenum">
               <a:rPr lang="en-US" smtClean="0"/>
-              <a:t>13</a:t>
+              <a:t>12</a:t>
             </a:fld>
             <a:endParaRPr lang="en-US"/>
           </a:p>
@@ -904,7 +912,7 @@
     </p:spTree>
     <p:extLst>
       <p:ext uri="{BB962C8B-B14F-4D97-AF65-F5344CB8AC3E}">
-        <p14:creationId xmlns:p14="http://schemas.microsoft.com/office/powerpoint/2010/main" val="2942844580"/>
+        <p14:creationId xmlns:p14="http://schemas.microsoft.com/office/powerpoint/2010/main" val="3022074506"/>
       </p:ext>
     </p:extLst>
   </p:cSld>
@@ -960,8 +968,36 @@
           <a:p>
             <a:r>
               <a:rPr lang="en-US" dirty="0" smtClean="0"/>
-              <a:t>So we’re creating two models – each with some very very basic information about our application</a:t>
-            </a:r>
+              <a:t>And this is how we would take our information and "load" it into a </a:t>
+            </a:r>
+            <a:r>
+              <a:rPr lang="en-US" dirty="0" err="1" smtClean="0"/>
+              <a:t>php</a:t>
+            </a:r>
+            <a:r>
+              <a:rPr lang="en-US" dirty="0" smtClean="0"/>
+              <a:t> variable in say our </a:t>
+            </a:r>
+            <a:r>
+              <a:rPr lang="en-US" dirty="0" err="1" smtClean="0"/>
+              <a:t>index</a:t>
+            </a:r>
+            <a:r>
+              <a:rPr lang="en-US" baseline="0" dirty="0" err="1" smtClean="0"/>
+              <a:t>.php</a:t>
+            </a:r>
+            <a:r>
+              <a:rPr lang="en-US" baseline="0" dirty="0" smtClean="0"/>
+              <a:t> file</a:t>
+            </a:r>
+          </a:p>
+          <a:p>
+            <a:endParaRPr lang="en-US" baseline="0" dirty="0" smtClean="0"/>
+          </a:p>
+          <a:p>
+            <a:endParaRPr lang="en-US" baseline="0" dirty="0" smtClean="0"/>
+          </a:p>
+          <a:p>
             <a:endParaRPr lang="en-US" dirty="0"/>
           </a:p>
         </p:txBody>
@@ -983,7 +1019,7 @@
           <a:p>
             <a:fld id="{418E688B-F764-3946-880A-E9595C7985CE}" type="slidenum">
               <a:rPr lang="en-US" smtClean="0"/>
-              <a:t>14</a:t>
+              <a:t>13</a:t>
             </a:fld>
             <a:endParaRPr lang="en-US"/>
           </a:p>
@@ -992,7 +1028,7 @@
     </p:spTree>
     <p:extLst>
       <p:ext uri="{BB962C8B-B14F-4D97-AF65-F5344CB8AC3E}">
-        <p14:creationId xmlns:p14="http://schemas.microsoft.com/office/powerpoint/2010/main" val="1399912607"/>
+        <p14:creationId xmlns:p14="http://schemas.microsoft.com/office/powerpoint/2010/main" val="2144285280"/>
       </p:ext>
     </p:extLst>
   </p:cSld>
@@ -1048,23 +1084,7 @@
           <a:p>
             <a:r>
               <a:rPr lang="en-US" dirty="0" smtClean="0"/>
-              <a:t>PHP</a:t>
-            </a:r>
-            <a:r>
-              <a:rPr lang="en-US" baseline="0" dirty="0" smtClean="0"/>
-              <a:t> is a template language – there’s no reason to make things complex</a:t>
-            </a:r>
-          </a:p>
-          <a:p>
-            <a:r>
-              <a:rPr lang="en-US" baseline="0" dirty="0" smtClean="0"/>
-              <a:t>although this is sometimes called “views” the concept is similar</a:t>
-            </a:r>
-          </a:p>
-          <a:p>
-            <a:r>
-              <a:rPr lang="en-US" baseline="0" dirty="0" smtClean="0"/>
-              <a:t>you have a file with placeholders that you want to fill with data before output</a:t>
+              <a:t>You'll hear this word thrown around a lot, and the concept is important – but it's not as hard as people would have you believe</a:t>
             </a:r>
             <a:endParaRPr lang="en-US" dirty="0"/>
           </a:p>
@@ -1087,7 +1107,7 @@
           <a:p>
             <a:fld id="{418E688B-F764-3946-880A-E9595C7985CE}" type="slidenum">
               <a:rPr lang="en-US" smtClean="0"/>
-              <a:t>16</a:t>
+              <a:t>14</a:t>
             </a:fld>
             <a:endParaRPr lang="en-US"/>
           </a:p>
@@ -1096,7 +1116,7 @@
     </p:spTree>
     <p:extLst>
       <p:ext uri="{BB962C8B-B14F-4D97-AF65-F5344CB8AC3E}">
-        <p14:creationId xmlns:p14="http://schemas.microsoft.com/office/powerpoint/2010/main" val="1921267855"/>
+        <p14:creationId xmlns:p14="http://schemas.microsoft.com/office/powerpoint/2010/main" val="4279763289"/>
       </p:ext>
     </p:extLst>
   </p:cSld>
@@ -1152,38 +1172,26 @@
           <a:p>
             <a:r>
               <a:rPr lang="en-US" dirty="0" smtClean="0"/>
-              <a:t>We have a very simple template class</a:t>
-            </a:r>
-          </a:p>
-          <a:p>
-            <a:r>
-              <a:rPr lang="en-US" dirty="0" smtClean="0"/>
-              <a:t>we</a:t>
+              <a:t>so</a:t>
             </a:r>
             <a:r>
               <a:rPr lang="en-US" baseline="0" dirty="0" smtClean="0"/>
-              <a:t> need to be able to give it a template (</a:t>
-            </a:r>
-            <a:r>
-              <a:rPr lang="en-US" baseline="0" dirty="0" err="1" smtClean="0"/>
-              <a:t>flename</a:t>
-            </a:r>
+              <a:t> when we don't inject data, we're expecting our code to know about the internal information of what we're passing in</a:t>
+            </a:r>
+          </a:p>
+          <a:p>
             <a:r>
               <a:rPr lang="en-US" baseline="0" dirty="0" smtClean="0"/>
-              <a:t>) to generate</a:t>
-            </a:r>
-          </a:p>
-          <a:p>
-            <a:r>
-              <a:rPr lang="en-US" baseline="0" dirty="0" smtClean="0"/>
-              <a:t>we need to be able to give it data to insert into the template</a:t>
-            </a:r>
-          </a:p>
-          <a:p>
-            <a:r>
-              <a:rPr lang="en-US" baseline="0" dirty="0" smtClean="0"/>
-              <a:t>we need to have some helper functionality for things like escaping our output</a:t>
-            </a:r>
+              <a:t>whether it's an array or an object, if we change the format our code will break</a:t>
+            </a:r>
+          </a:p>
+          <a:p>
+            <a:endParaRPr lang="en-US" baseline="0" dirty="0" smtClean="0"/>
+          </a:p>
+          <a:p>
+            <a:endParaRPr lang="en-US" baseline="0" dirty="0" smtClean="0"/>
+          </a:p>
+          <a:p>
             <a:endParaRPr lang="en-US" dirty="0"/>
           </a:p>
         </p:txBody>
@@ -1205,7 +1213,7 @@
           <a:p>
             <a:fld id="{418E688B-F764-3946-880A-E9595C7985CE}" type="slidenum">
               <a:rPr lang="en-US" smtClean="0"/>
-              <a:t>17</a:t>
+              <a:t>15</a:t>
             </a:fld>
             <a:endParaRPr lang="en-US"/>
           </a:p>
@@ -1214,7 +1222,7 @@
     </p:spTree>
     <p:extLst>
       <p:ext uri="{BB962C8B-B14F-4D97-AF65-F5344CB8AC3E}">
-        <p14:creationId xmlns:p14="http://schemas.microsoft.com/office/powerpoint/2010/main" val="1658409535"/>
+        <p14:creationId xmlns:p14="http://schemas.microsoft.com/office/powerpoint/2010/main" val="83289448"/>
       </p:ext>
     </p:extLst>
   </p:cSld>
@@ -1270,12 +1278,37 @@
           <a:p>
             <a:r>
               <a:rPr lang="en-US" dirty="0" smtClean="0"/>
-              <a:t>snippets</a:t>
+              <a:t>However,</a:t>
             </a:r>
             <a:r>
               <a:rPr lang="en-US" baseline="0" dirty="0" smtClean="0"/>
-              <a:t> of html</a:t>
-            </a:r>
+              <a:t> if we pass in the direct values we allow the outer container for our configuration to change ,morph, and rename while our internal data is always consistent</a:t>
+            </a:r>
+          </a:p>
+          <a:p>
+            <a:endParaRPr lang="en-US" baseline="0" dirty="0" smtClean="0"/>
+          </a:p>
+          <a:p>
+            <a:r>
+              <a:rPr lang="en-US" baseline="0" dirty="0" smtClean="0"/>
+              <a:t>This means for our code we might have more lines in our </a:t>
+            </a:r>
+            <a:r>
+              <a:rPr lang="en-US" baseline="0" dirty="0" err="1" smtClean="0"/>
+              <a:t>index.php</a:t>
+            </a:r>
+            <a:r>
+              <a:rPr lang="en-US" baseline="0" dirty="0" smtClean="0"/>
+              <a:t>, but we can also trade in a different configuration style some day</a:t>
+            </a:r>
+          </a:p>
+          <a:p>
+            <a:endParaRPr lang="en-US" baseline="0" dirty="0" smtClean="0"/>
+          </a:p>
+          <a:p>
+            <a:endParaRPr lang="en-US" baseline="0" dirty="0" smtClean="0"/>
+          </a:p>
+          <a:p>
             <a:endParaRPr lang="en-US" dirty="0"/>
           </a:p>
         </p:txBody>
@@ -1297,7 +1330,7 @@
           <a:p>
             <a:fld id="{418E688B-F764-3946-880A-E9595C7985CE}" type="slidenum">
               <a:rPr lang="en-US" smtClean="0"/>
-              <a:t>18</a:t>
+              <a:t>16</a:t>
             </a:fld>
             <a:endParaRPr lang="en-US"/>
           </a:p>
@@ -1306,7 +1339,7 @@
     </p:spTree>
     <p:extLst>
       <p:ext uri="{BB962C8B-B14F-4D97-AF65-F5344CB8AC3E}">
-        <p14:creationId xmlns:p14="http://schemas.microsoft.com/office/powerpoint/2010/main" val="3420582633"/>
+        <p14:creationId xmlns:p14="http://schemas.microsoft.com/office/powerpoint/2010/main" val="430661661"/>
       </p:ext>
     </p:extLst>
   </p:cSld>
@@ -1362,23 +1395,25 @@
           <a:p>
             <a:r>
               <a:rPr lang="en-US" dirty="0" smtClean="0"/>
-              <a:t>PHP</a:t>
+              <a:t>So what is </a:t>
+            </a:r>
+            <a:r>
+              <a:rPr lang="en-US" dirty="0" err="1" smtClean="0"/>
+              <a:t>autoloading</a:t>
+            </a:r>
+            <a:r>
+              <a:rPr lang="en-US" dirty="0" smtClean="0"/>
+              <a:t>? </a:t>
+            </a:r>
+          </a:p>
+          <a:p>
+            <a:r>
+              <a:rPr lang="en-US" dirty="0" err="1" smtClean="0"/>
+              <a:t>Autoloading</a:t>
             </a:r>
             <a:r>
               <a:rPr lang="en-US" baseline="0" dirty="0" smtClean="0"/>
-              <a:t> is a template language – there’s no reason to make things complex</a:t>
-            </a:r>
-          </a:p>
-          <a:p>
-            <a:r>
-              <a:rPr lang="en-US" baseline="0" dirty="0" smtClean="0"/>
-              <a:t>although this is sometimes called “views” the concept is similar</a:t>
-            </a:r>
-          </a:p>
-          <a:p>
-            <a:r>
-              <a:rPr lang="en-US" baseline="0" dirty="0" smtClean="0"/>
-              <a:t>you have a file with placeholders that you want to fill with data before output</a:t>
+              <a:t> is when PHP looks for a class that doesn't yet exist by following some specific rules</a:t>
             </a:r>
             <a:endParaRPr lang="en-US" dirty="0"/>
           </a:p>
@@ -1401,7 +1436,7 @@
           <a:p>
             <a:fld id="{418E688B-F764-3946-880A-E9595C7985CE}" type="slidenum">
               <a:rPr lang="en-US" smtClean="0"/>
-              <a:t>19</a:t>
+              <a:t>17</a:t>
             </a:fld>
             <a:endParaRPr lang="en-US"/>
           </a:p>
@@ -1410,7 +1445,7 @@
     </p:spTree>
     <p:extLst>
       <p:ext uri="{BB962C8B-B14F-4D97-AF65-F5344CB8AC3E}">
-        <p14:creationId xmlns:p14="http://schemas.microsoft.com/office/powerpoint/2010/main" val="1921267855"/>
+        <p14:creationId xmlns:p14="http://schemas.microsoft.com/office/powerpoint/2010/main" val="2302147357"/>
       </p:ext>
     </p:extLst>
   </p:cSld>
@@ -1464,6 +1499,60 @@
           <a:bodyPr/>
           <a:lstStyle/>
           <a:p>
+            <a:r>
+              <a:rPr lang="en-US" dirty="0" smtClean="0"/>
+              <a:t>so why does the first even</a:t>
+            </a:r>
+            <a:r>
+              <a:rPr lang="en-US" baseline="0" dirty="0" smtClean="0"/>
+              <a:t> exists? originally you would define an </a:t>
+            </a:r>
+            <a:r>
+              <a:rPr lang="en-US" baseline="0" dirty="0" err="1" smtClean="0"/>
+              <a:t>autoload</a:t>
+            </a:r>
+            <a:r>
+              <a:rPr lang="en-US" baseline="0" dirty="0" smtClean="0"/>
+              <a:t> function and </a:t>
+            </a:r>
+            <a:r>
+              <a:rPr lang="en-US" baseline="0" dirty="0" err="1" smtClean="0"/>
+              <a:t>php</a:t>
+            </a:r>
+            <a:r>
+              <a:rPr lang="en-US" baseline="0" dirty="0" smtClean="0"/>
+              <a:t> would call it</a:t>
+            </a:r>
+          </a:p>
+          <a:p>
+            <a:r>
+              <a:rPr lang="en-US" baseline="0" dirty="0" smtClean="0"/>
+              <a:t>however what happens when you need several different ways of loading things?  </a:t>
+            </a:r>
+            <a:r>
+              <a:rPr lang="en-US" baseline="0" dirty="0" err="1" smtClean="0"/>
+              <a:t>spl_autoload_register</a:t>
+            </a:r>
+            <a:r>
+              <a:rPr lang="en-US" baseline="0" dirty="0" smtClean="0"/>
+              <a:t> allows you </a:t>
+            </a:r>
+          </a:p>
+          <a:p>
+            <a:r>
+              <a:rPr lang="en-US" baseline="0" dirty="0" smtClean="0"/>
+              <a:t>to set up a "stack" of </a:t>
+            </a:r>
+            <a:r>
+              <a:rPr lang="en-US" baseline="0" dirty="0" err="1" smtClean="0"/>
+              <a:t>autoload</a:t>
+            </a:r>
+            <a:r>
+              <a:rPr lang="en-US" baseline="0" dirty="0" smtClean="0"/>
+              <a:t> functions – PHP will loop through them until one works</a:t>
+            </a:r>
+          </a:p>
+          <a:p>
             <a:endParaRPr lang="en-US" dirty="0"/>
           </a:p>
         </p:txBody>
@@ -1485,7 +1574,7 @@
           <a:p>
             <a:fld id="{418E688B-F764-3946-880A-E9595C7985CE}" type="slidenum">
               <a:rPr lang="en-US" smtClean="0"/>
-              <a:t>20</a:t>
+              <a:t>18</a:t>
             </a:fld>
             <a:endParaRPr lang="en-US"/>
           </a:p>
@@ -1494,7 +1583,7 @@
     </p:spTree>
     <p:extLst>
       <p:ext uri="{BB962C8B-B14F-4D97-AF65-F5344CB8AC3E}">
-        <p14:creationId xmlns:p14="http://schemas.microsoft.com/office/powerpoint/2010/main" val="2479793429"/>
+        <p14:creationId xmlns:p14="http://schemas.microsoft.com/office/powerpoint/2010/main" val="1933066768"/>
       </p:ext>
     </p:extLst>
   </p:cSld>
@@ -1549,20 +1638,33 @@
           <a:lstStyle/>
           <a:p>
             <a:r>
+              <a:rPr lang="en-US" dirty="0" smtClean="0"/>
+              <a:t>So a basic autoloader takes a </a:t>
+            </a:r>
+            <a:r>
+              <a:rPr lang="en-US" dirty="0" err="1" smtClean="0"/>
+              <a:t>classname</a:t>
+            </a:r>
+            <a:r>
+              <a:rPr lang="en-US" dirty="0" smtClean="0"/>
+              <a:t> and looks for a file with a specific name</a:t>
+            </a:r>
+          </a:p>
+          <a:p>
+            <a:r>
               <a:rPr lang="en-US" baseline="0" dirty="0" smtClean="0"/>
-              <a:t>And now we have a working application!</a:t>
+              <a:t>PHP has a default autoloader that will split on the directory separator and load classes with it as well</a:t>
             </a:r>
           </a:p>
           <a:p>
             <a:endParaRPr lang="en-US" baseline="0" dirty="0" smtClean="0"/>
           </a:p>
           <a:p>
-            <a:r>
-              <a:rPr lang="en-US" baseline="0" dirty="0" smtClean="0"/>
-              <a:t>What can you think of that you'd add to that application?</a:t>
-            </a:r>
             <a:endParaRPr lang="en-US" baseline="0" dirty="0" smtClean="0"/>
           </a:p>
+          <a:p>
+            <a:endParaRPr lang="en-US" dirty="0"/>
+          </a:p>
         </p:txBody>
       </p:sp>
       <p:sp>
@@ -1582,7 +1684,7 @@
           <a:p>
             <a:fld id="{418E688B-F764-3946-880A-E9595C7985CE}" type="slidenum">
               <a:rPr lang="en-US" smtClean="0"/>
-              <a:t>21</a:t>
+              <a:t>19</a:t>
             </a:fld>
             <a:endParaRPr lang="en-US"/>
           </a:p>
@@ -1591,7 +1693,7 @@
     </p:spTree>
     <p:extLst>
       <p:ext uri="{BB962C8B-B14F-4D97-AF65-F5344CB8AC3E}">
-        <p14:creationId xmlns:p14="http://schemas.microsoft.com/office/powerpoint/2010/main" val="330699177"/>
+        <p14:creationId xmlns:p14="http://schemas.microsoft.com/office/powerpoint/2010/main" val="2610954855"/>
       </p:ext>
     </p:extLst>
   </p:cSld>
@@ -1651,11 +1753,15 @@
             </a:r>
             <a:r>
               <a:rPr lang="en-US" baseline="0" dirty="0" smtClean="0"/>
-              <a:t> here is a really simple application we’re going to write, right now, using all the skills we’ve developed in programming PHP, dealing with the internet, and writing </a:t>
+              <a:t> here is a really simple application we’re </a:t>
             </a:r>
             <a:r>
               <a:rPr lang="en-US" baseline="0" dirty="0" smtClean="0"/>
-              <a:t>SQL</a:t>
+              <a:t>been working on writing with pieces from the other sections – we're using all </a:t>
+            </a:r>
+            <a:r>
+              <a:rPr lang="en-US" baseline="0" dirty="0" smtClean="0"/>
+              <a:t>the skills we’ve developed in programming PHP, dealing with the internet, and writing SQL</a:t>
             </a:r>
           </a:p>
           <a:p>
@@ -1672,7 +1778,6 @@
               <a:rPr lang="en-US" baseline="0" dirty="0" smtClean="0"/>
               <a:t>we're not going to describe anything beyond this to start with, we want to keep things as simple as possible</a:t>
             </a:r>
-            <a:endParaRPr lang="en-US" baseline="0" dirty="0" smtClean="0"/>
           </a:p>
           <a:p>
             <a:endParaRPr lang="en-US" baseline="0" dirty="0" smtClean="0"/>
@@ -1706,6 +1811,1084 @@
     <p:extLst>
       <p:ext uri="{BB962C8B-B14F-4D97-AF65-F5344CB8AC3E}">
         <p14:creationId xmlns:p14="http://schemas.microsoft.com/office/powerpoint/2010/main" val="3553178449"/>
+      </p:ext>
+    </p:extLst>
+  </p:cSld>
+  <p:clrMapOvr>
+    <a:masterClrMapping/>
+  </p:clrMapOvr>
+</p:notes>
+</file>
+
+<file path=ppt/notesSlides/notesSlide20.xml><?xml version="1.0" encoding="utf-8"?>
+<p:notes xmlns:a="http://schemas.openxmlformats.org/drawingml/2006/main" xmlns:r="http://schemas.openxmlformats.org/officeDocument/2006/relationships" xmlns:p="http://schemas.openxmlformats.org/presentationml/2006/main">
+  <p:cSld>
+    <p:spTree>
+      <p:nvGrpSpPr>
+        <p:cNvPr id="1" name=""/>
+        <p:cNvGrpSpPr/>
+        <p:nvPr/>
+      </p:nvGrpSpPr>
+      <p:grpSpPr>
+        <a:xfrm>
+          <a:off x="0" y="0"/>
+          <a:ext cx="0" cy="0"/>
+          <a:chOff x="0" y="0"/>
+          <a:chExt cx="0" cy="0"/>
+        </a:xfrm>
+      </p:grpSpPr>
+      <p:sp>
+        <p:nvSpPr>
+          <p:cNvPr id="2" name="Slide Image Placeholder 1"/>
+          <p:cNvSpPr>
+            <a:spLocks noGrp="1" noRot="1" noChangeAspect="1"/>
+          </p:cNvSpPr>
+          <p:nvPr>
+            <p:ph type="sldImg"/>
+          </p:nvPr>
+        </p:nvSpPr>
+        <p:spPr/>
+      </p:sp>
+      <p:sp>
+        <p:nvSpPr>
+          <p:cNvPr id="3" name="Notes Placeholder 2"/>
+          <p:cNvSpPr>
+            <a:spLocks noGrp="1"/>
+          </p:cNvSpPr>
+          <p:nvPr>
+            <p:ph type="body" idx="1"/>
+          </p:nvPr>
+        </p:nvSpPr>
+        <p:spPr/>
+        <p:txBody>
+          <a:bodyPr/>
+          <a:lstStyle/>
+          <a:p>
+            <a:r>
+              <a:rPr lang="en-US" dirty="0" smtClean="0"/>
+              <a:t>So a basic autoloader takes a </a:t>
+            </a:r>
+            <a:r>
+              <a:rPr lang="en-US" dirty="0" err="1" smtClean="0"/>
+              <a:t>classname</a:t>
+            </a:r>
+            <a:r>
+              <a:rPr lang="en-US" dirty="0" smtClean="0"/>
+              <a:t> and looks for a file with a specific name</a:t>
+            </a:r>
+          </a:p>
+          <a:p>
+            <a:r>
+              <a:rPr lang="en-US" baseline="0" dirty="0" smtClean="0"/>
+              <a:t>PHP has a default autoloader that will split on the directory separator and load classes with it as well</a:t>
+            </a:r>
+          </a:p>
+          <a:p>
+            <a:endParaRPr lang="en-US" baseline="0" dirty="0" smtClean="0"/>
+          </a:p>
+          <a:p>
+            <a:endParaRPr lang="en-US" baseline="0" dirty="0" smtClean="0"/>
+          </a:p>
+          <a:p>
+            <a:endParaRPr lang="en-US" dirty="0"/>
+          </a:p>
+        </p:txBody>
+      </p:sp>
+      <p:sp>
+        <p:nvSpPr>
+          <p:cNvPr id="4" name="Slide Number Placeholder 3"/>
+          <p:cNvSpPr>
+            <a:spLocks noGrp="1"/>
+          </p:cNvSpPr>
+          <p:nvPr>
+            <p:ph type="sldNum" sz="quarter" idx="10"/>
+          </p:nvPr>
+        </p:nvSpPr>
+        <p:spPr/>
+        <p:txBody>
+          <a:bodyPr/>
+          <a:lstStyle/>
+          <a:p>
+            <a:fld id="{418E688B-F764-3946-880A-E9595C7985CE}" type="slidenum">
+              <a:rPr lang="en-US" smtClean="0"/>
+              <a:t>20</a:t>
+            </a:fld>
+            <a:endParaRPr lang="en-US"/>
+          </a:p>
+        </p:txBody>
+      </p:sp>
+    </p:spTree>
+    <p:extLst>
+      <p:ext uri="{BB962C8B-B14F-4D97-AF65-F5344CB8AC3E}">
+        <p14:creationId xmlns:p14="http://schemas.microsoft.com/office/powerpoint/2010/main" val="2292615322"/>
+      </p:ext>
+    </p:extLst>
+  </p:cSld>
+  <p:clrMapOvr>
+    <a:masterClrMapping/>
+  </p:clrMapOvr>
+</p:notes>
+</file>
+
+<file path=ppt/notesSlides/notesSlide21.xml><?xml version="1.0" encoding="utf-8"?>
+<p:notes xmlns:a="http://schemas.openxmlformats.org/drawingml/2006/main" xmlns:r="http://schemas.openxmlformats.org/officeDocument/2006/relationships" xmlns:p="http://schemas.openxmlformats.org/presentationml/2006/main">
+  <p:cSld>
+    <p:spTree>
+      <p:nvGrpSpPr>
+        <p:cNvPr id="1" name=""/>
+        <p:cNvGrpSpPr/>
+        <p:nvPr/>
+      </p:nvGrpSpPr>
+      <p:grpSpPr>
+        <a:xfrm>
+          <a:off x="0" y="0"/>
+          <a:ext cx="0" cy="0"/>
+          <a:chOff x="0" y="0"/>
+          <a:chExt cx="0" cy="0"/>
+        </a:xfrm>
+      </p:grpSpPr>
+      <p:sp>
+        <p:nvSpPr>
+          <p:cNvPr id="2" name="Slide Image Placeholder 1"/>
+          <p:cNvSpPr>
+            <a:spLocks noGrp="1" noRot="1" noChangeAspect="1"/>
+          </p:cNvSpPr>
+          <p:nvPr>
+            <p:ph type="sldImg"/>
+          </p:nvPr>
+        </p:nvSpPr>
+        <p:spPr/>
+      </p:sp>
+      <p:sp>
+        <p:nvSpPr>
+          <p:cNvPr id="3" name="Notes Placeholder 2"/>
+          <p:cNvSpPr>
+            <a:spLocks noGrp="1"/>
+          </p:cNvSpPr>
+          <p:nvPr>
+            <p:ph type="body" idx="1"/>
+          </p:nvPr>
+        </p:nvSpPr>
+        <p:spPr/>
+        <p:txBody>
+          <a:bodyPr/>
+          <a:lstStyle/>
+          <a:p>
+            <a:r>
+              <a:rPr lang="en-US" dirty="0" smtClean="0"/>
+              <a:t>Data</a:t>
+            </a:r>
+            <a:r>
+              <a:rPr lang="en-US" baseline="0" dirty="0" smtClean="0"/>
+              <a:t> models – if you group all of your data together into classes – you’ll find it’s much easier to change and manipulate the way your data works</a:t>
+            </a:r>
+          </a:p>
+          <a:p>
+            <a:endParaRPr lang="en-US" dirty="0"/>
+          </a:p>
+        </p:txBody>
+      </p:sp>
+      <p:sp>
+        <p:nvSpPr>
+          <p:cNvPr id="4" name="Slide Number Placeholder 3"/>
+          <p:cNvSpPr>
+            <a:spLocks noGrp="1"/>
+          </p:cNvSpPr>
+          <p:nvPr>
+            <p:ph type="sldNum" sz="quarter" idx="10"/>
+          </p:nvPr>
+        </p:nvSpPr>
+        <p:spPr/>
+        <p:txBody>
+          <a:bodyPr/>
+          <a:lstStyle/>
+          <a:p>
+            <a:fld id="{418E688B-F764-3946-880A-E9595C7985CE}" type="slidenum">
+              <a:rPr lang="en-US" smtClean="0"/>
+              <a:t>21</a:t>
+            </a:fld>
+            <a:endParaRPr lang="en-US"/>
+          </a:p>
+        </p:txBody>
+      </p:sp>
+    </p:spTree>
+    <p:extLst>
+      <p:ext uri="{BB962C8B-B14F-4D97-AF65-F5344CB8AC3E}">
+        <p14:creationId xmlns:p14="http://schemas.microsoft.com/office/powerpoint/2010/main" val="1921267855"/>
+      </p:ext>
+    </p:extLst>
+  </p:cSld>
+  <p:clrMapOvr>
+    <a:masterClrMapping/>
+  </p:clrMapOvr>
+</p:notes>
+</file>
+
+<file path=ppt/notesSlides/notesSlide22.xml><?xml version="1.0" encoding="utf-8"?>
+<p:notes xmlns:a="http://schemas.openxmlformats.org/drawingml/2006/main" xmlns:r="http://schemas.openxmlformats.org/officeDocument/2006/relationships" xmlns:p="http://schemas.openxmlformats.org/presentationml/2006/main">
+  <p:cSld>
+    <p:spTree>
+      <p:nvGrpSpPr>
+        <p:cNvPr id="1" name=""/>
+        <p:cNvGrpSpPr/>
+        <p:nvPr/>
+      </p:nvGrpSpPr>
+      <p:grpSpPr>
+        <a:xfrm>
+          <a:off x="0" y="0"/>
+          <a:ext cx="0" cy="0"/>
+          <a:chOff x="0" y="0"/>
+          <a:chExt cx="0" cy="0"/>
+        </a:xfrm>
+      </p:grpSpPr>
+      <p:sp>
+        <p:nvSpPr>
+          <p:cNvPr id="2" name="Slide Image Placeholder 1"/>
+          <p:cNvSpPr>
+            <a:spLocks noGrp="1" noRot="1" noChangeAspect="1"/>
+          </p:cNvSpPr>
+          <p:nvPr>
+            <p:ph type="sldImg"/>
+          </p:nvPr>
+        </p:nvSpPr>
+        <p:spPr/>
+      </p:sp>
+      <p:sp>
+        <p:nvSpPr>
+          <p:cNvPr id="3" name="Notes Placeholder 2"/>
+          <p:cNvSpPr>
+            <a:spLocks noGrp="1"/>
+          </p:cNvSpPr>
+          <p:nvPr>
+            <p:ph type="body" idx="1"/>
+          </p:nvPr>
+        </p:nvSpPr>
+        <p:spPr/>
+        <p:txBody>
+          <a:bodyPr/>
+          <a:lstStyle/>
+          <a:p>
+            <a:r>
+              <a:rPr lang="en-US" dirty="0" smtClean="0"/>
+              <a:t>The connection class is designed to be a simple, well designed way to talk to the database</a:t>
+            </a:r>
+          </a:p>
+          <a:p>
+            <a:r>
+              <a:rPr lang="en-US" dirty="0" smtClean="0"/>
+              <a:t>Each</a:t>
+            </a:r>
+            <a:r>
+              <a:rPr lang="en-US" baseline="0" dirty="0" smtClean="0"/>
+              <a:t> data model will require this class to be passed into it</a:t>
+            </a:r>
+          </a:p>
+          <a:p>
+            <a:r>
+              <a:rPr lang="en-US" baseline="0" dirty="0" smtClean="0"/>
+              <a:t>This is often known as “dependency injection” – we pass in the things that are necessary for the object when we create it</a:t>
+            </a:r>
+            <a:endParaRPr lang="en-US" dirty="0"/>
+          </a:p>
+        </p:txBody>
+      </p:sp>
+      <p:sp>
+        <p:nvSpPr>
+          <p:cNvPr id="4" name="Slide Number Placeholder 3"/>
+          <p:cNvSpPr>
+            <a:spLocks noGrp="1"/>
+          </p:cNvSpPr>
+          <p:nvPr>
+            <p:ph type="sldNum" sz="quarter" idx="10"/>
+          </p:nvPr>
+        </p:nvSpPr>
+        <p:spPr/>
+        <p:txBody>
+          <a:bodyPr/>
+          <a:lstStyle/>
+          <a:p>
+            <a:fld id="{418E688B-F764-3946-880A-E9595C7985CE}" type="slidenum">
+              <a:rPr lang="en-US" smtClean="0"/>
+              <a:t>22</a:t>
+            </a:fld>
+            <a:endParaRPr lang="en-US"/>
+          </a:p>
+        </p:txBody>
+      </p:sp>
+    </p:spTree>
+    <p:extLst>
+      <p:ext uri="{BB962C8B-B14F-4D97-AF65-F5344CB8AC3E}">
+        <p14:creationId xmlns:p14="http://schemas.microsoft.com/office/powerpoint/2010/main" val="2942844580"/>
+      </p:ext>
+    </p:extLst>
+  </p:cSld>
+  <p:clrMapOvr>
+    <a:masterClrMapping/>
+  </p:clrMapOvr>
+</p:notes>
+</file>
+
+<file path=ppt/notesSlides/notesSlide23.xml><?xml version="1.0" encoding="utf-8"?>
+<p:notes xmlns:a="http://schemas.openxmlformats.org/drawingml/2006/main" xmlns:r="http://schemas.openxmlformats.org/officeDocument/2006/relationships" xmlns:p="http://schemas.openxmlformats.org/presentationml/2006/main">
+  <p:cSld>
+    <p:spTree>
+      <p:nvGrpSpPr>
+        <p:cNvPr id="1" name=""/>
+        <p:cNvGrpSpPr/>
+        <p:nvPr/>
+      </p:nvGrpSpPr>
+      <p:grpSpPr>
+        <a:xfrm>
+          <a:off x="0" y="0"/>
+          <a:ext cx="0" cy="0"/>
+          <a:chOff x="0" y="0"/>
+          <a:chExt cx="0" cy="0"/>
+        </a:xfrm>
+      </p:grpSpPr>
+      <p:sp>
+        <p:nvSpPr>
+          <p:cNvPr id="2" name="Slide Image Placeholder 1"/>
+          <p:cNvSpPr>
+            <a:spLocks noGrp="1" noRot="1" noChangeAspect="1"/>
+          </p:cNvSpPr>
+          <p:nvPr>
+            <p:ph type="sldImg"/>
+          </p:nvPr>
+        </p:nvSpPr>
+        <p:spPr/>
+      </p:sp>
+      <p:sp>
+        <p:nvSpPr>
+          <p:cNvPr id="3" name="Notes Placeholder 2"/>
+          <p:cNvSpPr>
+            <a:spLocks noGrp="1"/>
+          </p:cNvSpPr>
+          <p:nvPr>
+            <p:ph type="body" idx="1"/>
+          </p:nvPr>
+        </p:nvSpPr>
+        <p:spPr/>
+        <p:txBody>
+          <a:bodyPr/>
+          <a:lstStyle/>
+          <a:p>
+            <a:r>
+              <a:rPr lang="en-US" dirty="0" smtClean="0"/>
+              <a:t>So we’re creating two models – each with some very very basic information about our application</a:t>
+            </a:r>
+            <a:endParaRPr lang="en-US" dirty="0"/>
+          </a:p>
+        </p:txBody>
+      </p:sp>
+      <p:sp>
+        <p:nvSpPr>
+          <p:cNvPr id="4" name="Slide Number Placeholder 3"/>
+          <p:cNvSpPr>
+            <a:spLocks noGrp="1"/>
+          </p:cNvSpPr>
+          <p:nvPr>
+            <p:ph type="sldNum" sz="quarter" idx="10"/>
+          </p:nvPr>
+        </p:nvSpPr>
+        <p:spPr/>
+        <p:txBody>
+          <a:bodyPr/>
+          <a:lstStyle/>
+          <a:p>
+            <a:fld id="{418E688B-F764-3946-880A-E9595C7985CE}" type="slidenum">
+              <a:rPr lang="en-US" smtClean="0"/>
+              <a:t>23</a:t>
+            </a:fld>
+            <a:endParaRPr lang="en-US"/>
+          </a:p>
+        </p:txBody>
+      </p:sp>
+    </p:spTree>
+    <p:extLst>
+      <p:ext uri="{BB962C8B-B14F-4D97-AF65-F5344CB8AC3E}">
+        <p14:creationId xmlns:p14="http://schemas.microsoft.com/office/powerpoint/2010/main" val="1399912607"/>
+      </p:ext>
+    </p:extLst>
+  </p:cSld>
+  <p:clrMapOvr>
+    <a:masterClrMapping/>
+  </p:clrMapOvr>
+</p:notes>
+</file>
+
+<file path=ppt/notesSlides/notesSlide24.xml><?xml version="1.0" encoding="utf-8"?>
+<p:notes xmlns:a="http://schemas.openxmlformats.org/drawingml/2006/main" xmlns:r="http://schemas.openxmlformats.org/officeDocument/2006/relationships" xmlns:p="http://schemas.openxmlformats.org/presentationml/2006/main">
+  <p:cSld>
+    <p:spTree>
+      <p:nvGrpSpPr>
+        <p:cNvPr id="1" name=""/>
+        <p:cNvGrpSpPr/>
+        <p:nvPr/>
+      </p:nvGrpSpPr>
+      <p:grpSpPr>
+        <a:xfrm>
+          <a:off x="0" y="0"/>
+          <a:ext cx="0" cy="0"/>
+          <a:chOff x="0" y="0"/>
+          <a:chExt cx="0" cy="0"/>
+        </a:xfrm>
+      </p:grpSpPr>
+      <p:sp>
+        <p:nvSpPr>
+          <p:cNvPr id="2" name="Slide Image Placeholder 1"/>
+          <p:cNvSpPr>
+            <a:spLocks noGrp="1" noRot="1" noChangeAspect="1"/>
+          </p:cNvSpPr>
+          <p:nvPr>
+            <p:ph type="sldImg"/>
+          </p:nvPr>
+        </p:nvSpPr>
+        <p:spPr/>
+      </p:sp>
+      <p:sp>
+        <p:nvSpPr>
+          <p:cNvPr id="3" name="Notes Placeholder 2"/>
+          <p:cNvSpPr>
+            <a:spLocks noGrp="1"/>
+          </p:cNvSpPr>
+          <p:nvPr>
+            <p:ph type="body" idx="1"/>
+          </p:nvPr>
+        </p:nvSpPr>
+        <p:spPr/>
+        <p:txBody>
+          <a:bodyPr/>
+          <a:lstStyle/>
+          <a:p>
+            <a:r>
+              <a:rPr lang="en-US" dirty="0" smtClean="0"/>
+              <a:t>PHP</a:t>
+            </a:r>
+            <a:r>
+              <a:rPr lang="en-US" baseline="0" dirty="0" smtClean="0"/>
+              <a:t> is a template language – there’s no reason to make things complex</a:t>
+            </a:r>
+          </a:p>
+          <a:p>
+            <a:r>
+              <a:rPr lang="en-US" baseline="0" dirty="0" smtClean="0"/>
+              <a:t>although this is sometimes called “views” the concept is similar</a:t>
+            </a:r>
+          </a:p>
+          <a:p>
+            <a:r>
+              <a:rPr lang="en-US" baseline="0" dirty="0" smtClean="0"/>
+              <a:t>you have a file with placeholders that you want to fill with data before output</a:t>
+            </a:r>
+            <a:endParaRPr lang="en-US" dirty="0"/>
+          </a:p>
+        </p:txBody>
+      </p:sp>
+      <p:sp>
+        <p:nvSpPr>
+          <p:cNvPr id="4" name="Slide Number Placeholder 3"/>
+          <p:cNvSpPr>
+            <a:spLocks noGrp="1"/>
+          </p:cNvSpPr>
+          <p:nvPr>
+            <p:ph type="sldNum" sz="quarter" idx="10"/>
+          </p:nvPr>
+        </p:nvSpPr>
+        <p:spPr/>
+        <p:txBody>
+          <a:bodyPr/>
+          <a:lstStyle/>
+          <a:p>
+            <a:fld id="{418E688B-F764-3946-880A-E9595C7985CE}" type="slidenum">
+              <a:rPr lang="en-US" smtClean="0"/>
+              <a:t>25</a:t>
+            </a:fld>
+            <a:endParaRPr lang="en-US"/>
+          </a:p>
+        </p:txBody>
+      </p:sp>
+    </p:spTree>
+    <p:extLst>
+      <p:ext uri="{BB962C8B-B14F-4D97-AF65-F5344CB8AC3E}">
+        <p14:creationId xmlns:p14="http://schemas.microsoft.com/office/powerpoint/2010/main" val="1921267855"/>
+      </p:ext>
+    </p:extLst>
+  </p:cSld>
+  <p:clrMapOvr>
+    <a:masterClrMapping/>
+  </p:clrMapOvr>
+</p:notes>
+</file>
+
+<file path=ppt/notesSlides/notesSlide25.xml><?xml version="1.0" encoding="utf-8"?>
+<p:notes xmlns:a="http://schemas.openxmlformats.org/drawingml/2006/main" xmlns:r="http://schemas.openxmlformats.org/officeDocument/2006/relationships" xmlns:p="http://schemas.openxmlformats.org/presentationml/2006/main">
+  <p:cSld>
+    <p:spTree>
+      <p:nvGrpSpPr>
+        <p:cNvPr id="1" name=""/>
+        <p:cNvGrpSpPr/>
+        <p:nvPr/>
+      </p:nvGrpSpPr>
+      <p:grpSpPr>
+        <a:xfrm>
+          <a:off x="0" y="0"/>
+          <a:ext cx="0" cy="0"/>
+          <a:chOff x="0" y="0"/>
+          <a:chExt cx="0" cy="0"/>
+        </a:xfrm>
+      </p:grpSpPr>
+      <p:sp>
+        <p:nvSpPr>
+          <p:cNvPr id="2" name="Slide Image Placeholder 1"/>
+          <p:cNvSpPr>
+            <a:spLocks noGrp="1" noRot="1" noChangeAspect="1"/>
+          </p:cNvSpPr>
+          <p:nvPr>
+            <p:ph type="sldImg"/>
+          </p:nvPr>
+        </p:nvSpPr>
+        <p:spPr/>
+      </p:sp>
+      <p:sp>
+        <p:nvSpPr>
+          <p:cNvPr id="3" name="Notes Placeholder 2"/>
+          <p:cNvSpPr>
+            <a:spLocks noGrp="1"/>
+          </p:cNvSpPr>
+          <p:nvPr>
+            <p:ph type="body" idx="1"/>
+          </p:nvPr>
+        </p:nvSpPr>
+        <p:spPr/>
+        <p:txBody>
+          <a:bodyPr/>
+          <a:lstStyle/>
+          <a:p>
+            <a:r>
+              <a:rPr lang="en-US" dirty="0" smtClean="0"/>
+              <a:t>We have a very simple template class</a:t>
+            </a:r>
+          </a:p>
+          <a:p>
+            <a:r>
+              <a:rPr lang="en-US" dirty="0" smtClean="0"/>
+              <a:t>we</a:t>
+            </a:r>
+            <a:r>
+              <a:rPr lang="en-US" baseline="0" dirty="0" smtClean="0"/>
+              <a:t> need to be able to give it a template (</a:t>
+            </a:r>
+            <a:r>
+              <a:rPr lang="en-US" baseline="0" dirty="0" err="1" smtClean="0"/>
+              <a:t>flename</a:t>
+            </a:r>
+            <a:r>
+              <a:rPr lang="en-US" baseline="0" dirty="0" smtClean="0"/>
+              <a:t>) to generate</a:t>
+            </a:r>
+          </a:p>
+          <a:p>
+            <a:r>
+              <a:rPr lang="en-US" baseline="0" dirty="0" smtClean="0"/>
+              <a:t>we need to be able to give it data to insert into the template</a:t>
+            </a:r>
+          </a:p>
+          <a:p>
+            <a:r>
+              <a:rPr lang="en-US" baseline="0" dirty="0" smtClean="0"/>
+              <a:t>we need to have some helper functionality for things like escaping our output</a:t>
+            </a:r>
+            <a:endParaRPr lang="en-US" dirty="0"/>
+          </a:p>
+        </p:txBody>
+      </p:sp>
+      <p:sp>
+        <p:nvSpPr>
+          <p:cNvPr id="4" name="Slide Number Placeholder 3"/>
+          <p:cNvSpPr>
+            <a:spLocks noGrp="1"/>
+          </p:cNvSpPr>
+          <p:nvPr>
+            <p:ph type="sldNum" sz="quarter" idx="10"/>
+          </p:nvPr>
+        </p:nvSpPr>
+        <p:spPr/>
+        <p:txBody>
+          <a:bodyPr/>
+          <a:lstStyle/>
+          <a:p>
+            <a:fld id="{418E688B-F764-3946-880A-E9595C7985CE}" type="slidenum">
+              <a:rPr lang="en-US" smtClean="0"/>
+              <a:t>26</a:t>
+            </a:fld>
+            <a:endParaRPr lang="en-US"/>
+          </a:p>
+        </p:txBody>
+      </p:sp>
+    </p:spTree>
+    <p:extLst>
+      <p:ext uri="{BB962C8B-B14F-4D97-AF65-F5344CB8AC3E}">
+        <p14:creationId xmlns:p14="http://schemas.microsoft.com/office/powerpoint/2010/main" val="1658409535"/>
+      </p:ext>
+    </p:extLst>
+  </p:cSld>
+  <p:clrMapOvr>
+    <a:masterClrMapping/>
+  </p:clrMapOvr>
+</p:notes>
+</file>
+
+<file path=ppt/notesSlides/notesSlide26.xml><?xml version="1.0" encoding="utf-8"?>
+<p:notes xmlns:a="http://schemas.openxmlformats.org/drawingml/2006/main" xmlns:r="http://schemas.openxmlformats.org/officeDocument/2006/relationships" xmlns:p="http://schemas.openxmlformats.org/presentationml/2006/main">
+  <p:cSld>
+    <p:spTree>
+      <p:nvGrpSpPr>
+        <p:cNvPr id="1" name=""/>
+        <p:cNvGrpSpPr/>
+        <p:nvPr/>
+      </p:nvGrpSpPr>
+      <p:grpSpPr>
+        <a:xfrm>
+          <a:off x="0" y="0"/>
+          <a:ext cx="0" cy="0"/>
+          <a:chOff x="0" y="0"/>
+          <a:chExt cx="0" cy="0"/>
+        </a:xfrm>
+      </p:grpSpPr>
+      <p:sp>
+        <p:nvSpPr>
+          <p:cNvPr id="2" name="Slide Image Placeholder 1"/>
+          <p:cNvSpPr>
+            <a:spLocks noGrp="1" noRot="1" noChangeAspect="1"/>
+          </p:cNvSpPr>
+          <p:nvPr>
+            <p:ph type="sldImg"/>
+          </p:nvPr>
+        </p:nvSpPr>
+        <p:spPr/>
+      </p:sp>
+      <p:sp>
+        <p:nvSpPr>
+          <p:cNvPr id="3" name="Notes Placeholder 2"/>
+          <p:cNvSpPr>
+            <a:spLocks noGrp="1"/>
+          </p:cNvSpPr>
+          <p:nvPr>
+            <p:ph type="body" idx="1"/>
+          </p:nvPr>
+        </p:nvSpPr>
+        <p:spPr/>
+        <p:txBody>
+          <a:bodyPr/>
+          <a:lstStyle/>
+          <a:p>
+            <a:r>
+              <a:rPr lang="en-US" dirty="0" smtClean="0"/>
+              <a:t>snippets</a:t>
+            </a:r>
+            <a:r>
+              <a:rPr lang="en-US" baseline="0" dirty="0" smtClean="0"/>
+              <a:t> of html</a:t>
+            </a:r>
+            <a:endParaRPr lang="en-US" dirty="0"/>
+          </a:p>
+        </p:txBody>
+      </p:sp>
+      <p:sp>
+        <p:nvSpPr>
+          <p:cNvPr id="4" name="Slide Number Placeholder 3"/>
+          <p:cNvSpPr>
+            <a:spLocks noGrp="1"/>
+          </p:cNvSpPr>
+          <p:nvPr>
+            <p:ph type="sldNum" sz="quarter" idx="10"/>
+          </p:nvPr>
+        </p:nvSpPr>
+        <p:spPr/>
+        <p:txBody>
+          <a:bodyPr/>
+          <a:lstStyle/>
+          <a:p>
+            <a:fld id="{418E688B-F764-3946-880A-E9595C7985CE}" type="slidenum">
+              <a:rPr lang="en-US" smtClean="0"/>
+              <a:t>27</a:t>
+            </a:fld>
+            <a:endParaRPr lang="en-US"/>
+          </a:p>
+        </p:txBody>
+      </p:sp>
+    </p:spTree>
+    <p:extLst>
+      <p:ext uri="{BB962C8B-B14F-4D97-AF65-F5344CB8AC3E}">
+        <p14:creationId xmlns:p14="http://schemas.microsoft.com/office/powerpoint/2010/main" val="3420582633"/>
+      </p:ext>
+    </p:extLst>
+  </p:cSld>
+  <p:clrMapOvr>
+    <a:masterClrMapping/>
+  </p:clrMapOvr>
+</p:notes>
+</file>
+
+<file path=ppt/notesSlides/notesSlide27.xml><?xml version="1.0" encoding="utf-8"?>
+<p:notes xmlns:a="http://schemas.openxmlformats.org/drawingml/2006/main" xmlns:r="http://schemas.openxmlformats.org/officeDocument/2006/relationships" xmlns:p="http://schemas.openxmlformats.org/presentationml/2006/main">
+  <p:cSld>
+    <p:spTree>
+      <p:nvGrpSpPr>
+        <p:cNvPr id="1" name=""/>
+        <p:cNvGrpSpPr/>
+        <p:nvPr/>
+      </p:nvGrpSpPr>
+      <p:grpSpPr>
+        <a:xfrm>
+          <a:off x="0" y="0"/>
+          <a:ext cx="0" cy="0"/>
+          <a:chOff x="0" y="0"/>
+          <a:chExt cx="0" cy="0"/>
+        </a:xfrm>
+      </p:grpSpPr>
+      <p:sp>
+        <p:nvSpPr>
+          <p:cNvPr id="2" name="Slide Image Placeholder 1"/>
+          <p:cNvSpPr>
+            <a:spLocks noGrp="1" noRot="1" noChangeAspect="1"/>
+          </p:cNvSpPr>
+          <p:nvPr>
+            <p:ph type="sldImg"/>
+          </p:nvPr>
+        </p:nvSpPr>
+        <p:spPr/>
+      </p:sp>
+      <p:sp>
+        <p:nvSpPr>
+          <p:cNvPr id="3" name="Notes Placeholder 2"/>
+          <p:cNvSpPr>
+            <a:spLocks noGrp="1"/>
+          </p:cNvSpPr>
+          <p:nvPr>
+            <p:ph type="body" idx="1"/>
+          </p:nvPr>
+        </p:nvSpPr>
+        <p:spPr/>
+        <p:txBody>
+          <a:bodyPr/>
+          <a:lstStyle/>
+          <a:p>
+            <a:r>
+              <a:rPr lang="en-US" dirty="0" smtClean="0"/>
+              <a:t>PHP</a:t>
+            </a:r>
+            <a:r>
+              <a:rPr lang="en-US" baseline="0" dirty="0" smtClean="0"/>
+              <a:t> is a template language – there’s no reason to make things complex</a:t>
+            </a:r>
+          </a:p>
+          <a:p>
+            <a:r>
+              <a:rPr lang="en-US" baseline="0" dirty="0" smtClean="0"/>
+              <a:t>although this is sometimes called “views” the concept is similar</a:t>
+            </a:r>
+          </a:p>
+          <a:p>
+            <a:r>
+              <a:rPr lang="en-US" baseline="0" dirty="0" smtClean="0"/>
+              <a:t>you have a file with placeholders that you want to fill with data before output</a:t>
+            </a:r>
+            <a:endParaRPr lang="en-US" dirty="0"/>
+          </a:p>
+        </p:txBody>
+      </p:sp>
+      <p:sp>
+        <p:nvSpPr>
+          <p:cNvPr id="4" name="Slide Number Placeholder 3"/>
+          <p:cNvSpPr>
+            <a:spLocks noGrp="1"/>
+          </p:cNvSpPr>
+          <p:nvPr>
+            <p:ph type="sldNum" sz="quarter" idx="10"/>
+          </p:nvPr>
+        </p:nvSpPr>
+        <p:spPr/>
+        <p:txBody>
+          <a:bodyPr/>
+          <a:lstStyle/>
+          <a:p>
+            <a:fld id="{418E688B-F764-3946-880A-E9595C7985CE}" type="slidenum">
+              <a:rPr lang="en-US" smtClean="0"/>
+              <a:t>28</a:t>
+            </a:fld>
+            <a:endParaRPr lang="en-US"/>
+          </a:p>
+        </p:txBody>
+      </p:sp>
+    </p:spTree>
+    <p:extLst>
+      <p:ext uri="{BB962C8B-B14F-4D97-AF65-F5344CB8AC3E}">
+        <p14:creationId xmlns:p14="http://schemas.microsoft.com/office/powerpoint/2010/main" val="1921267855"/>
+      </p:ext>
+    </p:extLst>
+  </p:cSld>
+  <p:clrMapOvr>
+    <a:masterClrMapping/>
+  </p:clrMapOvr>
+</p:notes>
+</file>
+
+<file path=ppt/notesSlides/notesSlide28.xml><?xml version="1.0" encoding="utf-8"?>
+<p:notes xmlns:a="http://schemas.openxmlformats.org/drawingml/2006/main" xmlns:r="http://schemas.openxmlformats.org/officeDocument/2006/relationships" xmlns:p="http://schemas.openxmlformats.org/presentationml/2006/main">
+  <p:cSld>
+    <p:spTree>
+      <p:nvGrpSpPr>
+        <p:cNvPr id="1" name=""/>
+        <p:cNvGrpSpPr/>
+        <p:nvPr/>
+      </p:nvGrpSpPr>
+      <p:grpSpPr>
+        <a:xfrm>
+          <a:off x="0" y="0"/>
+          <a:ext cx="0" cy="0"/>
+          <a:chOff x="0" y="0"/>
+          <a:chExt cx="0" cy="0"/>
+        </a:xfrm>
+      </p:grpSpPr>
+      <p:sp>
+        <p:nvSpPr>
+          <p:cNvPr id="2" name="Slide Image Placeholder 1"/>
+          <p:cNvSpPr>
+            <a:spLocks noGrp="1" noRot="1" noChangeAspect="1"/>
+          </p:cNvSpPr>
+          <p:nvPr>
+            <p:ph type="sldImg"/>
+          </p:nvPr>
+        </p:nvSpPr>
+        <p:spPr/>
+      </p:sp>
+      <p:sp>
+        <p:nvSpPr>
+          <p:cNvPr id="3" name="Notes Placeholder 2"/>
+          <p:cNvSpPr>
+            <a:spLocks noGrp="1"/>
+          </p:cNvSpPr>
+          <p:nvPr>
+            <p:ph type="body" idx="1"/>
+          </p:nvPr>
+        </p:nvSpPr>
+        <p:spPr/>
+        <p:txBody>
+          <a:bodyPr/>
+          <a:lstStyle/>
+          <a:p>
+            <a:endParaRPr lang="en-US" dirty="0"/>
+          </a:p>
+        </p:txBody>
+      </p:sp>
+      <p:sp>
+        <p:nvSpPr>
+          <p:cNvPr id="4" name="Slide Number Placeholder 3"/>
+          <p:cNvSpPr>
+            <a:spLocks noGrp="1"/>
+          </p:cNvSpPr>
+          <p:nvPr>
+            <p:ph type="sldNum" sz="quarter" idx="10"/>
+          </p:nvPr>
+        </p:nvSpPr>
+        <p:spPr/>
+        <p:txBody>
+          <a:bodyPr/>
+          <a:lstStyle/>
+          <a:p>
+            <a:fld id="{418E688B-F764-3946-880A-E9595C7985CE}" type="slidenum">
+              <a:rPr lang="en-US" smtClean="0"/>
+              <a:t>29</a:t>
+            </a:fld>
+            <a:endParaRPr lang="en-US"/>
+          </a:p>
+        </p:txBody>
+      </p:sp>
+    </p:spTree>
+    <p:extLst>
+      <p:ext uri="{BB962C8B-B14F-4D97-AF65-F5344CB8AC3E}">
+        <p14:creationId xmlns:p14="http://schemas.microsoft.com/office/powerpoint/2010/main" val="2479793429"/>
+      </p:ext>
+    </p:extLst>
+  </p:cSld>
+  <p:clrMapOvr>
+    <a:masterClrMapping/>
+  </p:clrMapOvr>
+</p:notes>
+</file>
+
+<file path=ppt/notesSlides/notesSlide29.xml><?xml version="1.0" encoding="utf-8"?>
+<p:notes xmlns:a="http://schemas.openxmlformats.org/drawingml/2006/main" xmlns:r="http://schemas.openxmlformats.org/officeDocument/2006/relationships" xmlns:p="http://schemas.openxmlformats.org/presentationml/2006/main">
+  <p:cSld>
+    <p:spTree>
+      <p:nvGrpSpPr>
+        <p:cNvPr id="1" name=""/>
+        <p:cNvGrpSpPr/>
+        <p:nvPr/>
+      </p:nvGrpSpPr>
+      <p:grpSpPr>
+        <a:xfrm>
+          <a:off x="0" y="0"/>
+          <a:ext cx="0" cy="0"/>
+          <a:chOff x="0" y="0"/>
+          <a:chExt cx="0" cy="0"/>
+        </a:xfrm>
+      </p:grpSpPr>
+      <p:sp>
+        <p:nvSpPr>
+          <p:cNvPr id="2" name="Slide Image Placeholder 1"/>
+          <p:cNvSpPr>
+            <a:spLocks noGrp="1" noRot="1" noChangeAspect="1"/>
+          </p:cNvSpPr>
+          <p:nvPr>
+            <p:ph type="sldImg"/>
+          </p:nvPr>
+        </p:nvSpPr>
+        <p:spPr/>
+      </p:sp>
+      <p:sp>
+        <p:nvSpPr>
+          <p:cNvPr id="3" name="Notes Placeholder 2"/>
+          <p:cNvSpPr>
+            <a:spLocks noGrp="1"/>
+          </p:cNvSpPr>
+          <p:nvPr>
+            <p:ph type="body" idx="1"/>
+          </p:nvPr>
+        </p:nvSpPr>
+        <p:spPr/>
+        <p:txBody>
+          <a:bodyPr/>
+          <a:lstStyle/>
+          <a:p>
+            <a:r>
+              <a:rPr lang="en-US" dirty="0" smtClean="0"/>
+              <a:t>These</a:t>
+            </a:r>
+            <a:r>
+              <a:rPr lang="en-US" baseline="0" dirty="0" smtClean="0"/>
+              <a:t> are 5 of the most important principles in laying out and designing a project.  We're going go use each of these things as a demonstration in how to lay things out</a:t>
+            </a:r>
+          </a:p>
+          <a:p>
+            <a:r>
+              <a:rPr lang="en-US" baseline="0" dirty="0" smtClean="0"/>
+              <a:t>because these are best displayed by example</a:t>
+            </a:r>
+          </a:p>
+          <a:p>
+            <a:endParaRPr lang="en-US" baseline="0" dirty="0" smtClean="0"/>
+          </a:p>
+          <a:p>
+            <a:r>
+              <a:rPr lang="en-US" baseline="0" dirty="0" smtClean="0"/>
+              <a:t>But hilariously enough like most things in software development we have silly acronyms for them all</a:t>
+            </a:r>
+          </a:p>
+          <a:p>
+            <a:endParaRPr lang="en-US" baseline="0" dirty="0" smtClean="0"/>
+          </a:p>
+          <a:p>
+            <a:r>
+              <a:rPr lang="en-US" dirty="0" smtClean="0"/>
+              <a:t>The DRY principle is stated as “Every piece of knowledge must have a single, unambiguous, authoritative representation within a system.” – don't repeat yourself (use the "rule</a:t>
+            </a:r>
+            <a:r>
+              <a:rPr lang="en-US" baseline="0" dirty="0" smtClean="0"/>
+              <a:t> of three")</a:t>
+            </a:r>
+            <a:endParaRPr lang="en-US" dirty="0" smtClean="0"/>
+          </a:p>
+          <a:p>
+            <a:r>
+              <a:rPr lang="en-US" dirty="0" smtClean="0"/>
+              <a:t>Separation</a:t>
+            </a:r>
+            <a:r>
+              <a:rPr lang="en-US" baseline="0" dirty="0" smtClean="0"/>
+              <a:t> of concerns  Modularity, and hence separation of concerns, is achieved by encapsulating information inside a section of code that has a well-defined interface</a:t>
+            </a:r>
+          </a:p>
+          <a:p>
+            <a:r>
+              <a:rPr lang="en-US" baseline="0" dirty="0" err="1" smtClean="0"/>
+              <a:t>yagni</a:t>
+            </a:r>
+            <a:r>
+              <a:rPr lang="en-US" baseline="0" dirty="0" smtClean="0"/>
+              <a:t> is "you </a:t>
+            </a:r>
+            <a:r>
+              <a:rPr lang="en-US" baseline="0" dirty="0" err="1" smtClean="0"/>
+              <a:t>ain't</a:t>
+            </a:r>
+            <a:r>
+              <a:rPr lang="en-US" baseline="0" dirty="0" smtClean="0"/>
+              <a:t> </a:t>
+            </a:r>
+            <a:r>
+              <a:rPr lang="en-US" baseline="0" dirty="0" err="1" smtClean="0"/>
+              <a:t>gonna</a:t>
+            </a:r>
+            <a:r>
+              <a:rPr lang="en-US" baseline="0" dirty="0" smtClean="0"/>
+              <a:t> need it") – minimize what you design upfront until </a:t>
+            </a:r>
+            <a:r>
+              <a:rPr lang="en-US" baseline="0" dirty="0" err="1" smtClean="0"/>
+              <a:t>ou</a:t>
+            </a:r>
+            <a:r>
+              <a:rPr lang="en-US" baseline="0" dirty="0" smtClean="0"/>
+              <a:t> need it</a:t>
+            </a:r>
+          </a:p>
+          <a:p>
+            <a:r>
+              <a:rPr lang="en-US" baseline="0" dirty="0" smtClean="0"/>
+              <a:t>single responsibility principle – each component or module has one job (one feature, one bit of functionality, or one aggregate of functionality)</a:t>
+            </a:r>
+          </a:p>
+          <a:p>
+            <a:r>
+              <a:rPr lang="en-US" baseline="0" dirty="0" smtClean="0"/>
+              <a:t>LOD – law of Demeter – principle of least knowledge – each object shouldn't know about internal details of another object</a:t>
+            </a:r>
+            <a:endParaRPr lang="en-US" dirty="0" smtClean="0"/>
+          </a:p>
+          <a:p>
+            <a:endParaRPr lang="en-US" dirty="0"/>
+          </a:p>
+        </p:txBody>
+      </p:sp>
+      <p:sp>
+        <p:nvSpPr>
+          <p:cNvPr id="4" name="Slide Number Placeholder 3"/>
+          <p:cNvSpPr>
+            <a:spLocks noGrp="1"/>
+          </p:cNvSpPr>
+          <p:nvPr>
+            <p:ph type="sldNum" sz="quarter" idx="10"/>
+          </p:nvPr>
+        </p:nvSpPr>
+        <p:spPr/>
+        <p:txBody>
+          <a:bodyPr/>
+          <a:lstStyle/>
+          <a:p>
+            <a:fld id="{418E688B-F764-3946-880A-E9595C7985CE}" type="slidenum">
+              <a:rPr lang="en-US" smtClean="0"/>
+              <a:t>30</a:t>
+            </a:fld>
+            <a:endParaRPr lang="en-US"/>
+          </a:p>
+        </p:txBody>
+      </p:sp>
+    </p:spTree>
+    <p:extLst>
+      <p:ext uri="{BB962C8B-B14F-4D97-AF65-F5344CB8AC3E}">
+        <p14:creationId xmlns:p14="http://schemas.microsoft.com/office/powerpoint/2010/main" val="2677762798"/>
       </p:ext>
     </p:extLst>
   </p:cSld>
@@ -1834,6 +3017,102 @@
 </p:notes>
 </file>
 
+<file path=ppt/notesSlides/notesSlide30.xml><?xml version="1.0" encoding="utf-8"?>
+<p:notes xmlns:a="http://schemas.openxmlformats.org/drawingml/2006/main" xmlns:r="http://schemas.openxmlformats.org/officeDocument/2006/relationships" xmlns:p="http://schemas.openxmlformats.org/presentationml/2006/main">
+  <p:cSld>
+    <p:spTree>
+      <p:nvGrpSpPr>
+        <p:cNvPr id="1" name=""/>
+        <p:cNvGrpSpPr/>
+        <p:nvPr/>
+      </p:nvGrpSpPr>
+      <p:grpSpPr>
+        <a:xfrm>
+          <a:off x="0" y="0"/>
+          <a:ext cx="0" cy="0"/>
+          <a:chOff x="0" y="0"/>
+          <a:chExt cx="0" cy="0"/>
+        </a:xfrm>
+      </p:grpSpPr>
+      <p:sp>
+        <p:nvSpPr>
+          <p:cNvPr id="2" name="Slide Image Placeholder 1"/>
+          <p:cNvSpPr>
+            <a:spLocks noGrp="1" noRot="1" noChangeAspect="1"/>
+          </p:cNvSpPr>
+          <p:nvPr>
+            <p:ph type="sldImg"/>
+          </p:nvPr>
+        </p:nvSpPr>
+        <p:spPr/>
+      </p:sp>
+      <p:sp>
+        <p:nvSpPr>
+          <p:cNvPr id="3" name="Notes Placeholder 2"/>
+          <p:cNvSpPr>
+            <a:spLocks noGrp="1"/>
+          </p:cNvSpPr>
+          <p:nvPr>
+            <p:ph type="body" idx="1"/>
+          </p:nvPr>
+        </p:nvSpPr>
+        <p:spPr/>
+        <p:txBody>
+          <a:bodyPr/>
+          <a:lstStyle/>
+          <a:p>
+            <a:r>
+              <a:rPr lang="en-US" baseline="0" dirty="0" smtClean="0"/>
+              <a:t>And now we have a working application!</a:t>
+            </a:r>
+          </a:p>
+          <a:p>
+            <a:endParaRPr lang="en-US" baseline="0" dirty="0" smtClean="0"/>
+          </a:p>
+          <a:p>
+            <a:r>
+              <a:rPr lang="en-US" baseline="0" dirty="0" smtClean="0"/>
+              <a:t>What can you think of that you'd add to that application?</a:t>
+            </a:r>
+          </a:p>
+        </p:txBody>
+      </p:sp>
+      <p:sp>
+        <p:nvSpPr>
+          <p:cNvPr id="4" name="Slide Number Placeholder 3"/>
+          <p:cNvSpPr>
+            <a:spLocks noGrp="1"/>
+          </p:cNvSpPr>
+          <p:nvPr>
+            <p:ph type="sldNum" sz="quarter" idx="10"/>
+          </p:nvPr>
+        </p:nvSpPr>
+        <p:spPr/>
+        <p:txBody>
+          <a:bodyPr/>
+          <a:lstStyle/>
+          <a:p>
+            <a:fld id="{418E688B-F764-3946-880A-E9595C7985CE}" type="slidenum">
+              <a:rPr lang="en-US" smtClean="0"/>
+              <a:t>31</a:t>
+            </a:fld>
+            <a:endParaRPr lang="en-US"/>
+          </a:p>
+        </p:txBody>
+      </p:sp>
+    </p:spTree>
+    <p:extLst>
+      <p:ext uri="{BB962C8B-B14F-4D97-AF65-F5344CB8AC3E}">
+        <p14:creationId xmlns:p14="http://schemas.microsoft.com/office/powerpoint/2010/main" val="330699177"/>
+      </p:ext>
+    </p:extLst>
+  </p:cSld>
+  <p:clrMapOvr>
+    <a:masterClrMapping/>
+  </p:clrMapOvr>
+</p:notes>
+</file>
+
 <file path=ppt/notesSlides/notesSlide4.xml><?xml version="1.0" encoding="utf-8"?>
 <p:notes xmlns:a="http://schemas.openxmlformats.org/drawingml/2006/main" xmlns:r="http://schemas.openxmlformats.org/officeDocument/2006/relationships" xmlns:p="http://schemas.openxmlformats.org/presentationml/2006/main">
   <p:cSld>
@@ -1880,100 +3159,98 @@
           <a:p>
             <a:r>
               <a:rPr lang="en-US" dirty="0" smtClean="0"/>
-              <a:t>These</a:t>
-            </a:r>
-            <a:r>
-              <a:rPr lang="en-US" baseline="0" dirty="0" smtClean="0"/>
-              <a:t> are 5 of the most important principles in laying out and designing a project.  We're going go use each of these things as a demonstration in how to lay things out</a:t>
-            </a:r>
-          </a:p>
-          <a:p>
-            <a:r>
-              <a:rPr lang="en-US" baseline="0" dirty="0" smtClean="0"/>
-              <a:t>because these are best displayed by example</a:t>
-            </a:r>
-          </a:p>
-          <a:p>
-            <a:endParaRPr lang="en-US" baseline="0" dirty="0" smtClean="0"/>
-          </a:p>
-          <a:p>
-            <a:r>
-              <a:rPr lang="en-US" baseline="0" dirty="0" smtClean="0"/>
-              <a:t>But hilariously enough like most things in software development we have silly acronyms for them all</a:t>
-            </a:r>
-          </a:p>
-          <a:p>
-            <a:endParaRPr lang="en-US" baseline="0" dirty="0" smtClean="0"/>
-          </a:p>
-          <a:p>
-            <a:r>
-              <a:rPr lang="en-US" dirty="0" smtClean="0"/>
-              <a:t>The DRY principle is stated as “Every piece of knowledge must have a single, unambiguous, authoritative representation within a system.” – don't repeat yourself (use the "rule</a:t>
-            </a:r>
-            <a:r>
-              <a:rPr lang="en-US" baseline="0" dirty="0" smtClean="0"/>
-              <a:t> of three")</a:t>
-            </a:r>
-            <a:endParaRPr lang="en-US" dirty="0" smtClean="0"/>
-          </a:p>
-          <a:p>
-            <a:r>
-              <a:rPr lang="en-US" dirty="0" smtClean="0"/>
-              <a:t>Separation</a:t>
-            </a:r>
-            <a:r>
-              <a:rPr lang="en-US" baseline="0" dirty="0" smtClean="0"/>
-              <a:t> of concerns  Modularity, and hence separation of concerns, is achieved by encapsulating information inside a section of code that has a well-defined interface</a:t>
-            </a:r>
-          </a:p>
-          <a:p>
-            <a:r>
-              <a:rPr lang="en-US" baseline="0" dirty="0" err="1" smtClean="0"/>
-              <a:t>yagni</a:t>
-            </a:r>
-            <a:r>
-              <a:rPr lang="en-US" baseline="0" dirty="0" smtClean="0"/>
-              <a:t> is "you </a:t>
-            </a:r>
-            <a:r>
-              <a:rPr lang="en-US" baseline="0" dirty="0" err="1" smtClean="0"/>
-              <a:t>ain't</a:t>
+              <a:t>so</a:t>
             </a:r>
             <a:r>
               <a:rPr lang="en-US" baseline="0" dirty="0" smtClean="0"/>
               <a:t> </a:t>
             </a:r>
             <a:r>
+              <a:rPr lang="en-US" baseline="0" dirty="0" smtClean="0"/>
+              <a:t>we’ll start with the most basic thing of all – how do we organize this stuff on disc</a:t>
+            </a:r>
+            <a:r>
+              <a:rPr lang="en-US" baseline="0" dirty="0" smtClean="0"/>
+              <a:t>?</a:t>
+            </a:r>
+            <a:endParaRPr lang="en-US" baseline="0" dirty="0" smtClean="0"/>
+          </a:p>
+          <a:p>
+            <a:r>
+              <a:rPr lang="en-US" baseline="0" dirty="0" smtClean="0"/>
+              <a:t>We'll talk about separation of concerns</a:t>
+            </a:r>
+          </a:p>
+          <a:p>
+            <a:r>
+              <a:rPr lang="en-US" baseline="0" dirty="0" smtClean="0"/>
+              <a:t>We'll talk about </a:t>
+            </a:r>
+            <a:r>
               <a:rPr lang="en-US" baseline="0" dirty="0" err="1" smtClean="0"/>
-              <a:t>gonna</a:t>
-            </a:r>
+              <a:t>autoloading</a:t>
+            </a:r>
+            <a:endParaRPr lang="en-US" baseline="0" dirty="0" smtClean="0"/>
+          </a:p>
+          <a:p>
             <a:r>
               <a:rPr lang="en-US" baseline="0" dirty="0" smtClean="0"/>
-              <a:t> need it") – minimize what you design upfront until </a:t>
-            </a:r>
+              <a:t>We'll talk</a:t>
+            </a:r>
+          </a:p>
+          <a:p>
+            <a:endParaRPr lang="en-US" baseline="0" dirty="0" smtClean="0"/>
+          </a:p>
+          <a:p>
+            <a:endParaRPr lang="en-US" baseline="0" dirty="0" smtClean="0"/>
+          </a:p>
+          <a:p>
+            <a:pPr marL="228600" indent="-228600">
+              <a:buAutoNum type="arabicPeriod"/>
+            </a:pPr>
+            <a:r>
+              <a:rPr lang="en-US" baseline="0" dirty="0" smtClean="0"/>
+              <a:t>Directory organization</a:t>
+            </a:r>
+          </a:p>
+          <a:p>
+            <a:pPr marL="228600" indent="-228600">
+              <a:buAutoNum type="arabicPeriod"/>
+            </a:pPr>
+            <a:r>
+              <a:rPr lang="en-US" baseline="0" dirty="0" smtClean="0"/>
+              <a:t>App organization</a:t>
+            </a:r>
+          </a:p>
+          <a:p>
+            <a:pPr marL="228600" indent="-228600">
+              <a:buAutoNum type="arabicPeriod"/>
+            </a:pPr>
+            <a:r>
+              <a:rPr lang="en-US" baseline="0" dirty="0" smtClean="0"/>
+              <a:t>Configuration Information and Dependency Injection discussion</a:t>
+            </a:r>
+          </a:p>
+          <a:p>
+            <a:pPr marL="228600" indent="-228600">
+              <a:buAutoNum type="arabicPeriod"/>
+            </a:pPr>
             <a:r>
               <a:rPr lang="en-US" baseline="0" dirty="0" err="1" smtClean="0"/>
-              <a:t>ou</a:t>
-            </a:r>
-            <a:r>
-              <a:rPr lang="en-US" baseline="0" dirty="0" smtClean="0"/>
-              <a:t> need it</a:t>
-            </a:r>
-          </a:p>
-          <a:p>
-            <a:r>
-              <a:rPr lang="en-US" baseline="0" dirty="0" smtClean="0"/>
-              <a:t>single responsibility principle – each component or module has one job (one feature, one bit of functionality, or one aggregate of functionality)</a:t>
-            </a:r>
-          </a:p>
-          <a:p>
-            <a:r>
-              <a:rPr lang="en-US" baseline="0" dirty="0" smtClean="0"/>
-              <a:t>LOD – law of Demeter – principle of least knowledge – each object shouldn't know about internal details of another object</a:t>
-            </a:r>
-            <a:endParaRPr lang="en-US" dirty="0" smtClean="0"/>
-          </a:p>
-          <a:p>
+              <a:t>Autoloading</a:t>
+            </a:r>
+            <a:endParaRPr lang="en-US" baseline="0" dirty="0" smtClean="0"/>
+          </a:p>
+          <a:p>
+            <a:pPr marL="228600" indent="-228600">
+              <a:buAutoNum type="arabicPeriod"/>
+            </a:pPr>
+            <a:endParaRPr lang="en-US" baseline="0" dirty="0" smtClean="0"/>
+          </a:p>
+          <a:p>
+            <a:pPr marL="228600" indent="-228600">
+              <a:buAutoNum type="arabicPeriod"/>
+            </a:pPr>
             <a:endParaRPr lang="en-US" dirty="0"/>
           </a:p>
         </p:txBody>
@@ -2004,7 +3281,7 @@
     </p:spTree>
     <p:extLst>
       <p:ext uri="{BB962C8B-B14F-4D97-AF65-F5344CB8AC3E}">
-        <p14:creationId xmlns:p14="http://schemas.microsoft.com/office/powerpoint/2010/main" val="2677762798"/>
+        <p14:creationId xmlns:p14="http://schemas.microsoft.com/office/powerpoint/2010/main" val="1921267855"/>
       </p:ext>
     </p:extLst>
   </p:cSld>
@@ -2060,38 +3337,54 @@
           <a:p>
             <a:r>
               <a:rPr lang="en-US" dirty="0" smtClean="0"/>
-              <a:t>SO</a:t>
+              <a:t>So this is the basic way in which almost all PHP projects are laid out in this day and age</a:t>
+            </a:r>
+          </a:p>
+          <a:p>
+            <a:endParaRPr lang="en-US" dirty="0" smtClean="0"/>
+          </a:p>
+          <a:p>
+            <a:r>
+              <a:rPr lang="en-US" dirty="0" smtClean="0"/>
+              <a:t>data is the place where we'll store our database information – this might</a:t>
             </a:r>
             <a:r>
               <a:rPr lang="en-US" baseline="0" dirty="0" smtClean="0"/>
-              <a:t> we’ll start with the most basic thing of all – how do we </a:t>
+              <a:t> be used for cache or something else</a:t>
+            </a:r>
+          </a:p>
+          <a:p>
+            <a:r>
+              <a:rPr lang="en-US" baseline="0" dirty="0" err="1" smtClean="0"/>
+              <a:t>config</a:t>
             </a:r>
             <a:r>
               <a:rPr lang="en-US" baseline="0" dirty="0" smtClean="0"/>
-              <a:t>organize </a:t>
+              <a:t> is the place to store configuration information</a:t>
+            </a:r>
+          </a:p>
+          <a:p>
+            <a:r>
+              <a:rPr lang="en-US" baseline="0" dirty="0" err="1" smtClean="0"/>
+              <a:t>src</a:t>
             </a:r>
             <a:r>
               <a:rPr lang="en-US" baseline="0" dirty="0" smtClean="0"/>
-              <a:t>this stuff on disc</a:t>
+              <a:t> will be the majority of the actual </a:t>
+            </a:r>
+            <a:r>
+              <a:rPr lang="en-US" baseline="0" dirty="0" err="1" smtClean="0"/>
+              <a:t>php</a:t>
             </a:r>
             <a:r>
               <a:rPr lang="en-US" baseline="0" dirty="0" smtClean="0"/>
-              <a:t>?</a:t>
+              <a:t> code for our application</a:t>
             </a:r>
           </a:p>
           <a:p>
             <a:r>
               <a:rPr lang="en-US" baseline="0" dirty="0" smtClean="0"/>
-              <a:t>Because we need to decide where data is going and how it's getting there</a:t>
-            </a:r>
-          </a:p>
-          <a:p>
-            <a:endParaRPr lang="en-US" baseline="0" dirty="0" smtClean="0"/>
-          </a:p>
-          <a:p>
-            <a:r>
-              <a:rPr lang="en-US" baseline="0" dirty="0" smtClean="0"/>
-              <a:t>The principal we'll talk about here is the I'm not sure – probably you're not going to need it? perhaps?</a:t>
+              <a:t>public is where the information you want to see via the web</a:t>
             </a:r>
             <a:endParaRPr lang="en-US" dirty="0"/>
           </a:p>
@@ -2123,7 +3416,7 @@
     </p:spTree>
     <p:extLst>
       <p:ext uri="{BB962C8B-B14F-4D97-AF65-F5344CB8AC3E}">
-        <p14:creationId xmlns:p14="http://schemas.microsoft.com/office/powerpoint/2010/main" val="1921267855"/>
+        <p14:creationId xmlns:p14="http://schemas.microsoft.com/office/powerpoint/2010/main" val="1930757139"/>
       </p:ext>
     </p:extLst>
   </p:cSld>
@@ -2179,55 +3472,74 @@
           <a:p>
             <a:r>
               <a:rPr lang="en-US" dirty="0" smtClean="0"/>
-              <a:t>So this is the basic way in which almost all PHP projects are laid out in this day and age</a:t>
-            </a:r>
-          </a:p>
-          <a:p>
-            <a:endParaRPr lang="en-US" dirty="0" smtClean="0"/>
-          </a:p>
-          <a:p>
-            <a:r>
-              <a:rPr lang="en-US" dirty="0" smtClean="0"/>
-              <a:t>data is the place where we'll store our database information – this might</a:t>
+              <a:t>First</a:t>
             </a:r>
             <a:r>
               <a:rPr lang="en-US" baseline="0" dirty="0" smtClean="0"/>
-              <a:t> be used for cache or something else</a:t>
-            </a:r>
-          </a:p>
-          <a:p>
+              <a:t> rule of thumb, anything you don</a:t>
+            </a:r>
+            <a:r>
+              <a:rPr lang="fr-FR" baseline="0" dirty="0" smtClean="0"/>
+              <a:t>’</a:t>
+            </a:r>
+            <a:r>
+              <a:rPr lang="en-US" baseline="0" dirty="0" smtClean="0"/>
+              <a:t>t’ want the user to be able to put into a </a:t>
+            </a:r>
             <a:r>
               <a:rPr lang="en-US" baseline="0" dirty="0" err="1" smtClean="0"/>
-              <a:t>config</a:t>
+              <a:t>url</a:t>
             </a:r>
             <a:r>
               <a:rPr lang="en-US" baseline="0" dirty="0" smtClean="0"/>
-              <a:t> is the place to store configuration information</a:t>
-            </a:r>
-          </a:p>
-          <a:p>
+              <a:t> and access should NEVER be in your </a:t>
+            </a:r>
             <a:r>
               <a:rPr lang="en-US" baseline="0" dirty="0" err="1" smtClean="0"/>
-              <a:t>src</a:t>
-            </a:r>
+              <a:t>webroot</a:t>
+            </a:r>
+            <a:endParaRPr lang="en-US" baseline="0" dirty="0" smtClean="0"/>
+          </a:p>
+          <a:p>
+            <a:r>
+              <a:rPr lang="en-US" baseline="0" dirty="0" err="1" smtClean="0"/>
+              <a:t>docroot</a:t>
+            </a:r>
+            <a:endParaRPr lang="en-US" baseline="0" dirty="0" smtClean="0"/>
+          </a:p>
+          <a:p>
+            <a:endParaRPr lang="en-US" baseline="0" dirty="0" smtClean="0"/>
+          </a:p>
+          <a:p>
             <a:r>
               <a:rPr lang="en-US" baseline="0" dirty="0" smtClean="0"/>
-              <a:t> will be the majority of the actual </a:t>
-            </a:r>
-            <a:r>
-              <a:rPr lang="en-US" baseline="0" dirty="0" err="1" smtClean="0"/>
-              <a:t>php</a:t>
+              <a:t>if you're doing hosting somewhere you ALWAYS need to know what this </a:t>
             </a:r>
             <a:r>
               <a:rPr lang="en-US" baseline="0" dirty="0" smtClean="0"/>
-              <a:t> code for our application</a:t>
-            </a:r>
+              <a:t>is</a:t>
+            </a:r>
+          </a:p>
+          <a:p>
+            <a:endParaRPr lang="en-US" baseline="0" dirty="0" smtClean="0"/>
           </a:p>
           <a:p>
             <a:r>
               <a:rPr lang="en-US" baseline="0" dirty="0" smtClean="0"/>
-              <a:t>public is where the information you want to see via the web</a:t>
-            </a:r>
+              <a:t>This is going to be controlled by your server </a:t>
+            </a:r>
+          </a:p>
+          <a:p>
+            <a:endParaRPr lang="en-US" baseline="0" dirty="0" smtClean="0"/>
+          </a:p>
+          <a:p>
+            <a:r>
+              <a:rPr lang="en-US" baseline="0" dirty="0" smtClean="0"/>
+              <a:t>For the built in server it's controlled by the –t flag</a:t>
+            </a:r>
+            <a:endParaRPr lang="en-US" baseline="0" dirty="0" smtClean="0"/>
+          </a:p>
+          <a:p>
             <a:endParaRPr lang="en-US" dirty="0"/>
           </a:p>
         </p:txBody>
@@ -2258,7 +3570,7 @@
     </p:spTree>
     <p:extLst>
       <p:ext uri="{BB962C8B-B14F-4D97-AF65-F5344CB8AC3E}">
-        <p14:creationId xmlns:p14="http://schemas.microsoft.com/office/powerpoint/2010/main" val="1930757139"/>
+        <p14:creationId xmlns:p14="http://schemas.microsoft.com/office/powerpoint/2010/main" val="282481594"/>
       </p:ext>
     </p:extLst>
   </p:cSld>
@@ -2314,19 +3626,17 @@
           <a:p>
             <a:r>
               <a:rPr lang="en-US" dirty="0" smtClean="0"/>
-              <a:t>First</a:t>
+              <a:t>These are the</a:t>
             </a:r>
             <a:r>
               <a:rPr lang="en-US" baseline="0" dirty="0" smtClean="0"/>
-              <a:t> rule of thumb, anything you don</a:t>
-            </a:r>
-            <a:r>
-              <a:rPr lang="fr-FR" baseline="0" dirty="0" smtClean="0"/>
-              <a:t>’</a:t>
-            </a:r>
+              <a:t> actual we files we want in our public place</a:t>
+            </a:r>
+          </a:p>
+          <a:p>
             <a:r>
               <a:rPr lang="en-US" baseline="0" dirty="0" smtClean="0"/>
-              <a:t>t’ want the user to be able to put into a </a:t>
+              <a:t>anything that you will need to access via a </a:t>
             </a:r>
             <a:r>
               <a:rPr lang="en-US" baseline="0" dirty="0" err="1" smtClean="0"/>
@@ -2334,33 +3644,33 @@
             </a:r>
             <a:r>
               <a:rPr lang="en-US" baseline="0" dirty="0" smtClean="0"/>
-              <a:t> and access should NEVER be in your </a:t>
+              <a:t> – an image, </a:t>
             </a:r>
             <a:r>
               <a:rPr lang="en-US" baseline="0" dirty="0" err="1" smtClean="0"/>
-              <a:t>webroot</a:t>
+              <a:t>css</a:t>
+            </a:r>
+            <a:r>
+              <a:rPr lang="en-US" baseline="0" dirty="0" smtClean="0"/>
+              <a:t> files, will need to be in this public directory</a:t>
+            </a:r>
+          </a:p>
+          <a:p>
+            <a:r>
+              <a:rPr lang="en-US" baseline="0" dirty="0" smtClean="0"/>
+              <a:t>The second part of this is telling your webserver where this location is</a:t>
+            </a:r>
+          </a:p>
+          <a:p>
+            <a:r>
+              <a:rPr lang="en-US" baseline="0" dirty="0" smtClean="0"/>
+              <a:t>for this, we will need to pass a –t </a:t>
+            </a:r>
+            <a:r>
+              <a:rPr lang="en-US" baseline="0" dirty="0" smtClean="0"/>
+              <a:t>argument</a:t>
             </a:r>
             <a:endParaRPr lang="en-US" baseline="0" dirty="0" smtClean="0"/>
-          </a:p>
-          <a:p>
-            <a:r>
-              <a:rPr lang="en-US" baseline="0" dirty="0" err="1" smtClean="0"/>
-              <a:t>docroot</a:t>
-            </a:r>
-            <a:endParaRPr lang="en-US" baseline="0" dirty="0" smtClean="0"/>
-          </a:p>
-          <a:p>
-            <a:endParaRPr lang="en-US" baseline="0" dirty="0" smtClean="0"/>
-          </a:p>
-          <a:p>
-            <a:r>
-              <a:rPr lang="en-US" baseline="0" dirty="0" smtClean="0"/>
-              <a:t>if you're doing hosting somewhere you ALWAYS need to know what this is</a:t>
-            </a:r>
-            <a:endParaRPr lang="en-US" baseline="0" dirty="0" smtClean="0"/>
-          </a:p>
-          <a:p>
-            <a:endParaRPr lang="en-US" dirty="0"/>
           </a:p>
         </p:txBody>
       </p:sp>
@@ -2390,7 +3700,7 @@
     </p:spTree>
     <p:extLst>
       <p:ext uri="{BB962C8B-B14F-4D97-AF65-F5344CB8AC3E}">
-        <p14:creationId xmlns:p14="http://schemas.microsoft.com/office/powerpoint/2010/main" val="282481594"/>
+        <p14:creationId xmlns:p14="http://schemas.microsoft.com/office/powerpoint/2010/main" val="3094314137"/>
       </p:ext>
     </p:extLst>
   </p:cSld>
@@ -2446,56 +3756,24 @@
           <a:p>
             <a:r>
               <a:rPr lang="en-US" dirty="0" smtClean="0"/>
-              <a:t>These are the</a:t>
+              <a:t>Data directories will vary depending</a:t>
             </a:r>
             <a:r>
               <a:rPr lang="en-US" baseline="0" dirty="0" smtClean="0"/>
-              <a:t> actual we files we want in our public place</a:t>
+              <a:t> on what data is being stored</a:t>
             </a:r>
           </a:p>
           <a:p>
             <a:r>
               <a:rPr lang="en-US" baseline="0" dirty="0" smtClean="0"/>
-              <a:t>anything that you will need to access via a </a:t>
-            </a:r>
-            <a:r>
-              <a:rPr lang="en-US" baseline="0" dirty="0" err="1" smtClean="0"/>
-              <a:t>url</a:t>
-            </a:r>
+              <a:t>you might also see temporary directories  or cached information</a:t>
+            </a:r>
+          </a:p>
+          <a:p>
             <a:r>
               <a:rPr lang="en-US" baseline="0" dirty="0" smtClean="0"/>
-              <a:t> – an image, </a:t>
-            </a:r>
-            <a:r>
-              <a:rPr lang="en-US" baseline="0" dirty="0" err="1" smtClean="0"/>
-              <a:t>css</a:t>
-            </a:r>
-            <a:r>
-              <a:rPr lang="en-US" baseline="0" dirty="0" smtClean="0"/>
-              <a:t> files, will need to be in this public directory</a:t>
-            </a:r>
-          </a:p>
-          <a:p>
-            <a:r>
-              <a:rPr lang="en-US" baseline="0" dirty="0" smtClean="0"/>
-              <a:t>The second part of this is telling your webserver where this location is</a:t>
-            </a:r>
-          </a:p>
-          <a:p>
-            <a:r>
-              <a:rPr lang="en-US" baseline="0" dirty="0" smtClean="0"/>
-              <a:t>for this, we will need to pass a –t argument</a:t>
-            </a:r>
-          </a:p>
-          <a:p>
-            <a:endParaRPr lang="en-US" baseline="0" dirty="0" smtClean="0"/>
-          </a:p>
-          <a:p>
-            <a:r>
-              <a:rPr lang="en-US" baseline="0" dirty="0" smtClean="0"/>
-              <a:t>TODO: a bash file and batch file in the repo to double click to run it from that location</a:t>
-            </a:r>
-            <a:endParaRPr lang="en-US" dirty="0"/>
+              <a:t>or even more</a:t>
+            </a:r>
           </a:p>
         </p:txBody>
       </p:sp>
@@ -2525,7 +3803,7 @@
     </p:spTree>
     <p:extLst>
       <p:ext uri="{BB962C8B-B14F-4D97-AF65-F5344CB8AC3E}">
-        <p14:creationId xmlns:p14="http://schemas.microsoft.com/office/powerpoint/2010/main" val="3094314137"/>
+        <p14:creationId xmlns:p14="http://schemas.microsoft.com/office/powerpoint/2010/main" val="2930270069"/>
       </p:ext>
     </p:extLst>
   </p:cSld>
@@ -2816,7 +4094,7 @@
           <a:p>
             <a:fld id="{4E01A416-0C0F-2245-A2B5-2B251728910F}" type="datetimeFigureOut">
               <a:rPr lang="en-US" smtClean="0"/>
-              <a:t>4/11/2015</a:t>
+              <a:t>4/12/2015</a:t>
             </a:fld>
             <a:endParaRPr lang="en-US"/>
           </a:p>
@@ -2986,7 +4264,7 @@
           <a:p>
             <a:fld id="{4E01A416-0C0F-2245-A2B5-2B251728910F}" type="datetimeFigureOut">
               <a:rPr lang="en-US" smtClean="0"/>
-              <a:t>4/11/2015</a:t>
+              <a:t>4/12/2015</a:t>
             </a:fld>
             <a:endParaRPr lang="en-US"/>
           </a:p>
@@ -3166,7 +4444,7 @@
           <a:p>
             <a:fld id="{4E01A416-0C0F-2245-A2B5-2B251728910F}" type="datetimeFigureOut">
               <a:rPr lang="en-US" smtClean="0"/>
-              <a:t>4/11/2015</a:t>
+              <a:t>4/12/2015</a:t>
             </a:fld>
             <a:endParaRPr lang="en-US"/>
           </a:p>
@@ -3336,7 +4614,7 @@
           <a:p>
             <a:fld id="{4E01A416-0C0F-2245-A2B5-2B251728910F}" type="datetimeFigureOut">
               <a:rPr lang="en-US" smtClean="0"/>
-              <a:t>4/11/2015</a:t>
+              <a:t>4/12/2015</a:t>
             </a:fld>
             <a:endParaRPr lang="en-US"/>
           </a:p>
@@ -3582,7 +4860,7 @@
           <a:p>
             <a:fld id="{4E01A416-0C0F-2245-A2B5-2B251728910F}" type="datetimeFigureOut">
               <a:rPr lang="en-US" smtClean="0"/>
-              <a:t>4/11/2015</a:t>
+              <a:t>4/12/2015</a:t>
             </a:fld>
             <a:endParaRPr lang="en-US"/>
           </a:p>
@@ -3870,7 +5148,7 @@
           <a:p>
             <a:fld id="{4E01A416-0C0F-2245-A2B5-2B251728910F}" type="datetimeFigureOut">
               <a:rPr lang="en-US" smtClean="0"/>
-              <a:t>4/11/2015</a:t>
+              <a:t>4/12/2015</a:t>
             </a:fld>
             <a:endParaRPr lang="en-US"/>
           </a:p>
@@ -4292,7 +5570,7 @@
           <a:p>
             <a:fld id="{4E01A416-0C0F-2245-A2B5-2B251728910F}" type="datetimeFigureOut">
               <a:rPr lang="en-US" smtClean="0"/>
-              <a:t>4/11/2015</a:t>
+              <a:t>4/12/2015</a:t>
             </a:fld>
             <a:endParaRPr lang="en-US"/>
           </a:p>
@@ -4410,7 +5688,7 @@
           <a:p>
             <a:fld id="{4E01A416-0C0F-2245-A2B5-2B251728910F}" type="datetimeFigureOut">
               <a:rPr lang="en-US" smtClean="0"/>
-              <a:t>4/11/2015</a:t>
+              <a:t>4/12/2015</a:t>
             </a:fld>
             <a:endParaRPr lang="en-US"/>
           </a:p>
@@ -4505,7 +5783,7 @@
           <a:p>
             <a:fld id="{4E01A416-0C0F-2245-A2B5-2B251728910F}" type="datetimeFigureOut">
               <a:rPr lang="en-US" smtClean="0"/>
-              <a:t>4/11/2015</a:t>
+              <a:t>4/12/2015</a:t>
             </a:fld>
             <a:endParaRPr lang="en-US"/>
           </a:p>
@@ -4782,7 +6060,7 @@
           <a:p>
             <a:fld id="{4E01A416-0C0F-2245-A2B5-2B251728910F}" type="datetimeFigureOut">
               <a:rPr lang="en-US" smtClean="0"/>
-              <a:t>4/11/2015</a:t>
+              <a:t>4/12/2015</a:t>
             </a:fld>
             <a:endParaRPr lang="en-US"/>
           </a:p>
@@ -5035,7 +6313,7 @@
           <a:p>
             <a:fld id="{4E01A416-0C0F-2245-A2B5-2B251728910F}" type="datetimeFigureOut">
               <a:rPr lang="en-US" smtClean="0"/>
-              <a:t>4/11/2015</a:t>
+              <a:t>4/12/2015</a:t>
             </a:fld>
             <a:endParaRPr lang="en-US"/>
           </a:p>
@@ -5248,7 +6526,7 @@
           <a:p>
             <a:fld id="{4E01A416-0C0F-2245-A2B5-2B251728910F}" type="datetimeFigureOut">
               <a:rPr lang="en-US" smtClean="0"/>
-              <a:t>4/11/2015</a:t>
+              <a:t>4/12/2015</a:t>
             </a:fld>
             <a:endParaRPr lang="en-US"/>
           </a:p>
@@ -5665,7 +6943,6 @@
               <a:rPr lang="en-US" dirty="0"/>
               <a:t>From Programming to Architecture</a:t>
             </a:r>
-            <a:endParaRPr lang="en-US" dirty="0"/>
           </a:p>
         </p:txBody>
       </p:sp>
@@ -5774,8 +7051,11 @@
               <a:rPr lang="en-US" dirty="0" smtClean="0">
                 <a:latin typeface="Lucida Console" panose="020B0609040504020204" pitchFamily="49" charset="0"/>
               </a:rPr>
-              <a:t>/model</a:t>
-            </a:r>
+              <a:t>/Journal/Model</a:t>
+            </a:r>
+            <a:endParaRPr lang="en-US" dirty="0" smtClean="0">
+              <a:latin typeface="Lucida Console" panose="020B0609040504020204" pitchFamily="49" charset="0"/>
+            </a:endParaRPr>
           </a:p>
           <a:p>
             <a:pPr marL="0" indent="0">
@@ -5797,8 +7077,11 @@
               <a:rPr lang="en-US" dirty="0" smtClean="0">
                 <a:latin typeface="Lucida Console" panose="020B0609040504020204" pitchFamily="49" charset="0"/>
               </a:rPr>
-              <a:t>/view</a:t>
-            </a:r>
+              <a:t>/Journal/View</a:t>
+            </a:r>
+            <a:endParaRPr lang="en-US" dirty="0" smtClean="0">
+              <a:latin typeface="Lucida Console" panose="020B0609040504020204" pitchFamily="49" charset="0"/>
+            </a:endParaRPr>
           </a:p>
           <a:p>
             <a:pPr marL="0" indent="0">
@@ -5820,8 +7103,11 @@
               <a:rPr lang="en-US" dirty="0" smtClean="0">
                 <a:latin typeface="Lucida Console" panose="020B0609040504020204" pitchFamily="49" charset="0"/>
               </a:rPr>
-              <a:t>/controller</a:t>
-            </a:r>
+              <a:t>/Journal/Controller</a:t>
+            </a:r>
+            <a:endParaRPr lang="en-US" dirty="0" smtClean="0">
+              <a:latin typeface="Lucida Console" panose="020B0609040504020204" pitchFamily="49" charset="0"/>
+            </a:endParaRPr>
           </a:p>
         </p:txBody>
       </p:sp>
@@ -5902,8 +7188,25 @@
           <a:p>
             <a:r>
               <a:rPr lang="en-US" dirty="0" smtClean="0"/>
-              <a:t>Information that might change</a:t>
-            </a:r>
+              <a:t>Information that might </a:t>
+            </a:r>
+            <a:r>
+              <a:rPr lang="en-US" dirty="0" smtClean="0"/>
+              <a:t>change</a:t>
+            </a:r>
+          </a:p>
+          <a:p>
+            <a:r>
+              <a:rPr lang="en-US" dirty="0" smtClean="0"/>
+              <a:t>Information that might need to expand</a:t>
+            </a:r>
+          </a:p>
+          <a:p>
+            <a:r>
+              <a:rPr lang="en-US" dirty="0" smtClean="0"/>
+              <a:t>Specific settings for parts of your code</a:t>
+            </a:r>
+            <a:endParaRPr lang="en-US" dirty="0" smtClean="0"/>
           </a:p>
         </p:txBody>
       </p:sp>
@@ -5946,7 +7249,7 @@
       </p:grpSpPr>
       <p:sp>
         <p:nvSpPr>
-          <p:cNvPr id="4" name="Title 3"/>
+          <p:cNvPr id="2" name="Title 1"/>
           <p:cNvSpPr>
             <a:spLocks noGrp="1"/>
           </p:cNvSpPr>
@@ -5960,8 +7263,8 @@
           <a:lstStyle/>
           <a:p>
             <a:r>
-              <a:rPr lang="en-US" dirty="0" smtClean="0"/>
-              <a:t>Data Models</a:t>
+              <a:rPr lang="en-US" dirty="0" err="1" smtClean="0"/>
+              <a:t>config.php</a:t>
             </a:r>
             <a:endParaRPr lang="en-US" dirty="0"/>
           </a:p>
@@ -5969,31 +7272,97 @@
       </p:sp>
       <p:sp>
         <p:nvSpPr>
-          <p:cNvPr id="5" name="Text Placeholder 4"/>
-          <p:cNvSpPr>
-            <a:spLocks noGrp="1"/>
-          </p:cNvSpPr>
-          <p:nvPr>
-            <p:ph type="body" idx="1"/>
-          </p:nvPr>
-        </p:nvSpPr>
-        <p:spPr/>
-        <p:txBody>
-          <a:bodyPr/>
-          <a:lstStyle/>
-          <a:p>
-            <a:r>
-              <a:rPr lang="en-US" dirty="0" smtClean="0"/>
-              <a:t>Lesson 2:</a:t>
-            </a:r>
-            <a:endParaRPr lang="en-US" dirty="0"/>
+          <p:cNvPr id="3" name="Content Placeholder 2"/>
+          <p:cNvSpPr>
+            <a:spLocks noGrp="1"/>
+          </p:cNvSpPr>
+          <p:nvPr>
+            <p:ph idx="1"/>
+          </p:nvPr>
+        </p:nvSpPr>
+        <p:spPr>
+          <a:solidFill>
+            <a:schemeClr val="bg1">
+              <a:lumMod val="85000"/>
+            </a:schemeClr>
+          </a:solidFill>
+          <a:ln>
+            <a:solidFill>
+              <a:schemeClr val="tx1"/>
+            </a:solidFill>
+          </a:ln>
+        </p:spPr>
+        <p:txBody>
+          <a:bodyPr/>
+          <a:lstStyle/>
+          <a:p>
+            <a:pPr marL="0" indent="0">
+              <a:buNone/>
+            </a:pPr>
+            <a:r>
+              <a:rPr lang="en-US" dirty="0" smtClean="0">
+                <a:latin typeface="Lucida Console" panose="020B0609040504020204" pitchFamily="49" charset="0"/>
+              </a:rPr>
+              <a:t>&lt;?</a:t>
+            </a:r>
+            <a:r>
+              <a:rPr lang="en-US" dirty="0" err="1" smtClean="0">
+                <a:latin typeface="Lucida Console" panose="020B0609040504020204" pitchFamily="49" charset="0"/>
+              </a:rPr>
+              <a:t>php</a:t>
+            </a:r>
+            <a:endParaRPr lang="en-US" dirty="0" smtClean="0">
+              <a:latin typeface="Lucida Console" panose="020B0609040504020204" pitchFamily="49" charset="0"/>
+            </a:endParaRPr>
+          </a:p>
+          <a:p>
+            <a:pPr marL="0" indent="0">
+              <a:buNone/>
+            </a:pPr>
+            <a:r>
+              <a:rPr lang="en-US" dirty="0" smtClean="0">
+                <a:latin typeface="Lucida Console" panose="020B0609040504020204" pitchFamily="49" charset="0"/>
+              </a:rPr>
+              <a:t>return [</a:t>
+            </a:r>
+          </a:p>
+          <a:p>
+            <a:pPr marL="0" indent="0">
+              <a:buNone/>
+            </a:pPr>
+            <a:r>
+              <a:rPr lang="en-US" dirty="0">
+                <a:latin typeface="Lucida Console" panose="020B0609040504020204" pitchFamily="49" charset="0"/>
+              </a:rPr>
+              <a:t>	</a:t>
+            </a:r>
+            <a:r>
+              <a:rPr lang="en-US" dirty="0" smtClean="0">
+                <a:latin typeface="Lucida Console" panose="020B0609040504020204" pitchFamily="49" charset="0"/>
+              </a:rPr>
+              <a:t>'name' =&gt; 'value'</a:t>
+            </a:r>
+          </a:p>
+          <a:p>
+            <a:pPr marL="0" indent="0">
+              <a:buNone/>
+            </a:pPr>
+            <a:r>
+              <a:rPr lang="en-US" dirty="0" smtClean="0">
+                <a:latin typeface="Lucida Console" panose="020B0609040504020204" pitchFamily="49" charset="0"/>
+              </a:rPr>
+              <a:t>];</a:t>
+            </a:r>
+            <a:endParaRPr lang="en-US" dirty="0" smtClean="0">
+              <a:latin typeface="Lucida Console" panose="020B0609040504020204" pitchFamily="49" charset="0"/>
+            </a:endParaRPr>
           </a:p>
         </p:txBody>
       </p:sp>
     </p:spTree>
     <p:extLst>
       <p:ext uri="{BB962C8B-B14F-4D97-AF65-F5344CB8AC3E}">
-        <p14:creationId xmlns:p14="http://schemas.microsoft.com/office/powerpoint/2010/main" val="2248627708"/>
+        <p14:creationId xmlns:p14="http://schemas.microsoft.com/office/powerpoint/2010/main" val="3606015299"/>
       </p:ext>
     </p:extLst>
   </p:cSld>
@@ -6029,7 +7398,7 @@
       </p:grpSpPr>
       <p:sp>
         <p:nvSpPr>
-          <p:cNvPr id="4" name="Title 3"/>
+          <p:cNvPr id="2" name="Title 1"/>
           <p:cNvSpPr>
             <a:spLocks noGrp="1"/>
           </p:cNvSpPr>
@@ -6043,8 +7412,8 @@
           <a:lstStyle/>
           <a:p>
             <a:r>
-              <a:rPr lang="en-US" dirty="0" smtClean="0"/>
-              <a:t>Connection Class</a:t>
+              <a:rPr lang="en-US" dirty="0" err="1" smtClean="0"/>
+              <a:t>index.php</a:t>
             </a:r>
             <a:endParaRPr lang="en-US" dirty="0"/>
           </a:p>
@@ -6052,7 +7421,7 @@
       </p:sp>
       <p:sp>
         <p:nvSpPr>
-          <p:cNvPr id="5" name="Content Placeholder 4"/>
+          <p:cNvPr id="3" name="Content Placeholder 2"/>
           <p:cNvSpPr>
             <a:spLocks noGrp="1"/>
           </p:cNvSpPr>
@@ -6060,35 +7429,122 @@
             <p:ph idx="1"/>
           </p:nvPr>
         </p:nvSpPr>
-        <p:spPr/>
-        <p:txBody>
-          <a:bodyPr/>
-          <a:lstStyle/>
-          <a:p>
-            <a:r>
-              <a:rPr lang="en-US" dirty="0" smtClean="0"/>
-              <a:t>Talks to the database</a:t>
-            </a:r>
-          </a:p>
-          <a:p>
-            <a:r>
-              <a:rPr lang="en-US" dirty="0" smtClean="0"/>
-              <a:t>Used by all model classes</a:t>
-            </a:r>
-          </a:p>
-          <a:p>
-            <a:r>
-              <a:rPr lang="en-US" dirty="0" smtClean="0"/>
-              <a:t>Created only once per request</a:t>
-            </a:r>
-            <a:endParaRPr lang="en-US" dirty="0"/>
+        <p:spPr>
+          <a:solidFill>
+            <a:schemeClr val="bg1">
+              <a:lumMod val="85000"/>
+            </a:schemeClr>
+          </a:solidFill>
+          <a:ln>
+            <a:solidFill>
+              <a:schemeClr val="tx1"/>
+            </a:solidFill>
+          </a:ln>
+        </p:spPr>
+        <p:txBody>
+          <a:bodyPr/>
+          <a:lstStyle/>
+          <a:p>
+            <a:pPr marL="0" indent="0">
+              <a:buNone/>
+            </a:pPr>
+            <a:r>
+              <a:rPr lang="en-US" dirty="0" smtClean="0">
+                <a:latin typeface="Lucida Console" panose="020B0609040504020204" pitchFamily="49" charset="0"/>
+              </a:rPr>
+              <a:t>&lt;?</a:t>
+            </a:r>
+            <a:r>
+              <a:rPr lang="en-US" dirty="0" err="1" smtClean="0">
+                <a:latin typeface="Lucida Console" panose="020B0609040504020204" pitchFamily="49" charset="0"/>
+              </a:rPr>
+              <a:t>php</a:t>
+            </a:r>
+            <a:endParaRPr lang="en-US" dirty="0" smtClean="0">
+              <a:latin typeface="Lucida Console" panose="020B0609040504020204" pitchFamily="49" charset="0"/>
+            </a:endParaRPr>
+          </a:p>
+          <a:p>
+            <a:pPr marL="0" indent="0">
+              <a:buNone/>
+            </a:pPr>
+            <a:r>
+              <a:rPr lang="en-US" dirty="0" smtClean="0">
+                <a:latin typeface="Lucida Console" panose="020B0609040504020204" pitchFamily="49" charset="0"/>
+              </a:rPr>
+              <a:t>$</a:t>
+            </a:r>
+            <a:r>
+              <a:rPr lang="en-US" dirty="0" err="1" smtClean="0">
+                <a:latin typeface="Lucida Console" panose="020B0609040504020204" pitchFamily="49" charset="0"/>
+              </a:rPr>
+              <a:t>config</a:t>
+            </a:r>
+            <a:r>
+              <a:rPr lang="en-US" dirty="0" smtClean="0">
+                <a:latin typeface="Lucida Console" panose="020B0609040504020204" pitchFamily="49" charset="0"/>
+              </a:rPr>
+              <a:t> = include '</a:t>
+            </a:r>
+            <a:r>
+              <a:rPr lang="en-US" dirty="0" err="1" smtClean="0">
+                <a:latin typeface="Lucida Console" panose="020B0609040504020204" pitchFamily="49" charset="0"/>
+              </a:rPr>
+              <a:t>config.php</a:t>
+            </a:r>
+            <a:r>
+              <a:rPr lang="en-US" dirty="0" smtClean="0">
+                <a:latin typeface="Lucida Console" panose="020B0609040504020204" pitchFamily="49" charset="0"/>
+              </a:rPr>
+              <a:t>';</a:t>
+            </a:r>
+          </a:p>
+          <a:p>
+            <a:pPr marL="0" indent="0">
+              <a:buNone/>
+            </a:pPr>
+            <a:endParaRPr lang="en-US" dirty="0">
+              <a:latin typeface="Lucida Console" panose="020B0609040504020204" pitchFamily="49" charset="0"/>
+            </a:endParaRPr>
+          </a:p>
+          <a:p>
+            <a:pPr marL="0" indent="0">
+              <a:buNone/>
+            </a:pPr>
+            <a:r>
+              <a:rPr lang="en-US" dirty="0" err="1" smtClean="0">
+                <a:latin typeface="Lucida Console" panose="020B0609040504020204" pitchFamily="49" charset="0"/>
+              </a:rPr>
+              <a:t>var_dump</a:t>
+            </a:r>
+            <a:r>
+              <a:rPr lang="en-US" dirty="0" smtClean="0">
+                <a:latin typeface="Lucida Console" panose="020B0609040504020204" pitchFamily="49" charset="0"/>
+              </a:rPr>
+              <a:t>($</a:t>
+            </a:r>
+            <a:r>
+              <a:rPr lang="en-US" dirty="0" err="1" smtClean="0">
+                <a:latin typeface="Lucida Console" panose="020B0609040504020204" pitchFamily="49" charset="0"/>
+              </a:rPr>
+              <a:t>config</a:t>
+            </a:r>
+            <a:r>
+              <a:rPr lang="en-US" dirty="0" smtClean="0">
+                <a:latin typeface="Lucida Console" panose="020B0609040504020204" pitchFamily="49" charset="0"/>
+              </a:rPr>
+              <a:t>);</a:t>
+            </a:r>
+            <a:endParaRPr lang="en-US" dirty="0" smtClean="0">
+              <a:latin typeface="Lucida Console" panose="020B0609040504020204" pitchFamily="49" charset="0"/>
+            </a:endParaRPr>
           </a:p>
         </p:txBody>
       </p:sp>
     </p:spTree>
     <p:extLst>
       <p:ext uri="{BB962C8B-B14F-4D97-AF65-F5344CB8AC3E}">
-        <p14:creationId xmlns:p14="http://schemas.microsoft.com/office/powerpoint/2010/main" val="3107775830"/>
+        <p14:creationId xmlns:p14="http://schemas.microsoft.com/office/powerpoint/2010/main" val="408347276"/>
       </p:ext>
     </p:extLst>
   </p:cSld>
@@ -6139,7 +7595,7 @@
           <a:p>
             <a:r>
               <a:rPr lang="en-US" dirty="0" smtClean="0"/>
-              <a:t>Model Classes</a:t>
+              <a:t>Dependency Injection</a:t>
             </a:r>
             <a:endParaRPr lang="en-US" dirty="0"/>
           </a:p>
@@ -6162,57 +7618,21 @@
           <a:p>
             <a:r>
               <a:rPr lang="en-US" dirty="0" smtClean="0"/>
-              <a:t>Journal Entry</a:t>
-            </a:r>
-          </a:p>
-          <a:p>
-            <a:pPr lvl="1"/>
-            <a:r>
-              <a:rPr lang="en-US" dirty="0" smtClean="0"/>
-              <a:t>date</a:t>
-            </a:r>
-          </a:p>
-          <a:p>
-            <a:pPr lvl="1"/>
-            <a:r>
-              <a:rPr lang="en-US" dirty="0" smtClean="0"/>
-              <a:t>text</a:t>
-            </a:r>
-          </a:p>
-          <a:p>
-            <a:r>
-              <a:rPr lang="en-US" dirty="0" smtClean="0"/>
-              <a:t>Profile</a:t>
-            </a:r>
-          </a:p>
-          <a:p>
-            <a:pPr lvl="1"/>
-            <a:r>
-              <a:rPr lang="en-US" dirty="0" smtClean="0"/>
-              <a:t>name</a:t>
-            </a:r>
-          </a:p>
-          <a:p>
-            <a:pPr lvl="1"/>
-            <a:r>
-              <a:rPr lang="en-US" dirty="0" smtClean="0"/>
-              <a:t>login</a:t>
-            </a:r>
-          </a:p>
-          <a:p>
-            <a:pPr lvl="1"/>
-            <a:r>
-              <a:rPr lang="en-US" dirty="0" smtClean="0"/>
-              <a:t>password</a:t>
-            </a:r>
-            <a:endParaRPr lang="en-US" dirty="0"/>
+              <a:t>Not complex</a:t>
+            </a:r>
+          </a:p>
+          <a:p>
+            <a:r>
+              <a:rPr lang="en-US" dirty="0" smtClean="0"/>
+              <a:t>Pass in the things you need, instead of picking them from INSIDE</a:t>
+            </a:r>
           </a:p>
         </p:txBody>
       </p:sp>
     </p:spTree>
     <p:extLst>
       <p:ext uri="{BB962C8B-B14F-4D97-AF65-F5344CB8AC3E}">
-        <p14:creationId xmlns:p14="http://schemas.microsoft.com/office/powerpoint/2010/main" val="3803216798"/>
+        <p14:creationId xmlns:p14="http://schemas.microsoft.com/office/powerpoint/2010/main" val="4013035927"/>
       </p:ext>
     </p:extLst>
   </p:cSld>
@@ -6261,6 +7681,10 @@
           <a:bodyPr/>
           <a:lstStyle/>
           <a:p>
+            <a:r>
+              <a:rPr lang="en-US" dirty="0" smtClean="0"/>
+              <a:t>Not Injected</a:t>
+            </a:r>
             <a:endParaRPr lang="en-US" dirty="0"/>
           </a:p>
         </p:txBody>
@@ -6275,19 +7699,217 @@
             <p:ph idx="1"/>
           </p:nvPr>
         </p:nvSpPr>
-        <p:spPr/>
-        <p:txBody>
-          <a:bodyPr/>
-          <a:lstStyle/>
-          <a:p>
-            <a:endParaRPr lang="en-US"/>
+        <p:spPr>
+          <a:solidFill>
+            <a:schemeClr val="bg1">
+              <a:lumMod val="85000"/>
+            </a:schemeClr>
+          </a:solidFill>
+          <a:ln>
+            <a:solidFill>
+              <a:schemeClr val="tx1"/>
+            </a:solidFill>
+          </a:ln>
+        </p:spPr>
+        <p:txBody>
+          <a:bodyPr>
+            <a:normAutofit/>
+          </a:bodyPr>
+          <a:lstStyle/>
+          <a:p>
+            <a:pPr marL="0" indent="0">
+              <a:buNone/>
+            </a:pPr>
+            <a:r>
+              <a:rPr lang="en-US" sz="2400" dirty="0" smtClean="0">
+                <a:latin typeface="Lucida Console" panose="020B0609040504020204" pitchFamily="49" charset="0"/>
+              </a:rPr>
+              <a:t>&lt;?</a:t>
+            </a:r>
+            <a:r>
+              <a:rPr lang="en-US" sz="2400" dirty="0" err="1" smtClean="0">
+                <a:latin typeface="Lucida Console" panose="020B0609040504020204" pitchFamily="49" charset="0"/>
+              </a:rPr>
+              <a:t>php</a:t>
+            </a:r>
+            <a:endParaRPr lang="en-US" sz="2400" dirty="0" smtClean="0">
+              <a:latin typeface="Lucida Console" panose="020B0609040504020204" pitchFamily="49" charset="0"/>
+            </a:endParaRPr>
+          </a:p>
+          <a:p>
+            <a:pPr marL="0" indent="0">
+              <a:buNone/>
+            </a:pPr>
+            <a:r>
+              <a:rPr lang="en-US" sz="2400" dirty="0" smtClean="0">
+                <a:latin typeface="Lucida Console" panose="020B0609040504020204" pitchFamily="49" charset="0"/>
+              </a:rPr>
+              <a:t>class </a:t>
+            </a:r>
+            <a:r>
+              <a:rPr lang="en-US" sz="2400" dirty="0" err="1" smtClean="0">
+                <a:latin typeface="Lucida Console" panose="020B0609040504020204" pitchFamily="49" charset="0"/>
+              </a:rPr>
+              <a:t>NotInjected</a:t>
+            </a:r>
+            <a:r>
+              <a:rPr lang="en-US" sz="2400" dirty="0" smtClean="0">
+                <a:latin typeface="Lucida Console" panose="020B0609040504020204" pitchFamily="49" charset="0"/>
+              </a:rPr>
+              <a:t> {</a:t>
+            </a:r>
+          </a:p>
+          <a:p>
+            <a:pPr marL="0" indent="0">
+              <a:buNone/>
+            </a:pPr>
+            <a:r>
+              <a:rPr lang="en-US" sz="2400" dirty="0" smtClean="0">
+                <a:latin typeface="Lucida Console" panose="020B0609040504020204" pitchFamily="49" charset="0"/>
+              </a:rPr>
+              <a:t>	public function __construct($</a:t>
+            </a:r>
+            <a:r>
+              <a:rPr lang="en-US" sz="2400" dirty="0" err="1" smtClean="0">
+                <a:latin typeface="Lucida Console" panose="020B0609040504020204" pitchFamily="49" charset="0"/>
+              </a:rPr>
+              <a:t>config</a:t>
+            </a:r>
+            <a:r>
+              <a:rPr lang="en-US" sz="2400" dirty="0" smtClean="0">
+                <a:latin typeface="Lucida Console" panose="020B0609040504020204" pitchFamily="49" charset="0"/>
+              </a:rPr>
+              <a:t>)</a:t>
+            </a:r>
+          </a:p>
+          <a:p>
+            <a:pPr marL="0" indent="0">
+              <a:buNone/>
+            </a:pPr>
+            <a:r>
+              <a:rPr lang="en-US" sz="2400" dirty="0" smtClean="0">
+                <a:latin typeface="Lucida Console" panose="020B0609040504020204" pitchFamily="49" charset="0"/>
+              </a:rPr>
+              <a:t>	{</a:t>
+            </a:r>
+          </a:p>
+          <a:p>
+            <a:pPr marL="0" indent="0">
+              <a:buNone/>
+            </a:pPr>
+            <a:r>
+              <a:rPr lang="en-US" sz="2400" dirty="0" smtClean="0">
+                <a:latin typeface="Lucida Console" panose="020B0609040504020204" pitchFamily="49" charset="0"/>
+              </a:rPr>
+              <a:t>		$name = $</a:t>
+            </a:r>
+            <a:r>
+              <a:rPr lang="en-US" sz="2400" dirty="0" err="1" smtClean="0">
+                <a:latin typeface="Lucida Console" panose="020B0609040504020204" pitchFamily="49" charset="0"/>
+              </a:rPr>
+              <a:t>config</a:t>
+            </a:r>
+            <a:r>
+              <a:rPr lang="en-US" sz="2400" dirty="0" smtClean="0">
+                <a:latin typeface="Lucida Console" panose="020B0609040504020204" pitchFamily="49" charset="0"/>
+              </a:rPr>
+              <a:t>['name'];</a:t>
+            </a:r>
+          </a:p>
+          <a:p>
+            <a:pPr marL="0" indent="0">
+              <a:buNone/>
+            </a:pPr>
+            <a:r>
+              <a:rPr lang="en-US" sz="2400" dirty="0" smtClean="0">
+                <a:latin typeface="Lucida Console" panose="020B0609040504020204" pitchFamily="49" charset="0"/>
+              </a:rPr>
+              <a:t>		$value = $</a:t>
+            </a:r>
+            <a:r>
+              <a:rPr lang="en-US" sz="2400" dirty="0" err="1" smtClean="0">
+                <a:latin typeface="Lucida Console" panose="020B0609040504020204" pitchFamily="49" charset="0"/>
+              </a:rPr>
+              <a:t>config</a:t>
+            </a:r>
+            <a:r>
+              <a:rPr lang="en-US" sz="2400" dirty="0" smtClean="0">
+                <a:latin typeface="Lucida Console" panose="020B0609040504020204" pitchFamily="49" charset="0"/>
+              </a:rPr>
+              <a:t>['value'];</a:t>
+            </a:r>
+          </a:p>
+          <a:p>
+            <a:pPr marL="0" indent="0">
+              <a:buNone/>
+            </a:pPr>
+            <a:r>
+              <a:rPr lang="en-US" sz="2400" dirty="0" smtClean="0">
+                <a:latin typeface="Lucida Console" panose="020B0609040504020204" pitchFamily="49" charset="0"/>
+              </a:rPr>
+              <a:t>	}</a:t>
+            </a:r>
+          </a:p>
+          <a:p>
+            <a:pPr marL="0" indent="0">
+              <a:buNone/>
+            </a:pPr>
+            <a:r>
+              <a:rPr lang="en-US" sz="2400" dirty="0" smtClean="0">
+                <a:latin typeface="Lucida Console" panose="020B0609040504020204" pitchFamily="49" charset="0"/>
+              </a:rPr>
+              <a:t>}</a:t>
+            </a:r>
+          </a:p>
+          <a:p>
+            <a:pPr marL="0" indent="0">
+              <a:buNone/>
+            </a:pPr>
+            <a:endParaRPr lang="en-US" sz="2400" dirty="0" smtClean="0">
+              <a:latin typeface="Lucida Console" panose="020B0609040504020204" pitchFamily="49" charset="0"/>
+            </a:endParaRPr>
+          </a:p>
+          <a:p>
+            <a:pPr marL="0" indent="0">
+              <a:buNone/>
+            </a:pPr>
+            <a:r>
+              <a:rPr lang="en-US" sz="2400" dirty="0" smtClean="0">
+                <a:latin typeface="Lucida Console" panose="020B0609040504020204" pitchFamily="49" charset="0"/>
+              </a:rPr>
+              <a:t>$object = new </a:t>
+            </a:r>
+            <a:r>
+              <a:rPr lang="en-US" sz="2400" dirty="0" err="1" smtClean="0">
+                <a:latin typeface="Lucida Console" panose="020B0609040504020204" pitchFamily="49" charset="0"/>
+              </a:rPr>
+              <a:t>NotInjected</a:t>
+            </a:r>
+            <a:r>
+              <a:rPr lang="en-US" sz="2400" dirty="0" smtClean="0">
+                <a:latin typeface="Lucida Console" panose="020B0609040504020204" pitchFamily="49" charset="0"/>
+              </a:rPr>
+              <a:t>($</a:t>
+            </a:r>
+            <a:r>
+              <a:rPr lang="en-US" sz="2400" dirty="0" err="1" smtClean="0">
+                <a:latin typeface="Lucida Console" panose="020B0609040504020204" pitchFamily="49" charset="0"/>
+              </a:rPr>
+              <a:t>config</a:t>
+            </a:r>
+            <a:r>
+              <a:rPr lang="en-US" sz="2400" dirty="0" smtClean="0">
+                <a:latin typeface="Lucida Console" panose="020B0609040504020204" pitchFamily="49" charset="0"/>
+              </a:rPr>
+              <a:t>);</a:t>
+            </a:r>
           </a:p>
         </p:txBody>
       </p:sp>
     </p:spTree>
     <p:extLst>
       <p:ext uri="{BB962C8B-B14F-4D97-AF65-F5344CB8AC3E}">
-        <p14:creationId xmlns:p14="http://schemas.microsoft.com/office/powerpoint/2010/main" val="3740496781"/>
+        <p14:creationId xmlns:p14="http://schemas.microsoft.com/office/powerpoint/2010/main" val="1625208835"/>
       </p:ext>
     </p:extLst>
   </p:cSld>
@@ -6323,7 +7945,7 @@
       </p:grpSpPr>
       <p:sp>
         <p:nvSpPr>
-          <p:cNvPr id="4" name="Title 3"/>
+          <p:cNvPr id="2" name="Title 1"/>
           <p:cNvSpPr>
             <a:spLocks noGrp="1"/>
           </p:cNvSpPr>
@@ -6338,7 +7960,7 @@
           <a:p>
             <a:r>
               <a:rPr lang="en-US" dirty="0" smtClean="0"/>
-              <a:t>Views and Templates</a:t>
+              <a:t>Injected</a:t>
             </a:r>
             <a:endParaRPr lang="en-US" dirty="0"/>
           </a:p>
@@ -6346,31 +7968,207 @@
       </p:sp>
       <p:sp>
         <p:nvSpPr>
-          <p:cNvPr id="5" name="Text Placeholder 4"/>
-          <p:cNvSpPr>
-            <a:spLocks noGrp="1"/>
-          </p:cNvSpPr>
-          <p:nvPr>
-            <p:ph type="body" idx="1"/>
-          </p:nvPr>
-        </p:nvSpPr>
-        <p:spPr/>
-        <p:txBody>
-          <a:bodyPr/>
-          <a:lstStyle/>
-          <a:p>
-            <a:r>
-              <a:rPr lang="en-US" dirty="0" smtClean="0"/>
-              <a:t>Lesson 3:</a:t>
-            </a:r>
-            <a:endParaRPr lang="en-US" dirty="0"/>
+          <p:cNvPr id="3" name="Content Placeholder 2"/>
+          <p:cNvSpPr>
+            <a:spLocks noGrp="1"/>
+          </p:cNvSpPr>
+          <p:nvPr>
+            <p:ph idx="1"/>
+          </p:nvPr>
+        </p:nvSpPr>
+        <p:spPr>
+          <a:solidFill>
+            <a:schemeClr val="bg1">
+              <a:lumMod val="85000"/>
+            </a:schemeClr>
+          </a:solidFill>
+          <a:ln>
+            <a:solidFill>
+              <a:schemeClr val="tx1"/>
+            </a:solidFill>
+          </a:ln>
+        </p:spPr>
+        <p:txBody>
+          <a:bodyPr>
+            <a:normAutofit/>
+          </a:bodyPr>
+          <a:lstStyle/>
+          <a:p>
+            <a:pPr marL="0" indent="0">
+              <a:buNone/>
+            </a:pPr>
+            <a:r>
+              <a:rPr lang="en-US" sz="2000" dirty="0" smtClean="0">
+                <a:latin typeface="Lucida Console" panose="020B0609040504020204" pitchFamily="49" charset="0"/>
+              </a:rPr>
+              <a:t>&lt;?</a:t>
+            </a:r>
+            <a:r>
+              <a:rPr lang="en-US" sz="2000" dirty="0" err="1" smtClean="0">
+                <a:latin typeface="Lucida Console" panose="020B0609040504020204" pitchFamily="49" charset="0"/>
+              </a:rPr>
+              <a:t>php</a:t>
+            </a:r>
+            <a:endParaRPr lang="en-US" sz="2000" dirty="0">
+              <a:latin typeface="Lucida Console" panose="020B0609040504020204" pitchFamily="49" charset="0"/>
+            </a:endParaRPr>
+          </a:p>
+          <a:p>
+            <a:pPr marL="0" indent="0">
+              <a:buNone/>
+            </a:pPr>
+            <a:r>
+              <a:rPr lang="en-US" sz="2000" dirty="0" smtClean="0">
+                <a:latin typeface="Lucida Console" panose="020B0609040504020204" pitchFamily="49" charset="0"/>
+              </a:rPr>
+              <a:t>class Injected {</a:t>
+            </a:r>
+          </a:p>
+          <a:p>
+            <a:pPr marL="0" indent="0">
+              <a:buNone/>
+            </a:pPr>
+            <a:r>
+              <a:rPr lang="en-US" sz="2000" dirty="0">
+                <a:latin typeface="Lucida Console" panose="020B0609040504020204" pitchFamily="49" charset="0"/>
+              </a:rPr>
+              <a:t>	</a:t>
+            </a:r>
+            <a:r>
+              <a:rPr lang="en-US" sz="2000" dirty="0" smtClean="0">
+                <a:latin typeface="Lucida Console" panose="020B0609040504020204" pitchFamily="49" charset="0"/>
+              </a:rPr>
+              <a:t>public function __construct($name, $value)</a:t>
+            </a:r>
+          </a:p>
+          <a:p>
+            <a:pPr marL="0" indent="0">
+              <a:buNone/>
+            </a:pPr>
+            <a:r>
+              <a:rPr lang="en-US" sz="2000" dirty="0">
+                <a:latin typeface="Lucida Console" panose="020B0609040504020204" pitchFamily="49" charset="0"/>
+              </a:rPr>
+              <a:t>	</a:t>
+            </a:r>
+            <a:r>
+              <a:rPr lang="en-US" sz="2000" dirty="0" smtClean="0">
+                <a:latin typeface="Lucida Console" panose="020B0609040504020204" pitchFamily="49" charset="0"/>
+              </a:rPr>
+              <a:t>{</a:t>
+            </a:r>
+          </a:p>
+          <a:p>
+            <a:pPr marL="0" indent="0">
+              <a:buNone/>
+            </a:pPr>
+            <a:r>
+              <a:rPr lang="en-US" sz="2000" dirty="0">
+                <a:latin typeface="Lucida Console" panose="020B0609040504020204" pitchFamily="49" charset="0"/>
+              </a:rPr>
+              <a:t>	</a:t>
+            </a:r>
+            <a:r>
+              <a:rPr lang="en-US" sz="2000" dirty="0" smtClean="0">
+                <a:latin typeface="Lucida Console" panose="020B0609040504020204" pitchFamily="49" charset="0"/>
+              </a:rPr>
+              <a:t>}</a:t>
+            </a:r>
+          </a:p>
+          <a:p>
+            <a:pPr marL="0" indent="0">
+              <a:buNone/>
+            </a:pPr>
+            <a:r>
+              <a:rPr lang="en-US" sz="2000" dirty="0" smtClean="0">
+                <a:latin typeface="Lucida Console" panose="020B0609040504020204" pitchFamily="49" charset="0"/>
+              </a:rPr>
+              <a:t>}</a:t>
+            </a:r>
+          </a:p>
+          <a:p>
+            <a:pPr marL="0" indent="0">
+              <a:buNone/>
+            </a:pPr>
+            <a:endParaRPr lang="en-US" sz="2000" dirty="0">
+              <a:latin typeface="Lucida Console" panose="020B0609040504020204" pitchFamily="49" charset="0"/>
+            </a:endParaRPr>
+          </a:p>
+          <a:p>
+            <a:pPr marL="0" indent="0">
+              <a:buNone/>
+            </a:pPr>
+            <a:r>
+              <a:rPr lang="en-US" sz="2000" dirty="0" smtClean="0">
+                <a:latin typeface="Lucida Console" panose="020B0609040504020204" pitchFamily="49" charset="0"/>
+              </a:rPr>
+              <a:t>$object = new Injected(</a:t>
+            </a:r>
+          </a:p>
+          <a:p>
+            <a:pPr marL="0" indent="0">
+              <a:buNone/>
+            </a:pPr>
+            <a:r>
+              <a:rPr lang="en-US" sz="2000" dirty="0">
+                <a:latin typeface="Lucida Console" panose="020B0609040504020204" pitchFamily="49" charset="0"/>
+              </a:rPr>
+              <a:t>	</a:t>
+            </a:r>
+            <a:r>
+              <a:rPr lang="en-US" sz="2000" dirty="0" smtClean="0">
+                <a:latin typeface="Lucida Console" panose="020B0609040504020204" pitchFamily="49" charset="0"/>
+              </a:rPr>
+              <a:t>				</a:t>
+            </a:r>
+            <a:r>
+              <a:rPr lang="en-US" sz="2000" dirty="0" smtClean="0">
+                <a:latin typeface="Lucida Console" panose="020B0609040504020204" pitchFamily="49" charset="0"/>
+              </a:rPr>
+              <a:t>$</a:t>
+            </a:r>
+            <a:r>
+              <a:rPr lang="en-US" sz="2000" dirty="0" err="1" smtClean="0">
+                <a:latin typeface="Lucida Console" panose="020B0609040504020204" pitchFamily="49" charset="0"/>
+              </a:rPr>
+              <a:t>config</a:t>
+            </a:r>
+            <a:r>
+              <a:rPr lang="en-US" sz="2000" dirty="0" smtClean="0">
+                <a:latin typeface="Lucida Console" panose="020B0609040504020204" pitchFamily="49" charset="0"/>
+              </a:rPr>
+              <a:t>['name'],</a:t>
+            </a:r>
+          </a:p>
+          <a:p>
+            <a:pPr marL="0" indent="0">
+              <a:buNone/>
+            </a:pPr>
+            <a:r>
+              <a:rPr lang="en-US" sz="2000" dirty="0" smtClean="0">
+                <a:latin typeface="Lucida Console" panose="020B0609040504020204" pitchFamily="49" charset="0"/>
+              </a:rPr>
+              <a:t>					$</a:t>
+            </a:r>
+            <a:r>
+              <a:rPr lang="en-US" sz="2000" dirty="0" err="1" smtClean="0">
+                <a:latin typeface="Lucida Console" panose="020B0609040504020204" pitchFamily="49" charset="0"/>
+              </a:rPr>
+              <a:t>config</a:t>
+            </a:r>
+            <a:r>
+              <a:rPr lang="en-US" sz="2000" dirty="0" smtClean="0">
+                <a:latin typeface="Lucida Console" panose="020B0609040504020204" pitchFamily="49" charset="0"/>
+              </a:rPr>
+              <a:t>['value']);</a:t>
+            </a:r>
           </a:p>
         </p:txBody>
       </p:sp>
     </p:spTree>
     <p:extLst>
       <p:ext uri="{BB962C8B-B14F-4D97-AF65-F5344CB8AC3E}">
-        <p14:creationId xmlns:p14="http://schemas.microsoft.com/office/powerpoint/2010/main" val="1564472033"/>
+        <p14:creationId xmlns:p14="http://schemas.microsoft.com/office/powerpoint/2010/main" val="613901710"/>
       </p:ext>
     </p:extLst>
   </p:cSld>
@@ -6406,7 +8204,7 @@
       </p:grpSpPr>
       <p:sp>
         <p:nvSpPr>
-          <p:cNvPr id="4" name="Title 3"/>
+          <p:cNvPr id="2" name="Title 1"/>
           <p:cNvSpPr>
             <a:spLocks noGrp="1"/>
           </p:cNvSpPr>
@@ -6420,8 +8218,8 @@
           <a:lstStyle/>
           <a:p>
             <a:r>
-              <a:rPr lang="en-US" dirty="0" smtClean="0"/>
-              <a:t>Template Class</a:t>
+              <a:rPr lang="en-US" dirty="0" err="1" smtClean="0"/>
+              <a:t>Autoloading</a:t>
             </a:r>
             <a:endParaRPr lang="en-US" dirty="0"/>
           </a:p>
@@ -6429,7 +8227,7 @@
       </p:sp>
       <p:sp>
         <p:nvSpPr>
-          <p:cNvPr id="5" name="Content Placeholder 4"/>
+          <p:cNvPr id="3" name="Content Placeholder 2"/>
           <p:cNvSpPr>
             <a:spLocks noGrp="1"/>
           </p:cNvSpPr>
@@ -6444,13 +8242,19 @@
           <a:p>
             <a:r>
               <a:rPr lang="en-US" dirty="0" smtClean="0"/>
-              <a:t>Holds the data to display</a:t>
-            </a:r>
-          </a:p>
-          <a:p>
-            <a:r>
-              <a:rPr lang="en-US" dirty="0" smtClean="0"/>
-              <a:t>Has “helpers” for common functionality</a:t>
+              <a:t>Find a class magically</a:t>
+            </a:r>
+          </a:p>
+          <a:p>
+            <a:r>
+              <a:rPr lang="en-US" dirty="0" smtClean="0"/>
+              <a:t>Include only what you use</a:t>
+            </a:r>
+          </a:p>
+          <a:p>
+            <a:r>
+              <a:rPr lang="en-US" dirty="0" smtClean="0"/>
+              <a:t>Never forget an include again</a:t>
             </a:r>
           </a:p>
         </p:txBody>
@@ -6458,7 +8262,7 @@
     </p:spTree>
     <p:extLst>
       <p:ext uri="{BB962C8B-B14F-4D97-AF65-F5344CB8AC3E}">
-        <p14:creationId xmlns:p14="http://schemas.microsoft.com/office/powerpoint/2010/main" val="2186060473"/>
+        <p14:creationId xmlns:p14="http://schemas.microsoft.com/office/powerpoint/2010/main" val="2053145093"/>
       </p:ext>
     </p:extLst>
   </p:cSld>
@@ -6509,7 +8313,11 @@
           <a:p>
             <a:r>
               <a:rPr lang="en-US" dirty="0" smtClean="0"/>
-              <a:t>Template File</a:t>
+              <a:t>Ways to </a:t>
+            </a:r>
+            <a:r>
+              <a:rPr lang="en-US" dirty="0" err="1" smtClean="0"/>
+              <a:t>Autoload</a:t>
             </a:r>
             <a:endParaRPr lang="en-US" dirty="0"/>
           </a:p>
@@ -6531,48 +8339,35 @@
           <a:lstStyle/>
           <a:p>
             <a:r>
-              <a:rPr lang="en-US" dirty="0" smtClean="0"/>
-              <a:t>Mainly HTML</a:t>
-            </a:r>
-          </a:p>
-          <a:p>
-            <a:r>
-              <a:rPr lang="en-US" dirty="0" smtClean="0"/>
-              <a:t>Shortcut echo tags</a:t>
-            </a:r>
-          </a:p>
-          <a:p>
-            <a:r>
-              <a:rPr lang="en-US" dirty="0" smtClean="0"/>
-              <a:t>Very little logic </a:t>
-            </a:r>
-          </a:p>
-          <a:p>
-            <a:pPr lvl="1"/>
-            <a:r>
-              <a:rPr lang="en-US" dirty="0" smtClean="0"/>
-              <a:t>simple conditionals</a:t>
-            </a:r>
-          </a:p>
-          <a:p>
-            <a:pPr lvl="1"/>
-            <a:r>
-              <a:rPr lang="en-US" dirty="0" smtClean="0"/>
-              <a:t>simple loops</a:t>
-            </a:r>
-          </a:p>
-          <a:p>
-            <a:r>
-              <a:rPr lang="en-US" dirty="0" smtClean="0"/>
-              <a:t>Might include other templates</a:t>
-            </a:r>
+              <a:rPr lang="en-US" strike="sngStrike" dirty="0" smtClean="0"/>
+              <a:t>define an __</a:t>
+            </a:r>
+            <a:r>
+              <a:rPr lang="en-US" strike="sngStrike" dirty="0" err="1" smtClean="0"/>
+              <a:t>autoload</a:t>
+            </a:r>
+            <a:r>
+              <a:rPr lang="en-US" strike="sngStrike" dirty="0" smtClean="0"/>
+              <a:t> function</a:t>
+            </a:r>
+          </a:p>
+          <a:p>
+            <a:r>
+              <a:rPr lang="en-US" dirty="0" smtClean="0"/>
+              <a:t>use </a:t>
+            </a:r>
+            <a:r>
+              <a:rPr lang="en-US" dirty="0" err="1" smtClean="0"/>
+              <a:t>spl_autoload_register</a:t>
+            </a:r>
+            <a:endParaRPr lang="en-US" dirty="0"/>
           </a:p>
         </p:txBody>
       </p:sp>
     </p:spTree>
     <p:extLst>
       <p:ext uri="{BB962C8B-B14F-4D97-AF65-F5344CB8AC3E}">
-        <p14:creationId xmlns:p14="http://schemas.microsoft.com/office/powerpoint/2010/main" val="219596888"/>
+        <p14:creationId xmlns:p14="http://schemas.microsoft.com/office/powerpoint/2010/main" val="1335288180"/>
       </p:ext>
     </p:extLst>
   </p:cSld>
@@ -6608,7 +8403,7 @@
       </p:grpSpPr>
       <p:sp>
         <p:nvSpPr>
-          <p:cNvPr id="4" name="Title 3"/>
+          <p:cNvPr id="2" name="Title 1"/>
           <p:cNvSpPr>
             <a:spLocks noGrp="1"/>
           </p:cNvSpPr>
@@ -6623,7 +8418,7 @@
           <a:p>
             <a:r>
               <a:rPr lang="en-US" dirty="0" smtClean="0"/>
-              <a:t>Routing and Controllers</a:t>
+              <a:t>Autoloader</a:t>
             </a:r>
             <a:endParaRPr lang="en-US" dirty="0"/>
           </a:p>
@@ -6631,31 +8426,298 @@
       </p:sp>
       <p:sp>
         <p:nvSpPr>
-          <p:cNvPr id="5" name="Text Placeholder 4"/>
-          <p:cNvSpPr>
-            <a:spLocks noGrp="1"/>
-          </p:cNvSpPr>
-          <p:nvPr>
-            <p:ph type="body" idx="1"/>
-          </p:nvPr>
-        </p:nvSpPr>
-        <p:spPr/>
-        <p:txBody>
-          <a:bodyPr/>
-          <a:lstStyle/>
-          <a:p>
-            <a:r>
-              <a:rPr lang="en-US" dirty="0" smtClean="0"/>
-              <a:t>Lesson 4:</a:t>
-            </a:r>
-            <a:endParaRPr lang="en-US" dirty="0"/>
+          <p:cNvPr id="3" name="Content Placeholder 2"/>
+          <p:cNvSpPr>
+            <a:spLocks noGrp="1"/>
+          </p:cNvSpPr>
+          <p:nvPr>
+            <p:ph idx="1"/>
+          </p:nvPr>
+        </p:nvSpPr>
+        <p:spPr>
+          <a:solidFill>
+            <a:schemeClr val="bg1">
+              <a:lumMod val="85000"/>
+            </a:schemeClr>
+          </a:solidFill>
+          <a:ln>
+            <a:solidFill>
+              <a:schemeClr val="tx1"/>
+            </a:solidFill>
+          </a:ln>
+        </p:spPr>
+        <p:txBody>
+          <a:bodyPr>
+            <a:normAutofit/>
+          </a:bodyPr>
+          <a:lstStyle/>
+          <a:p>
+            <a:pPr marL="0" indent="0">
+              <a:buNone/>
+            </a:pPr>
+            <a:r>
+              <a:rPr lang="en-US" sz="2000" dirty="0" smtClean="0">
+                <a:latin typeface="Lucida Console" panose="020B0609040504020204" pitchFamily="49" charset="0"/>
+              </a:rPr>
+              <a:t>&lt;?</a:t>
+            </a:r>
+            <a:r>
+              <a:rPr lang="en-US" sz="2000" dirty="0" err="1" smtClean="0">
+                <a:latin typeface="Lucida Console" panose="020B0609040504020204" pitchFamily="49" charset="0"/>
+              </a:rPr>
+              <a:t>php</a:t>
+            </a:r>
+            <a:endParaRPr lang="en-US" sz="2000" dirty="0" smtClean="0">
+              <a:latin typeface="Lucida Console" panose="020B0609040504020204" pitchFamily="49" charset="0"/>
+            </a:endParaRPr>
+          </a:p>
+          <a:p>
+            <a:pPr marL="0" indent="0">
+              <a:buNone/>
+            </a:pPr>
+            <a:r>
+              <a:rPr lang="en-US" sz="2000" dirty="0" smtClean="0">
+                <a:latin typeface="Lucida Console" panose="020B0609040504020204" pitchFamily="49" charset="0"/>
+              </a:rPr>
+              <a:t>class </a:t>
+            </a:r>
+            <a:r>
+              <a:rPr lang="en-US" sz="2000" dirty="0" err="1" smtClean="0">
+                <a:latin typeface="Lucida Console" panose="020B0609040504020204" pitchFamily="49" charset="0"/>
+              </a:rPr>
+              <a:t>Autoload</a:t>
+            </a:r>
+            <a:r>
+              <a:rPr lang="en-US" sz="2000" dirty="0" smtClean="0">
+                <a:latin typeface="Lucida Console" panose="020B0609040504020204" pitchFamily="49" charset="0"/>
+              </a:rPr>
+              <a:t> {</a:t>
+            </a:r>
+          </a:p>
+          <a:p>
+            <a:pPr marL="0" indent="0">
+              <a:buNone/>
+            </a:pPr>
+            <a:r>
+              <a:rPr lang="en-US" sz="2000" dirty="0" smtClean="0">
+                <a:latin typeface="Lucida Console" panose="020B0609040504020204" pitchFamily="49" charset="0"/>
+              </a:rPr>
+              <a:t>	public function load($</a:t>
+            </a:r>
+            <a:r>
+              <a:rPr lang="en-US" sz="2000" dirty="0" err="1" smtClean="0">
+                <a:latin typeface="Lucida Console" panose="020B0609040504020204" pitchFamily="49" charset="0"/>
+              </a:rPr>
+              <a:t>class_name</a:t>
+            </a:r>
+            <a:r>
+              <a:rPr lang="en-US" sz="2000" dirty="0" smtClean="0">
+                <a:latin typeface="Lucida Console" panose="020B0609040504020204" pitchFamily="49" charset="0"/>
+              </a:rPr>
+              <a:t>)</a:t>
+            </a:r>
+          </a:p>
+          <a:p>
+            <a:pPr marL="0" indent="0">
+              <a:buNone/>
+            </a:pPr>
+            <a:r>
+              <a:rPr lang="en-US" sz="2000" dirty="0" smtClean="0">
+                <a:latin typeface="Lucida Console" panose="020B0609040504020204" pitchFamily="49" charset="0"/>
+              </a:rPr>
+              <a:t>	{</a:t>
+            </a:r>
+          </a:p>
+          <a:p>
+            <a:pPr marL="0" indent="0">
+              <a:buNone/>
+            </a:pPr>
+            <a:r>
+              <a:rPr lang="en-US" sz="2000" dirty="0">
+                <a:latin typeface="Lucida Console" panose="020B0609040504020204" pitchFamily="49" charset="0"/>
+              </a:rPr>
+              <a:t>		$file = __DIR__ . '/' . $</a:t>
+            </a:r>
+            <a:r>
+              <a:rPr lang="en-US" sz="2000" dirty="0" err="1">
+                <a:latin typeface="Lucida Console" panose="020B0609040504020204" pitchFamily="49" charset="0"/>
+              </a:rPr>
+              <a:t>class_name</a:t>
+            </a:r>
+            <a:r>
+              <a:rPr lang="en-US" sz="2000" dirty="0" smtClean="0">
+                <a:latin typeface="Lucida Console" panose="020B0609040504020204" pitchFamily="49" charset="0"/>
+              </a:rPr>
+              <a:t>;</a:t>
+            </a:r>
+          </a:p>
+          <a:p>
+            <a:pPr marL="0" indent="0">
+              <a:buNone/>
+            </a:pPr>
+            <a:r>
+              <a:rPr lang="en-US" sz="2000" dirty="0" smtClean="0">
+                <a:latin typeface="Lucida Console" panose="020B0609040504020204" pitchFamily="49" charset="0"/>
+              </a:rPr>
+              <a:t>		if </a:t>
+            </a:r>
+            <a:r>
+              <a:rPr lang="en-US" sz="2000" dirty="0">
+                <a:latin typeface="Lucida Console" panose="020B0609040504020204" pitchFamily="49" charset="0"/>
+              </a:rPr>
+              <a:t>(</a:t>
+            </a:r>
+            <a:r>
+              <a:rPr lang="en-US" sz="2000" dirty="0" err="1">
+                <a:latin typeface="Lucida Console" panose="020B0609040504020204" pitchFamily="49" charset="0"/>
+              </a:rPr>
+              <a:t>file_exists</a:t>
+            </a:r>
+            <a:r>
+              <a:rPr lang="en-US" sz="2000" dirty="0">
+                <a:latin typeface="Lucida Console" panose="020B0609040504020204" pitchFamily="49" charset="0"/>
+              </a:rPr>
+              <a:t>($file)) </a:t>
+            </a:r>
+            <a:r>
+              <a:rPr lang="en-US" sz="2000" dirty="0" smtClean="0">
+                <a:latin typeface="Lucida Console" panose="020B0609040504020204" pitchFamily="49" charset="0"/>
+              </a:rPr>
+              <a:t>{</a:t>
+            </a:r>
+          </a:p>
+          <a:p>
+            <a:pPr marL="0" indent="0">
+              <a:buNone/>
+            </a:pPr>
+            <a:r>
+              <a:rPr lang="en-US" sz="2000" dirty="0">
+                <a:latin typeface="Lucida Console" panose="020B0609040504020204" pitchFamily="49" charset="0"/>
+              </a:rPr>
+              <a:t>	</a:t>
+            </a:r>
+            <a:r>
+              <a:rPr lang="en-US" sz="2000" dirty="0" smtClean="0">
+                <a:latin typeface="Lucida Console" panose="020B0609040504020204" pitchFamily="49" charset="0"/>
+              </a:rPr>
+              <a:t>		require </a:t>
+            </a:r>
+            <a:r>
+              <a:rPr lang="en-US" sz="2000" dirty="0">
+                <a:latin typeface="Lucida Console" panose="020B0609040504020204" pitchFamily="49" charset="0"/>
+              </a:rPr>
+              <a:t>$file</a:t>
+            </a:r>
+            <a:r>
+              <a:rPr lang="en-US" sz="2000" dirty="0" smtClean="0">
+                <a:latin typeface="Lucida Console" panose="020B0609040504020204" pitchFamily="49" charset="0"/>
+              </a:rPr>
+              <a:t>;</a:t>
+            </a:r>
+          </a:p>
+          <a:p>
+            <a:pPr marL="0" indent="0">
+              <a:buNone/>
+            </a:pPr>
+            <a:r>
+              <a:rPr lang="en-US" sz="2000" dirty="0">
+                <a:latin typeface="Lucida Console" panose="020B0609040504020204" pitchFamily="49" charset="0"/>
+              </a:rPr>
+              <a:t>	</a:t>
+            </a:r>
+            <a:r>
+              <a:rPr lang="en-US" sz="2000" dirty="0" smtClean="0">
+                <a:latin typeface="Lucida Console" panose="020B0609040504020204" pitchFamily="49" charset="0"/>
+              </a:rPr>
+              <a:t>	} </a:t>
+            </a:r>
+            <a:r>
+              <a:rPr lang="en-US" sz="2000" dirty="0">
+                <a:latin typeface="Lucida Console" panose="020B0609040504020204" pitchFamily="49" charset="0"/>
+              </a:rPr>
+              <a:t>else </a:t>
+            </a:r>
+            <a:r>
+              <a:rPr lang="en-US" sz="2000" dirty="0" smtClean="0">
+                <a:latin typeface="Lucida Console" panose="020B0609040504020204" pitchFamily="49" charset="0"/>
+              </a:rPr>
+              <a:t>{</a:t>
+            </a:r>
+          </a:p>
+          <a:p>
+            <a:pPr marL="0" indent="0">
+              <a:buNone/>
+            </a:pPr>
+            <a:r>
+              <a:rPr lang="en-US" sz="2000" dirty="0">
+                <a:latin typeface="Lucida Console" panose="020B0609040504020204" pitchFamily="49" charset="0"/>
+              </a:rPr>
+              <a:t>	</a:t>
+            </a:r>
+            <a:r>
+              <a:rPr lang="en-US" sz="2000" dirty="0" smtClean="0">
+                <a:latin typeface="Lucida Console" panose="020B0609040504020204" pitchFamily="49" charset="0"/>
+              </a:rPr>
+              <a:t>		return </a:t>
+            </a:r>
+            <a:r>
+              <a:rPr lang="en-US" sz="2000" dirty="0">
+                <a:latin typeface="Lucida Console" panose="020B0609040504020204" pitchFamily="49" charset="0"/>
+              </a:rPr>
+              <a:t>false</a:t>
+            </a:r>
+            <a:r>
+              <a:rPr lang="en-US" sz="2000" dirty="0" smtClean="0">
+                <a:latin typeface="Lucida Console" panose="020B0609040504020204" pitchFamily="49" charset="0"/>
+              </a:rPr>
+              <a:t>;</a:t>
+            </a:r>
+          </a:p>
+          <a:p>
+            <a:pPr marL="0" indent="0">
+              <a:buNone/>
+            </a:pPr>
+            <a:r>
+              <a:rPr lang="en-US" sz="2000" dirty="0">
+                <a:latin typeface="Lucida Console" panose="020B0609040504020204" pitchFamily="49" charset="0"/>
+              </a:rPr>
+              <a:t>	</a:t>
+            </a:r>
+            <a:r>
+              <a:rPr lang="en-US" sz="2000" dirty="0" smtClean="0">
+                <a:latin typeface="Lucida Console" panose="020B0609040504020204" pitchFamily="49" charset="0"/>
+              </a:rPr>
+              <a:t>	}</a:t>
+            </a:r>
+          </a:p>
+          <a:p>
+            <a:pPr marL="0" indent="0">
+              <a:buNone/>
+            </a:pPr>
+            <a:r>
+              <a:rPr lang="en-US" sz="2000" dirty="0" smtClean="0">
+                <a:latin typeface="Lucida Console" panose="020B0609040504020204" pitchFamily="49" charset="0"/>
+              </a:rPr>
+              <a:t>	}</a:t>
+            </a:r>
+          </a:p>
+          <a:p>
+            <a:pPr marL="0" indent="0">
+              <a:buNone/>
+            </a:pPr>
+            <a:r>
+              <a:rPr lang="en-US" sz="2000" dirty="0" smtClean="0">
+                <a:latin typeface="Lucida Console" panose="020B0609040504020204" pitchFamily="49" charset="0"/>
+              </a:rPr>
+              <a:t>}</a:t>
+            </a:r>
           </a:p>
         </p:txBody>
       </p:sp>
     </p:spTree>
     <p:extLst>
       <p:ext uri="{BB962C8B-B14F-4D97-AF65-F5344CB8AC3E}">
-        <p14:creationId xmlns:p14="http://schemas.microsoft.com/office/powerpoint/2010/main" val="2073174591"/>
+        <p14:creationId xmlns:p14="http://schemas.microsoft.com/office/powerpoint/2010/main" val="1668381099"/>
       </p:ext>
     </p:extLst>
   </p:cSld>
@@ -6735,13 +8797,8 @@
           <a:p>
             <a:r>
               <a:rPr lang="en-US" dirty="0" smtClean="0"/>
-              <a:t>Let’s have one user, </a:t>
-            </a:r>
-            <a:r>
-              <a:rPr lang="en-US" dirty="0" smtClean="0"/>
-              <a:t>that needs to log in</a:t>
-            </a:r>
-            <a:endParaRPr lang="en-US" dirty="0" smtClean="0"/>
+              <a:t>Let’s have one user, that needs to log in</a:t>
+            </a:r>
           </a:p>
           <a:p>
             <a:r>
@@ -6752,15 +8809,7 @@
           <a:p>
             <a:r>
               <a:rPr lang="en-US" dirty="0" smtClean="0"/>
-              <a:t>Let’s </a:t>
-            </a:r>
-            <a:r>
-              <a:rPr lang="en-US" dirty="0" smtClean="0"/>
-              <a:t>read </a:t>
-            </a:r>
-            <a:r>
-              <a:rPr lang="en-US" dirty="0" smtClean="0"/>
-              <a:t>the entries</a:t>
+              <a:t>Let’s read the entries</a:t>
             </a:r>
             <a:endParaRPr lang="en-US" dirty="0"/>
           </a:p>
@@ -6820,7 +8869,7 @@
           <a:p>
             <a:r>
               <a:rPr lang="en-US" dirty="0" smtClean="0"/>
-              <a:t>Security and Validation</a:t>
+              <a:t>Usage</a:t>
             </a:r>
             <a:endParaRPr lang="en-US" dirty="0"/>
           </a:p>
@@ -6828,31 +8877,138 @@
       </p:sp>
       <p:sp>
         <p:nvSpPr>
-          <p:cNvPr id="3" name="Text Placeholder 2"/>
-          <p:cNvSpPr>
-            <a:spLocks noGrp="1"/>
-          </p:cNvSpPr>
-          <p:nvPr>
-            <p:ph type="body" idx="1"/>
-          </p:nvPr>
-        </p:nvSpPr>
-        <p:spPr/>
-        <p:txBody>
-          <a:bodyPr/>
-          <a:lstStyle/>
-          <a:p>
-            <a:r>
-              <a:rPr lang="en-US" dirty="0" smtClean="0"/>
-              <a:t>Lesson 5:</a:t>
-            </a:r>
-            <a:endParaRPr lang="en-US" dirty="0"/>
+          <p:cNvPr id="3" name="Content Placeholder 2"/>
+          <p:cNvSpPr>
+            <a:spLocks noGrp="1"/>
+          </p:cNvSpPr>
+          <p:nvPr>
+            <p:ph idx="1"/>
+          </p:nvPr>
+        </p:nvSpPr>
+        <p:spPr>
+          <a:solidFill>
+            <a:schemeClr val="bg1">
+              <a:lumMod val="85000"/>
+            </a:schemeClr>
+          </a:solidFill>
+          <a:ln>
+            <a:solidFill>
+              <a:schemeClr val="tx1"/>
+            </a:solidFill>
+          </a:ln>
+        </p:spPr>
+        <p:txBody>
+          <a:bodyPr>
+            <a:normAutofit/>
+          </a:bodyPr>
+          <a:lstStyle/>
+          <a:p>
+            <a:pPr marL="0" indent="0">
+              <a:buNone/>
+            </a:pPr>
+            <a:r>
+              <a:rPr lang="en-US" sz="2000" dirty="0" smtClean="0">
+                <a:latin typeface="Lucida Console" panose="020B0609040504020204" pitchFamily="49" charset="0"/>
+              </a:rPr>
+              <a:t>&lt;?</a:t>
+            </a:r>
+            <a:r>
+              <a:rPr lang="en-US" sz="2000" dirty="0" err="1" smtClean="0">
+                <a:latin typeface="Lucida Console" panose="020B0609040504020204" pitchFamily="49" charset="0"/>
+              </a:rPr>
+              <a:t>php</a:t>
+            </a:r>
+            <a:endParaRPr lang="en-US" sz="2000" dirty="0" smtClean="0">
+              <a:latin typeface="Lucida Console" panose="020B0609040504020204" pitchFamily="49" charset="0"/>
+            </a:endParaRPr>
+          </a:p>
+          <a:p>
+            <a:pPr marL="0" indent="0">
+              <a:buNone/>
+            </a:pPr>
+            <a:r>
+              <a:rPr lang="en-US" sz="2000" dirty="0" smtClean="0">
+                <a:latin typeface="Lucida Console" panose="020B0609040504020204" pitchFamily="49" charset="0"/>
+              </a:rPr>
+              <a:t>include '</a:t>
+            </a:r>
+            <a:r>
+              <a:rPr lang="en-US" sz="2000" dirty="0" err="1" smtClean="0">
+                <a:latin typeface="Lucida Console" panose="020B0609040504020204" pitchFamily="49" charset="0"/>
+              </a:rPr>
+              <a:t>Autoloader.php</a:t>
+            </a:r>
+            <a:r>
+              <a:rPr lang="en-US" sz="2000" dirty="0" smtClean="0">
+                <a:latin typeface="Lucida Console" panose="020B0609040504020204" pitchFamily="49" charset="0"/>
+              </a:rPr>
+              <a:t>';</a:t>
+            </a:r>
+          </a:p>
+          <a:p>
+            <a:pPr marL="0" indent="0">
+              <a:buNone/>
+            </a:pPr>
+            <a:endParaRPr lang="en-US" sz="2000" dirty="0" smtClean="0">
+              <a:latin typeface="Lucida Console" panose="020B0609040504020204" pitchFamily="49" charset="0"/>
+            </a:endParaRPr>
+          </a:p>
+          <a:p>
+            <a:pPr marL="0" indent="0">
+              <a:buNone/>
+            </a:pPr>
+            <a:r>
+              <a:rPr lang="en-US" sz="2000" dirty="0" smtClean="0">
+                <a:latin typeface="Lucida Console" panose="020B0609040504020204" pitchFamily="49" charset="0"/>
+              </a:rPr>
+              <a:t>$autoloader = new Autoloader();</a:t>
+            </a:r>
+            <a:endParaRPr lang="en-US" sz="2000" dirty="0">
+              <a:latin typeface="Lucida Console" panose="020B0609040504020204" pitchFamily="49" charset="0"/>
+            </a:endParaRPr>
+          </a:p>
+          <a:p>
+            <a:pPr marL="0" indent="0">
+              <a:buNone/>
+            </a:pPr>
+            <a:r>
+              <a:rPr lang="en-US" sz="2000" dirty="0" err="1" smtClean="0">
+                <a:latin typeface="Lucida Console" panose="020B0609040504020204" pitchFamily="49" charset="0"/>
+              </a:rPr>
+              <a:t>spl_autoload_register</a:t>
+            </a:r>
+            <a:r>
+              <a:rPr lang="en-US" sz="2000" dirty="0" smtClean="0">
+                <a:latin typeface="Lucida Console" panose="020B0609040504020204" pitchFamily="49" charset="0"/>
+              </a:rPr>
+              <a:t>([$autoloader, 'load']);</a:t>
+            </a:r>
+          </a:p>
+          <a:p>
+            <a:pPr marL="0" indent="0">
+              <a:buNone/>
+            </a:pPr>
+            <a:endParaRPr lang="en-US" sz="2000" dirty="0">
+              <a:latin typeface="Lucida Console" panose="020B0609040504020204" pitchFamily="49" charset="0"/>
+            </a:endParaRPr>
+          </a:p>
+          <a:p>
+            <a:pPr marL="0" indent="0">
+              <a:buNone/>
+            </a:pPr>
+            <a:r>
+              <a:rPr lang="en-US" sz="2000" dirty="0" smtClean="0">
+                <a:latin typeface="Lucida Console" panose="020B0609040504020204" pitchFamily="49" charset="0"/>
+              </a:rPr>
+              <a:t>$object = new Test();</a:t>
+            </a:r>
           </a:p>
         </p:txBody>
       </p:sp>
     </p:spTree>
     <p:extLst>
       <p:ext uri="{BB962C8B-B14F-4D97-AF65-F5344CB8AC3E}">
-        <p14:creationId xmlns:p14="http://schemas.microsoft.com/office/powerpoint/2010/main" val="871361754"/>
+        <p14:creationId xmlns:p14="http://schemas.microsoft.com/office/powerpoint/2010/main" val="662296488"/>
       </p:ext>
     </p:extLst>
   </p:cSld>
@@ -6888,7 +9044,7 @@
       </p:grpSpPr>
       <p:sp>
         <p:nvSpPr>
-          <p:cNvPr id="2" name="Title 1"/>
+          <p:cNvPr id="4" name="Title 3"/>
           <p:cNvSpPr>
             <a:spLocks noGrp="1"/>
           </p:cNvSpPr>
@@ -6903,7 +9059,7 @@
           <a:p>
             <a:r>
               <a:rPr lang="en-US" dirty="0" smtClean="0"/>
-              <a:t>Tying it all Together</a:t>
+              <a:t>Data Models</a:t>
             </a:r>
             <a:endParaRPr lang="en-US" dirty="0"/>
           </a:p>
@@ -6911,52 +9067,22 @@
       </p:sp>
       <p:sp>
         <p:nvSpPr>
-          <p:cNvPr id="3" name="Content Placeholder 2"/>
-          <p:cNvSpPr>
-            <a:spLocks noGrp="1"/>
-          </p:cNvSpPr>
-          <p:nvPr>
-            <p:ph idx="1"/>
-          </p:nvPr>
-        </p:nvSpPr>
-        <p:spPr/>
-        <p:txBody>
-          <a:bodyPr/>
-          <a:lstStyle/>
-          <a:p>
-            <a:r>
-              <a:rPr lang="en-US" dirty="0" smtClean="0"/>
-              <a:t>File Layout and Configuration</a:t>
-            </a:r>
-            <a:endParaRPr lang="en-US" dirty="0" smtClean="0"/>
-          </a:p>
-          <a:p>
-            <a:r>
-              <a:rPr lang="en-US" dirty="0" smtClean="0"/>
-              <a:t>Data Models</a:t>
-            </a:r>
-          </a:p>
-          <a:p>
-            <a:r>
-              <a:rPr lang="en-US" dirty="0" smtClean="0"/>
-              <a:t>Views and Templates</a:t>
-            </a:r>
-            <a:endParaRPr lang="en-US" dirty="0" smtClean="0"/>
-          </a:p>
-          <a:p>
-            <a:r>
-              <a:rPr lang="en-US" dirty="0" smtClean="0"/>
-              <a:t>Routing and </a:t>
-            </a:r>
-            <a:r>
-              <a:rPr lang="en-US" dirty="0" smtClean="0"/>
-              <a:t>Controllers</a:t>
-            </a:r>
-          </a:p>
-          <a:p>
-            <a:r>
-              <a:rPr lang="en-US" dirty="0" smtClean="0"/>
-              <a:t>Security and Validation</a:t>
+          <p:cNvPr id="5" name="Text Placeholder 4"/>
+          <p:cNvSpPr>
+            <a:spLocks noGrp="1"/>
+          </p:cNvSpPr>
+          <p:nvPr>
+            <p:ph type="body" idx="1"/>
+          </p:nvPr>
+        </p:nvSpPr>
+        <p:spPr/>
+        <p:txBody>
+          <a:bodyPr/>
+          <a:lstStyle/>
+          <a:p>
+            <a:r>
+              <a:rPr lang="en-US" dirty="0" smtClean="0"/>
+              <a:t>Lesson 2:</a:t>
             </a:r>
             <a:endParaRPr lang="en-US" dirty="0"/>
           </a:p>
@@ -6965,7 +9091,752 @@
     </p:spTree>
     <p:extLst>
       <p:ext uri="{BB962C8B-B14F-4D97-AF65-F5344CB8AC3E}">
-        <p14:creationId xmlns:p14="http://schemas.microsoft.com/office/powerpoint/2010/main" val="1089236965"/>
+        <p14:creationId xmlns:p14="http://schemas.microsoft.com/office/powerpoint/2010/main" val="2248627708"/>
+      </p:ext>
+    </p:extLst>
+  </p:cSld>
+  <p:clrMapOvr>
+    <a:masterClrMapping/>
+  </p:clrMapOvr>
+  <p:timing>
+    <p:tnLst>
+      <p:par>
+        <p:cTn id="1" dur="indefinite" restart="never" nodeType="tmRoot"/>
+      </p:par>
+    </p:tnLst>
+  </p:timing>
+</p:sld>
+</file>
+
+<file path=ppt/slides/slide22.xml><?xml version="1.0" encoding="utf-8"?>
+<p:sld xmlns:a="http://schemas.openxmlformats.org/drawingml/2006/main" xmlns:r="http://schemas.openxmlformats.org/officeDocument/2006/relationships" xmlns:p="http://schemas.openxmlformats.org/presentationml/2006/main">
+  <p:cSld>
+    <p:spTree>
+      <p:nvGrpSpPr>
+        <p:cNvPr id="1" name=""/>
+        <p:cNvGrpSpPr/>
+        <p:nvPr/>
+      </p:nvGrpSpPr>
+      <p:grpSpPr>
+        <a:xfrm>
+          <a:off x="0" y="0"/>
+          <a:ext cx="0" cy="0"/>
+          <a:chOff x="0" y="0"/>
+          <a:chExt cx="0" cy="0"/>
+        </a:xfrm>
+      </p:grpSpPr>
+      <p:sp>
+        <p:nvSpPr>
+          <p:cNvPr id="4" name="Title 3"/>
+          <p:cNvSpPr>
+            <a:spLocks noGrp="1"/>
+          </p:cNvSpPr>
+          <p:nvPr>
+            <p:ph type="title"/>
+          </p:nvPr>
+        </p:nvSpPr>
+        <p:spPr/>
+        <p:txBody>
+          <a:bodyPr/>
+          <a:lstStyle/>
+          <a:p>
+            <a:r>
+              <a:rPr lang="en-US" dirty="0" smtClean="0"/>
+              <a:t>Connection Class</a:t>
+            </a:r>
+            <a:endParaRPr lang="en-US" dirty="0"/>
+          </a:p>
+        </p:txBody>
+      </p:sp>
+      <p:sp>
+        <p:nvSpPr>
+          <p:cNvPr id="5" name="Content Placeholder 4"/>
+          <p:cNvSpPr>
+            <a:spLocks noGrp="1"/>
+          </p:cNvSpPr>
+          <p:nvPr>
+            <p:ph idx="1"/>
+          </p:nvPr>
+        </p:nvSpPr>
+        <p:spPr/>
+        <p:txBody>
+          <a:bodyPr/>
+          <a:lstStyle/>
+          <a:p>
+            <a:r>
+              <a:rPr lang="en-US" dirty="0" smtClean="0"/>
+              <a:t>Talks to the database</a:t>
+            </a:r>
+          </a:p>
+          <a:p>
+            <a:r>
+              <a:rPr lang="en-US" dirty="0" smtClean="0"/>
+              <a:t>Used by all model classes</a:t>
+            </a:r>
+          </a:p>
+          <a:p>
+            <a:r>
+              <a:rPr lang="en-US" dirty="0" smtClean="0"/>
+              <a:t>Created only once per request</a:t>
+            </a:r>
+            <a:endParaRPr lang="en-US" dirty="0"/>
+          </a:p>
+        </p:txBody>
+      </p:sp>
+    </p:spTree>
+    <p:extLst>
+      <p:ext uri="{BB962C8B-B14F-4D97-AF65-F5344CB8AC3E}">
+        <p14:creationId xmlns:p14="http://schemas.microsoft.com/office/powerpoint/2010/main" val="3107775830"/>
+      </p:ext>
+    </p:extLst>
+  </p:cSld>
+  <p:clrMapOvr>
+    <a:masterClrMapping/>
+  </p:clrMapOvr>
+  <p:timing>
+    <p:tnLst>
+      <p:par>
+        <p:cTn id="1" dur="indefinite" restart="never" nodeType="tmRoot"/>
+      </p:par>
+    </p:tnLst>
+  </p:timing>
+</p:sld>
+</file>
+
+<file path=ppt/slides/slide23.xml><?xml version="1.0" encoding="utf-8"?>
+<p:sld xmlns:a="http://schemas.openxmlformats.org/drawingml/2006/main" xmlns:r="http://schemas.openxmlformats.org/officeDocument/2006/relationships" xmlns:p="http://schemas.openxmlformats.org/presentationml/2006/main">
+  <p:cSld>
+    <p:spTree>
+      <p:nvGrpSpPr>
+        <p:cNvPr id="1" name=""/>
+        <p:cNvGrpSpPr/>
+        <p:nvPr/>
+      </p:nvGrpSpPr>
+      <p:grpSpPr>
+        <a:xfrm>
+          <a:off x="0" y="0"/>
+          <a:ext cx="0" cy="0"/>
+          <a:chOff x="0" y="0"/>
+          <a:chExt cx="0" cy="0"/>
+        </a:xfrm>
+      </p:grpSpPr>
+      <p:sp>
+        <p:nvSpPr>
+          <p:cNvPr id="2" name="Title 1"/>
+          <p:cNvSpPr>
+            <a:spLocks noGrp="1"/>
+          </p:cNvSpPr>
+          <p:nvPr>
+            <p:ph type="title"/>
+          </p:nvPr>
+        </p:nvSpPr>
+        <p:spPr/>
+        <p:txBody>
+          <a:bodyPr/>
+          <a:lstStyle/>
+          <a:p>
+            <a:r>
+              <a:rPr lang="en-US" dirty="0" smtClean="0"/>
+              <a:t>Model Classes</a:t>
+            </a:r>
+            <a:endParaRPr lang="en-US" dirty="0"/>
+          </a:p>
+        </p:txBody>
+      </p:sp>
+      <p:sp>
+        <p:nvSpPr>
+          <p:cNvPr id="3" name="Content Placeholder 2"/>
+          <p:cNvSpPr>
+            <a:spLocks noGrp="1"/>
+          </p:cNvSpPr>
+          <p:nvPr>
+            <p:ph idx="1"/>
+          </p:nvPr>
+        </p:nvSpPr>
+        <p:spPr/>
+        <p:txBody>
+          <a:bodyPr/>
+          <a:lstStyle/>
+          <a:p>
+            <a:r>
+              <a:rPr lang="en-US" dirty="0" smtClean="0"/>
+              <a:t>Journal Entry</a:t>
+            </a:r>
+          </a:p>
+          <a:p>
+            <a:pPr lvl="1"/>
+            <a:r>
+              <a:rPr lang="en-US" dirty="0" smtClean="0"/>
+              <a:t>date</a:t>
+            </a:r>
+          </a:p>
+          <a:p>
+            <a:pPr lvl="1"/>
+            <a:r>
+              <a:rPr lang="en-US" dirty="0" smtClean="0"/>
+              <a:t>text</a:t>
+            </a:r>
+          </a:p>
+          <a:p>
+            <a:r>
+              <a:rPr lang="en-US" dirty="0" smtClean="0"/>
+              <a:t>Profile</a:t>
+            </a:r>
+          </a:p>
+          <a:p>
+            <a:pPr lvl="1"/>
+            <a:r>
+              <a:rPr lang="en-US" dirty="0" smtClean="0"/>
+              <a:t>name</a:t>
+            </a:r>
+          </a:p>
+          <a:p>
+            <a:pPr lvl="1"/>
+            <a:r>
+              <a:rPr lang="en-US" dirty="0" smtClean="0"/>
+              <a:t>login</a:t>
+            </a:r>
+          </a:p>
+          <a:p>
+            <a:pPr lvl="1"/>
+            <a:r>
+              <a:rPr lang="en-US" dirty="0" smtClean="0"/>
+              <a:t>password</a:t>
+            </a:r>
+            <a:endParaRPr lang="en-US" dirty="0"/>
+          </a:p>
+        </p:txBody>
+      </p:sp>
+    </p:spTree>
+    <p:extLst>
+      <p:ext uri="{BB962C8B-B14F-4D97-AF65-F5344CB8AC3E}">
+        <p14:creationId xmlns:p14="http://schemas.microsoft.com/office/powerpoint/2010/main" val="3803216798"/>
+      </p:ext>
+    </p:extLst>
+  </p:cSld>
+  <p:clrMapOvr>
+    <a:masterClrMapping/>
+  </p:clrMapOvr>
+  <p:timing>
+    <p:tnLst>
+      <p:par>
+        <p:cTn id="1" dur="indefinite" restart="never" nodeType="tmRoot"/>
+      </p:par>
+    </p:tnLst>
+  </p:timing>
+</p:sld>
+</file>
+
+<file path=ppt/slides/slide24.xml><?xml version="1.0" encoding="utf-8"?>
+<p:sld xmlns:a="http://schemas.openxmlformats.org/drawingml/2006/main" xmlns:r="http://schemas.openxmlformats.org/officeDocument/2006/relationships" xmlns:p="http://schemas.openxmlformats.org/presentationml/2006/main">
+  <p:cSld>
+    <p:spTree>
+      <p:nvGrpSpPr>
+        <p:cNvPr id="1" name=""/>
+        <p:cNvGrpSpPr/>
+        <p:nvPr/>
+      </p:nvGrpSpPr>
+      <p:grpSpPr>
+        <a:xfrm>
+          <a:off x="0" y="0"/>
+          <a:ext cx="0" cy="0"/>
+          <a:chOff x="0" y="0"/>
+          <a:chExt cx="0" cy="0"/>
+        </a:xfrm>
+      </p:grpSpPr>
+      <p:sp>
+        <p:nvSpPr>
+          <p:cNvPr id="2" name="Title 1"/>
+          <p:cNvSpPr>
+            <a:spLocks noGrp="1"/>
+          </p:cNvSpPr>
+          <p:nvPr>
+            <p:ph type="title"/>
+          </p:nvPr>
+        </p:nvSpPr>
+        <p:spPr/>
+        <p:txBody>
+          <a:bodyPr/>
+          <a:lstStyle/>
+          <a:p>
+            <a:endParaRPr lang="en-US" dirty="0"/>
+          </a:p>
+        </p:txBody>
+      </p:sp>
+      <p:sp>
+        <p:nvSpPr>
+          <p:cNvPr id="3" name="Content Placeholder 2"/>
+          <p:cNvSpPr>
+            <a:spLocks noGrp="1"/>
+          </p:cNvSpPr>
+          <p:nvPr>
+            <p:ph idx="1"/>
+          </p:nvPr>
+        </p:nvSpPr>
+        <p:spPr/>
+        <p:txBody>
+          <a:bodyPr/>
+          <a:lstStyle/>
+          <a:p>
+            <a:endParaRPr lang="en-US"/>
+          </a:p>
+        </p:txBody>
+      </p:sp>
+    </p:spTree>
+    <p:extLst>
+      <p:ext uri="{BB962C8B-B14F-4D97-AF65-F5344CB8AC3E}">
+        <p14:creationId xmlns:p14="http://schemas.microsoft.com/office/powerpoint/2010/main" val="3740496781"/>
+      </p:ext>
+    </p:extLst>
+  </p:cSld>
+  <p:clrMapOvr>
+    <a:masterClrMapping/>
+  </p:clrMapOvr>
+  <p:timing>
+    <p:tnLst>
+      <p:par>
+        <p:cTn id="1" dur="indefinite" restart="never" nodeType="tmRoot"/>
+      </p:par>
+    </p:tnLst>
+  </p:timing>
+</p:sld>
+</file>
+
+<file path=ppt/slides/slide25.xml><?xml version="1.0" encoding="utf-8"?>
+<p:sld xmlns:a="http://schemas.openxmlformats.org/drawingml/2006/main" xmlns:r="http://schemas.openxmlformats.org/officeDocument/2006/relationships" xmlns:p="http://schemas.openxmlformats.org/presentationml/2006/main">
+  <p:cSld>
+    <p:spTree>
+      <p:nvGrpSpPr>
+        <p:cNvPr id="1" name=""/>
+        <p:cNvGrpSpPr/>
+        <p:nvPr/>
+      </p:nvGrpSpPr>
+      <p:grpSpPr>
+        <a:xfrm>
+          <a:off x="0" y="0"/>
+          <a:ext cx="0" cy="0"/>
+          <a:chOff x="0" y="0"/>
+          <a:chExt cx="0" cy="0"/>
+        </a:xfrm>
+      </p:grpSpPr>
+      <p:sp>
+        <p:nvSpPr>
+          <p:cNvPr id="4" name="Title 3"/>
+          <p:cNvSpPr>
+            <a:spLocks noGrp="1"/>
+          </p:cNvSpPr>
+          <p:nvPr>
+            <p:ph type="title"/>
+          </p:nvPr>
+        </p:nvSpPr>
+        <p:spPr/>
+        <p:txBody>
+          <a:bodyPr/>
+          <a:lstStyle/>
+          <a:p>
+            <a:r>
+              <a:rPr lang="en-US" dirty="0" smtClean="0"/>
+              <a:t>Views and Templates</a:t>
+            </a:r>
+            <a:endParaRPr lang="en-US" dirty="0"/>
+          </a:p>
+        </p:txBody>
+      </p:sp>
+      <p:sp>
+        <p:nvSpPr>
+          <p:cNvPr id="5" name="Text Placeholder 4"/>
+          <p:cNvSpPr>
+            <a:spLocks noGrp="1"/>
+          </p:cNvSpPr>
+          <p:nvPr>
+            <p:ph type="body" idx="1"/>
+          </p:nvPr>
+        </p:nvSpPr>
+        <p:spPr/>
+        <p:txBody>
+          <a:bodyPr/>
+          <a:lstStyle/>
+          <a:p>
+            <a:r>
+              <a:rPr lang="en-US" dirty="0" smtClean="0"/>
+              <a:t>Lesson 3:</a:t>
+            </a:r>
+            <a:endParaRPr lang="en-US" dirty="0"/>
+          </a:p>
+        </p:txBody>
+      </p:sp>
+    </p:spTree>
+    <p:extLst>
+      <p:ext uri="{BB962C8B-B14F-4D97-AF65-F5344CB8AC3E}">
+        <p14:creationId xmlns:p14="http://schemas.microsoft.com/office/powerpoint/2010/main" val="1564472033"/>
+      </p:ext>
+    </p:extLst>
+  </p:cSld>
+  <p:clrMapOvr>
+    <a:masterClrMapping/>
+  </p:clrMapOvr>
+  <p:timing>
+    <p:tnLst>
+      <p:par>
+        <p:cTn id="1" dur="indefinite" restart="never" nodeType="tmRoot"/>
+      </p:par>
+    </p:tnLst>
+  </p:timing>
+</p:sld>
+</file>
+
+<file path=ppt/slides/slide26.xml><?xml version="1.0" encoding="utf-8"?>
+<p:sld xmlns:a="http://schemas.openxmlformats.org/drawingml/2006/main" xmlns:r="http://schemas.openxmlformats.org/officeDocument/2006/relationships" xmlns:p="http://schemas.openxmlformats.org/presentationml/2006/main">
+  <p:cSld>
+    <p:spTree>
+      <p:nvGrpSpPr>
+        <p:cNvPr id="1" name=""/>
+        <p:cNvGrpSpPr/>
+        <p:nvPr/>
+      </p:nvGrpSpPr>
+      <p:grpSpPr>
+        <a:xfrm>
+          <a:off x="0" y="0"/>
+          <a:ext cx="0" cy="0"/>
+          <a:chOff x="0" y="0"/>
+          <a:chExt cx="0" cy="0"/>
+        </a:xfrm>
+      </p:grpSpPr>
+      <p:sp>
+        <p:nvSpPr>
+          <p:cNvPr id="4" name="Title 3"/>
+          <p:cNvSpPr>
+            <a:spLocks noGrp="1"/>
+          </p:cNvSpPr>
+          <p:nvPr>
+            <p:ph type="title"/>
+          </p:nvPr>
+        </p:nvSpPr>
+        <p:spPr/>
+        <p:txBody>
+          <a:bodyPr/>
+          <a:lstStyle/>
+          <a:p>
+            <a:r>
+              <a:rPr lang="en-US" dirty="0" smtClean="0"/>
+              <a:t>Template Class</a:t>
+            </a:r>
+            <a:endParaRPr lang="en-US" dirty="0"/>
+          </a:p>
+        </p:txBody>
+      </p:sp>
+      <p:sp>
+        <p:nvSpPr>
+          <p:cNvPr id="5" name="Content Placeholder 4"/>
+          <p:cNvSpPr>
+            <a:spLocks noGrp="1"/>
+          </p:cNvSpPr>
+          <p:nvPr>
+            <p:ph idx="1"/>
+          </p:nvPr>
+        </p:nvSpPr>
+        <p:spPr/>
+        <p:txBody>
+          <a:bodyPr/>
+          <a:lstStyle/>
+          <a:p>
+            <a:r>
+              <a:rPr lang="en-US" dirty="0" smtClean="0"/>
+              <a:t>Holds the data to display</a:t>
+            </a:r>
+          </a:p>
+          <a:p>
+            <a:r>
+              <a:rPr lang="en-US" dirty="0" smtClean="0"/>
+              <a:t>Has “helpers” for common functionality</a:t>
+            </a:r>
+          </a:p>
+        </p:txBody>
+      </p:sp>
+    </p:spTree>
+    <p:extLst>
+      <p:ext uri="{BB962C8B-B14F-4D97-AF65-F5344CB8AC3E}">
+        <p14:creationId xmlns:p14="http://schemas.microsoft.com/office/powerpoint/2010/main" val="2186060473"/>
+      </p:ext>
+    </p:extLst>
+  </p:cSld>
+  <p:clrMapOvr>
+    <a:masterClrMapping/>
+  </p:clrMapOvr>
+  <p:timing>
+    <p:tnLst>
+      <p:par>
+        <p:cTn id="1" dur="indefinite" restart="never" nodeType="tmRoot"/>
+      </p:par>
+    </p:tnLst>
+  </p:timing>
+</p:sld>
+</file>
+
+<file path=ppt/slides/slide27.xml><?xml version="1.0" encoding="utf-8"?>
+<p:sld xmlns:a="http://schemas.openxmlformats.org/drawingml/2006/main" xmlns:r="http://schemas.openxmlformats.org/officeDocument/2006/relationships" xmlns:p="http://schemas.openxmlformats.org/presentationml/2006/main">
+  <p:cSld>
+    <p:spTree>
+      <p:nvGrpSpPr>
+        <p:cNvPr id="1" name=""/>
+        <p:cNvGrpSpPr/>
+        <p:nvPr/>
+      </p:nvGrpSpPr>
+      <p:grpSpPr>
+        <a:xfrm>
+          <a:off x="0" y="0"/>
+          <a:ext cx="0" cy="0"/>
+          <a:chOff x="0" y="0"/>
+          <a:chExt cx="0" cy="0"/>
+        </a:xfrm>
+      </p:grpSpPr>
+      <p:sp>
+        <p:nvSpPr>
+          <p:cNvPr id="2" name="Title 1"/>
+          <p:cNvSpPr>
+            <a:spLocks noGrp="1"/>
+          </p:cNvSpPr>
+          <p:nvPr>
+            <p:ph type="title"/>
+          </p:nvPr>
+        </p:nvSpPr>
+        <p:spPr/>
+        <p:txBody>
+          <a:bodyPr/>
+          <a:lstStyle/>
+          <a:p>
+            <a:r>
+              <a:rPr lang="en-US" dirty="0" smtClean="0"/>
+              <a:t>Template File</a:t>
+            </a:r>
+            <a:endParaRPr lang="en-US" dirty="0"/>
+          </a:p>
+        </p:txBody>
+      </p:sp>
+      <p:sp>
+        <p:nvSpPr>
+          <p:cNvPr id="3" name="Content Placeholder 2"/>
+          <p:cNvSpPr>
+            <a:spLocks noGrp="1"/>
+          </p:cNvSpPr>
+          <p:nvPr>
+            <p:ph idx="1"/>
+          </p:nvPr>
+        </p:nvSpPr>
+        <p:spPr/>
+        <p:txBody>
+          <a:bodyPr/>
+          <a:lstStyle/>
+          <a:p>
+            <a:r>
+              <a:rPr lang="en-US" dirty="0" smtClean="0"/>
+              <a:t>Mainly HTML</a:t>
+            </a:r>
+          </a:p>
+          <a:p>
+            <a:r>
+              <a:rPr lang="en-US" dirty="0" smtClean="0"/>
+              <a:t>Shortcut echo tags</a:t>
+            </a:r>
+          </a:p>
+          <a:p>
+            <a:r>
+              <a:rPr lang="en-US" dirty="0" smtClean="0"/>
+              <a:t>Very little logic </a:t>
+            </a:r>
+          </a:p>
+          <a:p>
+            <a:pPr lvl="1"/>
+            <a:r>
+              <a:rPr lang="en-US" dirty="0" smtClean="0"/>
+              <a:t>simple conditionals</a:t>
+            </a:r>
+          </a:p>
+          <a:p>
+            <a:pPr lvl="1"/>
+            <a:r>
+              <a:rPr lang="en-US" dirty="0" smtClean="0"/>
+              <a:t>simple loops</a:t>
+            </a:r>
+          </a:p>
+          <a:p>
+            <a:r>
+              <a:rPr lang="en-US" dirty="0" smtClean="0"/>
+              <a:t>Might include other templates</a:t>
+            </a:r>
+          </a:p>
+        </p:txBody>
+      </p:sp>
+    </p:spTree>
+    <p:extLst>
+      <p:ext uri="{BB962C8B-B14F-4D97-AF65-F5344CB8AC3E}">
+        <p14:creationId xmlns:p14="http://schemas.microsoft.com/office/powerpoint/2010/main" val="219596888"/>
+      </p:ext>
+    </p:extLst>
+  </p:cSld>
+  <p:clrMapOvr>
+    <a:masterClrMapping/>
+  </p:clrMapOvr>
+  <p:timing>
+    <p:tnLst>
+      <p:par>
+        <p:cTn id="1" dur="indefinite" restart="never" nodeType="tmRoot"/>
+      </p:par>
+    </p:tnLst>
+  </p:timing>
+</p:sld>
+</file>
+
+<file path=ppt/slides/slide28.xml><?xml version="1.0" encoding="utf-8"?>
+<p:sld xmlns:a="http://schemas.openxmlformats.org/drawingml/2006/main" xmlns:r="http://schemas.openxmlformats.org/officeDocument/2006/relationships" xmlns:p="http://schemas.openxmlformats.org/presentationml/2006/main">
+  <p:cSld>
+    <p:spTree>
+      <p:nvGrpSpPr>
+        <p:cNvPr id="1" name=""/>
+        <p:cNvGrpSpPr/>
+        <p:nvPr/>
+      </p:nvGrpSpPr>
+      <p:grpSpPr>
+        <a:xfrm>
+          <a:off x="0" y="0"/>
+          <a:ext cx="0" cy="0"/>
+          <a:chOff x="0" y="0"/>
+          <a:chExt cx="0" cy="0"/>
+        </a:xfrm>
+      </p:grpSpPr>
+      <p:sp>
+        <p:nvSpPr>
+          <p:cNvPr id="4" name="Title 3"/>
+          <p:cNvSpPr>
+            <a:spLocks noGrp="1"/>
+          </p:cNvSpPr>
+          <p:nvPr>
+            <p:ph type="title"/>
+          </p:nvPr>
+        </p:nvSpPr>
+        <p:spPr/>
+        <p:txBody>
+          <a:bodyPr/>
+          <a:lstStyle/>
+          <a:p>
+            <a:r>
+              <a:rPr lang="en-US" dirty="0" smtClean="0"/>
+              <a:t>Routing and Controllers</a:t>
+            </a:r>
+            <a:endParaRPr lang="en-US" dirty="0"/>
+          </a:p>
+        </p:txBody>
+      </p:sp>
+      <p:sp>
+        <p:nvSpPr>
+          <p:cNvPr id="5" name="Text Placeholder 4"/>
+          <p:cNvSpPr>
+            <a:spLocks noGrp="1"/>
+          </p:cNvSpPr>
+          <p:nvPr>
+            <p:ph type="body" idx="1"/>
+          </p:nvPr>
+        </p:nvSpPr>
+        <p:spPr/>
+        <p:txBody>
+          <a:bodyPr/>
+          <a:lstStyle/>
+          <a:p>
+            <a:r>
+              <a:rPr lang="en-US" dirty="0" smtClean="0"/>
+              <a:t>Lesson 4:</a:t>
+            </a:r>
+            <a:endParaRPr lang="en-US" dirty="0"/>
+          </a:p>
+        </p:txBody>
+      </p:sp>
+    </p:spTree>
+    <p:extLst>
+      <p:ext uri="{BB962C8B-B14F-4D97-AF65-F5344CB8AC3E}">
+        <p14:creationId xmlns:p14="http://schemas.microsoft.com/office/powerpoint/2010/main" val="2073174591"/>
+      </p:ext>
+    </p:extLst>
+  </p:cSld>
+  <p:clrMapOvr>
+    <a:masterClrMapping/>
+  </p:clrMapOvr>
+  <p:timing>
+    <p:tnLst>
+      <p:par>
+        <p:cTn id="1" dur="indefinite" restart="never" nodeType="tmRoot"/>
+      </p:par>
+    </p:tnLst>
+  </p:timing>
+</p:sld>
+</file>
+
+<file path=ppt/slides/slide29.xml><?xml version="1.0" encoding="utf-8"?>
+<p:sld xmlns:a="http://schemas.openxmlformats.org/drawingml/2006/main" xmlns:r="http://schemas.openxmlformats.org/officeDocument/2006/relationships" xmlns:p="http://schemas.openxmlformats.org/presentationml/2006/main">
+  <p:cSld>
+    <p:spTree>
+      <p:nvGrpSpPr>
+        <p:cNvPr id="1" name=""/>
+        <p:cNvGrpSpPr/>
+        <p:nvPr/>
+      </p:nvGrpSpPr>
+      <p:grpSpPr>
+        <a:xfrm>
+          <a:off x="0" y="0"/>
+          <a:ext cx="0" cy="0"/>
+          <a:chOff x="0" y="0"/>
+          <a:chExt cx="0" cy="0"/>
+        </a:xfrm>
+      </p:grpSpPr>
+      <p:sp>
+        <p:nvSpPr>
+          <p:cNvPr id="2" name="Title 1"/>
+          <p:cNvSpPr>
+            <a:spLocks noGrp="1"/>
+          </p:cNvSpPr>
+          <p:nvPr>
+            <p:ph type="title"/>
+          </p:nvPr>
+        </p:nvSpPr>
+        <p:spPr/>
+        <p:txBody>
+          <a:bodyPr/>
+          <a:lstStyle/>
+          <a:p>
+            <a:r>
+              <a:rPr lang="en-US" dirty="0" smtClean="0"/>
+              <a:t>Security and Validation</a:t>
+            </a:r>
+            <a:endParaRPr lang="en-US" dirty="0"/>
+          </a:p>
+        </p:txBody>
+      </p:sp>
+      <p:sp>
+        <p:nvSpPr>
+          <p:cNvPr id="3" name="Text Placeholder 2"/>
+          <p:cNvSpPr>
+            <a:spLocks noGrp="1"/>
+          </p:cNvSpPr>
+          <p:nvPr>
+            <p:ph type="body" idx="1"/>
+          </p:nvPr>
+        </p:nvSpPr>
+        <p:spPr/>
+        <p:txBody>
+          <a:bodyPr/>
+          <a:lstStyle/>
+          <a:p>
+            <a:r>
+              <a:rPr lang="en-US" dirty="0" smtClean="0"/>
+              <a:t>Lesson 5:</a:t>
+            </a:r>
+            <a:endParaRPr lang="en-US" dirty="0"/>
+          </a:p>
+        </p:txBody>
+      </p:sp>
+    </p:spTree>
+    <p:extLst>
+      <p:ext uri="{BB962C8B-B14F-4D97-AF65-F5344CB8AC3E}">
+        <p14:creationId xmlns:p14="http://schemas.microsoft.com/office/powerpoint/2010/main" val="871361754"/>
       </p:ext>
     </p:extLst>
   </p:cSld>
@@ -7077,6 +9948,262 @@
 </p:sld>
 </file>
 
+<file path=ppt/slides/slide30.xml><?xml version="1.0" encoding="utf-8"?>
+<p:sld xmlns:a="http://schemas.openxmlformats.org/drawingml/2006/main" xmlns:r="http://schemas.openxmlformats.org/officeDocument/2006/relationships" xmlns:p="http://schemas.openxmlformats.org/presentationml/2006/main">
+  <p:cSld>
+    <p:spTree>
+      <p:nvGrpSpPr>
+        <p:cNvPr id="1" name=""/>
+        <p:cNvGrpSpPr/>
+        <p:nvPr/>
+      </p:nvGrpSpPr>
+      <p:grpSpPr>
+        <a:xfrm>
+          <a:off x="0" y="0"/>
+          <a:ext cx="0" cy="0"/>
+          <a:chOff x="0" y="0"/>
+          <a:chExt cx="0" cy="0"/>
+        </a:xfrm>
+      </p:grpSpPr>
+      <p:sp>
+        <p:nvSpPr>
+          <p:cNvPr id="2" name="Title 1"/>
+          <p:cNvSpPr>
+            <a:spLocks noGrp="1"/>
+          </p:cNvSpPr>
+          <p:nvPr>
+            <p:ph type="title"/>
+          </p:nvPr>
+        </p:nvSpPr>
+        <p:spPr/>
+        <p:txBody>
+          <a:bodyPr>
+            <a:normAutofit fontScale="90000"/>
+          </a:bodyPr>
+          <a:lstStyle/>
+          <a:p>
+            <a:r>
+              <a:rPr lang="en-US" dirty="0" smtClean="0"/>
+              <a:t>Use the Principles of </a:t>
+            </a:r>
+            <a:r>
+              <a:rPr lang="en-US" dirty="0" smtClean="0"/>
+              <a:t>Architecture</a:t>
+            </a:r>
+            <a:br>
+              <a:rPr lang="en-US" dirty="0" smtClean="0"/>
+            </a:br>
+            <a:r>
+              <a:rPr lang="en-US" dirty="0" smtClean="0"/>
+              <a:t>You've Learned</a:t>
+            </a:r>
+            <a:endParaRPr lang="en-US" dirty="0"/>
+          </a:p>
+        </p:txBody>
+      </p:sp>
+      <p:sp>
+        <p:nvSpPr>
+          <p:cNvPr id="3" name="Content Placeholder 2"/>
+          <p:cNvSpPr>
+            <a:spLocks noGrp="1"/>
+          </p:cNvSpPr>
+          <p:nvPr>
+            <p:ph idx="1"/>
+          </p:nvPr>
+        </p:nvSpPr>
+        <p:spPr/>
+        <p:txBody>
+          <a:bodyPr/>
+          <a:lstStyle/>
+          <a:p>
+            <a:pPr marL="514350" indent="-514350">
+              <a:buFont typeface="+mj-lt"/>
+              <a:buAutoNum type="arabicPeriod"/>
+            </a:pPr>
+            <a:r>
+              <a:rPr lang="en-US" dirty="0"/>
+              <a:t>SOC</a:t>
+            </a:r>
+          </a:p>
+          <a:p>
+            <a:pPr marL="514350" indent="-514350">
+              <a:buFont typeface="+mj-lt"/>
+              <a:buAutoNum type="arabicPeriod"/>
+            </a:pPr>
+            <a:r>
+              <a:rPr lang="en-US" dirty="0" smtClean="0"/>
+              <a:t>DRY</a:t>
+            </a:r>
+            <a:endParaRPr lang="en-US" dirty="0" smtClean="0"/>
+          </a:p>
+          <a:p>
+            <a:pPr marL="514350" indent="-514350">
+              <a:buFont typeface="+mj-lt"/>
+              <a:buAutoNum type="arabicPeriod"/>
+            </a:pPr>
+            <a:r>
+              <a:rPr lang="en-US" dirty="0" smtClean="0"/>
+              <a:t>YAGNI</a:t>
+            </a:r>
+            <a:endParaRPr lang="en-US" dirty="0" smtClean="0"/>
+          </a:p>
+          <a:p>
+            <a:pPr marL="514350" indent="-514350">
+              <a:buFont typeface="+mj-lt"/>
+              <a:buAutoNum type="arabicPeriod"/>
+            </a:pPr>
+            <a:r>
+              <a:rPr lang="en-US" dirty="0" smtClean="0"/>
+              <a:t>SRP</a:t>
+            </a:r>
+          </a:p>
+          <a:p>
+            <a:pPr marL="514350" indent="-514350">
+              <a:buFont typeface="+mj-lt"/>
+              <a:buAutoNum type="arabicPeriod"/>
+            </a:pPr>
+            <a:r>
+              <a:rPr lang="en-US" dirty="0" err="1" smtClean="0"/>
+              <a:t>LoD</a:t>
+            </a:r>
+            <a:endParaRPr lang="en-US" dirty="0" smtClean="0"/>
+          </a:p>
+          <a:p>
+            <a:pPr marL="514350" indent="-514350">
+              <a:buFont typeface="+mj-lt"/>
+              <a:buAutoNum type="arabicPeriod"/>
+            </a:pPr>
+            <a:endParaRPr lang="en-US" dirty="0"/>
+          </a:p>
+        </p:txBody>
+      </p:sp>
+    </p:spTree>
+    <p:extLst>
+      <p:ext uri="{BB962C8B-B14F-4D97-AF65-F5344CB8AC3E}">
+        <p14:creationId xmlns:p14="http://schemas.microsoft.com/office/powerpoint/2010/main" val="3993008964"/>
+      </p:ext>
+    </p:extLst>
+  </p:cSld>
+  <p:clrMapOvr>
+    <a:masterClrMapping/>
+  </p:clrMapOvr>
+  <p:timing>
+    <p:tnLst>
+      <p:par>
+        <p:cTn id="1" dur="indefinite" restart="never" nodeType="tmRoot"/>
+      </p:par>
+    </p:tnLst>
+  </p:timing>
+</p:sld>
+</file>
+
+<file path=ppt/slides/slide31.xml><?xml version="1.0" encoding="utf-8"?>
+<p:sld xmlns:a="http://schemas.openxmlformats.org/drawingml/2006/main" xmlns:r="http://schemas.openxmlformats.org/officeDocument/2006/relationships" xmlns:p="http://schemas.openxmlformats.org/presentationml/2006/main">
+  <p:cSld>
+    <p:spTree>
+      <p:nvGrpSpPr>
+        <p:cNvPr id="1" name=""/>
+        <p:cNvGrpSpPr/>
+        <p:nvPr/>
+      </p:nvGrpSpPr>
+      <p:grpSpPr>
+        <a:xfrm>
+          <a:off x="0" y="0"/>
+          <a:ext cx="0" cy="0"/>
+          <a:chOff x="0" y="0"/>
+          <a:chExt cx="0" cy="0"/>
+        </a:xfrm>
+      </p:grpSpPr>
+      <p:sp>
+        <p:nvSpPr>
+          <p:cNvPr id="2" name="Title 1"/>
+          <p:cNvSpPr>
+            <a:spLocks noGrp="1"/>
+          </p:cNvSpPr>
+          <p:nvPr>
+            <p:ph type="title"/>
+          </p:nvPr>
+        </p:nvSpPr>
+        <p:spPr/>
+        <p:txBody>
+          <a:bodyPr/>
+          <a:lstStyle/>
+          <a:p>
+            <a:r>
+              <a:rPr lang="en-US" dirty="0" smtClean="0"/>
+              <a:t>Tying it all Together</a:t>
+            </a:r>
+            <a:endParaRPr lang="en-US" dirty="0"/>
+          </a:p>
+        </p:txBody>
+      </p:sp>
+      <p:sp>
+        <p:nvSpPr>
+          <p:cNvPr id="3" name="Content Placeholder 2"/>
+          <p:cNvSpPr>
+            <a:spLocks noGrp="1"/>
+          </p:cNvSpPr>
+          <p:nvPr>
+            <p:ph idx="1"/>
+          </p:nvPr>
+        </p:nvSpPr>
+        <p:spPr/>
+        <p:txBody>
+          <a:bodyPr/>
+          <a:lstStyle/>
+          <a:p>
+            <a:r>
+              <a:rPr lang="en-US" dirty="0" smtClean="0"/>
+              <a:t>File Layout and Configuration</a:t>
+            </a:r>
+          </a:p>
+          <a:p>
+            <a:r>
+              <a:rPr lang="en-US" dirty="0" smtClean="0"/>
+              <a:t>Data Models</a:t>
+            </a:r>
+          </a:p>
+          <a:p>
+            <a:r>
+              <a:rPr lang="en-US" dirty="0" smtClean="0"/>
+              <a:t>Views and Templates</a:t>
+            </a:r>
+          </a:p>
+          <a:p>
+            <a:r>
+              <a:rPr lang="en-US" dirty="0" smtClean="0"/>
+              <a:t>Routing and Controllers</a:t>
+            </a:r>
+          </a:p>
+          <a:p>
+            <a:r>
+              <a:rPr lang="en-US" dirty="0" smtClean="0"/>
+              <a:t>Security and Validation</a:t>
+            </a:r>
+            <a:endParaRPr lang="en-US" dirty="0"/>
+          </a:p>
+        </p:txBody>
+      </p:sp>
+    </p:spTree>
+    <p:extLst>
+      <p:ext uri="{BB962C8B-B14F-4D97-AF65-F5344CB8AC3E}">
+        <p14:creationId xmlns:p14="http://schemas.microsoft.com/office/powerpoint/2010/main" val="1089236965"/>
+      </p:ext>
+    </p:extLst>
+  </p:cSld>
+  <p:clrMapOvr>
+    <a:masterClrMapping/>
+  </p:clrMapOvr>
+  <p:timing>
+    <p:tnLst>
+      <p:par>
+        <p:cTn id="1" dur="indefinite" restart="never" nodeType="tmRoot"/>
+      </p:par>
+    </p:tnLst>
+  </p:timing>
+</p:sld>
+</file>
+
 <file path=ppt/slides/slide4.xml><?xml version="1.0" encoding="utf-8"?>
 <p:sld xmlns:a="http://schemas.openxmlformats.org/drawingml/2006/main" xmlns:r="http://schemas.openxmlformats.org/officeDocument/2006/relationships" xmlns:p="http://schemas.openxmlformats.org/presentationml/2006/main">
   <p:cSld>
@@ -7096,7 +10223,7 @@
       </p:grpSpPr>
       <p:sp>
         <p:nvSpPr>
-          <p:cNvPr id="2" name="Title 1"/>
+          <p:cNvPr id="4" name="Title 3"/>
           <p:cNvSpPr>
             <a:spLocks noGrp="1"/>
           </p:cNvSpPr>
@@ -7111,7 +10238,15 @@
           <a:p>
             <a:r>
               <a:rPr lang="en-US" dirty="0" smtClean="0"/>
-              <a:t>Use the Principles of Architecture</a:t>
+              <a:t>File </a:t>
+            </a:r>
+            <a:r>
+              <a:rPr lang="en-US" dirty="0" err="1" smtClean="0"/>
+              <a:t>LayouT</a:t>
+            </a:r>
+            <a:r>
+              <a:rPr lang="en-US" dirty="0" smtClean="0"/>
+              <a:t> And Organization</a:t>
             </a:r>
             <a:endParaRPr lang="en-US" dirty="0"/>
           </a:p>
@@ -7119,74 +10254,23 @@
       </p:sp>
       <p:sp>
         <p:nvSpPr>
-          <p:cNvPr id="3" name="Content Placeholder 2"/>
-          <p:cNvSpPr>
-            <a:spLocks noGrp="1"/>
-          </p:cNvSpPr>
-          <p:nvPr>
-            <p:ph idx="1"/>
-          </p:nvPr>
-        </p:nvSpPr>
-        <p:spPr/>
-        <p:txBody>
-          <a:bodyPr/>
-          <a:lstStyle/>
-          <a:p>
-            <a:pPr marL="514350" indent="-514350">
-              <a:buFont typeface="+mj-lt"/>
-              <a:buAutoNum type="arabicPeriod"/>
-            </a:pPr>
-            <a:r>
-              <a:rPr lang="en-US" dirty="0" smtClean="0"/>
-              <a:t>DRY</a:t>
-            </a:r>
-          </a:p>
-          <a:p>
-            <a:pPr marL="514350" indent="-514350">
-              <a:buFont typeface="+mj-lt"/>
-              <a:buAutoNum type="arabicPeriod"/>
-            </a:pPr>
-            <a:r>
-              <a:rPr lang="en-US" dirty="0" smtClean="0"/>
-              <a:t>SOC</a:t>
-            </a:r>
-          </a:p>
-          <a:p>
-            <a:pPr marL="514350" indent="-514350">
-              <a:buFont typeface="+mj-lt"/>
-              <a:buAutoNum type="arabicPeriod"/>
-            </a:pPr>
-            <a:r>
-              <a:rPr lang="en-US" dirty="0" smtClean="0"/>
-              <a:t>YAGNI</a:t>
-            </a:r>
-          </a:p>
-          <a:p>
-            <a:pPr marL="514350" indent="-514350">
-              <a:buFont typeface="+mj-lt"/>
-              <a:buAutoNum type="arabicPeriod"/>
-            </a:pPr>
-            <a:r>
-              <a:rPr lang="en-US" dirty="0" smtClean="0"/>
-              <a:t>SRP</a:t>
-            </a:r>
-          </a:p>
-          <a:p>
-            <a:pPr marL="514350" indent="-514350">
-              <a:buFont typeface="+mj-lt"/>
-              <a:buAutoNum type="arabicPeriod"/>
-            </a:pPr>
-            <a:r>
-              <a:rPr lang="en-US" dirty="0" err="1" smtClean="0"/>
-              <a:t>LoD</a:t>
-            </a:r>
-            <a:endParaRPr lang="en-US" dirty="0" smtClean="0"/>
-          </a:p>
-          <a:p>
-            <a:pPr marL="514350" indent="-514350">
-              <a:buFont typeface="+mj-lt"/>
-              <a:buAutoNum type="arabicPeriod"/>
-            </a:pPr>
+          <p:cNvPr id="5" name="Text Placeholder 4"/>
+          <p:cNvSpPr>
+            <a:spLocks noGrp="1"/>
+          </p:cNvSpPr>
+          <p:nvPr>
+            <p:ph type="body" idx="1"/>
+          </p:nvPr>
+        </p:nvSpPr>
+        <p:spPr/>
+        <p:txBody>
+          <a:bodyPr/>
+          <a:lstStyle/>
+          <a:p>
+            <a:r>
+              <a:rPr lang="en-US" dirty="0" smtClean="0"/>
+              <a:t>Lesson 1:</a:t>
+            </a:r>
             <a:endParaRPr lang="en-US" dirty="0"/>
           </a:p>
         </p:txBody>
@@ -7194,7 +10278,7 @@
     </p:spTree>
     <p:extLst>
       <p:ext uri="{BB962C8B-B14F-4D97-AF65-F5344CB8AC3E}">
-        <p14:creationId xmlns:p14="http://schemas.microsoft.com/office/powerpoint/2010/main" val="3993008964"/>
+        <p14:creationId xmlns:p14="http://schemas.microsoft.com/office/powerpoint/2010/main" val="2597539661"/>
       </p:ext>
     </p:extLst>
   </p:cSld>
@@ -7230,7 +10314,7 @@
       </p:grpSpPr>
       <p:sp>
         <p:nvSpPr>
-          <p:cNvPr id="4" name="Title 3"/>
+          <p:cNvPr id="2" name="Title 1"/>
           <p:cNvSpPr>
             <a:spLocks noGrp="1"/>
           </p:cNvSpPr>
@@ -7245,15 +10329,7 @@
           <a:p>
             <a:r>
               <a:rPr lang="en-US" dirty="0" smtClean="0"/>
-              <a:t>File </a:t>
-            </a:r>
-            <a:r>
-              <a:rPr lang="en-US" dirty="0" err="1" smtClean="0"/>
-              <a:t>LayouT</a:t>
-            </a:r>
-            <a:r>
-              <a:rPr lang="en-US" dirty="0" smtClean="0"/>
-              <a:t> And Configuration</a:t>
+              <a:t>Basic Layout</a:t>
             </a:r>
             <a:endParaRPr lang="en-US" dirty="0"/>
           </a:p>
@@ -7261,31 +10337,114 @@
       </p:sp>
       <p:sp>
         <p:nvSpPr>
-          <p:cNvPr id="5" name="Text Placeholder 4"/>
-          <p:cNvSpPr>
-            <a:spLocks noGrp="1"/>
-          </p:cNvSpPr>
-          <p:nvPr>
-            <p:ph type="body" idx="1"/>
-          </p:nvPr>
-        </p:nvSpPr>
-        <p:spPr/>
-        <p:txBody>
-          <a:bodyPr/>
-          <a:lstStyle/>
-          <a:p>
-            <a:r>
-              <a:rPr lang="en-US" dirty="0" smtClean="0"/>
-              <a:t>Lesson 1:</a:t>
-            </a:r>
-            <a:endParaRPr lang="en-US" dirty="0"/>
+          <p:cNvPr id="3" name="Content Placeholder 2"/>
+          <p:cNvSpPr>
+            <a:spLocks noGrp="1"/>
+          </p:cNvSpPr>
+          <p:nvPr>
+            <p:ph idx="1"/>
+          </p:nvPr>
+        </p:nvSpPr>
+        <p:spPr>
+          <a:solidFill>
+            <a:schemeClr val="bg1">
+              <a:lumMod val="85000"/>
+            </a:schemeClr>
+          </a:solidFill>
+          <a:ln>
+            <a:solidFill>
+              <a:schemeClr val="tx1">
+                <a:lumMod val="95000"/>
+                <a:lumOff val="5000"/>
+              </a:schemeClr>
+            </a:solidFill>
+          </a:ln>
+        </p:spPr>
+        <p:txBody>
+          <a:bodyPr/>
+          <a:lstStyle/>
+          <a:p>
+            <a:pPr marL="0" indent="0">
+              <a:buNone/>
+            </a:pPr>
+            <a:r>
+              <a:rPr lang="en-US" dirty="0" smtClean="0">
+                <a:latin typeface="Lucida Console" panose="020B0609040504020204" pitchFamily="49" charset="0"/>
+              </a:rPr>
+              <a:t>/journal</a:t>
+            </a:r>
+          </a:p>
+          <a:p>
+            <a:pPr marL="0" indent="0">
+              <a:buNone/>
+            </a:pPr>
+            <a:r>
+              <a:rPr lang="en-US" dirty="0" smtClean="0">
+                <a:latin typeface="Lucida Console" panose="020B0609040504020204" pitchFamily="49" charset="0"/>
+              </a:rPr>
+              <a:t>/journal/data</a:t>
+            </a:r>
+          </a:p>
+          <a:p>
+            <a:pPr marL="0" indent="0">
+              <a:buNone/>
+            </a:pPr>
+            <a:r>
+              <a:rPr lang="en-US" dirty="0" smtClean="0">
+                <a:latin typeface="Lucida Console" panose="020B0609040504020204" pitchFamily="49" charset="0"/>
+              </a:rPr>
+              <a:t>/journal/</a:t>
+            </a:r>
+            <a:r>
+              <a:rPr lang="en-US" dirty="0" err="1" smtClean="0">
+                <a:latin typeface="Lucida Console" panose="020B0609040504020204" pitchFamily="49" charset="0"/>
+              </a:rPr>
+              <a:t>config</a:t>
+            </a:r>
+            <a:endParaRPr lang="en-US" dirty="0" smtClean="0">
+              <a:latin typeface="Lucida Console" panose="020B0609040504020204" pitchFamily="49" charset="0"/>
+            </a:endParaRPr>
+          </a:p>
+          <a:p>
+            <a:pPr marL="0" indent="0">
+              <a:buNone/>
+            </a:pPr>
+            <a:r>
+              <a:rPr lang="en-US" dirty="0" smtClean="0">
+                <a:latin typeface="Lucida Console" panose="020B0609040504020204" pitchFamily="49" charset="0"/>
+              </a:rPr>
+              <a:t>/journal/</a:t>
+            </a:r>
+            <a:r>
+              <a:rPr lang="en-US" dirty="0" err="1" smtClean="0">
+                <a:latin typeface="Lucida Console" panose="020B0609040504020204" pitchFamily="49" charset="0"/>
+              </a:rPr>
+              <a:t>src</a:t>
+            </a:r>
+            <a:endParaRPr lang="en-US" dirty="0" smtClean="0">
+              <a:latin typeface="Lucida Console" panose="020B0609040504020204" pitchFamily="49" charset="0"/>
+            </a:endParaRPr>
+          </a:p>
+          <a:p>
+            <a:pPr marL="0" indent="0">
+              <a:buNone/>
+            </a:pPr>
+            <a:r>
+              <a:rPr lang="en-US" dirty="0" smtClean="0">
+                <a:latin typeface="Lucida Console" panose="020B0609040504020204" pitchFamily="49" charset="0"/>
+              </a:rPr>
+              <a:t>/journal/public</a:t>
+            </a:r>
+            <a:endParaRPr lang="en-US" dirty="0">
+              <a:latin typeface="Lucida Console" panose="020B0609040504020204" pitchFamily="49" charset="0"/>
+            </a:endParaRPr>
           </a:p>
         </p:txBody>
       </p:sp>
     </p:spTree>
     <p:extLst>
       <p:ext uri="{BB962C8B-B14F-4D97-AF65-F5344CB8AC3E}">
-        <p14:creationId xmlns:p14="http://schemas.microsoft.com/office/powerpoint/2010/main" val="2597539661"/>
+        <p14:creationId xmlns:p14="http://schemas.microsoft.com/office/powerpoint/2010/main" val="3859177764"/>
       </p:ext>
     </p:extLst>
   </p:cSld>
@@ -7321,7 +10480,7 @@
       </p:grpSpPr>
       <p:sp>
         <p:nvSpPr>
-          <p:cNvPr id="2" name="Title 1"/>
+          <p:cNvPr id="4" name="Title 3"/>
           <p:cNvSpPr>
             <a:spLocks noGrp="1"/>
           </p:cNvSpPr>
@@ -7335,123 +10494,83 @@
           <a:lstStyle/>
           <a:p>
             <a:r>
-              <a:rPr lang="en-US" dirty="0" smtClean="0"/>
-              <a:t>Basic Layout</a:t>
+              <a:rPr lang="en-US" dirty="0"/>
+              <a:t>The Document Root</a:t>
+            </a:r>
+          </a:p>
+        </p:txBody>
+      </p:sp>
+      <p:sp>
+        <p:nvSpPr>
+          <p:cNvPr id="5" name="Content Placeholder 4"/>
+          <p:cNvSpPr>
+            <a:spLocks noGrp="1"/>
+          </p:cNvSpPr>
+          <p:nvPr>
+            <p:ph idx="1"/>
+          </p:nvPr>
+        </p:nvSpPr>
+        <p:spPr/>
+        <p:txBody>
+          <a:bodyPr/>
+          <a:lstStyle/>
+          <a:p>
+            <a:r>
+              <a:rPr lang="en-US" dirty="0"/>
+              <a:t>The document root is a directory (a folder) that is stored on your host's servers and that is designated for holding web pages</a:t>
+            </a:r>
+            <a:r>
+              <a:rPr lang="en-US" dirty="0" smtClean="0"/>
+              <a:t>.</a:t>
+            </a:r>
+          </a:p>
+          <a:p>
+            <a:r>
+              <a:rPr lang="en-US" dirty="0" smtClean="0"/>
+              <a:t>For security reasons, ONLY actual files for the user should be present – </a:t>
+            </a:r>
+            <a:r>
+              <a:rPr lang="en-US" dirty="0" err="1" smtClean="0"/>
+              <a:t>css</a:t>
+            </a:r>
+            <a:r>
+              <a:rPr lang="en-US" dirty="0" smtClean="0"/>
+              <a:t>, </a:t>
+            </a:r>
+            <a:r>
+              <a:rPr lang="en-US" dirty="0" err="1" smtClean="0"/>
+              <a:t>js</a:t>
+            </a:r>
+            <a:r>
+              <a:rPr lang="en-US" dirty="0" smtClean="0"/>
+              <a:t>, images</a:t>
+            </a:r>
+            <a:r>
+              <a:rPr lang="en-US" dirty="0" smtClean="0"/>
+              <a:t>, and the PHP files that control logic</a:t>
+            </a:r>
+          </a:p>
+          <a:p>
+            <a:r>
+              <a:rPr lang="en-US" dirty="0" smtClean="0"/>
+              <a:t>Other files (configuration, PHP classes) should be parallel to the </a:t>
+            </a:r>
+            <a:r>
+              <a:rPr lang="en-US" dirty="0" err="1" smtClean="0"/>
+              <a:t>docroot</a:t>
+            </a:r>
+            <a:r>
+              <a:rPr lang="en-US" dirty="0" smtClean="0"/>
+              <a:t> </a:t>
             </a:r>
             <a:endParaRPr lang="en-US" dirty="0"/>
-          </a:p>
-        </p:txBody>
-      </p:sp>
-      <p:sp>
-        <p:nvSpPr>
-          <p:cNvPr id="3" name="Content Placeholder 2"/>
-          <p:cNvSpPr>
-            <a:spLocks noGrp="1"/>
-          </p:cNvSpPr>
-          <p:nvPr>
-            <p:ph idx="1"/>
-          </p:nvPr>
-        </p:nvSpPr>
-        <p:spPr>
-          <a:solidFill>
-            <a:schemeClr val="bg1">
-              <a:lumMod val="85000"/>
-            </a:schemeClr>
-          </a:solidFill>
-          <a:ln>
-            <a:solidFill>
-              <a:schemeClr val="tx1">
-                <a:lumMod val="95000"/>
-                <a:lumOff val="5000"/>
-              </a:schemeClr>
-            </a:solidFill>
-          </a:ln>
-        </p:spPr>
-        <p:txBody>
-          <a:bodyPr/>
-          <a:lstStyle/>
-          <a:p>
-            <a:pPr marL="0" indent="0">
-              <a:buNone/>
-            </a:pPr>
-            <a:r>
-              <a:rPr lang="en-US" dirty="0" smtClean="0">
-                <a:latin typeface="Lucida Console" panose="020B0609040504020204" pitchFamily="49" charset="0"/>
-              </a:rPr>
-              <a:t>/journal</a:t>
-            </a:r>
-          </a:p>
-          <a:p>
-            <a:pPr marL="0" indent="0">
-              <a:buNone/>
-            </a:pPr>
-            <a:r>
-              <a:rPr lang="en-US" dirty="0" smtClean="0">
-                <a:latin typeface="Lucida Console" panose="020B0609040504020204" pitchFamily="49" charset="0"/>
-              </a:rPr>
-              <a:t>/journal/data</a:t>
-            </a:r>
-          </a:p>
-          <a:p>
-            <a:pPr marL="0" indent="0">
-              <a:buNone/>
-            </a:pPr>
-            <a:r>
-              <a:rPr lang="en-US" dirty="0" smtClean="0">
-                <a:latin typeface="Lucida Console" panose="020B0609040504020204" pitchFamily="49" charset="0"/>
-              </a:rPr>
-              <a:t>/journal/</a:t>
-            </a:r>
-            <a:r>
-              <a:rPr lang="en-US" dirty="0" err="1" smtClean="0">
-                <a:latin typeface="Lucida Console" panose="020B0609040504020204" pitchFamily="49" charset="0"/>
-              </a:rPr>
-              <a:t>config</a:t>
-            </a:r>
-            <a:endParaRPr lang="en-US" dirty="0" smtClean="0">
-              <a:latin typeface="Lucida Console" panose="020B0609040504020204" pitchFamily="49" charset="0"/>
-            </a:endParaRPr>
-          </a:p>
-          <a:p>
-            <a:pPr marL="0" indent="0">
-              <a:buNone/>
-            </a:pPr>
-            <a:r>
-              <a:rPr lang="en-US" dirty="0" smtClean="0">
-                <a:latin typeface="Lucida Console" panose="020B0609040504020204" pitchFamily="49" charset="0"/>
-              </a:rPr>
-              <a:t>/journal/</a:t>
-            </a:r>
-            <a:r>
-              <a:rPr lang="en-US" dirty="0" err="1" smtClean="0">
-                <a:latin typeface="Lucida Console" panose="020B0609040504020204" pitchFamily="49" charset="0"/>
-              </a:rPr>
-              <a:t>src</a:t>
-            </a:r>
-            <a:endParaRPr lang="en-US" dirty="0" smtClean="0">
-              <a:latin typeface="Lucida Console" panose="020B0609040504020204" pitchFamily="49" charset="0"/>
-            </a:endParaRPr>
-          </a:p>
-          <a:p>
-            <a:pPr marL="0" indent="0">
-              <a:buNone/>
-            </a:pPr>
-            <a:r>
-              <a:rPr lang="en-US" dirty="0" smtClean="0">
-                <a:latin typeface="Lucida Console" panose="020B0609040504020204" pitchFamily="49" charset="0"/>
-              </a:rPr>
-              <a:t>/journal/public</a:t>
-            </a:r>
-            <a:endParaRPr lang="en-US" dirty="0">
-              <a:latin typeface="Lucida Console" panose="020B0609040504020204" pitchFamily="49" charset="0"/>
-            </a:endParaRPr>
           </a:p>
         </p:txBody>
       </p:sp>
     </p:spTree>
     <p:extLst>
       <p:ext uri="{BB962C8B-B14F-4D97-AF65-F5344CB8AC3E}">
-        <p14:creationId xmlns:p14="http://schemas.microsoft.com/office/powerpoint/2010/main" val="3859177764"/>
+        <p14:creationId xmlns:p14="http://schemas.microsoft.com/office/powerpoint/2010/main" val="4042964221"/>
       </p:ext>
     </p:extLst>
   </p:cSld>
@@ -7487,7 +10606,7 @@
       </p:grpSpPr>
       <p:sp>
         <p:nvSpPr>
-          <p:cNvPr id="4" name="Title 3"/>
+          <p:cNvPr id="2" name="Title 1"/>
           <p:cNvSpPr>
             <a:spLocks noGrp="1"/>
           </p:cNvSpPr>
@@ -7501,15 +10620,16 @@
           <a:lstStyle/>
           <a:p>
             <a:r>
-              <a:rPr lang="en-US" dirty="0"/>
-              <a:t>The Document Root</a:t>
-            </a:r>
-          </a:p>
-        </p:txBody>
-      </p:sp>
-      <p:sp>
-        <p:nvSpPr>
-          <p:cNvPr id="5" name="Content Placeholder 4"/>
+              <a:rPr lang="en-US" dirty="0" smtClean="0"/>
+              <a:t>Web Information</a:t>
+            </a:r>
+            <a:endParaRPr lang="en-US" dirty="0"/>
+          </a:p>
+        </p:txBody>
+      </p:sp>
+      <p:sp>
+        <p:nvSpPr>
+          <p:cNvPr id="3" name="Content Placeholder 2"/>
           <p:cNvSpPr>
             <a:spLocks noGrp="1"/>
           </p:cNvSpPr>
@@ -7517,55 +10637,109 @@
             <p:ph idx="1"/>
           </p:nvPr>
         </p:nvSpPr>
-        <p:spPr/>
-        <p:txBody>
-          <a:bodyPr/>
-          <a:lstStyle/>
-          <a:p>
-            <a:r>
-              <a:rPr lang="en-US" dirty="0"/>
-              <a:t>The document root is a directory (a folder) that is stored on your host's servers and that is designated for holding web pages</a:t>
-            </a:r>
-            <a:r>
-              <a:rPr lang="en-US" dirty="0" smtClean="0"/>
-              <a:t>.</a:t>
-            </a:r>
-          </a:p>
-          <a:p>
-            <a:r>
-              <a:rPr lang="en-US" dirty="0" smtClean="0"/>
-              <a:t>For security reasons, ONLY actual files for the user should be present – </a:t>
-            </a:r>
-            <a:r>
-              <a:rPr lang="en-US" dirty="0" err="1" smtClean="0"/>
+        <p:spPr>
+          <a:solidFill>
+            <a:schemeClr val="bg1">
+              <a:lumMod val="85000"/>
+            </a:schemeClr>
+          </a:solidFill>
+          <a:ln>
+            <a:solidFill>
+              <a:schemeClr val="tx1"/>
+            </a:solidFill>
+          </a:ln>
+        </p:spPr>
+        <p:txBody>
+          <a:bodyPr/>
+          <a:lstStyle/>
+          <a:p>
+            <a:pPr marL="0" indent="0">
+              <a:buNone/>
+            </a:pPr>
+            <a:r>
+              <a:rPr lang="en-US" dirty="0" smtClean="0">
+                <a:latin typeface="Lucida Console" panose="020B0609040504020204" pitchFamily="49" charset="0"/>
+              </a:rPr>
+              <a:t>/public</a:t>
+            </a:r>
+          </a:p>
+          <a:p>
+            <a:pPr marL="0" indent="0">
+              <a:buNone/>
+            </a:pPr>
+            <a:r>
+              <a:rPr lang="en-US" dirty="0" smtClean="0">
+                <a:latin typeface="Lucida Console" panose="020B0609040504020204" pitchFamily="49" charset="0"/>
+              </a:rPr>
+              <a:t>/public/</a:t>
+            </a:r>
+            <a:r>
+              <a:rPr lang="en-US" dirty="0" err="1" smtClean="0">
+                <a:latin typeface="Lucida Console" panose="020B0609040504020204" pitchFamily="49" charset="0"/>
+              </a:rPr>
               <a:t>css</a:t>
             </a:r>
-            <a:r>
-              <a:rPr lang="en-US" dirty="0" smtClean="0"/>
-              <a:t>, images, and the PHP files that control logic</a:t>
-            </a:r>
-          </a:p>
-          <a:p>
-            <a:r>
-              <a:rPr lang="en-US" dirty="0" smtClean="0"/>
-              <a:t>Other files (configuration, PHP classes) should be parallel to the </a:t>
-            </a:r>
-            <a:r>
-              <a:rPr lang="en-US" dirty="0" err="1" smtClean="0"/>
-              <a:t>docroot</a:t>
-            </a:r>
-            <a:r>
-              <a:rPr lang="en-US" dirty="0" smtClean="0"/>
-              <a:t> </a:t>
-            </a:r>
-            <a:endParaRPr lang="en-US" dirty="0"/>
+            <a:endParaRPr lang="en-US" dirty="0" smtClean="0">
+              <a:latin typeface="Lucida Console" panose="020B0609040504020204" pitchFamily="49" charset="0"/>
+            </a:endParaRPr>
+          </a:p>
+          <a:p>
+            <a:pPr marL="0" indent="0">
+              <a:buNone/>
+            </a:pPr>
+            <a:r>
+              <a:rPr lang="en-US" dirty="0" smtClean="0">
+                <a:latin typeface="Lucida Console" panose="020B0609040504020204" pitchFamily="49" charset="0"/>
+              </a:rPr>
+              <a:t>/</a:t>
+            </a:r>
+            <a:r>
+              <a:rPr lang="en-US" dirty="0" smtClean="0">
+                <a:latin typeface="Lucida Console" panose="020B0609040504020204" pitchFamily="49" charset="0"/>
+              </a:rPr>
+              <a:t>public/fonts</a:t>
+            </a:r>
+          </a:p>
+          <a:p>
+            <a:pPr marL="0" indent="0">
+              <a:buNone/>
+            </a:pPr>
+            <a:r>
+              <a:rPr lang="en-US" dirty="0" smtClean="0">
+                <a:latin typeface="Lucida Console" panose="020B0609040504020204" pitchFamily="49" charset="0"/>
+              </a:rPr>
+              <a:t>/public/images</a:t>
+            </a:r>
+            <a:endParaRPr lang="en-US" dirty="0" smtClean="0">
+              <a:latin typeface="Lucida Console" panose="020B0609040504020204" pitchFamily="49" charset="0"/>
+            </a:endParaRPr>
+          </a:p>
+          <a:p>
+            <a:pPr marL="0" indent="0">
+              <a:buNone/>
+            </a:pPr>
+            <a:r>
+              <a:rPr lang="en-US" dirty="0" smtClean="0">
+                <a:latin typeface="Lucida Console" panose="020B0609040504020204" pitchFamily="49" charset="0"/>
+              </a:rPr>
+              <a:t>/public/</a:t>
+            </a:r>
+            <a:r>
+              <a:rPr lang="en-US" dirty="0" err="1" smtClean="0">
+                <a:latin typeface="Lucida Console" panose="020B0609040504020204" pitchFamily="49" charset="0"/>
+              </a:rPr>
+              <a:t>index.php</a:t>
+            </a:r>
+            <a:endParaRPr lang="en-US" dirty="0">
+              <a:latin typeface="Lucida Console" panose="020B0609040504020204" pitchFamily="49" charset="0"/>
+            </a:endParaRPr>
           </a:p>
         </p:txBody>
       </p:sp>
     </p:spTree>
     <p:extLst>
       <p:ext uri="{BB962C8B-B14F-4D97-AF65-F5344CB8AC3E}">
-        <p14:creationId xmlns:p14="http://schemas.microsoft.com/office/powerpoint/2010/main" val="4042964221"/>
+        <p14:creationId xmlns:p14="http://schemas.microsoft.com/office/powerpoint/2010/main" val="3981234040"/>
       </p:ext>
     </p:extLst>
   </p:cSld>
@@ -7616,7 +10790,15 @@
           <a:p>
             <a:r>
               <a:rPr lang="en-US" dirty="0" smtClean="0"/>
-              <a:t>Web Information</a:t>
+              <a:t>Data</a:t>
+            </a:r>
+            <a:r>
+              <a:rPr lang="en-US" dirty="0" smtClean="0"/>
+              <a:t> </a:t>
+            </a:r>
+            <a:r>
+              <a:rPr lang="en-US" dirty="0" smtClean="0"/>
+              <a:t>Information</a:t>
             </a:r>
             <a:endParaRPr lang="en-US" dirty="0"/>
           </a:p>
@@ -7655,24 +10837,7 @@
               <a:rPr lang="en-US" dirty="0" smtClean="0">
                 <a:latin typeface="Lucida Console" panose="020B0609040504020204" pitchFamily="49" charset="0"/>
               </a:rPr>
-              <a:t>/public</a:t>
-            </a:r>
-          </a:p>
-          <a:p>
-            <a:pPr marL="0" indent="0">
-              <a:buNone/>
-            </a:pPr>
-            <a:r>
-              <a:rPr lang="en-US" dirty="0" smtClean="0">
-                <a:latin typeface="Lucida Console" panose="020B0609040504020204" pitchFamily="49" charset="0"/>
-              </a:rPr>
-              <a:t>/public/</a:t>
-            </a:r>
-            <a:r>
-              <a:rPr lang="en-US" dirty="0" err="1" smtClean="0">
-                <a:latin typeface="Lucida Console" panose="020B0609040504020204" pitchFamily="49" charset="0"/>
-              </a:rPr>
-              <a:t>css</a:t>
+              <a:t>/data</a:t>
             </a:r>
             <a:endParaRPr lang="en-US" dirty="0" smtClean="0">
               <a:latin typeface="Lucida Console" panose="020B0609040504020204" pitchFamily="49" charset="0"/>
@@ -7686,7 +10851,7 @@
               <a:rPr lang="en-US" dirty="0" smtClean="0">
                 <a:latin typeface="Lucida Console" panose="020B0609040504020204" pitchFamily="49" charset="0"/>
               </a:rPr>
-              <a:t>/public/images</a:t>
+              <a:t>/data/cache</a:t>
             </a:r>
           </a:p>
           <a:p>
@@ -7697,13 +10862,13 @@
               <a:rPr lang="en-US" dirty="0" smtClean="0">
                 <a:latin typeface="Lucida Console" panose="020B0609040504020204" pitchFamily="49" charset="0"/>
               </a:rPr>
-              <a:t>/public/</a:t>
+              <a:t>/data/</a:t>
             </a:r>
             <a:r>
               <a:rPr lang="en-US" dirty="0" err="1" smtClean="0">
                 <a:latin typeface="Lucida Console" panose="020B0609040504020204" pitchFamily="49" charset="0"/>
               </a:rPr>
-              <a:t>index.php</a:t>
+              <a:t>tmp</a:t>
             </a:r>
             <a:endParaRPr lang="en-US" dirty="0">
               <a:latin typeface="Lucida Console" panose="020B0609040504020204" pitchFamily="49" charset="0"/>
@@ -7714,7 +10879,7 @@
     </p:spTree>
     <p:extLst>
       <p:ext uri="{BB962C8B-B14F-4D97-AF65-F5344CB8AC3E}">
-        <p14:creationId xmlns:p14="http://schemas.microsoft.com/office/powerpoint/2010/main" val="3981234040"/>
+        <p14:creationId xmlns:p14="http://schemas.microsoft.com/office/powerpoint/2010/main" val="1818133257"/>
       </p:ext>
     </p:extLst>
   </p:cSld>
@@ -7765,7 +10930,11 @@
           <a:p>
             <a:r>
               <a:rPr lang="en-US" dirty="0" smtClean="0"/>
-              <a:t>Application Code</a:t>
+              <a:t>Separating Application </a:t>
+            </a:r>
+            <a:r>
+              <a:rPr lang="en-US" dirty="0" smtClean="0"/>
+              <a:t>Code</a:t>
             </a:r>
             <a:endParaRPr lang="en-US" dirty="0"/>
           </a:p>
@@ -7800,7 +10969,19 @@
           <a:p>
             <a:r>
               <a:rPr lang="en-US" dirty="0" smtClean="0"/>
-              <a:t>Data from our DB – our Model</a:t>
+              <a:t>Data </a:t>
+            </a:r>
+            <a:r>
+              <a:rPr lang="en-US" dirty="0" smtClean="0"/>
+              <a:t>rules and reading/writing</a:t>
+            </a:r>
+            <a:r>
+              <a:rPr lang="en-US" dirty="0" smtClean="0"/>
+              <a:t> </a:t>
+            </a:r>
+            <a:r>
+              <a:rPr lang="en-US" dirty="0" smtClean="0"/>
+              <a:t>– our Model</a:t>
             </a:r>
           </a:p>
           <a:p>

--- a/course/4 - Organization and Projects/Organization and Projects.pptx
+++ b/course/4 - Organization and Projects/Organization and Projects.pptx
@@ -5,7 +5,7 @@
     <p:sldMasterId id="2147483648" r:id="rId1"/>
   </p:sldMasterIdLst>
   <p:notesMasterIdLst>
-    <p:notesMasterId r:id="rId33"/>
+    <p:notesMasterId r:id="rId40"/>
   </p:notesMasterIdLst>
   <p:sldIdLst>
     <p:sldId id="256" r:id="rId2"/>
@@ -28,17 +28,24 @@
     <p:sldId id="289" r:id="rId19"/>
     <p:sldId id="290" r:id="rId20"/>
     <p:sldId id="291" r:id="rId21"/>
-    <p:sldId id="263" r:id="rId22"/>
+    <p:sldId id="268" r:id="rId22"/>
     <p:sldId id="264" r:id="rId23"/>
-    <p:sldId id="265" r:id="rId24"/>
-    <p:sldId id="278" r:id="rId25"/>
-    <p:sldId id="268" r:id="rId26"/>
-    <p:sldId id="269" r:id="rId27"/>
-    <p:sldId id="270" r:id="rId28"/>
-    <p:sldId id="271" r:id="rId29"/>
-    <p:sldId id="279" r:id="rId30"/>
-    <p:sldId id="272" r:id="rId31"/>
-    <p:sldId id="262" r:id="rId32"/>
+    <p:sldId id="292" r:id="rId24"/>
+    <p:sldId id="295" r:id="rId25"/>
+    <p:sldId id="278" r:id="rId26"/>
+    <p:sldId id="296" r:id="rId27"/>
+    <p:sldId id="297" r:id="rId28"/>
+    <p:sldId id="265" r:id="rId29"/>
+    <p:sldId id="298" r:id="rId30"/>
+    <p:sldId id="299" r:id="rId31"/>
+    <p:sldId id="294" r:id="rId32"/>
+    <p:sldId id="269" r:id="rId33"/>
+    <p:sldId id="270" r:id="rId34"/>
+    <p:sldId id="271" r:id="rId35"/>
+    <p:sldId id="279" r:id="rId36"/>
+    <p:sldId id="293" r:id="rId37"/>
+    <p:sldId id="272" r:id="rId38"/>
+    <p:sldId id="262" r:id="rId39"/>
   </p:sldIdLst>
   <p:sldSz cx="9144000" cy="6858000" type="screen4x3"/>
   <p:notesSz cx="6858000" cy="9144000"/>
@@ -151,6 +158,20 @@
           </p15:clr>
         </p15:guide>
       </p15:sldGuideLst>
+    </p:ext>
+    <p:ext uri="{2D200454-40CA-4A62-9FC3-DE9A4176ACB9}">
+      <p15:notesGuideLst xmlns:p15="http://schemas.microsoft.com/office/powerpoint/2012/main">
+        <p15:guide id="1" orient="horz" pos="2880" userDrawn="1">
+          <p15:clr>
+            <a:srgbClr val="A4A3A4"/>
+          </p15:clr>
+        </p15:guide>
+        <p15:guide id="2" pos="2160" userDrawn="1">
+          <p15:clr>
+            <a:srgbClr val="A4A3A4"/>
+          </p15:clr>
+        </p15:guide>
+      </p15:notesGuideLst>
     </p:ext>
   </p:extLst>
 </p:presentation>
@@ -1753,15 +1774,7 @@
             </a:r>
             <a:r>
               <a:rPr lang="en-US" baseline="0" dirty="0" smtClean="0"/>
-              <a:t> here is a really simple application we’re </a:t>
-            </a:r>
-            <a:r>
-              <a:rPr lang="en-US" baseline="0" dirty="0" smtClean="0"/>
-              <a:t>been working on writing with pieces from the other sections – we're using all </a:t>
-            </a:r>
-            <a:r>
-              <a:rPr lang="en-US" baseline="0" dirty="0" smtClean="0"/>
-              <a:t>the skills we’ve developed in programming PHP, dealing with the internet, and writing SQL</a:t>
+              <a:t> here is a really simple application we’re been working on writing with pieces from the other sections – we're using all the skills we’ve developed in programming PHP, dealing with the internet, and writing SQL</a:t>
             </a:r>
           </a:p>
           <a:p>
@@ -1976,14 +1989,18 @@
           <a:p>
             <a:r>
               <a:rPr lang="en-US" dirty="0" smtClean="0"/>
-              <a:t>Data</a:t>
+              <a:t>We're going to consolidate</a:t>
             </a:r>
             <a:r>
               <a:rPr lang="en-US" baseline="0" dirty="0" smtClean="0"/>
-              <a:t> models – if you group all of your data together into classes – you’ll find it’s much easier to change and manipulate the way your data works</a:t>
-            </a:r>
-          </a:p>
-          <a:p>
+              <a:t> our data model information</a:t>
+            </a:r>
+          </a:p>
+          <a:p>
+            <a:r>
+              <a:rPr lang="en-US" baseline="0" dirty="0" smtClean="0"/>
+              <a:t>and tie it into our validation</a:t>
+            </a:r>
             <a:endParaRPr lang="en-US" dirty="0"/>
           </a:p>
         </p:txBody>
@@ -2174,8 +2191,49 @@
           <a:p>
             <a:r>
               <a:rPr lang="en-US" dirty="0" smtClean="0"/>
-              <a:t>So we’re creating two models – each with some very very basic information about our application</a:t>
-            </a:r>
+              <a:t>Our reasons for extending</a:t>
+            </a:r>
+            <a:r>
+              <a:rPr lang="en-US" baseline="0" dirty="0" smtClean="0"/>
+              <a:t> PDO are pretty simple, we want to control the construction of the </a:t>
+            </a:r>
+            <a:r>
+              <a:rPr lang="en-US" baseline="0" dirty="0" err="1" smtClean="0"/>
+              <a:t>dsn</a:t>
+            </a:r>
+            <a:r>
+              <a:rPr lang="en-US" baseline="0" dirty="0" smtClean="0"/>
+              <a:t>, and also </a:t>
+            </a:r>
+          </a:p>
+          <a:p>
+            <a:r>
+              <a:rPr lang="en-US" baseline="0" dirty="0" smtClean="0"/>
+              <a:t>we like to control </a:t>
+            </a:r>
+            <a:r>
+              <a:rPr lang="en-US" baseline="0" dirty="0" err="1" smtClean="0"/>
+              <a:t>pdo</a:t>
+            </a:r>
+            <a:endParaRPr lang="en-US" baseline="0" dirty="0" smtClean="0"/>
+          </a:p>
+          <a:p>
+            <a:endParaRPr lang="en-US" baseline="0" dirty="0" smtClean="0"/>
+          </a:p>
+          <a:p>
+            <a:r>
+              <a:rPr lang="en-US" baseline="0" dirty="0" smtClean="0"/>
+              <a:t>since by default PDO doesn't actually give you errors</a:t>
+            </a:r>
+            <a:endParaRPr lang="en-US" baseline="0" dirty="0" smtClean="0"/>
+          </a:p>
+          <a:p>
+            <a:endParaRPr lang="en-US" baseline="0" dirty="0" smtClean="0"/>
+          </a:p>
+          <a:p>
+            <a:endParaRPr lang="en-US" baseline="0" dirty="0" smtClean="0"/>
+          </a:p>
+          <a:p>
             <a:endParaRPr lang="en-US" dirty="0"/>
           </a:p>
         </p:txBody>
@@ -2206,7 +2264,7 @@
     </p:spTree>
     <p:extLst>
       <p:ext uri="{BB962C8B-B14F-4D97-AF65-F5344CB8AC3E}">
-        <p14:creationId xmlns:p14="http://schemas.microsoft.com/office/powerpoint/2010/main" val="1399912607"/>
+        <p14:creationId xmlns:p14="http://schemas.microsoft.com/office/powerpoint/2010/main" val="646826593"/>
       </p:ext>
     </p:extLst>
   </p:cSld>
@@ -2262,24 +2320,27 @@
           <a:p>
             <a:r>
               <a:rPr lang="en-US" dirty="0" smtClean="0"/>
-              <a:t>PHP</a:t>
+              <a:t>So we want to be injecting</a:t>
             </a:r>
             <a:r>
               <a:rPr lang="en-US" baseline="0" dirty="0" smtClean="0"/>
-              <a:t> is a template language – there’s no reason to make things complex</a:t>
+              <a:t> this – because PDO connects automatically and we only need one connection for a request</a:t>
             </a:r>
           </a:p>
           <a:p>
             <a:r>
               <a:rPr lang="en-US" baseline="0" dirty="0" smtClean="0"/>
-              <a:t>although this is sometimes called “views” the concept is similar</a:t>
-            </a:r>
-          </a:p>
-          <a:p>
-            <a:r>
-              <a:rPr lang="en-US" baseline="0" dirty="0" smtClean="0"/>
-              <a:t>you have a file with placeholders that you want to fill with data before output</a:t>
-            </a:r>
+              <a:t>ideally we would "lazy" connect but that's a bit beyond this code yet</a:t>
+            </a:r>
+            <a:endParaRPr lang="en-US" baseline="0" dirty="0" smtClean="0"/>
+          </a:p>
+          <a:p>
+            <a:endParaRPr lang="en-US" baseline="0" dirty="0" smtClean="0"/>
+          </a:p>
+          <a:p>
+            <a:endParaRPr lang="en-US" baseline="0" dirty="0" smtClean="0"/>
+          </a:p>
+          <a:p>
             <a:endParaRPr lang="en-US" dirty="0"/>
           </a:p>
         </p:txBody>
@@ -2301,7 +2362,7 @@
           <a:p>
             <a:fld id="{418E688B-F764-3946-880A-E9595C7985CE}" type="slidenum">
               <a:rPr lang="en-US" smtClean="0"/>
-              <a:t>25</a:t>
+              <a:t>24</a:t>
             </a:fld>
             <a:endParaRPr lang="en-US"/>
           </a:p>
@@ -2310,7 +2371,7 @@
     </p:spTree>
     <p:extLst>
       <p:ext uri="{BB962C8B-B14F-4D97-AF65-F5344CB8AC3E}">
-        <p14:creationId xmlns:p14="http://schemas.microsoft.com/office/powerpoint/2010/main" val="1921267855"/>
+        <p14:creationId xmlns:p14="http://schemas.microsoft.com/office/powerpoint/2010/main" val="2947554492"/>
       </p:ext>
     </p:extLst>
   </p:cSld>
@@ -2366,37 +2427,37 @@
           <a:p>
             <a:r>
               <a:rPr lang="en-US" dirty="0" smtClean="0"/>
-              <a:t>We have a very simple template class</a:t>
-            </a:r>
-          </a:p>
-          <a:p>
-            <a:r>
-              <a:rPr lang="en-US" dirty="0" smtClean="0"/>
-              <a:t>we</a:t>
+              <a:t>So we've already done some of this – we have</a:t>
             </a:r>
             <a:r>
               <a:rPr lang="en-US" baseline="0" dirty="0" smtClean="0"/>
-              <a:t> need to be able to give it a template (</a:t>
+              <a:t> classes that are consolidating all our </a:t>
             </a:r>
             <a:r>
               <a:rPr lang="en-US" baseline="0" dirty="0" err="1" smtClean="0"/>
-              <a:t>flename</a:t>
+              <a:t>sql</a:t>
             </a:r>
             <a:r>
               <a:rPr lang="en-US" baseline="0" dirty="0" smtClean="0"/>
-              <a:t>) to generate</a:t>
+              <a:t> queries into helpful things like</a:t>
             </a:r>
           </a:p>
           <a:p>
             <a:r>
               <a:rPr lang="en-US" baseline="0" dirty="0" smtClean="0"/>
-              <a:t>we need to be able to give it data to insert into the template</a:t>
-            </a:r>
-          </a:p>
-          <a:p>
+              <a:t>get, </a:t>
+            </a:r>
+            <a:r>
+              <a:rPr lang="en-US" baseline="0" dirty="0" err="1" smtClean="0"/>
+              <a:t>getAll</a:t>
+            </a:r>
             <a:r>
               <a:rPr lang="en-US" baseline="0" dirty="0" smtClean="0"/>
-              <a:t>we need to have some helper functionality for things like escaping our output</a:t>
+              <a:t>, update, insert, delete, </a:t>
+            </a:r>
+            <a:r>
+              <a:rPr lang="en-US" baseline="0" dirty="0" err="1" smtClean="0"/>
+              <a:t>etc</a:t>
             </a:r>
             <a:endParaRPr lang="en-US" dirty="0"/>
           </a:p>
@@ -2419,7 +2480,7 @@
           <a:p>
             <a:fld id="{418E688B-F764-3946-880A-E9595C7985CE}" type="slidenum">
               <a:rPr lang="en-US" smtClean="0"/>
-              <a:t>26</a:t>
+              <a:t>25</a:t>
             </a:fld>
             <a:endParaRPr lang="en-US"/>
           </a:p>
@@ -2428,7 +2489,7 @@
     </p:spTree>
     <p:extLst>
       <p:ext uri="{BB962C8B-B14F-4D97-AF65-F5344CB8AC3E}">
-        <p14:creationId xmlns:p14="http://schemas.microsoft.com/office/powerpoint/2010/main" val="1658409535"/>
+        <p14:creationId xmlns:p14="http://schemas.microsoft.com/office/powerpoint/2010/main" val="1326390826"/>
       </p:ext>
     </p:extLst>
   </p:cSld>
@@ -2483,13 +2544,38 @@
           <a:lstStyle/>
           <a:p>
             <a:r>
-              <a:rPr lang="en-US" dirty="0" smtClean="0"/>
-              <a:t>snippets</a:t>
-            </a:r>
-            <a:r>
               <a:rPr lang="en-US" baseline="0" dirty="0" smtClean="0"/>
-              <a:t> of html</a:t>
-            </a:r>
+              <a:t>This will create an object of user with the properties from whatever is fetched from user</a:t>
+            </a:r>
+          </a:p>
+          <a:p>
+            <a:r>
+              <a:rPr lang="en-US" baseline="0" dirty="0" smtClean="0"/>
+              <a:t>this is a neat trick of </a:t>
+            </a:r>
+            <a:r>
+              <a:rPr lang="en-US" baseline="0" dirty="0" err="1" smtClean="0"/>
+              <a:t>pdo</a:t>
+            </a:r>
+            <a:r>
+              <a:rPr lang="en-US" baseline="0" dirty="0" smtClean="0"/>
+              <a:t> – you should read the manual about fetch modes</a:t>
+            </a:r>
+          </a:p>
+          <a:p>
+            <a:endParaRPr lang="en-US" baseline="0" dirty="0" smtClean="0"/>
+          </a:p>
+          <a:p>
+            <a:r>
+              <a:rPr lang="en-US" baseline="0" dirty="0" smtClean="0"/>
+              <a:t>note that the properties will be populated before the constructor is call, unless you use a specific fetch mode, but usually you don't care</a:t>
+            </a:r>
+            <a:endParaRPr lang="en-US" baseline="0" dirty="0" smtClean="0"/>
+          </a:p>
+          <a:p>
+            <a:endParaRPr lang="en-US" baseline="0" dirty="0" smtClean="0"/>
+          </a:p>
+          <a:p>
             <a:endParaRPr lang="en-US" dirty="0"/>
           </a:p>
         </p:txBody>
@@ -2511,7 +2597,7 @@
           <a:p>
             <a:fld id="{418E688B-F764-3946-880A-E9595C7985CE}" type="slidenum">
               <a:rPr lang="en-US" smtClean="0"/>
-              <a:t>27</a:t>
+              <a:t>26</a:t>
             </a:fld>
             <a:endParaRPr lang="en-US"/>
           </a:p>
@@ -2520,7 +2606,7 @@
     </p:spTree>
     <p:extLst>
       <p:ext uri="{BB962C8B-B14F-4D97-AF65-F5344CB8AC3E}">
-        <p14:creationId xmlns:p14="http://schemas.microsoft.com/office/powerpoint/2010/main" val="3420582633"/>
+        <p14:creationId xmlns:p14="http://schemas.microsoft.com/office/powerpoint/2010/main" val="2608506470"/>
       </p:ext>
     </p:extLst>
   </p:cSld>
@@ -2575,24 +2661,8 @@
           <a:lstStyle/>
           <a:p>
             <a:r>
-              <a:rPr lang="en-US" dirty="0" smtClean="0"/>
-              <a:t>PHP</a:t>
-            </a:r>
-            <a:r>
               <a:rPr lang="en-US" baseline="0" dirty="0" smtClean="0"/>
-              <a:t> is a template language – there’s no reason to make things complex</a:t>
-            </a:r>
-          </a:p>
-          <a:p>
-            <a:r>
-              <a:rPr lang="en-US" baseline="0" dirty="0" smtClean="0"/>
-              <a:t>although this is sometimes called “views” the concept is similar</a:t>
-            </a:r>
-          </a:p>
-          <a:p>
-            <a:r>
-              <a:rPr lang="en-US" baseline="0" dirty="0" smtClean="0"/>
-              <a:t>you have a file with placeholders that you want to fill with data before output</a:t>
+              <a:t>You can also instruct multiple rows to be fetched with a specific fetch mode as you iterate through them, this is another neat feature</a:t>
             </a:r>
             <a:endParaRPr lang="en-US" dirty="0"/>
           </a:p>
@@ -2615,7 +2685,7 @@
           <a:p>
             <a:fld id="{418E688B-F764-3946-880A-E9595C7985CE}" type="slidenum">
               <a:rPr lang="en-US" smtClean="0"/>
-              <a:t>28</a:t>
+              <a:t>27</a:t>
             </a:fld>
             <a:endParaRPr lang="en-US"/>
           </a:p>
@@ -2624,7 +2694,7 @@
     </p:spTree>
     <p:extLst>
       <p:ext uri="{BB962C8B-B14F-4D97-AF65-F5344CB8AC3E}">
-        <p14:creationId xmlns:p14="http://schemas.microsoft.com/office/powerpoint/2010/main" val="1921267855"/>
+        <p14:creationId xmlns:p14="http://schemas.microsoft.com/office/powerpoint/2010/main" val="2369469174"/>
       </p:ext>
     </p:extLst>
   </p:cSld>
@@ -2678,6 +2748,18 @@
           <a:bodyPr/>
           <a:lstStyle/>
           <a:p>
+            <a:r>
+              <a:rPr lang="en-US" dirty="0" smtClean="0"/>
+              <a:t>So</a:t>
+            </a:r>
+            <a:r>
+              <a:rPr lang="en-US" baseline="0" dirty="0" smtClean="0"/>
+              <a:t> we have these two models that we've created in </a:t>
+            </a:r>
+            <a:r>
+              <a:rPr lang="en-US" baseline="0" dirty="0" err="1" smtClean="0"/>
+              <a:t>sql</a:t>
+            </a:r>
             <a:endParaRPr lang="en-US" dirty="0"/>
           </a:p>
         </p:txBody>
@@ -2699,7 +2781,7 @@
           <a:p>
             <a:fld id="{418E688B-F764-3946-880A-E9595C7985CE}" type="slidenum">
               <a:rPr lang="en-US" smtClean="0"/>
-              <a:t>29</a:t>
+              <a:t>28</a:t>
             </a:fld>
             <a:endParaRPr lang="en-US"/>
           </a:p>
@@ -2708,7 +2790,7 @@
     </p:spTree>
     <p:extLst>
       <p:ext uri="{BB962C8B-B14F-4D97-AF65-F5344CB8AC3E}">
-        <p14:creationId xmlns:p14="http://schemas.microsoft.com/office/powerpoint/2010/main" val="2479793429"/>
+        <p14:creationId xmlns:p14="http://schemas.microsoft.com/office/powerpoint/2010/main" val="1399912607"/>
       </p:ext>
     </p:extLst>
   </p:cSld>
@@ -2763,101 +2845,29 @@
           <a:lstStyle/>
           <a:p>
             <a:r>
-              <a:rPr lang="en-US" dirty="0" smtClean="0"/>
-              <a:t>These</a:t>
-            </a:r>
-            <a:r>
               <a:rPr lang="en-US" baseline="0" dirty="0" smtClean="0"/>
-              <a:t> are 5 of the most important principles in laying out and designing a project.  We're going go use each of these things as a demonstration in how to lay things out</a:t>
+              <a:t>So our user object will define what items are necessary for a user</a:t>
             </a:r>
           </a:p>
           <a:p>
             <a:r>
               <a:rPr lang="en-US" baseline="0" dirty="0" smtClean="0"/>
-              <a:t>because these are best displayed by example</a:t>
-            </a:r>
-          </a:p>
-          <a:p>
-            <a:endParaRPr lang="en-US" baseline="0" dirty="0" smtClean="0"/>
+              <a:t>An object is preferable to an array because you can lock down the necessary information</a:t>
+            </a:r>
           </a:p>
           <a:p>
             <a:r>
               <a:rPr lang="en-US" baseline="0" dirty="0" smtClean="0"/>
-              <a:t>But hilariously enough like most things in software development we have silly acronyms for them all</a:t>
-            </a:r>
-          </a:p>
-          <a:p>
-            <a:endParaRPr lang="en-US" baseline="0" dirty="0" smtClean="0"/>
-          </a:p>
-          <a:p>
-            <a:r>
-              <a:rPr lang="en-US" dirty="0" smtClean="0"/>
-              <a:t>The DRY principle is stated as “Every piece of knowledge must have a single, unambiguous, authoritative representation within a system.” – don't repeat yourself (use the "rule</a:t>
+              <a:t>otherwise you're doing a lot of </a:t>
+            </a:r>
+            <a:r>
+              <a:rPr lang="en-US" baseline="0" dirty="0" err="1" smtClean="0"/>
+              <a:t>isset</a:t>
             </a:r>
             <a:r>
               <a:rPr lang="en-US" baseline="0" dirty="0" smtClean="0"/>
-              <a:t> of three")</a:t>
-            </a:r>
-            <a:endParaRPr lang="en-US" dirty="0" smtClean="0"/>
-          </a:p>
-          <a:p>
-            <a:r>
-              <a:rPr lang="en-US" dirty="0" smtClean="0"/>
-              <a:t>Separation</a:t>
-            </a:r>
-            <a:r>
-              <a:rPr lang="en-US" baseline="0" dirty="0" smtClean="0"/>
-              <a:t> of concerns  Modularity, and hence separation of concerns, is achieved by encapsulating information inside a section of code that has a well-defined interface</a:t>
-            </a:r>
-          </a:p>
-          <a:p>
-            <a:r>
-              <a:rPr lang="en-US" baseline="0" dirty="0" err="1" smtClean="0"/>
-              <a:t>yagni</a:t>
-            </a:r>
-            <a:r>
-              <a:rPr lang="en-US" baseline="0" dirty="0" smtClean="0"/>
-              <a:t> is "you </a:t>
-            </a:r>
-            <a:r>
-              <a:rPr lang="en-US" baseline="0" dirty="0" err="1" smtClean="0"/>
-              <a:t>ain't</a:t>
-            </a:r>
-            <a:r>
-              <a:rPr lang="en-US" baseline="0" dirty="0" smtClean="0"/>
-              <a:t> </a:t>
-            </a:r>
-            <a:r>
-              <a:rPr lang="en-US" baseline="0" dirty="0" err="1" smtClean="0"/>
-              <a:t>gonna</a:t>
-            </a:r>
-            <a:r>
-              <a:rPr lang="en-US" baseline="0" dirty="0" smtClean="0"/>
-              <a:t> need it") – minimize what you design upfront until </a:t>
-            </a:r>
-            <a:r>
-              <a:rPr lang="en-US" baseline="0" dirty="0" err="1" smtClean="0"/>
-              <a:t>ou</a:t>
-            </a:r>
-            <a:r>
-              <a:rPr lang="en-US" baseline="0" dirty="0" smtClean="0"/>
-              <a:t> need it</a:t>
-            </a:r>
-          </a:p>
-          <a:p>
-            <a:r>
-              <a:rPr lang="en-US" baseline="0" dirty="0" smtClean="0"/>
-              <a:t>single responsibility principle – each component or module has one job (one feature, one bit of functionality, or one aggregate of functionality)</a:t>
-            </a:r>
-          </a:p>
-          <a:p>
-            <a:r>
-              <a:rPr lang="en-US" baseline="0" dirty="0" smtClean="0"/>
-              <a:t>LOD – law of Demeter – principle of least knowledge – each object shouldn't know about internal details of another object</a:t>
-            </a:r>
-            <a:endParaRPr lang="en-US" dirty="0" smtClean="0"/>
-          </a:p>
-          <a:p>
+              <a:t> checks</a:t>
+            </a:r>
             <a:endParaRPr lang="en-US" dirty="0"/>
           </a:p>
         </p:txBody>
@@ -2879,7 +2889,7 @@
           <a:p>
             <a:fld id="{418E688B-F764-3946-880A-E9595C7985CE}" type="slidenum">
               <a:rPr lang="en-US" smtClean="0"/>
-              <a:t>30</a:t>
+              <a:t>29</a:t>
             </a:fld>
             <a:endParaRPr lang="en-US"/>
           </a:p>
@@ -2888,7 +2898,7 @@
     </p:spTree>
     <p:extLst>
       <p:ext uri="{BB962C8B-B14F-4D97-AF65-F5344CB8AC3E}">
-        <p14:creationId xmlns:p14="http://schemas.microsoft.com/office/powerpoint/2010/main" val="2677762798"/>
+        <p14:creationId xmlns:p14="http://schemas.microsoft.com/office/powerpoint/2010/main" val="3999752024"/>
       </p:ext>
     </p:extLst>
   </p:cSld>
@@ -3062,18 +3072,122 @@
           <a:lstStyle/>
           <a:p>
             <a:r>
+              <a:rPr lang="en-US" dirty="0" smtClean="0"/>
+              <a:t>If</a:t>
+            </a:r>
+            <a:r>
               <a:rPr lang="en-US" baseline="0" dirty="0" smtClean="0"/>
-              <a:t>And now we have a working application!</a:t>
-            </a:r>
-          </a:p>
-          <a:p>
-            <a:endParaRPr lang="en-US" baseline="0" dirty="0" smtClean="0"/>
-          </a:p>
-          <a:p>
+              <a:t> you link your validation methods directly to the data, this also allows you to change your data definition and keep your validation linked together </a:t>
+            </a:r>
+            <a:r>
+              <a:rPr lang="en-US" baseline="0" smtClean="0"/>
+              <a:t>with it</a:t>
+            </a:r>
+            <a:endParaRPr lang="en-US" dirty="0"/>
+          </a:p>
+        </p:txBody>
+      </p:sp>
+      <p:sp>
+        <p:nvSpPr>
+          <p:cNvPr id="4" name="Slide Number Placeholder 3"/>
+          <p:cNvSpPr>
+            <a:spLocks noGrp="1"/>
+          </p:cNvSpPr>
+          <p:nvPr>
+            <p:ph type="sldNum" sz="quarter" idx="10"/>
+          </p:nvPr>
+        </p:nvSpPr>
+        <p:spPr/>
+        <p:txBody>
+          <a:bodyPr/>
+          <a:lstStyle/>
+          <a:p>
+            <a:fld id="{418E688B-F764-3946-880A-E9595C7985CE}" type="slidenum">
+              <a:rPr lang="en-US" smtClean="0"/>
+              <a:t>30</a:t>
+            </a:fld>
+            <a:endParaRPr lang="en-US"/>
+          </a:p>
+        </p:txBody>
+      </p:sp>
+    </p:spTree>
+    <p:extLst>
+      <p:ext uri="{BB962C8B-B14F-4D97-AF65-F5344CB8AC3E}">
+        <p14:creationId xmlns:p14="http://schemas.microsoft.com/office/powerpoint/2010/main" val="1838342998"/>
+      </p:ext>
+    </p:extLst>
+  </p:cSld>
+  <p:clrMapOvr>
+    <a:masterClrMapping/>
+  </p:clrMapOvr>
+</p:notes>
+</file>
+
+<file path=ppt/notesSlides/notesSlide31.xml><?xml version="1.0" encoding="utf-8"?>
+<p:notes xmlns:a="http://schemas.openxmlformats.org/drawingml/2006/main" xmlns:r="http://schemas.openxmlformats.org/officeDocument/2006/relationships" xmlns:p="http://schemas.openxmlformats.org/presentationml/2006/main">
+  <p:cSld>
+    <p:spTree>
+      <p:nvGrpSpPr>
+        <p:cNvPr id="1" name=""/>
+        <p:cNvGrpSpPr/>
+        <p:nvPr/>
+      </p:nvGrpSpPr>
+      <p:grpSpPr>
+        <a:xfrm>
+          <a:off x="0" y="0"/>
+          <a:ext cx="0" cy="0"/>
+          <a:chOff x="0" y="0"/>
+          <a:chExt cx="0" cy="0"/>
+        </a:xfrm>
+      </p:grpSpPr>
+      <p:sp>
+        <p:nvSpPr>
+          <p:cNvPr id="2" name="Slide Image Placeholder 1"/>
+          <p:cNvSpPr>
+            <a:spLocks noGrp="1" noRot="1" noChangeAspect="1"/>
+          </p:cNvSpPr>
+          <p:nvPr>
+            <p:ph type="sldImg"/>
+          </p:nvPr>
+        </p:nvSpPr>
+        <p:spPr/>
+      </p:sp>
+      <p:sp>
+        <p:nvSpPr>
+          <p:cNvPr id="3" name="Notes Placeholder 2"/>
+          <p:cNvSpPr>
+            <a:spLocks noGrp="1"/>
+          </p:cNvSpPr>
+          <p:nvPr>
+            <p:ph type="body" idx="1"/>
+          </p:nvPr>
+        </p:nvSpPr>
+        <p:spPr/>
+        <p:txBody>
+          <a:bodyPr/>
+          <a:lstStyle/>
+          <a:p>
+            <a:r>
+              <a:rPr lang="en-US" dirty="0" smtClean="0"/>
+              <a:t>PHP</a:t>
+            </a:r>
             <a:r>
               <a:rPr lang="en-US" baseline="0" dirty="0" smtClean="0"/>
-              <a:t>What can you think of that you'd add to that application?</a:t>
-            </a:r>
+              <a:t> is a template language – there’s no reason to make things complex</a:t>
+            </a:r>
+          </a:p>
+          <a:p>
+            <a:r>
+              <a:rPr lang="en-US" baseline="0" dirty="0" smtClean="0"/>
+              <a:t>although this is sometimes called “views” the concept is similar</a:t>
+            </a:r>
+          </a:p>
+          <a:p>
+            <a:r>
+              <a:rPr lang="en-US" baseline="0" dirty="0" smtClean="0"/>
+              <a:t>you have a file with placeholders that you want to fill with data before output</a:t>
+            </a:r>
+            <a:endParaRPr lang="en-US" dirty="0"/>
           </a:p>
         </p:txBody>
       </p:sp>
@@ -3095,6 +3209,782 @@
             <a:fld id="{418E688B-F764-3946-880A-E9595C7985CE}" type="slidenum">
               <a:rPr lang="en-US" smtClean="0"/>
               <a:t>31</a:t>
+            </a:fld>
+            <a:endParaRPr lang="en-US"/>
+          </a:p>
+        </p:txBody>
+      </p:sp>
+    </p:spTree>
+    <p:extLst>
+      <p:ext uri="{BB962C8B-B14F-4D97-AF65-F5344CB8AC3E}">
+        <p14:creationId xmlns:p14="http://schemas.microsoft.com/office/powerpoint/2010/main" val="2750146725"/>
+      </p:ext>
+    </p:extLst>
+  </p:cSld>
+  <p:clrMapOvr>
+    <a:masterClrMapping/>
+  </p:clrMapOvr>
+</p:notes>
+</file>
+
+<file path=ppt/notesSlides/notesSlide32.xml><?xml version="1.0" encoding="utf-8"?>
+<p:notes xmlns:a="http://schemas.openxmlformats.org/drawingml/2006/main" xmlns:r="http://schemas.openxmlformats.org/officeDocument/2006/relationships" xmlns:p="http://schemas.openxmlformats.org/presentationml/2006/main">
+  <p:cSld>
+    <p:spTree>
+      <p:nvGrpSpPr>
+        <p:cNvPr id="1" name=""/>
+        <p:cNvGrpSpPr/>
+        <p:nvPr/>
+      </p:nvGrpSpPr>
+      <p:grpSpPr>
+        <a:xfrm>
+          <a:off x="0" y="0"/>
+          <a:ext cx="0" cy="0"/>
+          <a:chOff x="0" y="0"/>
+          <a:chExt cx="0" cy="0"/>
+        </a:xfrm>
+      </p:grpSpPr>
+      <p:sp>
+        <p:nvSpPr>
+          <p:cNvPr id="2" name="Slide Image Placeholder 1"/>
+          <p:cNvSpPr>
+            <a:spLocks noGrp="1" noRot="1" noChangeAspect="1"/>
+          </p:cNvSpPr>
+          <p:nvPr>
+            <p:ph type="sldImg"/>
+          </p:nvPr>
+        </p:nvSpPr>
+        <p:spPr/>
+      </p:sp>
+      <p:sp>
+        <p:nvSpPr>
+          <p:cNvPr id="3" name="Notes Placeholder 2"/>
+          <p:cNvSpPr>
+            <a:spLocks noGrp="1"/>
+          </p:cNvSpPr>
+          <p:nvPr>
+            <p:ph type="body" idx="1"/>
+          </p:nvPr>
+        </p:nvSpPr>
+        <p:spPr/>
+        <p:txBody>
+          <a:bodyPr/>
+          <a:lstStyle/>
+          <a:p>
+            <a:r>
+              <a:rPr lang="en-US" dirty="0" smtClean="0"/>
+              <a:t>We have a very simple template class</a:t>
+            </a:r>
+          </a:p>
+          <a:p>
+            <a:r>
+              <a:rPr lang="en-US" dirty="0" smtClean="0"/>
+              <a:t>we</a:t>
+            </a:r>
+            <a:r>
+              <a:rPr lang="en-US" baseline="0" dirty="0" smtClean="0"/>
+              <a:t> need to be able to give it a template (</a:t>
+            </a:r>
+            <a:r>
+              <a:rPr lang="en-US" baseline="0" dirty="0" err="1" smtClean="0"/>
+              <a:t>flename</a:t>
+            </a:r>
+            <a:r>
+              <a:rPr lang="en-US" baseline="0" dirty="0" smtClean="0"/>
+              <a:t>) to generate</a:t>
+            </a:r>
+          </a:p>
+          <a:p>
+            <a:r>
+              <a:rPr lang="en-US" baseline="0" dirty="0" smtClean="0"/>
+              <a:t>we need to be able to give it data to insert into the template</a:t>
+            </a:r>
+          </a:p>
+          <a:p>
+            <a:r>
+              <a:rPr lang="en-US" baseline="0" dirty="0" smtClean="0"/>
+              <a:t>we need to have some helper functionality for things like escaping our output</a:t>
+            </a:r>
+            <a:endParaRPr lang="en-US" dirty="0"/>
+          </a:p>
+        </p:txBody>
+      </p:sp>
+      <p:sp>
+        <p:nvSpPr>
+          <p:cNvPr id="4" name="Slide Number Placeholder 3"/>
+          <p:cNvSpPr>
+            <a:spLocks noGrp="1"/>
+          </p:cNvSpPr>
+          <p:nvPr>
+            <p:ph type="sldNum" sz="quarter" idx="10"/>
+          </p:nvPr>
+        </p:nvSpPr>
+        <p:spPr/>
+        <p:txBody>
+          <a:bodyPr/>
+          <a:lstStyle/>
+          <a:p>
+            <a:fld id="{418E688B-F764-3946-880A-E9595C7985CE}" type="slidenum">
+              <a:rPr lang="en-US" smtClean="0"/>
+              <a:t>32</a:t>
+            </a:fld>
+            <a:endParaRPr lang="en-US"/>
+          </a:p>
+        </p:txBody>
+      </p:sp>
+    </p:spTree>
+    <p:extLst>
+      <p:ext uri="{BB962C8B-B14F-4D97-AF65-F5344CB8AC3E}">
+        <p14:creationId xmlns:p14="http://schemas.microsoft.com/office/powerpoint/2010/main" val="1658409535"/>
+      </p:ext>
+    </p:extLst>
+  </p:cSld>
+  <p:clrMapOvr>
+    <a:masterClrMapping/>
+  </p:clrMapOvr>
+</p:notes>
+</file>
+
+<file path=ppt/notesSlides/notesSlide33.xml><?xml version="1.0" encoding="utf-8"?>
+<p:notes xmlns:a="http://schemas.openxmlformats.org/drawingml/2006/main" xmlns:r="http://schemas.openxmlformats.org/officeDocument/2006/relationships" xmlns:p="http://schemas.openxmlformats.org/presentationml/2006/main">
+  <p:cSld>
+    <p:spTree>
+      <p:nvGrpSpPr>
+        <p:cNvPr id="1" name=""/>
+        <p:cNvGrpSpPr/>
+        <p:nvPr/>
+      </p:nvGrpSpPr>
+      <p:grpSpPr>
+        <a:xfrm>
+          <a:off x="0" y="0"/>
+          <a:ext cx="0" cy="0"/>
+          <a:chOff x="0" y="0"/>
+          <a:chExt cx="0" cy="0"/>
+        </a:xfrm>
+      </p:grpSpPr>
+      <p:sp>
+        <p:nvSpPr>
+          <p:cNvPr id="2" name="Slide Image Placeholder 1"/>
+          <p:cNvSpPr>
+            <a:spLocks noGrp="1" noRot="1" noChangeAspect="1"/>
+          </p:cNvSpPr>
+          <p:nvPr>
+            <p:ph type="sldImg"/>
+          </p:nvPr>
+        </p:nvSpPr>
+        <p:spPr/>
+      </p:sp>
+      <p:sp>
+        <p:nvSpPr>
+          <p:cNvPr id="3" name="Notes Placeholder 2"/>
+          <p:cNvSpPr>
+            <a:spLocks noGrp="1"/>
+          </p:cNvSpPr>
+          <p:nvPr>
+            <p:ph type="body" idx="1"/>
+          </p:nvPr>
+        </p:nvSpPr>
+        <p:spPr/>
+        <p:txBody>
+          <a:bodyPr/>
+          <a:lstStyle/>
+          <a:p>
+            <a:r>
+              <a:rPr lang="en-US" dirty="0" smtClean="0"/>
+              <a:t>snippets</a:t>
+            </a:r>
+            <a:r>
+              <a:rPr lang="en-US" baseline="0" dirty="0" smtClean="0"/>
+              <a:t> of html</a:t>
+            </a:r>
+            <a:endParaRPr lang="en-US" dirty="0"/>
+          </a:p>
+        </p:txBody>
+      </p:sp>
+      <p:sp>
+        <p:nvSpPr>
+          <p:cNvPr id="4" name="Slide Number Placeholder 3"/>
+          <p:cNvSpPr>
+            <a:spLocks noGrp="1"/>
+          </p:cNvSpPr>
+          <p:nvPr>
+            <p:ph type="sldNum" sz="quarter" idx="10"/>
+          </p:nvPr>
+        </p:nvSpPr>
+        <p:spPr/>
+        <p:txBody>
+          <a:bodyPr/>
+          <a:lstStyle/>
+          <a:p>
+            <a:fld id="{418E688B-F764-3946-880A-E9595C7985CE}" type="slidenum">
+              <a:rPr lang="en-US" smtClean="0"/>
+              <a:t>33</a:t>
+            </a:fld>
+            <a:endParaRPr lang="en-US"/>
+          </a:p>
+        </p:txBody>
+      </p:sp>
+    </p:spTree>
+    <p:extLst>
+      <p:ext uri="{BB962C8B-B14F-4D97-AF65-F5344CB8AC3E}">
+        <p14:creationId xmlns:p14="http://schemas.microsoft.com/office/powerpoint/2010/main" val="3420582633"/>
+      </p:ext>
+    </p:extLst>
+  </p:cSld>
+  <p:clrMapOvr>
+    <a:masterClrMapping/>
+  </p:clrMapOvr>
+</p:notes>
+</file>
+
+<file path=ppt/notesSlides/notesSlide34.xml><?xml version="1.0" encoding="utf-8"?>
+<p:notes xmlns:a="http://schemas.openxmlformats.org/drawingml/2006/main" xmlns:r="http://schemas.openxmlformats.org/officeDocument/2006/relationships" xmlns:p="http://schemas.openxmlformats.org/presentationml/2006/main">
+  <p:cSld>
+    <p:spTree>
+      <p:nvGrpSpPr>
+        <p:cNvPr id="1" name=""/>
+        <p:cNvGrpSpPr/>
+        <p:nvPr/>
+      </p:nvGrpSpPr>
+      <p:grpSpPr>
+        <a:xfrm>
+          <a:off x="0" y="0"/>
+          <a:ext cx="0" cy="0"/>
+          <a:chOff x="0" y="0"/>
+          <a:chExt cx="0" cy="0"/>
+        </a:xfrm>
+      </p:grpSpPr>
+      <p:sp>
+        <p:nvSpPr>
+          <p:cNvPr id="2" name="Slide Image Placeholder 1"/>
+          <p:cNvSpPr>
+            <a:spLocks noGrp="1" noRot="1" noChangeAspect="1"/>
+          </p:cNvSpPr>
+          <p:nvPr>
+            <p:ph type="sldImg"/>
+          </p:nvPr>
+        </p:nvSpPr>
+        <p:spPr/>
+      </p:sp>
+      <p:sp>
+        <p:nvSpPr>
+          <p:cNvPr id="3" name="Notes Placeholder 2"/>
+          <p:cNvSpPr>
+            <a:spLocks noGrp="1"/>
+          </p:cNvSpPr>
+          <p:nvPr>
+            <p:ph type="body" idx="1"/>
+          </p:nvPr>
+        </p:nvSpPr>
+        <p:spPr/>
+        <p:txBody>
+          <a:bodyPr/>
+          <a:lstStyle/>
+          <a:p>
+            <a:r>
+              <a:rPr lang="en-US" dirty="0" smtClean="0"/>
+              <a:t>PHP</a:t>
+            </a:r>
+            <a:r>
+              <a:rPr lang="en-US" baseline="0" dirty="0" smtClean="0"/>
+              <a:t> is a template language – there’s no reason to make things complex</a:t>
+            </a:r>
+          </a:p>
+          <a:p>
+            <a:r>
+              <a:rPr lang="en-US" baseline="0" dirty="0" smtClean="0"/>
+              <a:t>although this is sometimes called “views” the concept is similar</a:t>
+            </a:r>
+          </a:p>
+          <a:p>
+            <a:r>
+              <a:rPr lang="en-US" baseline="0" dirty="0" smtClean="0"/>
+              <a:t>you have a file with placeholders that you want to fill with data before output</a:t>
+            </a:r>
+            <a:endParaRPr lang="en-US" dirty="0"/>
+          </a:p>
+        </p:txBody>
+      </p:sp>
+      <p:sp>
+        <p:nvSpPr>
+          <p:cNvPr id="4" name="Slide Number Placeholder 3"/>
+          <p:cNvSpPr>
+            <a:spLocks noGrp="1"/>
+          </p:cNvSpPr>
+          <p:nvPr>
+            <p:ph type="sldNum" sz="quarter" idx="10"/>
+          </p:nvPr>
+        </p:nvSpPr>
+        <p:spPr/>
+        <p:txBody>
+          <a:bodyPr/>
+          <a:lstStyle/>
+          <a:p>
+            <a:fld id="{418E688B-F764-3946-880A-E9595C7985CE}" type="slidenum">
+              <a:rPr lang="en-US" smtClean="0"/>
+              <a:t>34</a:t>
+            </a:fld>
+            <a:endParaRPr lang="en-US"/>
+          </a:p>
+        </p:txBody>
+      </p:sp>
+    </p:spTree>
+    <p:extLst>
+      <p:ext uri="{BB962C8B-B14F-4D97-AF65-F5344CB8AC3E}">
+        <p14:creationId xmlns:p14="http://schemas.microsoft.com/office/powerpoint/2010/main" val="1921267855"/>
+      </p:ext>
+    </p:extLst>
+  </p:cSld>
+  <p:clrMapOvr>
+    <a:masterClrMapping/>
+  </p:clrMapOvr>
+</p:notes>
+</file>
+
+<file path=ppt/notesSlides/notesSlide35.xml><?xml version="1.0" encoding="utf-8"?>
+<p:notes xmlns:a="http://schemas.openxmlformats.org/drawingml/2006/main" xmlns:r="http://schemas.openxmlformats.org/officeDocument/2006/relationships" xmlns:p="http://schemas.openxmlformats.org/presentationml/2006/main">
+  <p:cSld>
+    <p:spTree>
+      <p:nvGrpSpPr>
+        <p:cNvPr id="1" name=""/>
+        <p:cNvGrpSpPr/>
+        <p:nvPr/>
+      </p:nvGrpSpPr>
+      <p:grpSpPr>
+        <a:xfrm>
+          <a:off x="0" y="0"/>
+          <a:ext cx="0" cy="0"/>
+          <a:chOff x="0" y="0"/>
+          <a:chExt cx="0" cy="0"/>
+        </a:xfrm>
+      </p:grpSpPr>
+      <p:sp>
+        <p:nvSpPr>
+          <p:cNvPr id="2" name="Slide Image Placeholder 1"/>
+          <p:cNvSpPr>
+            <a:spLocks noGrp="1" noRot="1" noChangeAspect="1"/>
+          </p:cNvSpPr>
+          <p:nvPr>
+            <p:ph type="sldImg"/>
+          </p:nvPr>
+        </p:nvSpPr>
+        <p:spPr/>
+      </p:sp>
+      <p:sp>
+        <p:nvSpPr>
+          <p:cNvPr id="3" name="Notes Placeholder 2"/>
+          <p:cNvSpPr>
+            <a:spLocks noGrp="1"/>
+          </p:cNvSpPr>
+          <p:nvPr>
+            <p:ph type="body" idx="1"/>
+          </p:nvPr>
+        </p:nvSpPr>
+        <p:spPr/>
+        <p:txBody>
+          <a:bodyPr/>
+          <a:lstStyle/>
+          <a:p>
+            <a:endParaRPr lang="en-US" dirty="0"/>
+          </a:p>
+        </p:txBody>
+      </p:sp>
+      <p:sp>
+        <p:nvSpPr>
+          <p:cNvPr id="4" name="Slide Number Placeholder 3"/>
+          <p:cNvSpPr>
+            <a:spLocks noGrp="1"/>
+          </p:cNvSpPr>
+          <p:nvPr>
+            <p:ph type="sldNum" sz="quarter" idx="10"/>
+          </p:nvPr>
+        </p:nvSpPr>
+        <p:spPr/>
+        <p:txBody>
+          <a:bodyPr/>
+          <a:lstStyle/>
+          <a:p>
+            <a:fld id="{418E688B-F764-3946-880A-E9595C7985CE}" type="slidenum">
+              <a:rPr lang="en-US" smtClean="0"/>
+              <a:t>35</a:t>
+            </a:fld>
+            <a:endParaRPr lang="en-US"/>
+          </a:p>
+        </p:txBody>
+      </p:sp>
+    </p:spTree>
+    <p:extLst>
+      <p:ext uri="{BB962C8B-B14F-4D97-AF65-F5344CB8AC3E}">
+        <p14:creationId xmlns:p14="http://schemas.microsoft.com/office/powerpoint/2010/main" val="2479793429"/>
+      </p:ext>
+    </p:extLst>
+  </p:cSld>
+  <p:clrMapOvr>
+    <a:masterClrMapping/>
+  </p:clrMapOvr>
+</p:notes>
+</file>
+
+<file path=ppt/notesSlides/notesSlide36.xml><?xml version="1.0" encoding="utf-8"?>
+<p:notes xmlns:a="http://schemas.openxmlformats.org/drawingml/2006/main" xmlns:r="http://schemas.openxmlformats.org/officeDocument/2006/relationships" xmlns:p="http://schemas.openxmlformats.org/presentationml/2006/main">
+  <p:cSld>
+    <p:spTree>
+      <p:nvGrpSpPr>
+        <p:cNvPr id="1" name=""/>
+        <p:cNvGrpSpPr/>
+        <p:nvPr/>
+      </p:nvGrpSpPr>
+      <p:grpSpPr>
+        <a:xfrm>
+          <a:off x="0" y="0"/>
+          <a:ext cx="0" cy="0"/>
+          <a:chOff x="0" y="0"/>
+          <a:chExt cx="0" cy="0"/>
+        </a:xfrm>
+      </p:grpSpPr>
+      <p:sp>
+        <p:nvSpPr>
+          <p:cNvPr id="2" name="Slide Image Placeholder 1"/>
+          <p:cNvSpPr>
+            <a:spLocks noGrp="1" noRot="1" noChangeAspect="1"/>
+          </p:cNvSpPr>
+          <p:nvPr>
+            <p:ph type="sldImg"/>
+          </p:nvPr>
+        </p:nvSpPr>
+        <p:spPr/>
+      </p:sp>
+      <p:sp>
+        <p:nvSpPr>
+          <p:cNvPr id="3" name="Notes Placeholder 2"/>
+          <p:cNvSpPr>
+            <a:spLocks noGrp="1"/>
+          </p:cNvSpPr>
+          <p:nvPr>
+            <p:ph type="body" idx="1"/>
+          </p:nvPr>
+        </p:nvSpPr>
+        <p:spPr/>
+        <p:txBody>
+          <a:bodyPr/>
+          <a:lstStyle/>
+          <a:p>
+            <a:r>
+              <a:rPr lang="en-US" dirty="0" smtClean="0"/>
+              <a:t>So where do we go from here?</a:t>
+            </a:r>
+          </a:p>
+          <a:p>
+            <a:r>
+              <a:rPr lang="en-US" dirty="0" smtClean="0"/>
+              <a:t>We have a working application</a:t>
+            </a:r>
+          </a:p>
+          <a:p>
+            <a:r>
+              <a:rPr lang="en-US" dirty="0" smtClean="0"/>
+              <a:t>We</a:t>
+            </a:r>
+            <a:r>
+              <a:rPr lang="en-US" baseline="0" dirty="0" smtClean="0"/>
+              <a:t> understand the basics of working with PHP code</a:t>
+            </a:r>
+          </a:p>
+          <a:p>
+            <a:r>
+              <a:rPr lang="en-US" baseline="0" dirty="0" smtClean="0"/>
+              <a:t>But there's still so much more to learn</a:t>
+            </a:r>
+            <a:endParaRPr lang="en-US" dirty="0"/>
+          </a:p>
+        </p:txBody>
+      </p:sp>
+      <p:sp>
+        <p:nvSpPr>
+          <p:cNvPr id="4" name="Slide Number Placeholder 3"/>
+          <p:cNvSpPr>
+            <a:spLocks noGrp="1"/>
+          </p:cNvSpPr>
+          <p:nvPr>
+            <p:ph type="sldNum" sz="quarter" idx="10"/>
+          </p:nvPr>
+        </p:nvSpPr>
+        <p:spPr/>
+        <p:txBody>
+          <a:bodyPr/>
+          <a:lstStyle/>
+          <a:p>
+            <a:fld id="{418E688B-F764-3946-880A-E9595C7985CE}" type="slidenum">
+              <a:rPr lang="en-US" smtClean="0"/>
+              <a:t>36</a:t>
+            </a:fld>
+            <a:endParaRPr lang="en-US"/>
+          </a:p>
+        </p:txBody>
+      </p:sp>
+    </p:spTree>
+    <p:extLst>
+      <p:ext uri="{BB962C8B-B14F-4D97-AF65-F5344CB8AC3E}">
+        <p14:creationId xmlns:p14="http://schemas.microsoft.com/office/powerpoint/2010/main" val="1929863814"/>
+      </p:ext>
+    </p:extLst>
+  </p:cSld>
+  <p:clrMapOvr>
+    <a:masterClrMapping/>
+  </p:clrMapOvr>
+</p:notes>
+</file>
+
+<file path=ppt/notesSlides/notesSlide37.xml><?xml version="1.0" encoding="utf-8"?>
+<p:notes xmlns:a="http://schemas.openxmlformats.org/drawingml/2006/main" xmlns:r="http://schemas.openxmlformats.org/officeDocument/2006/relationships" xmlns:p="http://schemas.openxmlformats.org/presentationml/2006/main">
+  <p:cSld>
+    <p:spTree>
+      <p:nvGrpSpPr>
+        <p:cNvPr id="1" name=""/>
+        <p:cNvGrpSpPr/>
+        <p:nvPr/>
+      </p:nvGrpSpPr>
+      <p:grpSpPr>
+        <a:xfrm>
+          <a:off x="0" y="0"/>
+          <a:ext cx="0" cy="0"/>
+          <a:chOff x="0" y="0"/>
+          <a:chExt cx="0" cy="0"/>
+        </a:xfrm>
+      </p:grpSpPr>
+      <p:sp>
+        <p:nvSpPr>
+          <p:cNvPr id="2" name="Slide Image Placeholder 1"/>
+          <p:cNvSpPr>
+            <a:spLocks noGrp="1" noRot="1" noChangeAspect="1"/>
+          </p:cNvSpPr>
+          <p:nvPr>
+            <p:ph type="sldImg"/>
+          </p:nvPr>
+        </p:nvSpPr>
+        <p:spPr/>
+      </p:sp>
+      <p:sp>
+        <p:nvSpPr>
+          <p:cNvPr id="3" name="Notes Placeholder 2"/>
+          <p:cNvSpPr>
+            <a:spLocks noGrp="1"/>
+          </p:cNvSpPr>
+          <p:nvPr>
+            <p:ph type="body" idx="1"/>
+          </p:nvPr>
+        </p:nvSpPr>
+        <p:spPr/>
+        <p:txBody>
+          <a:bodyPr/>
+          <a:lstStyle/>
+          <a:p>
+            <a:r>
+              <a:rPr lang="en-US" dirty="0" smtClean="0"/>
+              <a:t>These</a:t>
+            </a:r>
+            <a:r>
+              <a:rPr lang="en-US" baseline="0" dirty="0" smtClean="0"/>
+              <a:t> are 5 of the most important principles in laying out and designing a project.  We're going go use each of these things as a demonstration in how to lay things out</a:t>
+            </a:r>
+          </a:p>
+          <a:p>
+            <a:r>
+              <a:rPr lang="en-US" baseline="0" dirty="0" smtClean="0"/>
+              <a:t>because these are best displayed by example</a:t>
+            </a:r>
+          </a:p>
+          <a:p>
+            <a:endParaRPr lang="en-US" baseline="0" dirty="0" smtClean="0"/>
+          </a:p>
+          <a:p>
+            <a:r>
+              <a:rPr lang="en-US" baseline="0" dirty="0" smtClean="0"/>
+              <a:t>But hilariously enough like most things in software development we have silly acronyms for them all</a:t>
+            </a:r>
+          </a:p>
+          <a:p>
+            <a:endParaRPr lang="en-US" baseline="0" dirty="0" smtClean="0"/>
+          </a:p>
+          <a:p>
+            <a:r>
+              <a:rPr lang="en-US" dirty="0" smtClean="0"/>
+              <a:t>The DRY principle is stated as “Every piece of knowledge must have a single, unambiguous, authoritative representation within a system.” – don't repeat yourself (use the "rule</a:t>
+            </a:r>
+            <a:r>
+              <a:rPr lang="en-US" baseline="0" dirty="0" smtClean="0"/>
+              <a:t> of three")</a:t>
+            </a:r>
+            <a:endParaRPr lang="en-US" dirty="0" smtClean="0"/>
+          </a:p>
+          <a:p>
+            <a:r>
+              <a:rPr lang="en-US" dirty="0" smtClean="0"/>
+              <a:t>Separation</a:t>
+            </a:r>
+            <a:r>
+              <a:rPr lang="en-US" baseline="0" dirty="0" smtClean="0"/>
+              <a:t> of concerns  Modularity, and hence separation of concerns, is achieved by encapsulating information inside a section of code that has a well-defined interface</a:t>
+            </a:r>
+          </a:p>
+          <a:p>
+            <a:r>
+              <a:rPr lang="en-US" baseline="0" dirty="0" err="1" smtClean="0"/>
+              <a:t>yagni</a:t>
+            </a:r>
+            <a:r>
+              <a:rPr lang="en-US" baseline="0" dirty="0" smtClean="0"/>
+              <a:t> is "you </a:t>
+            </a:r>
+            <a:r>
+              <a:rPr lang="en-US" baseline="0" dirty="0" err="1" smtClean="0"/>
+              <a:t>ain't</a:t>
+            </a:r>
+            <a:r>
+              <a:rPr lang="en-US" baseline="0" dirty="0" smtClean="0"/>
+              <a:t> </a:t>
+            </a:r>
+            <a:r>
+              <a:rPr lang="en-US" baseline="0" dirty="0" err="1" smtClean="0"/>
+              <a:t>gonna</a:t>
+            </a:r>
+            <a:r>
+              <a:rPr lang="en-US" baseline="0" dirty="0" smtClean="0"/>
+              <a:t> need it") – minimize what you design upfront until </a:t>
+            </a:r>
+            <a:r>
+              <a:rPr lang="en-US" baseline="0" dirty="0" smtClean="0"/>
+              <a:t>you </a:t>
+            </a:r>
+            <a:r>
+              <a:rPr lang="en-US" baseline="0" dirty="0" smtClean="0"/>
+              <a:t>need it</a:t>
+            </a:r>
+          </a:p>
+          <a:p>
+            <a:r>
+              <a:rPr lang="en-US" baseline="0" dirty="0" smtClean="0"/>
+              <a:t>single responsibility principle – each component or module has one job (one feature, one bit of functionality, or one aggregate of functionality)</a:t>
+            </a:r>
+          </a:p>
+          <a:p>
+            <a:r>
+              <a:rPr lang="en-US" baseline="0" dirty="0" smtClean="0"/>
+              <a:t>LOD – law of Demeter – principle of least knowledge – each object shouldn't know about internal details of another object</a:t>
+            </a:r>
+            <a:endParaRPr lang="en-US" dirty="0" smtClean="0"/>
+          </a:p>
+          <a:p>
+            <a:endParaRPr lang="en-US" dirty="0"/>
+          </a:p>
+        </p:txBody>
+      </p:sp>
+      <p:sp>
+        <p:nvSpPr>
+          <p:cNvPr id="4" name="Slide Number Placeholder 3"/>
+          <p:cNvSpPr>
+            <a:spLocks noGrp="1"/>
+          </p:cNvSpPr>
+          <p:nvPr>
+            <p:ph type="sldNum" sz="quarter" idx="10"/>
+          </p:nvPr>
+        </p:nvSpPr>
+        <p:spPr/>
+        <p:txBody>
+          <a:bodyPr/>
+          <a:lstStyle/>
+          <a:p>
+            <a:fld id="{418E688B-F764-3946-880A-E9595C7985CE}" type="slidenum">
+              <a:rPr lang="en-US" smtClean="0"/>
+              <a:t>37</a:t>
+            </a:fld>
+            <a:endParaRPr lang="en-US"/>
+          </a:p>
+        </p:txBody>
+      </p:sp>
+    </p:spTree>
+    <p:extLst>
+      <p:ext uri="{BB962C8B-B14F-4D97-AF65-F5344CB8AC3E}">
+        <p14:creationId xmlns:p14="http://schemas.microsoft.com/office/powerpoint/2010/main" val="2677762798"/>
+      </p:ext>
+    </p:extLst>
+  </p:cSld>
+  <p:clrMapOvr>
+    <a:masterClrMapping/>
+  </p:clrMapOvr>
+</p:notes>
+</file>
+
+<file path=ppt/notesSlides/notesSlide38.xml><?xml version="1.0" encoding="utf-8"?>
+<p:notes xmlns:a="http://schemas.openxmlformats.org/drawingml/2006/main" xmlns:r="http://schemas.openxmlformats.org/officeDocument/2006/relationships" xmlns:p="http://schemas.openxmlformats.org/presentationml/2006/main">
+  <p:cSld>
+    <p:spTree>
+      <p:nvGrpSpPr>
+        <p:cNvPr id="1" name=""/>
+        <p:cNvGrpSpPr/>
+        <p:nvPr/>
+      </p:nvGrpSpPr>
+      <p:grpSpPr>
+        <a:xfrm>
+          <a:off x="0" y="0"/>
+          <a:ext cx="0" cy="0"/>
+          <a:chOff x="0" y="0"/>
+          <a:chExt cx="0" cy="0"/>
+        </a:xfrm>
+      </p:grpSpPr>
+      <p:sp>
+        <p:nvSpPr>
+          <p:cNvPr id="2" name="Slide Image Placeholder 1"/>
+          <p:cNvSpPr>
+            <a:spLocks noGrp="1" noRot="1" noChangeAspect="1"/>
+          </p:cNvSpPr>
+          <p:nvPr>
+            <p:ph type="sldImg"/>
+          </p:nvPr>
+        </p:nvSpPr>
+        <p:spPr/>
+      </p:sp>
+      <p:sp>
+        <p:nvSpPr>
+          <p:cNvPr id="3" name="Notes Placeholder 2"/>
+          <p:cNvSpPr>
+            <a:spLocks noGrp="1"/>
+          </p:cNvSpPr>
+          <p:nvPr>
+            <p:ph type="body" idx="1"/>
+          </p:nvPr>
+        </p:nvSpPr>
+        <p:spPr/>
+        <p:txBody>
+          <a:bodyPr/>
+          <a:lstStyle/>
+          <a:p>
+            <a:r>
+              <a:rPr lang="en-US" baseline="0" dirty="0" smtClean="0"/>
+              <a:t>Now we aren't quite ready for a two day workshop for this, but here are a list of things you should look into</a:t>
+            </a:r>
+            <a:endParaRPr lang="en-US" baseline="0" dirty="0" smtClean="0"/>
+          </a:p>
+        </p:txBody>
+      </p:sp>
+      <p:sp>
+        <p:nvSpPr>
+          <p:cNvPr id="4" name="Slide Number Placeholder 3"/>
+          <p:cNvSpPr>
+            <a:spLocks noGrp="1"/>
+          </p:cNvSpPr>
+          <p:nvPr>
+            <p:ph type="sldNum" sz="quarter" idx="10"/>
+          </p:nvPr>
+        </p:nvSpPr>
+        <p:spPr/>
+        <p:txBody>
+          <a:bodyPr/>
+          <a:lstStyle/>
+          <a:p>
+            <a:fld id="{418E688B-F764-3946-880A-E9595C7985CE}" type="slidenum">
+              <a:rPr lang="en-US" smtClean="0"/>
+              <a:t>38</a:t>
             </a:fld>
             <a:endParaRPr lang="en-US"/>
           </a:p>
@@ -3163,17 +4053,8 @@
             </a:r>
             <a:r>
               <a:rPr lang="en-US" baseline="0" dirty="0" smtClean="0"/>
-              <a:t> </a:t>
-            </a:r>
-            <a:r>
-              <a:rPr lang="en-US" baseline="0" dirty="0" smtClean="0"/>
-              <a:t>we’ll start with the most basic thing of all – how do we organize this stuff on disc</a:t>
-            </a:r>
-            <a:r>
-              <a:rPr lang="en-US" baseline="0" dirty="0" smtClean="0"/>
-              <a:t>?</a:t>
-            </a:r>
-            <a:endParaRPr lang="en-US" baseline="0" dirty="0" smtClean="0"/>
+              <a:t> we’ll start with the most basic thing of all – how do we organize this stuff on disc?</a:t>
+            </a:r>
           </a:p>
           <a:p>
             <a:r>
@@ -3513,11 +4394,7 @@
           <a:p>
             <a:r>
               <a:rPr lang="en-US" baseline="0" dirty="0" smtClean="0"/>
-              <a:t>if you're doing hosting somewhere you ALWAYS need to know what this </a:t>
-            </a:r>
-            <a:r>
-              <a:rPr lang="en-US" baseline="0" dirty="0" smtClean="0"/>
-              <a:t>is</a:t>
+              <a:t>if you're doing hosting somewhere you ALWAYS need to know what this is</a:t>
             </a:r>
           </a:p>
           <a:p>
@@ -3537,7 +4414,6 @@
               <a:rPr lang="en-US" baseline="0" dirty="0" smtClean="0"/>
               <a:t>For the built in server it's controlled by the –t flag</a:t>
             </a:r>
-            <a:endParaRPr lang="en-US" baseline="0" dirty="0" smtClean="0"/>
           </a:p>
           <a:p>
             <a:endParaRPr lang="en-US" dirty="0"/>
@@ -3664,13 +4540,8 @@
           <a:p>
             <a:r>
               <a:rPr lang="en-US" baseline="0" dirty="0" smtClean="0"/>
-              <a:t>for this, we will need to pass a –t </a:t>
-            </a:r>
-            <a:r>
-              <a:rPr lang="en-US" baseline="0" dirty="0" smtClean="0"/>
-              <a:t>argument</a:t>
-            </a:r>
-            <a:endParaRPr lang="en-US" baseline="0" dirty="0" smtClean="0"/>
+              <a:t>for this, we will need to pass a –t argument</a:t>
+            </a:r>
           </a:p>
         </p:txBody>
       </p:sp>
@@ -7053,9 +7924,6 @@
               </a:rPr>
               <a:t>/Journal/Model</a:t>
             </a:r>
-            <a:endParaRPr lang="en-US" dirty="0" smtClean="0">
-              <a:latin typeface="Lucida Console" panose="020B0609040504020204" pitchFamily="49" charset="0"/>
-            </a:endParaRPr>
           </a:p>
           <a:p>
             <a:pPr marL="0" indent="0">
@@ -7079,9 +7947,6 @@
               </a:rPr>
               <a:t>/Journal/View</a:t>
             </a:r>
-            <a:endParaRPr lang="en-US" dirty="0" smtClean="0">
-              <a:latin typeface="Lucida Console" panose="020B0609040504020204" pitchFamily="49" charset="0"/>
-            </a:endParaRPr>
           </a:p>
           <a:p>
             <a:pPr marL="0" indent="0">
@@ -7105,9 +7970,6 @@
               </a:rPr>
               <a:t>/Journal/Controller</a:t>
             </a:r>
-            <a:endParaRPr lang="en-US" dirty="0" smtClean="0">
-              <a:latin typeface="Lucida Console" panose="020B0609040504020204" pitchFamily="49" charset="0"/>
-            </a:endParaRPr>
           </a:p>
         </p:txBody>
       </p:sp>
@@ -7188,11 +8050,7 @@
           <a:p>
             <a:r>
               <a:rPr lang="en-US" dirty="0" smtClean="0"/>
-              <a:t>Information that might </a:t>
-            </a:r>
-            <a:r>
-              <a:rPr lang="en-US" dirty="0" smtClean="0"/>
-              <a:t>change</a:t>
+              <a:t>Information that might change</a:t>
             </a:r>
           </a:p>
           <a:p>
@@ -7206,7 +8064,6 @@
               <a:rPr lang="en-US" dirty="0" smtClean="0"/>
               <a:t>Specific settings for parts of your code</a:t>
             </a:r>
-            <a:endParaRPr lang="en-US" dirty="0" smtClean="0"/>
           </a:p>
         </p:txBody>
       </p:sp>
@@ -7353,9 +8210,6 @@
               </a:rPr>
               <a:t>];</a:t>
             </a:r>
-            <a:endParaRPr lang="en-US" dirty="0" smtClean="0">
-              <a:latin typeface="Lucida Console" panose="020B0609040504020204" pitchFamily="49" charset="0"/>
-            </a:endParaRPr>
           </a:p>
         </p:txBody>
       </p:sp>
@@ -7535,9 +8389,6 @@
               </a:rPr>
               <a:t>);</a:t>
             </a:r>
-            <a:endParaRPr lang="en-US" dirty="0" smtClean="0">
-              <a:latin typeface="Lucida Console" panose="020B0609040504020204" pitchFamily="49" charset="0"/>
-            </a:endParaRPr>
           </a:p>
         </p:txBody>
       </p:sp>
@@ -8119,13 +8970,7 @@
               <a:rPr lang="en-US" sz="2000" dirty="0" smtClean="0">
                 <a:latin typeface="Lucida Console" panose="020B0609040504020204" pitchFamily="49" charset="0"/>
               </a:rPr>
-              <a:t>				</a:t>
-            </a:r>
-            <a:r>
-              <a:rPr lang="en-US" sz="2000" dirty="0" smtClean="0">
-                <a:latin typeface="Lucida Console" panose="020B0609040504020204" pitchFamily="49" charset="0"/>
-              </a:rPr>
-              <a:t>$</a:t>
+              <a:t>				$</a:t>
             </a:r>
             <a:r>
               <a:rPr lang="en-US" sz="2000" dirty="0" err="1" smtClean="0">
@@ -9059,7 +9904,7 @@
           <a:p>
             <a:r>
               <a:rPr lang="en-US" dirty="0" smtClean="0"/>
-              <a:t>Data Models</a:t>
+              <a:t>Data Models and Validation</a:t>
             </a:r>
             <a:endParaRPr lang="en-US" dirty="0"/>
           </a:p>
@@ -9082,7 +9927,11 @@
           <a:p>
             <a:r>
               <a:rPr lang="en-US" dirty="0" smtClean="0"/>
-              <a:t>Lesson 2:</a:t>
+              <a:t>Lesson </a:t>
+            </a:r>
+            <a:r>
+              <a:rPr lang="en-US" dirty="0" smtClean="0"/>
+              <a:t>2:</a:t>
             </a:r>
             <a:endParaRPr lang="en-US" dirty="0"/>
           </a:p>
@@ -9091,7 +9940,7 @@
     </p:spTree>
     <p:extLst>
       <p:ext uri="{BB962C8B-B14F-4D97-AF65-F5344CB8AC3E}">
-        <p14:creationId xmlns:p14="http://schemas.microsoft.com/office/powerpoint/2010/main" val="2248627708"/>
+        <p14:creationId xmlns:p14="http://schemas.microsoft.com/office/powerpoint/2010/main" val="1564472033"/>
       </p:ext>
     </p:extLst>
   </p:cSld>
@@ -9237,7 +10086,7 @@
           <a:p>
             <a:r>
               <a:rPr lang="en-US" dirty="0" smtClean="0"/>
-              <a:t>Model Classes</a:t>
+              <a:t>Extending PDO</a:t>
             </a:r>
             <a:endParaRPr lang="en-US" dirty="0"/>
           </a:p>
@@ -9253,64 +10102,276 @@
             <p:ph idx="1"/>
           </p:nvPr>
         </p:nvSpPr>
-        <p:spPr/>
-        <p:txBody>
-          <a:bodyPr/>
-          <a:lstStyle/>
-          <a:p>
-            <a:r>
-              <a:rPr lang="en-US" dirty="0" smtClean="0"/>
-              <a:t>Journal Entry</a:t>
-            </a:r>
-          </a:p>
-          <a:p>
-            <a:pPr lvl="1"/>
-            <a:r>
-              <a:rPr lang="en-US" dirty="0" smtClean="0"/>
-              <a:t>date</a:t>
-            </a:r>
-          </a:p>
-          <a:p>
-            <a:pPr lvl="1"/>
-            <a:r>
-              <a:rPr lang="en-US" dirty="0" smtClean="0"/>
-              <a:t>text</a:t>
-            </a:r>
-          </a:p>
-          <a:p>
-            <a:r>
-              <a:rPr lang="en-US" dirty="0" smtClean="0"/>
-              <a:t>Profile</a:t>
-            </a:r>
-          </a:p>
-          <a:p>
-            <a:pPr lvl="1"/>
-            <a:r>
-              <a:rPr lang="en-US" dirty="0" smtClean="0"/>
-              <a:t>name</a:t>
-            </a:r>
-          </a:p>
-          <a:p>
-            <a:pPr lvl="1"/>
-            <a:r>
-              <a:rPr lang="en-US" dirty="0" smtClean="0"/>
-              <a:t>login</a:t>
-            </a:r>
-          </a:p>
-          <a:p>
-            <a:pPr lvl="1"/>
-            <a:r>
-              <a:rPr lang="en-US" dirty="0" smtClean="0"/>
-              <a:t>password</a:t>
-            </a:r>
-            <a:endParaRPr lang="en-US" dirty="0"/>
+        <p:spPr>
+          <a:solidFill>
+            <a:schemeClr val="bg1">
+              <a:lumMod val="85000"/>
+            </a:schemeClr>
+          </a:solidFill>
+          <a:ln>
+            <a:solidFill>
+              <a:schemeClr val="tx1"/>
+            </a:solidFill>
+          </a:ln>
+        </p:spPr>
+        <p:txBody>
+          <a:bodyPr>
+            <a:normAutofit/>
+          </a:bodyPr>
+          <a:lstStyle/>
+          <a:p>
+            <a:pPr marL="0" indent="0">
+              <a:buNone/>
+            </a:pPr>
+            <a:r>
+              <a:rPr lang="en-US" sz="2000" dirty="0" smtClean="0">
+                <a:latin typeface="Lucida Console" panose="020B0609040504020204" pitchFamily="49" charset="0"/>
+              </a:rPr>
+              <a:t>&lt;?</a:t>
+            </a:r>
+            <a:r>
+              <a:rPr lang="en-US" sz="2000" dirty="0" err="1" smtClean="0">
+                <a:latin typeface="Lucida Console" panose="020B0609040504020204" pitchFamily="49" charset="0"/>
+              </a:rPr>
+              <a:t>php</a:t>
+            </a:r>
+            <a:endParaRPr lang="en-US" sz="2000" dirty="0" smtClean="0">
+              <a:latin typeface="Lucida Console" panose="020B0609040504020204" pitchFamily="49" charset="0"/>
+            </a:endParaRPr>
+          </a:p>
+          <a:p>
+            <a:pPr marL="0" indent="0">
+              <a:buNone/>
+            </a:pPr>
+            <a:r>
+              <a:rPr lang="en-US" sz="2000" dirty="0">
+                <a:latin typeface="Lucida Console" panose="020B0609040504020204" pitchFamily="49" charset="0"/>
+              </a:rPr>
+              <a:t>class Db extends </a:t>
+            </a:r>
+            <a:r>
+              <a:rPr lang="en-US" sz="2000" dirty="0" smtClean="0">
+                <a:latin typeface="Lucida Console" panose="020B0609040504020204" pitchFamily="49" charset="0"/>
+              </a:rPr>
+              <a:t>PDO</a:t>
+            </a:r>
+          </a:p>
+          <a:p>
+            <a:pPr marL="0" indent="0">
+              <a:buNone/>
+            </a:pPr>
+            <a:r>
+              <a:rPr lang="en-US" sz="2000" dirty="0" smtClean="0">
+                <a:latin typeface="Lucida Console" panose="020B0609040504020204" pitchFamily="49" charset="0"/>
+              </a:rPr>
+              <a:t>{</a:t>
+            </a:r>
+          </a:p>
+          <a:p>
+            <a:pPr marL="0" indent="0">
+              <a:buNone/>
+            </a:pPr>
+            <a:r>
+              <a:rPr lang="en-US" sz="2000" dirty="0">
+                <a:latin typeface="Lucida Console" panose="020B0609040504020204" pitchFamily="49" charset="0"/>
+              </a:rPr>
+              <a:t>	</a:t>
+            </a:r>
+            <a:r>
+              <a:rPr lang="en-US" sz="2000" dirty="0" smtClean="0">
+                <a:latin typeface="Lucida Console" panose="020B0609040504020204" pitchFamily="49" charset="0"/>
+              </a:rPr>
+              <a:t>public </a:t>
+            </a:r>
+            <a:r>
+              <a:rPr lang="en-US" sz="2000" dirty="0">
+                <a:latin typeface="Lucida Console" panose="020B0609040504020204" pitchFamily="49" charset="0"/>
+              </a:rPr>
+              <a:t>function __construct($</a:t>
+            </a:r>
+            <a:r>
+              <a:rPr lang="en-US" sz="2000" dirty="0" err="1">
+                <a:latin typeface="Lucida Console" panose="020B0609040504020204" pitchFamily="49" charset="0"/>
+              </a:rPr>
+              <a:t>dsn</a:t>
+            </a:r>
+            <a:r>
+              <a:rPr lang="en-US" sz="2000" dirty="0" smtClean="0">
+                <a:latin typeface="Lucida Console" panose="020B0609040504020204" pitchFamily="49" charset="0"/>
+              </a:rPr>
+              <a:t>)</a:t>
+            </a:r>
+          </a:p>
+          <a:p>
+            <a:pPr marL="0" indent="0">
+              <a:buNone/>
+            </a:pPr>
+            <a:r>
+              <a:rPr lang="en-US" sz="2000" dirty="0" smtClean="0">
+                <a:latin typeface="Lucida Console" panose="020B0609040504020204" pitchFamily="49" charset="0"/>
+              </a:rPr>
+              <a:t>   {</a:t>
+            </a:r>
+          </a:p>
+          <a:p>
+            <a:pPr marL="0" indent="0">
+              <a:buNone/>
+            </a:pPr>
+            <a:r>
+              <a:rPr lang="en-US" sz="2000" dirty="0">
+                <a:latin typeface="Lucida Console" panose="020B0609040504020204" pitchFamily="49" charset="0"/>
+              </a:rPr>
+              <a:t>	</a:t>
+            </a:r>
+            <a:r>
+              <a:rPr lang="en-US" sz="2000" dirty="0" smtClean="0">
+                <a:latin typeface="Lucida Console" panose="020B0609040504020204" pitchFamily="49" charset="0"/>
+              </a:rPr>
+              <a:t>	parent</a:t>
+            </a:r>
+            <a:r>
+              <a:rPr lang="en-US" sz="2000" dirty="0">
+                <a:latin typeface="Lucida Console" panose="020B0609040504020204" pitchFamily="49" charset="0"/>
+              </a:rPr>
+              <a:t>::__construct($</a:t>
+            </a:r>
+            <a:r>
+              <a:rPr lang="en-US" sz="2000" dirty="0" err="1">
+                <a:latin typeface="Lucida Console" panose="020B0609040504020204" pitchFamily="49" charset="0"/>
+              </a:rPr>
+              <a:t>dsn</a:t>
+            </a:r>
+            <a:r>
+              <a:rPr lang="en-US" sz="2000" dirty="0" smtClean="0">
+                <a:latin typeface="Lucida Console" panose="020B0609040504020204" pitchFamily="49" charset="0"/>
+              </a:rPr>
+              <a:t>);</a:t>
+            </a:r>
+          </a:p>
+          <a:p>
+            <a:pPr marL="0" indent="0">
+              <a:buNone/>
+            </a:pPr>
+            <a:r>
+              <a:rPr lang="en-US" sz="2000" dirty="0">
+                <a:latin typeface="Lucida Console" panose="020B0609040504020204" pitchFamily="49" charset="0"/>
+              </a:rPr>
+              <a:t>	</a:t>
+            </a:r>
+            <a:r>
+              <a:rPr lang="en-US" sz="2000" dirty="0" smtClean="0">
+                <a:latin typeface="Lucida Console" panose="020B0609040504020204" pitchFamily="49" charset="0"/>
+              </a:rPr>
+              <a:t>	$</a:t>
+            </a:r>
+            <a:r>
+              <a:rPr lang="en-US" sz="2000" dirty="0">
+                <a:latin typeface="Lucida Console" panose="020B0609040504020204" pitchFamily="49" charset="0"/>
+              </a:rPr>
+              <a:t>this-&gt;</a:t>
+            </a:r>
+            <a:r>
+              <a:rPr lang="en-US" sz="2000" dirty="0" err="1">
+                <a:latin typeface="Lucida Console" panose="020B0609040504020204" pitchFamily="49" charset="0"/>
+              </a:rPr>
+              <a:t>setAttribute</a:t>
+            </a:r>
+            <a:r>
+              <a:rPr lang="en-US" sz="2000" dirty="0" smtClean="0">
+                <a:latin typeface="Lucida Console" panose="020B0609040504020204" pitchFamily="49" charset="0"/>
+              </a:rPr>
+              <a:t>(</a:t>
+            </a:r>
+          </a:p>
+          <a:p>
+            <a:pPr marL="0" indent="0">
+              <a:buNone/>
+            </a:pPr>
+            <a:r>
+              <a:rPr lang="en-US" sz="2000" dirty="0">
+                <a:latin typeface="Lucida Console" panose="020B0609040504020204" pitchFamily="49" charset="0"/>
+              </a:rPr>
+              <a:t>	</a:t>
+            </a:r>
+            <a:r>
+              <a:rPr lang="en-US" sz="2000" dirty="0" smtClean="0">
+                <a:latin typeface="Lucida Console" panose="020B0609040504020204" pitchFamily="49" charset="0"/>
+              </a:rPr>
+              <a:t>		PDO</a:t>
+            </a:r>
+            <a:r>
+              <a:rPr lang="en-US" sz="2000" dirty="0">
+                <a:latin typeface="Lucida Console" panose="020B0609040504020204" pitchFamily="49" charset="0"/>
+              </a:rPr>
+              <a:t>::</a:t>
+            </a:r>
+            <a:r>
+              <a:rPr lang="en-US" sz="2000" dirty="0" smtClean="0">
+                <a:latin typeface="Lucida Console" panose="020B0609040504020204" pitchFamily="49" charset="0"/>
+              </a:rPr>
+              <a:t>ATTR_ERRMODE,</a:t>
+            </a:r>
+          </a:p>
+          <a:p>
+            <a:pPr marL="0" indent="0">
+              <a:buNone/>
+            </a:pPr>
+            <a:r>
+              <a:rPr lang="en-US" sz="2000" dirty="0">
+                <a:latin typeface="Lucida Console" panose="020B0609040504020204" pitchFamily="49" charset="0"/>
+              </a:rPr>
+              <a:t>	</a:t>
+            </a:r>
+            <a:r>
+              <a:rPr lang="en-US" sz="2000" dirty="0" smtClean="0">
+                <a:latin typeface="Lucida Console" panose="020B0609040504020204" pitchFamily="49" charset="0"/>
+              </a:rPr>
+              <a:t>		PDO</a:t>
+            </a:r>
+            <a:r>
+              <a:rPr lang="en-US" sz="2000" dirty="0">
+                <a:latin typeface="Lucida Console" panose="020B0609040504020204" pitchFamily="49" charset="0"/>
+              </a:rPr>
+              <a:t>::ERRMODE_EXCEPTION</a:t>
+            </a:r>
+            <a:r>
+              <a:rPr lang="en-US" sz="2000" dirty="0" smtClean="0">
+                <a:latin typeface="Lucida Console" panose="020B0609040504020204" pitchFamily="49" charset="0"/>
+              </a:rPr>
+              <a:t>);</a:t>
+            </a:r>
+          </a:p>
+          <a:p>
+            <a:pPr marL="0" indent="0">
+              <a:buNone/>
+            </a:pPr>
+            <a:r>
+              <a:rPr lang="en-US" sz="2000" dirty="0" smtClean="0">
+                <a:latin typeface="Lucida Console" panose="020B0609040504020204" pitchFamily="49" charset="0"/>
+              </a:rPr>
+              <a:t>	}</a:t>
+            </a:r>
+          </a:p>
+          <a:p>
+            <a:pPr marL="0" indent="0">
+              <a:buNone/>
+            </a:pPr>
+            <a:r>
+              <a:rPr lang="en-US" sz="2000" dirty="0" smtClean="0">
+                <a:latin typeface="Lucida Console" panose="020B0609040504020204" pitchFamily="49" charset="0"/>
+              </a:rPr>
+              <a:t>}</a:t>
+            </a:r>
+            <a:endParaRPr lang="en-US" sz="2000" dirty="0" smtClean="0">
+              <a:latin typeface="Lucida Console" panose="020B0609040504020204" pitchFamily="49" charset="0"/>
+            </a:endParaRPr>
           </a:p>
         </p:txBody>
       </p:sp>
     </p:spTree>
     <p:extLst>
       <p:ext uri="{BB962C8B-B14F-4D97-AF65-F5344CB8AC3E}">
-        <p14:creationId xmlns:p14="http://schemas.microsoft.com/office/powerpoint/2010/main" val="3803216798"/>
+        <p14:creationId xmlns:p14="http://schemas.microsoft.com/office/powerpoint/2010/main" val="1747887674"/>
       </p:ext>
     </p:extLst>
   </p:cSld>
@@ -9359,6 +10420,10 @@
           <a:bodyPr/>
           <a:lstStyle/>
           <a:p>
+            <a:r>
+              <a:rPr lang="en-US" dirty="0" smtClean="0"/>
+              <a:t>Injecting PDO</a:t>
+            </a:r>
             <a:endParaRPr lang="en-US" dirty="0"/>
           </a:p>
         </p:txBody>
@@ -9373,19 +10438,232 @@
             <p:ph idx="1"/>
           </p:nvPr>
         </p:nvSpPr>
-        <p:spPr/>
-        <p:txBody>
-          <a:bodyPr/>
-          <a:lstStyle/>
-          <a:p>
-            <a:endParaRPr lang="en-US"/>
+        <p:spPr>
+          <a:solidFill>
+            <a:schemeClr val="bg1">
+              <a:lumMod val="85000"/>
+            </a:schemeClr>
+          </a:solidFill>
+          <a:ln>
+            <a:solidFill>
+              <a:schemeClr val="tx1"/>
+            </a:solidFill>
+          </a:ln>
+        </p:spPr>
+        <p:txBody>
+          <a:bodyPr>
+            <a:normAutofit/>
+          </a:bodyPr>
+          <a:lstStyle/>
+          <a:p>
+            <a:pPr marL="0" indent="0">
+              <a:buNone/>
+            </a:pPr>
+            <a:r>
+              <a:rPr lang="en-US" sz="2000" dirty="0" smtClean="0">
+                <a:latin typeface="Lucida Console" panose="020B0609040504020204" pitchFamily="49" charset="0"/>
+              </a:rPr>
+              <a:t>&lt;?</a:t>
+            </a:r>
+            <a:r>
+              <a:rPr lang="en-US" sz="2000" dirty="0" err="1" smtClean="0">
+                <a:latin typeface="Lucida Console" panose="020B0609040504020204" pitchFamily="49" charset="0"/>
+              </a:rPr>
+              <a:t>php</a:t>
+            </a:r>
+            <a:endParaRPr lang="en-US" sz="2000" dirty="0" smtClean="0">
+              <a:latin typeface="Lucida Console" panose="020B0609040504020204" pitchFamily="49" charset="0"/>
+            </a:endParaRPr>
+          </a:p>
+          <a:p>
+            <a:pPr marL="0" indent="0">
+              <a:buNone/>
+            </a:pPr>
+            <a:r>
+              <a:rPr lang="en-US" sz="2000" dirty="0">
+                <a:latin typeface="Lucida Console" panose="020B0609040504020204" pitchFamily="49" charset="0"/>
+              </a:rPr>
+              <a:t>class </a:t>
+            </a:r>
+            <a:r>
+              <a:rPr lang="en-US" sz="2000" dirty="0" smtClean="0">
+                <a:latin typeface="Lucida Console" panose="020B0609040504020204" pitchFamily="49" charset="0"/>
+              </a:rPr>
+              <a:t>User</a:t>
+            </a:r>
+          </a:p>
+          <a:p>
+            <a:pPr marL="0" indent="0">
+              <a:buNone/>
+            </a:pPr>
+            <a:r>
+              <a:rPr lang="en-US" sz="2000" dirty="0" smtClean="0">
+                <a:latin typeface="Lucida Console" panose="020B0609040504020204" pitchFamily="49" charset="0"/>
+              </a:rPr>
+              <a:t>{</a:t>
+            </a:r>
+          </a:p>
+          <a:p>
+            <a:pPr marL="0" indent="0">
+              <a:buNone/>
+            </a:pPr>
+            <a:r>
+              <a:rPr lang="en-US" sz="2000" dirty="0">
+                <a:latin typeface="Lucida Console" panose="020B0609040504020204" pitchFamily="49" charset="0"/>
+              </a:rPr>
+              <a:t>	</a:t>
+            </a:r>
+            <a:r>
+              <a:rPr lang="en-US" sz="2000" dirty="0" smtClean="0">
+                <a:latin typeface="Lucida Console" panose="020B0609040504020204" pitchFamily="49" charset="0"/>
+              </a:rPr>
+              <a:t>protected $</a:t>
+            </a:r>
+            <a:r>
+              <a:rPr lang="en-US" sz="2000" dirty="0" err="1" smtClean="0">
+                <a:latin typeface="Lucida Console" panose="020B0609040504020204" pitchFamily="49" charset="0"/>
+              </a:rPr>
+              <a:t>db</a:t>
+            </a:r>
+            <a:r>
+              <a:rPr lang="en-US" sz="2000" dirty="0" smtClean="0">
+                <a:latin typeface="Lucida Console" panose="020B0609040504020204" pitchFamily="49" charset="0"/>
+              </a:rPr>
+              <a:t>;</a:t>
+            </a:r>
+          </a:p>
+          <a:p>
+            <a:pPr marL="0" indent="0">
+              <a:buNone/>
+            </a:pPr>
+            <a:endParaRPr lang="en-US" sz="2000" dirty="0" smtClean="0">
+              <a:latin typeface="Lucida Console" panose="020B0609040504020204" pitchFamily="49" charset="0"/>
+            </a:endParaRPr>
+          </a:p>
+          <a:p>
+            <a:pPr marL="0" indent="0">
+              <a:buNone/>
+            </a:pPr>
+            <a:r>
+              <a:rPr lang="en-US" sz="2000" dirty="0">
+                <a:latin typeface="Lucida Console" panose="020B0609040504020204" pitchFamily="49" charset="0"/>
+              </a:rPr>
+              <a:t>	</a:t>
+            </a:r>
+            <a:r>
+              <a:rPr lang="en-US" sz="2000" dirty="0" smtClean="0">
+                <a:latin typeface="Lucida Console" panose="020B0609040504020204" pitchFamily="49" charset="0"/>
+              </a:rPr>
+              <a:t>public </a:t>
+            </a:r>
+            <a:r>
+              <a:rPr lang="en-US" sz="2000" dirty="0">
+                <a:latin typeface="Lucida Console" panose="020B0609040504020204" pitchFamily="49" charset="0"/>
+              </a:rPr>
+              <a:t>function __construct</a:t>
+            </a:r>
+            <a:r>
+              <a:rPr lang="en-US" sz="2000" dirty="0" smtClean="0">
+                <a:latin typeface="Lucida Console" panose="020B0609040504020204" pitchFamily="49" charset="0"/>
+              </a:rPr>
+              <a:t>($</a:t>
+            </a:r>
+            <a:r>
+              <a:rPr lang="en-US" sz="2000" dirty="0" err="1" smtClean="0">
+                <a:latin typeface="Lucida Console" panose="020B0609040504020204" pitchFamily="49" charset="0"/>
+              </a:rPr>
+              <a:t>db</a:t>
+            </a:r>
+            <a:r>
+              <a:rPr lang="en-US" sz="2000" dirty="0" smtClean="0">
+                <a:latin typeface="Lucida Console" panose="020B0609040504020204" pitchFamily="49" charset="0"/>
+              </a:rPr>
+              <a:t>)</a:t>
+            </a:r>
+          </a:p>
+          <a:p>
+            <a:pPr marL="0" indent="0">
+              <a:buNone/>
+            </a:pPr>
+            <a:r>
+              <a:rPr lang="en-US" sz="2000" dirty="0" smtClean="0">
+                <a:latin typeface="Lucida Console" panose="020B0609040504020204" pitchFamily="49" charset="0"/>
+              </a:rPr>
+              <a:t>   {</a:t>
+            </a:r>
+          </a:p>
+          <a:p>
+            <a:pPr marL="0" indent="0">
+              <a:buNone/>
+            </a:pPr>
+            <a:r>
+              <a:rPr lang="en-US" sz="2000" dirty="0">
+                <a:latin typeface="Lucida Console" panose="020B0609040504020204" pitchFamily="49" charset="0"/>
+              </a:rPr>
+              <a:t>	</a:t>
+            </a:r>
+            <a:r>
+              <a:rPr lang="en-US" sz="2000" dirty="0" smtClean="0">
+                <a:latin typeface="Lucida Console" panose="020B0609040504020204" pitchFamily="49" charset="0"/>
+              </a:rPr>
+              <a:t>	$this-&gt;</a:t>
+            </a:r>
+            <a:r>
+              <a:rPr lang="en-US" sz="2000" dirty="0" err="1" smtClean="0">
+                <a:latin typeface="Lucida Console" panose="020B0609040504020204" pitchFamily="49" charset="0"/>
+              </a:rPr>
+              <a:t>db</a:t>
+            </a:r>
+            <a:r>
+              <a:rPr lang="en-US" sz="2000" dirty="0" smtClean="0">
+                <a:latin typeface="Lucida Console" panose="020B0609040504020204" pitchFamily="49" charset="0"/>
+              </a:rPr>
+              <a:t> = $</a:t>
+            </a:r>
+            <a:r>
+              <a:rPr lang="en-US" sz="2000" dirty="0" err="1" smtClean="0">
+                <a:latin typeface="Lucida Console" panose="020B0609040504020204" pitchFamily="49" charset="0"/>
+              </a:rPr>
+              <a:t>db</a:t>
+            </a:r>
+            <a:r>
+              <a:rPr lang="en-US" sz="2000" dirty="0" smtClean="0">
+                <a:latin typeface="Lucida Console" panose="020B0609040504020204" pitchFamily="49" charset="0"/>
+              </a:rPr>
+              <a:t>;</a:t>
+            </a:r>
+          </a:p>
+          <a:p>
+            <a:pPr marL="0" indent="0">
+              <a:buNone/>
+            </a:pPr>
+            <a:r>
+              <a:rPr lang="en-US" sz="2000" dirty="0" smtClean="0">
+                <a:latin typeface="Lucida Console" panose="020B0609040504020204" pitchFamily="49" charset="0"/>
+              </a:rPr>
+              <a:t>	}</a:t>
+            </a:r>
+          </a:p>
+          <a:p>
+            <a:pPr marL="0" indent="0">
+              <a:buNone/>
+            </a:pPr>
+            <a:r>
+              <a:rPr lang="en-US" sz="2000" dirty="0" smtClean="0">
+                <a:latin typeface="Lucida Console" panose="020B0609040504020204" pitchFamily="49" charset="0"/>
+              </a:rPr>
+              <a:t>}</a:t>
+            </a:r>
+            <a:endParaRPr lang="en-US" sz="2000" dirty="0" smtClean="0">
+              <a:latin typeface="Lucida Console" panose="020B0609040504020204" pitchFamily="49" charset="0"/>
+            </a:endParaRPr>
           </a:p>
         </p:txBody>
       </p:sp>
     </p:spTree>
     <p:extLst>
       <p:ext uri="{BB962C8B-B14F-4D97-AF65-F5344CB8AC3E}">
-        <p14:creationId xmlns:p14="http://schemas.microsoft.com/office/powerpoint/2010/main" val="3740496781"/>
+        <p14:creationId xmlns:p14="http://schemas.microsoft.com/office/powerpoint/2010/main" val="2532707592"/>
       </p:ext>
     </p:extLst>
   </p:cSld>
@@ -9421,7 +10699,7 @@
       </p:grpSpPr>
       <p:sp>
         <p:nvSpPr>
-          <p:cNvPr id="4" name="Title 3"/>
+          <p:cNvPr id="2" name="Title 1"/>
           <p:cNvSpPr>
             <a:spLocks noGrp="1"/>
           </p:cNvSpPr>
@@ -9436,7 +10714,7 @@
           <a:p>
             <a:r>
               <a:rPr lang="en-US" dirty="0" smtClean="0"/>
-              <a:t>Views and Templates</a:t>
+              <a:t>Database Access Objects</a:t>
             </a:r>
             <a:endParaRPr lang="en-US" dirty="0"/>
           </a:p>
@@ -9444,12 +10722,12 @@
       </p:sp>
       <p:sp>
         <p:nvSpPr>
-          <p:cNvPr id="5" name="Text Placeholder 4"/>
-          <p:cNvSpPr>
-            <a:spLocks noGrp="1"/>
-          </p:cNvSpPr>
-          <p:nvPr>
-            <p:ph type="body" idx="1"/>
+          <p:cNvPr id="3" name="Content Placeholder 2"/>
+          <p:cNvSpPr>
+            <a:spLocks noGrp="1"/>
+          </p:cNvSpPr>
+          <p:nvPr>
+            <p:ph idx="1"/>
           </p:nvPr>
         </p:nvSpPr>
         <p:spPr/>
@@ -9459,7 +10737,19 @@
           <a:p>
             <a:r>
               <a:rPr lang="en-US" dirty="0" smtClean="0"/>
-              <a:t>Lesson 3:</a:t>
+              <a:t>Talk to the database</a:t>
+            </a:r>
+          </a:p>
+          <a:p>
+            <a:r>
+              <a:rPr lang="en-US" dirty="0" smtClean="0"/>
+              <a:t>Contains all our SQL in one place</a:t>
+            </a:r>
+          </a:p>
+          <a:p>
+            <a:r>
+              <a:rPr lang="en-US" dirty="0" smtClean="0"/>
+              <a:t>Uses a shared DB instance</a:t>
             </a:r>
             <a:endParaRPr lang="en-US" dirty="0"/>
           </a:p>
@@ -9468,7 +10758,7 @@
     </p:spTree>
     <p:extLst>
       <p:ext uri="{BB962C8B-B14F-4D97-AF65-F5344CB8AC3E}">
-        <p14:creationId xmlns:p14="http://schemas.microsoft.com/office/powerpoint/2010/main" val="1564472033"/>
+        <p14:creationId xmlns:p14="http://schemas.microsoft.com/office/powerpoint/2010/main" val="3740496781"/>
       </p:ext>
     </p:extLst>
   </p:cSld>
@@ -9504,7 +10794,7 @@
       </p:grpSpPr>
       <p:sp>
         <p:nvSpPr>
-          <p:cNvPr id="4" name="Title 3"/>
+          <p:cNvPr id="2" name="Title 1"/>
           <p:cNvSpPr>
             <a:spLocks noGrp="1"/>
           </p:cNvSpPr>
@@ -9519,7 +10809,7 @@
           <a:p>
             <a:r>
               <a:rPr lang="en-US" dirty="0" smtClean="0"/>
-              <a:t>Template Class</a:t>
+              <a:t>Fetching Objects</a:t>
             </a:r>
             <a:endParaRPr lang="en-US" dirty="0"/>
           </a:p>
@@ -9527,7 +10817,7 @@
       </p:sp>
       <p:sp>
         <p:nvSpPr>
-          <p:cNvPr id="5" name="Content Placeholder 4"/>
+          <p:cNvPr id="3" name="Content Placeholder 2"/>
           <p:cNvSpPr>
             <a:spLocks noGrp="1"/>
           </p:cNvSpPr>
@@ -9535,28 +10825,210 @@
             <p:ph idx="1"/>
           </p:nvPr>
         </p:nvSpPr>
-        <p:spPr/>
-        <p:txBody>
-          <a:bodyPr/>
-          <a:lstStyle/>
-          <a:p>
-            <a:r>
-              <a:rPr lang="en-US" dirty="0" smtClean="0"/>
-              <a:t>Holds the data to display</a:t>
-            </a:r>
-          </a:p>
-          <a:p>
-            <a:r>
-              <a:rPr lang="en-US" dirty="0" smtClean="0"/>
-              <a:t>Has “helpers” for common functionality</a:t>
-            </a:r>
+        <p:spPr>
+          <a:solidFill>
+            <a:schemeClr val="bg1">
+              <a:lumMod val="85000"/>
+            </a:schemeClr>
+          </a:solidFill>
+          <a:ln>
+            <a:solidFill>
+              <a:schemeClr val="tx1"/>
+            </a:solidFill>
+          </a:ln>
+        </p:spPr>
+        <p:txBody>
+          <a:bodyPr>
+            <a:normAutofit/>
+          </a:bodyPr>
+          <a:lstStyle/>
+          <a:p>
+            <a:pPr marL="0" indent="0">
+              <a:buNone/>
+            </a:pPr>
+            <a:r>
+              <a:rPr lang="en-US" sz="2000" dirty="0" smtClean="0">
+                <a:latin typeface="Lucida Console" panose="020B0609040504020204" pitchFamily="49" charset="0"/>
+              </a:rPr>
+              <a:t>&lt;?</a:t>
+            </a:r>
+            <a:r>
+              <a:rPr lang="en-US" sz="2000" dirty="0" err="1" smtClean="0">
+                <a:latin typeface="Lucida Console" panose="020B0609040504020204" pitchFamily="49" charset="0"/>
+              </a:rPr>
+              <a:t>php</a:t>
+            </a:r>
+            <a:endParaRPr lang="en-US" sz="2000" dirty="0" smtClean="0">
+              <a:latin typeface="Lucida Console" panose="020B0609040504020204" pitchFamily="49" charset="0"/>
+            </a:endParaRPr>
+          </a:p>
+          <a:p>
+            <a:pPr marL="0" indent="0">
+              <a:buNone/>
+            </a:pPr>
+            <a:r>
+              <a:rPr lang="en-US" sz="2000" dirty="0" smtClean="0">
+                <a:latin typeface="Lucida Console" panose="020B0609040504020204" pitchFamily="49" charset="0"/>
+              </a:rPr>
+              <a:t>class User {}</a:t>
+            </a:r>
+          </a:p>
+          <a:p>
+            <a:pPr marL="0" indent="0">
+              <a:buNone/>
+            </a:pPr>
+            <a:endParaRPr lang="en-US" sz="2000" dirty="0">
+              <a:latin typeface="Lucida Console" panose="020B0609040504020204" pitchFamily="49" charset="0"/>
+            </a:endParaRPr>
+          </a:p>
+          <a:p>
+            <a:pPr marL="0" indent="0">
+              <a:buNone/>
+            </a:pPr>
+            <a:r>
+              <a:rPr lang="en-US" sz="2000" dirty="0" smtClean="0">
+                <a:latin typeface="Lucida Console" panose="020B0609040504020204" pitchFamily="49" charset="0"/>
+              </a:rPr>
+              <a:t>$</a:t>
+            </a:r>
+            <a:r>
+              <a:rPr lang="en-US" sz="2000" dirty="0" err="1" smtClean="0">
+                <a:latin typeface="Lucida Console" panose="020B0609040504020204" pitchFamily="49" charset="0"/>
+              </a:rPr>
+              <a:t>sql</a:t>
+            </a:r>
+            <a:r>
+              <a:rPr lang="en-US" sz="2000" dirty="0" smtClean="0">
+                <a:latin typeface="Lucida Console" panose="020B0609040504020204" pitchFamily="49" charset="0"/>
+              </a:rPr>
+              <a:t> = 'SELECT * FROM user';</a:t>
+            </a:r>
+          </a:p>
+          <a:p>
+            <a:pPr marL="0" indent="0">
+              <a:buNone/>
+            </a:pPr>
+            <a:endParaRPr lang="en-US" sz="2000" dirty="0">
+              <a:latin typeface="Lucida Console" panose="020B0609040504020204" pitchFamily="49" charset="0"/>
+            </a:endParaRPr>
+          </a:p>
+          <a:p>
+            <a:pPr marL="0" indent="0">
+              <a:buNone/>
+            </a:pPr>
+            <a:r>
+              <a:rPr lang="en-US" sz="2000" dirty="0" smtClean="0">
+                <a:latin typeface="Lucida Console" panose="020B0609040504020204" pitchFamily="49" charset="0"/>
+              </a:rPr>
+              <a:t>$</a:t>
+            </a:r>
+            <a:r>
+              <a:rPr lang="en-US" sz="2000" dirty="0" err="1" smtClean="0">
+                <a:latin typeface="Lucida Console" panose="020B0609040504020204" pitchFamily="49" charset="0"/>
+              </a:rPr>
+              <a:t>stmt</a:t>
+            </a:r>
+            <a:r>
+              <a:rPr lang="en-US" sz="2000" dirty="0" smtClean="0">
+                <a:latin typeface="Lucida Console" panose="020B0609040504020204" pitchFamily="49" charset="0"/>
+              </a:rPr>
+              <a:t> = $</a:t>
+            </a:r>
+            <a:r>
+              <a:rPr lang="en-US" sz="2000" dirty="0" err="1" smtClean="0">
+                <a:latin typeface="Lucida Console" panose="020B0609040504020204" pitchFamily="49" charset="0"/>
+              </a:rPr>
+              <a:t>db</a:t>
+            </a:r>
+            <a:r>
+              <a:rPr lang="en-US" sz="2000" dirty="0" smtClean="0">
+                <a:latin typeface="Lucida Console" panose="020B0609040504020204" pitchFamily="49" charset="0"/>
+              </a:rPr>
+              <a:t>-&gt;prepare($</a:t>
+            </a:r>
+            <a:r>
+              <a:rPr lang="en-US" sz="2000" dirty="0" err="1" smtClean="0">
+                <a:latin typeface="Lucida Console" panose="020B0609040504020204" pitchFamily="49" charset="0"/>
+              </a:rPr>
+              <a:t>sql</a:t>
+            </a:r>
+            <a:r>
+              <a:rPr lang="en-US" sz="2000" dirty="0" smtClean="0">
+                <a:latin typeface="Lucida Console" panose="020B0609040504020204" pitchFamily="49" charset="0"/>
+              </a:rPr>
+              <a:t>);</a:t>
+            </a:r>
+          </a:p>
+          <a:p>
+            <a:pPr marL="0" indent="0">
+              <a:buNone/>
+            </a:pPr>
+            <a:r>
+              <a:rPr lang="en-US" sz="2000" dirty="0" smtClean="0">
+                <a:latin typeface="Lucida Console" panose="020B0609040504020204" pitchFamily="49" charset="0"/>
+              </a:rPr>
+              <a:t>$</a:t>
+            </a:r>
+            <a:r>
+              <a:rPr lang="en-US" sz="2000" dirty="0" err="1" smtClean="0">
+                <a:latin typeface="Lucida Console" panose="020B0609040504020204" pitchFamily="49" charset="0"/>
+              </a:rPr>
+              <a:t>stmt</a:t>
+            </a:r>
+            <a:r>
+              <a:rPr lang="en-US" sz="2000" dirty="0" smtClean="0">
+                <a:latin typeface="Lucida Console" panose="020B0609040504020204" pitchFamily="49" charset="0"/>
+              </a:rPr>
+              <a:t>-&gt;execute();</a:t>
+            </a:r>
+            <a:endParaRPr lang="en-US" sz="2000" dirty="0" smtClean="0">
+              <a:latin typeface="Lucida Console" panose="020B0609040504020204" pitchFamily="49" charset="0"/>
+            </a:endParaRPr>
+          </a:p>
+          <a:p>
+            <a:pPr marL="0" indent="0">
+              <a:buNone/>
+            </a:pPr>
+            <a:r>
+              <a:rPr lang="en-US" sz="2000" dirty="0" smtClean="0">
+                <a:latin typeface="Lucida Console" panose="020B0609040504020204" pitchFamily="49" charset="0"/>
+              </a:rPr>
+              <a:t>$</a:t>
+            </a:r>
+            <a:r>
+              <a:rPr lang="en-US" sz="2000" dirty="0" err="1" smtClean="0">
+                <a:latin typeface="Lucida Console" panose="020B0609040504020204" pitchFamily="49" charset="0"/>
+              </a:rPr>
+              <a:t>stmt</a:t>
+            </a:r>
+            <a:r>
+              <a:rPr lang="en-US" sz="2000" dirty="0" smtClean="0">
+                <a:latin typeface="Lucida Console" panose="020B0609040504020204" pitchFamily="49" charset="0"/>
+              </a:rPr>
+              <a:t>-&gt;</a:t>
+            </a:r>
+            <a:r>
+              <a:rPr lang="en-US" sz="2000" dirty="0" err="1" smtClean="0">
+                <a:latin typeface="Lucida Console" panose="020B0609040504020204" pitchFamily="49" charset="0"/>
+              </a:rPr>
+              <a:t>fetchObject</a:t>
+            </a:r>
+            <a:r>
+              <a:rPr lang="en-US" sz="2000" dirty="0" smtClean="0">
+                <a:latin typeface="Lucida Console" panose="020B0609040504020204" pitchFamily="49" charset="0"/>
+              </a:rPr>
+              <a:t>('User');</a:t>
+            </a:r>
+            <a:endParaRPr lang="en-US" sz="2000" dirty="0" smtClean="0">
+              <a:latin typeface="Lucida Console" panose="020B0609040504020204" pitchFamily="49" charset="0"/>
+            </a:endParaRPr>
           </a:p>
         </p:txBody>
       </p:sp>
     </p:spTree>
     <p:extLst>
       <p:ext uri="{BB962C8B-B14F-4D97-AF65-F5344CB8AC3E}">
-        <p14:creationId xmlns:p14="http://schemas.microsoft.com/office/powerpoint/2010/main" val="2186060473"/>
+        <p14:creationId xmlns:p14="http://schemas.microsoft.com/office/powerpoint/2010/main" val="1308117639"/>
       </p:ext>
     </p:extLst>
   </p:cSld>
@@ -9607,7 +11079,7 @@
           <a:p>
             <a:r>
               <a:rPr lang="en-US" dirty="0" smtClean="0"/>
-              <a:t>Template File</a:t>
+              <a:t>Iterating Objects</a:t>
             </a:r>
             <a:endParaRPr lang="en-US" dirty="0"/>
           </a:p>
@@ -9623,54 +11095,277 @@
             <p:ph idx="1"/>
           </p:nvPr>
         </p:nvSpPr>
-        <p:spPr/>
-        <p:txBody>
-          <a:bodyPr/>
-          <a:lstStyle/>
-          <a:p>
-            <a:r>
-              <a:rPr lang="en-US" dirty="0" smtClean="0"/>
-              <a:t>Mainly HTML</a:t>
-            </a:r>
-          </a:p>
-          <a:p>
-            <a:r>
-              <a:rPr lang="en-US" dirty="0" smtClean="0"/>
-              <a:t>Shortcut echo tags</a:t>
-            </a:r>
-          </a:p>
-          <a:p>
-            <a:r>
-              <a:rPr lang="en-US" dirty="0" smtClean="0"/>
-              <a:t>Very little logic </a:t>
-            </a:r>
-          </a:p>
-          <a:p>
-            <a:pPr lvl="1"/>
-            <a:r>
-              <a:rPr lang="en-US" dirty="0" smtClean="0"/>
-              <a:t>simple conditionals</a:t>
-            </a:r>
-          </a:p>
-          <a:p>
-            <a:pPr lvl="1"/>
-            <a:r>
-              <a:rPr lang="en-US" dirty="0" smtClean="0"/>
-              <a:t>simple loops</a:t>
-            </a:r>
-          </a:p>
-          <a:p>
-            <a:r>
-              <a:rPr lang="en-US" dirty="0" smtClean="0"/>
-              <a:t>Might include other templates</a:t>
-            </a:r>
+        <p:spPr>
+          <a:solidFill>
+            <a:schemeClr val="bg1">
+              <a:lumMod val="85000"/>
+            </a:schemeClr>
+          </a:solidFill>
+          <a:ln>
+            <a:solidFill>
+              <a:schemeClr val="tx1"/>
+            </a:solidFill>
+          </a:ln>
+        </p:spPr>
+        <p:txBody>
+          <a:bodyPr>
+            <a:normAutofit/>
+          </a:bodyPr>
+          <a:lstStyle/>
+          <a:p>
+            <a:pPr marL="0" indent="0">
+              <a:buNone/>
+            </a:pPr>
+            <a:r>
+              <a:rPr lang="en-US" sz="2000" dirty="0" smtClean="0">
+                <a:latin typeface="Lucida Console" panose="020B0609040504020204" pitchFamily="49" charset="0"/>
+              </a:rPr>
+              <a:t>&lt;?</a:t>
+            </a:r>
+            <a:r>
+              <a:rPr lang="en-US" sz="2000" dirty="0" err="1" smtClean="0">
+                <a:latin typeface="Lucida Console" panose="020B0609040504020204" pitchFamily="49" charset="0"/>
+              </a:rPr>
+              <a:t>php</a:t>
+            </a:r>
+            <a:endParaRPr lang="en-US" sz="2000" dirty="0" smtClean="0">
+              <a:latin typeface="Lucida Console" panose="020B0609040504020204" pitchFamily="49" charset="0"/>
+            </a:endParaRPr>
+          </a:p>
+          <a:p>
+            <a:pPr marL="0" indent="0">
+              <a:buNone/>
+            </a:pPr>
+            <a:r>
+              <a:rPr lang="en-US" sz="2000" dirty="0" smtClean="0">
+                <a:latin typeface="Lucida Console" panose="020B0609040504020204" pitchFamily="49" charset="0"/>
+              </a:rPr>
+              <a:t>class User {}</a:t>
+            </a:r>
+          </a:p>
+          <a:p>
+            <a:pPr marL="0" indent="0">
+              <a:buNone/>
+            </a:pPr>
+            <a:endParaRPr lang="en-US" sz="2000" dirty="0">
+              <a:latin typeface="Lucida Console" panose="020B0609040504020204" pitchFamily="49" charset="0"/>
+            </a:endParaRPr>
+          </a:p>
+          <a:p>
+            <a:pPr marL="0" indent="0">
+              <a:buNone/>
+            </a:pPr>
+            <a:r>
+              <a:rPr lang="en-US" sz="2000" dirty="0" smtClean="0">
+                <a:latin typeface="Lucida Console" panose="020B0609040504020204" pitchFamily="49" charset="0"/>
+              </a:rPr>
+              <a:t>$</a:t>
+            </a:r>
+            <a:r>
+              <a:rPr lang="en-US" sz="2000" dirty="0" err="1" smtClean="0">
+                <a:latin typeface="Lucida Console" panose="020B0609040504020204" pitchFamily="49" charset="0"/>
+              </a:rPr>
+              <a:t>sql</a:t>
+            </a:r>
+            <a:r>
+              <a:rPr lang="en-US" sz="2000" dirty="0" smtClean="0">
+                <a:latin typeface="Lucida Console" panose="020B0609040504020204" pitchFamily="49" charset="0"/>
+              </a:rPr>
+              <a:t> = 'SELECT * FROM user';</a:t>
+            </a:r>
+          </a:p>
+          <a:p>
+            <a:pPr marL="0" indent="0">
+              <a:buNone/>
+            </a:pPr>
+            <a:endParaRPr lang="en-US" sz="2000" dirty="0">
+              <a:latin typeface="Lucida Console" panose="020B0609040504020204" pitchFamily="49" charset="0"/>
+            </a:endParaRPr>
+          </a:p>
+          <a:p>
+            <a:pPr marL="0" indent="0">
+              <a:buNone/>
+            </a:pPr>
+            <a:r>
+              <a:rPr lang="en-US" sz="2000" dirty="0" smtClean="0">
+                <a:latin typeface="Lucida Console" panose="020B0609040504020204" pitchFamily="49" charset="0"/>
+              </a:rPr>
+              <a:t>$</a:t>
+            </a:r>
+            <a:r>
+              <a:rPr lang="en-US" sz="2000" dirty="0" err="1" smtClean="0">
+                <a:latin typeface="Lucida Console" panose="020B0609040504020204" pitchFamily="49" charset="0"/>
+              </a:rPr>
+              <a:t>stmt</a:t>
+            </a:r>
+            <a:r>
+              <a:rPr lang="en-US" sz="2000" dirty="0" smtClean="0">
+                <a:latin typeface="Lucida Console" panose="020B0609040504020204" pitchFamily="49" charset="0"/>
+              </a:rPr>
+              <a:t> = $</a:t>
+            </a:r>
+            <a:r>
+              <a:rPr lang="en-US" sz="2000" dirty="0" err="1" smtClean="0">
+                <a:latin typeface="Lucida Console" panose="020B0609040504020204" pitchFamily="49" charset="0"/>
+              </a:rPr>
+              <a:t>db</a:t>
+            </a:r>
+            <a:r>
+              <a:rPr lang="en-US" sz="2000" dirty="0" smtClean="0">
+                <a:latin typeface="Lucida Console" panose="020B0609040504020204" pitchFamily="49" charset="0"/>
+              </a:rPr>
+              <a:t>-&gt;prepare($</a:t>
+            </a:r>
+            <a:r>
+              <a:rPr lang="en-US" sz="2000" dirty="0" err="1" smtClean="0">
+                <a:latin typeface="Lucida Console" panose="020B0609040504020204" pitchFamily="49" charset="0"/>
+              </a:rPr>
+              <a:t>sql</a:t>
+            </a:r>
+            <a:r>
+              <a:rPr lang="en-US" sz="2000" dirty="0" smtClean="0">
+                <a:latin typeface="Lucida Console" panose="020B0609040504020204" pitchFamily="49" charset="0"/>
+              </a:rPr>
+              <a:t>);</a:t>
+            </a:r>
+          </a:p>
+          <a:p>
+            <a:pPr marL="0" indent="0">
+              <a:buNone/>
+            </a:pPr>
+            <a:r>
+              <a:rPr lang="en-US" sz="2000" dirty="0" smtClean="0">
+                <a:latin typeface="Lucida Console" panose="020B0609040504020204" pitchFamily="49" charset="0"/>
+              </a:rPr>
+              <a:t>$</a:t>
+            </a:r>
+            <a:r>
+              <a:rPr lang="en-US" sz="2000" dirty="0" err="1" smtClean="0">
+                <a:latin typeface="Lucida Console" panose="020B0609040504020204" pitchFamily="49" charset="0"/>
+              </a:rPr>
+              <a:t>stmt</a:t>
+            </a:r>
+            <a:r>
+              <a:rPr lang="en-US" sz="2000" dirty="0" smtClean="0">
+                <a:latin typeface="Lucida Console" panose="020B0609040504020204" pitchFamily="49" charset="0"/>
+              </a:rPr>
+              <a:t>-&gt;execute();</a:t>
+            </a:r>
+            <a:endParaRPr lang="en-US" sz="2000" dirty="0" smtClean="0">
+              <a:latin typeface="Lucida Console" panose="020B0609040504020204" pitchFamily="49" charset="0"/>
+            </a:endParaRPr>
+          </a:p>
+          <a:p>
+            <a:pPr marL="0" indent="0">
+              <a:buNone/>
+            </a:pPr>
+            <a:r>
+              <a:rPr lang="en-US" sz="2000" dirty="0" smtClean="0">
+                <a:latin typeface="Lucida Console" panose="020B0609040504020204" pitchFamily="49" charset="0"/>
+              </a:rPr>
+              <a:t>$</a:t>
+            </a:r>
+            <a:r>
+              <a:rPr lang="en-US" sz="2000" dirty="0" err="1" smtClean="0">
+                <a:latin typeface="Lucida Console" panose="020B0609040504020204" pitchFamily="49" charset="0"/>
+              </a:rPr>
+              <a:t>stmt</a:t>
+            </a:r>
+            <a:r>
+              <a:rPr lang="en-US" sz="2000" dirty="0" smtClean="0">
+                <a:latin typeface="Lucida Console" panose="020B0609040504020204" pitchFamily="49" charset="0"/>
+              </a:rPr>
+              <a:t>-</a:t>
+            </a:r>
+            <a:r>
+              <a:rPr lang="en-US" sz="2000" dirty="0">
+                <a:latin typeface="Lucida Console" panose="020B0609040504020204" pitchFamily="49" charset="0"/>
+              </a:rPr>
+              <a:t>&gt;</a:t>
+            </a:r>
+            <a:r>
+              <a:rPr lang="en-US" sz="2000" dirty="0" err="1" smtClean="0">
+                <a:latin typeface="Lucida Console" panose="020B0609040504020204" pitchFamily="49" charset="0"/>
+              </a:rPr>
+              <a:t>setFetchMode</a:t>
+            </a:r>
+            <a:r>
+              <a:rPr lang="en-US" sz="2000" dirty="0" smtClean="0">
+                <a:latin typeface="Lucida Console" panose="020B0609040504020204" pitchFamily="49" charset="0"/>
+              </a:rPr>
+              <a:t>(Db</a:t>
+            </a:r>
+            <a:r>
+              <a:rPr lang="en-US" sz="2000" dirty="0">
+                <a:latin typeface="Lucida Console" panose="020B0609040504020204" pitchFamily="49" charset="0"/>
+              </a:rPr>
+              <a:t>::FETCH_CLASS, </a:t>
+            </a:r>
+            <a:r>
+              <a:rPr lang="en-US" sz="2000" dirty="0" smtClean="0">
+                <a:latin typeface="Lucida Console" panose="020B0609040504020204" pitchFamily="49" charset="0"/>
+              </a:rPr>
+              <a:t>'User');</a:t>
+            </a:r>
+          </a:p>
+          <a:p>
+            <a:pPr marL="0" indent="0">
+              <a:buNone/>
+            </a:pPr>
+            <a:endParaRPr lang="en-US" sz="2000" dirty="0">
+              <a:latin typeface="Lucida Console" panose="020B0609040504020204" pitchFamily="49" charset="0"/>
+            </a:endParaRPr>
+          </a:p>
+          <a:p>
+            <a:pPr marL="0" indent="0">
+              <a:buNone/>
+            </a:pPr>
+            <a:r>
+              <a:rPr lang="en-US" sz="2000" dirty="0" err="1" smtClean="0">
+                <a:latin typeface="Lucida Console" panose="020B0609040504020204" pitchFamily="49" charset="0"/>
+              </a:rPr>
+              <a:t>foreach</a:t>
+            </a:r>
+            <a:r>
+              <a:rPr lang="en-US" sz="2000" dirty="0" smtClean="0">
+                <a:latin typeface="Lucida Console" panose="020B0609040504020204" pitchFamily="49" charset="0"/>
+              </a:rPr>
+              <a:t>($</a:t>
+            </a:r>
+            <a:r>
+              <a:rPr lang="en-US" sz="2000" dirty="0" err="1" smtClean="0">
+                <a:latin typeface="Lucida Console" panose="020B0609040504020204" pitchFamily="49" charset="0"/>
+              </a:rPr>
+              <a:t>stmt</a:t>
+            </a:r>
+            <a:r>
+              <a:rPr lang="en-US" sz="2000" dirty="0" smtClean="0">
+                <a:latin typeface="Lucida Console" panose="020B0609040504020204" pitchFamily="49" charset="0"/>
+              </a:rPr>
+              <a:t> as $</a:t>
+            </a:r>
+            <a:r>
+              <a:rPr lang="en-US" sz="2000" dirty="0" err="1" smtClean="0">
+                <a:latin typeface="Lucida Console" panose="020B0609040504020204" pitchFamily="49" charset="0"/>
+              </a:rPr>
+              <a:t>user_object</a:t>
+            </a:r>
+            <a:r>
+              <a:rPr lang="en-US" sz="2000" dirty="0" smtClean="0">
+                <a:latin typeface="Lucida Console" panose="020B0609040504020204" pitchFamily="49" charset="0"/>
+              </a:rPr>
+              <a:t>) {}</a:t>
+            </a:r>
+            <a:endParaRPr lang="en-US" sz="2000" dirty="0" smtClean="0">
+              <a:latin typeface="Lucida Console" panose="020B0609040504020204" pitchFamily="49" charset="0"/>
+            </a:endParaRPr>
           </a:p>
         </p:txBody>
       </p:sp>
     </p:spTree>
     <p:extLst>
       <p:ext uri="{BB962C8B-B14F-4D97-AF65-F5344CB8AC3E}">
-        <p14:creationId xmlns:p14="http://schemas.microsoft.com/office/powerpoint/2010/main" val="219596888"/>
+        <p14:creationId xmlns:p14="http://schemas.microsoft.com/office/powerpoint/2010/main" val="2405860383"/>
       </p:ext>
     </p:extLst>
   </p:cSld>
@@ -9706,7 +11401,7 @@
       </p:grpSpPr>
       <p:sp>
         <p:nvSpPr>
-          <p:cNvPr id="4" name="Title 3"/>
+          <p:cNvPr id="2" name="Title 1"/>
           <p:cNvSpPr>
             <a:spLocks noGrp="1"/>
           </p:cNvSpPr>
@@ -9721,7 +11416,7 @@
           <a:p>
             <a:r>
               <a:rPr lang="en-US" dirty="0" smtClean="0"/>
-              <a:t>Routing and Controllers</a:t>
+              <a:t>Model Classes</a:t>
             </a:r>
             <a:endParaRPr lang="en-US" dirty="0"/>
           </a:p>
@@ -9729,12 +11424,12 @@
       </p:sp>
       <p:sp>
         <p:nvSpPr>
-          <p:cNvPr id="5" name="Text Placeholder 4"/>
-          <p:cNvSpPr>
-            <a:spLocks noGrp="1"/>
-          </p:cNvSpPr>
-          <p:nvPr>
-            <p:ph type="body" idx="1"/>
+          <p:cNvPr id="3" name="Content Placeholder 2"/>
+          <p:cNvSpPr>
+            <a:spLocks noGrp="1"/>
+          </p:cNvSpPr>
+          <p:nvPr>
+            <p:ph idx="1"/>
           </p:nvPr>
         </p:nvSpPr>
         <p:spPr/>
@@ -9744,7 +11439,51 @@
           <a:p>
             <a:r>
               <a:rPr lang="en-US" dirty="0" smtClean="0"/>
-              <a:t>Lesson 4:</a:t>
+              <a:t>Journal Entry</a:t>
+            </a:r>
+          </a:p>
+          <a:p>
+            <a:pPr lvl="1"/>
+            <a:r>
+              <a:rPr lang="en-US" dirty="0" smtClean="0"/>
+              <a:t>title</a:t>
+            </a:r>
+            <a:endParaRPr lang="en-US" dirty="0" smtClean="0"/>
+          </a:p>
+          <a:p>
+            <a:pPr lvl="1"/>
+            <a:r>
+              <a:rPr lang="en-US" dirty="0" smtClean="0"/>
+              <a:t>text</a:t>
+            </a:r>
+          </a:p>
+          <a:p>
+            <a:r>
+              <a:rPr lang="en-US" dirty="0" smtClean="0"/>
+              <a:t>User</a:t>
+            </a:r>
+            <a:endParaRPr lang="en-US" dirty="0" smtClean="0"/>
+          </a:p>
+          <a:p>
+            <a:pPr lvl="1"/>
+            <a:r>
+              <a:rPr lang="en-US" dirty="0" smtClean="0"/>
+              <a:t>name</a:t>
+            </a:r>
+          </a:p>
+          <a:p>
+            <a:pPr lvl="1"/>
+            <a:r>
+              <a:rPr lang="en-US" dirty="0" smtClean="0"/>
+              <a:t>display name</a:t>
+            </a:r>
+            <a:endParaRPr lang="en-US" dirty="0" smtClean="0"/>
+          </a:p>
+          <a:p>
+            <a:pPr lvl="1"/>
+            <a:r>
+              <a:rPr lang="en-US" dirty="0" smtClean="0"/>
+              <a:t>password</a:t>
             </a:r>
             <a:endParaRPr lang="en-US" dirty="0"/>
           </a:p>
@@ -9753,7 +11492,7 @@
     </p:spTree>
     <p:extLst>
       <p:ext uri="{BB962C8B-B14F-4D97-AF65-F5344CB8AC3E}">
-        <p14:creationId xmlns:p14="http://schemas.microsoft.com/office/powerpoint/2010/main" val="2073174591"/>
+        <p14:creationId xmlns:p14="http://schemas.microsoft.com/office/powerpoint/2010/main" val="3803216798"/>
       </p:ext>
     </p:extLst>
   </p:cSld>
@@ -9804,7 +11543,7 @@
           <a:p>
             <a:r>
               <a:rPr lang="en-US" dirty="0" smtClean="0"/>
-              <a:t>Security and Validation</a:t>
+              <a:t>User Objects</a:t>
             </a:r>
             <a:endParaRPr lang="en-US" dirty="0"/>
           </a:p>
@@ -9812,31 +11551,200 @@
       </p:sp>
       <p:sp>
         <p:nvSpPr>
-          <p:cNvPr id="3" name="Text Placeholder 2"/>
-          <p:cNvSpPr>
-            <a:spLocks noGrp="1"/>
-          </p:cNvSpPr>
-          <p:nvPr>
-            <p:ph type="body" idx="1"/>
-          </p:nvPr>
-        </p:nvSpPr>
-        <p:spPr/>
-        <p:txBody>
-          <a:bodyPr/>
-          <a:lstStyle/>
-          <a:p>
-            <a:r>
-              <a:rPr lang="en-US" dirty="0" smtClean="0"/>
-              <a:t>Lesson 5:</a:t>
-            </a:r>
-            <a:endParaRPr lang="en-US" dirty="0"/>
+          <p:cNvPr id="3" name="Content Placeholder 2"/>
+          <p:cNvSpPr>
+            <a:spLocks noGrp="1"/>
+          </p:cNvSpPr>
+          <p:nvPr>
+            <p:ph idx="1"/>
+          </p:nvPr>
+        </p:nvSpPr>
+        <p:spPr>
+          <a:solidFill>
+            <a:schemeClr val="bg1">
+              <a:lumMod val="85000"/>
+            </a:schemeClr>
+          </a:solidFill>
+          <a:ln>
+            <a:solidFill>
+              <a:schemeClr val="tx1"/>
+            </a:solidFill>
+          </a:ln>
+        </p:spPr>
+        <p:txBody>
+          <a:bodyPr>
+            <a:normAutofit/>
+          </a:bodyPr>
+          <a:lstStyle/>
+          <a:p>
+            <a:pPr marL="0" indent="0">
+              <a:buNone/>
+            </a:pPr>
+            <a:r>
+              <a:rPr lang="en-US" sz="2000" dirty="0" smtClean="0">
+                <a:latin typeface="Lucida Console" panose="020B0609040504020204" pitchFamily="49" charset="0"/>
+              </a:rPr>
+              <a:t>&lt;?</a:t>
+            </a:r>
+            <a:r>
+              <a:rPr lang="en-US" sz="2000" dirty="0" err="1" smtClean="0">
+                <a:latin typeface="Lucida Console" panose="020B0609040504020204" pitchFamily="49" charset="0"/>
+              </a:rPr>
+              <a:t>php</a:t>
+            </a:r>
+            <a:endParaRPr lang="en-US" sz="2000" dirty="0" smtClean="0">
+              <a:latin typeface="Lucida Console" panose="020B0609040504020204" pitchFamily="49" charset="0"/>
+            </a:endParaRPr>
+          </a:p>
+          <a:p>
+            <a:pPr marL="0" indent="0">
+              <a:buNone/>
+            </a:pPr>
+            <a:r>
+              <a:rPr lang="en-US" sz="2000" dirty="0" smtClean="0">
+                <a:latin typeface="Lucida Console" panose="020B0609040504020204" pitchFamily="49" charset="0"/>
+              </a:rPr>
+              <a:t>class </a:t>
+            </a:r>
+            <a:r>
+              <a:rPr lang="en-US" sz="2000" dirty="0">
+                <a:latin typeface="Lucida Console" panose="020B0609040504020204" pitchFamily="49" charset="0"/>
+              </a:rPr>
+              <a:t>User </a:t>
+            </a:r>
+            <a:endParaRPr lang="en-US" sz="2000" dirty="0" smtClean="0">
+              <a:latin typeface="Lucida Console" panose="020B0609040504020204" pitchFamily="49" charset="0"/>
+            </a:endParaRPr>
+          </a:p>
+          <a:p>
+            <a:pPr marL="0" indent="0">
+              <a:buNone/>
+            </a:pPr>
+            <a:r>
+              <a:rPr lang="en-US" sz="2000" dirty="0" smtClean="0">
+                <a:latin typeface="Lucida Console" panose="020B0609040504020204" pitchFamily="49" charset="0"/>
+              </a:rPr>
+              <a:t>{</a:t>
+            </a:r>
+          </a:p>
+          <a:p>
+            <a:pPr marL="0" indent="0">
+              <a:buNone/>
+            </a:pPr>
+            <a:r>
+              <a:rPr lang="en-US" sz="2000" dirty="0" smtClean="0">
+                <a:latin typeface="Lucida Console" panose="020B0609040504020204" pitchFamily="49" charset="0"/>
+              </a:rPr>
+              <a:t>    </a:t>
+            </a:r>
+            <a:r>
+              <a:rPr lang="en-US" sz="2000" dirty="0">
+                <a:latin typeface="Lucida Console" panose="020B0609040504020204" pitchFamily="49" charset="0"/>
+              </a:rPr>
+              <a:t>public $</a:t>
+            </a:r>
+            <a:r>
+              <a:rPr lang="en-US" sz="2000" dirty="0" err="1">
+                <a:latin typeface="Lucida Console" panose="020B0609040504020204" pitchFamily="49" charset="0"/>
+              </a:rPr>
+              <a:t>user_id</a:t>
+            </a:r>
+            <a:r>
+              <a:rPr lang="en-US" sz="2000" dirty="0" smtClean="0">
+                <a:latin typeface="Lucida Console" panose="020B0609040504020204" pitchFamily="49" charset="0"/>
+              </a:rPr>
+              <a:t>;</a:t>
+            </a:r>
+          </a:p>
+          <a:p>
+            <a:pPr marL="0" indent="0">
+              <a:buNone/>
+            </a:pPr>
+            <a:r>
+              <a:rPr lang="en-US" sz="2000" dirty="0" smtClean="0">
+                <a:latin typeface="Lucida Console" panose="020B0609040504020204" pitchFamily="49" charset="0"/>
+              </a:rPr>
+              <a:t>    </a:t>
+            </a:r>
+            <a:r>
+              <a:rPr lang="en-US" sz="2000" dirty="0">
+                <a:latin typeface="Lucida Console" panose="020B0609040504020204" pitchFamily="49" charset="0"/>
+              </a:rPr>
+              <a:t>public $name</a:t>
+            </a:r>
+            <a:r>
+              <a:rPr lang="en-US" sz="2000" dirty="0" smtClean="0">
+                <a:latin typeface="Lucida Console" panose="020B0609040504020204" pitchFamily="49" charset="0"/>
+              </a:rPr>
+              <a:t>;</a:t>
+            </a:r>
+          </a:p>
+          <a:p>
+            <a:pPr marL="0" indent="0">
+              <a:buNone/>
+            </a:pPr>
+            <a:r>
+              <a:rPr lang="en-US" sz="2000" dirty="0" smtClean="0">
+                <a:latin typeface="Lucida Console" panose="020B0609040504020204" pitchFamily="49" charset="0"/>
+              </a:rPr>
+              <a:t>    </a:t>
+            </a:r>
+            <a:r>
+              <a:rPr lang="en-US" sz="2000" dirty="0">
+                <a:latin typeface="Lucida Console" panose="020B0609040504020204" pitchFamily="49" charset="0"/>
+              </a:rPr>
+              <a:t>public $display</a:t>
+            </a:r>
+            <a:r>
+              <a:rPr lang="en-US" sz="2000" dirty="0" smtClean="0">
+                <a:latin typeface="Lucida Console" panose="020B0609040504020204" pitchFamily="49" charset="0"/>
+              </a:rPr>
+              <a:t>;</a:t>
+            </a:r>
+          </a:p>
+          <a:p>
+            <a:pPr marL="0" indent="0">
+              <a:buNone/>
+            </a:pPr>
+            <a:r>
+              <a:rPr lang="en-US" sz="2000" dirty="0" smtClean="0">
+                <a:latin typeface="Lucida Console" panose="020B0609040504020204" pitchFamily="49" charset="0"/>
+              </a:rPr>
+              <a:t>    </a:t>
+            </a:r>
+            <a:r>
+              <a:rPr lang="en-US" sz="2000" dirty="0">
+                <a:latin typeface="Lucida Console" panose="020B0609040504020204" pitchFamily="49" charset="0"/>
+              </a:rPr>
+              <a:t>public $password</a:t>
+            </a:r>
+            <a:r>
+              <a:rPr lang="en-US" sz="2000" dirty="0" smtClean="0">
+                <a:latin typeface="Lucida Console" panose="020B0609040504020204" pitchFamily="49" charset="0"/>
+              </a:rPr>
+              <a:t>;</a:t>
+            </a:r>
+          </a:p>
+          <a:p>
+            <a:pPr marL="0" indent="0">
+              <a:buNone/>
+            </a:pPr>
+            <a:r>
+              <a:rPr lang="en-US" sz="2000" dirty="0" smtClean="0">
+                <a:latin typeface="Lucida Console" panose="020B0609040504020204" pitchFamily="49" charset="0"/>
+              </a:rPr>
+              <a:t>}</a:t>
+            </a:r>
+            <a:endParaRPr lang="en-US" sz="2000" dirty="0" smtClean="0">
+              <a:latin typeface="Lucida Console" panose="020B0609040504020204" pitchFamily="49" charset="0"/>
+            </a:endParaRPr>
           </a:p>
         </p:txBody>
       </p:sp>
     </p:spTree>
     <p:extLst>
       <p:ext uri="{BB962C8B-B14F-4D97-AF65-F5344CB8AC3E}">
-        <p14:creationId xmlns:p14="http://schemas.microsoft.com/office/powerpoint/2010/main" val="871361754"/>
+        <p14:creationId xmlns:p14="http://schemas.microsoft.com/office/powerpoint/2010/main" val="1215276864"/>
       </p:ext>
     </p:extLst>
   </p:cSld>
@@ -9977,110 +11885,278 @@
         </p:nvSpPr>
         <p:spPr/>
         <p:txBody>
+          <a:bodyPr/>
+          <a:lstStyle/>
+          <a:p>
+            <a:r>
+              <a:rPr lang="en-US" dirty="0" smtClean="0"/>
+              <a:t>Tying Validation to Data</a:t>
+            </a:r>
+            <a:endParaRPr lang="en-US" dirty="0"/>
+          </a:p>
+        </p:txBody>
+      </p:sp>
+      <p:sp>
+        <p:nvSpPr>
+          <p:cNvPr id="3" name="Content Placeholder 2"/>
+          <p:cNvSpPr>
+            <a:spLocks noGrp="1"/>
+          </p:cNvSpPr>
+          <p:nvPr>
+            <p:ph idx="1"/>
+          </p:nvPr>
+        </p:nvSpPr>
+        <p:spPr>
+          <a:solidFill>
+            <a:schemeClr val="bg1">
+              <a:lumMod val="85000"/>
+            </a:schemeClr>
+          </a:solidFill>
+          <a:ln>
+            <a:solidFill>
+              <a:schemeClr val="tx1"/>
+            </a:solidFill>
+          </a:ln>
+        </p:spPr>
+        <p:txBody>
           <a:bodyPr>
-            <a:normAutofit fontScale="90000"/>
+            <a:normAutofit/>
           </a:bodyPr>
           <a:lstStyle/>
           <a:p>
-            <a:r>
-              <a:rPr lang="en-US" dirty="0" smtClean="0"/>
-              <a:t>Use the Principles of </a:t>
-            </a:r>
-            <a:r>
-              <a:rPr lang="en-US" dirty="0" smtClean="0"/>
-              <a:t>Architecture</a:t>
-            </a:r>
-            <a:br>
-              <a:rPr lang="en-US" dirty="0" smtClean="0"/>
-            </a:br>
-            <a:r>
-              <a:rPr lang="en-US" dirty="0" smtClean="0"/>
-              <a:t>You've Learned</a:t>
-            </a:r>
-            <a:endParaRPr lang="en-US" dirty="0"/>
-          </a:p>
-        </p:txBody>
-      </p:sp>
-      <p:sp>
-        <p:nvSpPr>
-          <p:cNvPr id="3" name="Content Placeholder 2"/>
-          <p:cNvSpPr>
-            <a:spLocks noGrp="1"/>
-          </p:cNvSpPr>
-          <p:nvPr>
-            <p:ph idx="1"/>
-          </p:nvPr>
-        </p:nvSpPr>
-        <p:spPr/>
-        <p:txBody>
-          <a:bodyPr/>
-          <a:lstStyle/>
-          <a:p>
-            <a:pPr marL="514350" indent="-514350">
-              <a:buFont typeface="+mj-lt"/>
-              <a:buAutoNum type="arabicPeriod"/>
+            <a:pPr marL="0" indent="0">
+              <a:buNone/>
             </a:pPr>
             <a:r>
-              <a:rPr lang="en-US" dirty="0"/>
-              <a:t>SOC</a:t>
-            </a:r>
-          </a:p>
-          <a:p>
-            <a:pPr marL="514350" indent="-514350">
-              <a:buFont typeface="+mj-lt"/>
-              <a:buAutoNum type="arabicPeriod"/>
+              <a:rPr lang="en-US" sz="2000" dirty="0" smtClean="0">
+                <a:latin typeface="Lucida Console" panose="020B0609040504020204" pitchFamily="49" charset="0"/>
+              </a:rPr>
+              <a:t>&lt;?</a:t>
+            </a:r>
+            <a:r>
+              <a:rPr lang="en-US" sz="2000" dirty="0" err="1" smtClean="0">
+                <a:latin typeface="Lucida Console" panose="020B0609040504020204" pitchFamily="49" charset="0"/>
+              </a:rPr>
+              <a:t>php</a:t>
+            </a:r>
+            <a:endParaRPr lang="en-US" sz="2000" dirty="0" smtClean="0">
+              <a:latin typeface="Lucida Console" panose="020B0609040504020204" pitchFamily="49" charset="0"/>
+            </a:endParaRPr>
+          </a:p>
+          <a:p>
+            <a:pPr marL="0" indent="0">
+              <a:buNone/>
             </a:pPr>
             <a:r>
-              <a:rPr lang="en-US" dirty="0" smtClean="0"/>
-              <a:t>DRY</a:t>
-            </a:r>
-            <a:endParaRPr lang="en-US" dirty="0" smtClean="0"/>
-          </a:p>
-          <a:p>
-            <a:pPr marL="514350" indent="-514350">
-              <a:buFont typeface="+mj-lt"/>
-              <a:buAutoNum type="arabicPeriod"/>
+              <a:rPr lang="en-US" sz="2000" dirty="0" smtClean="0">
+                <a:latin typeface="Lucida Console" panose="020B0609040504020204" pitchFamily="49" charset="0"/>
+              </a:rPr>
+              <a:t>class </a:t>
+            </a:r>
+            <a:r>
+              <a:rPr lang="en-US" sz="2000" dirty="0">
+                <a:latin typeface="Lucida Console" panose="020B0609040504020204" pitchFamily="49" charset="0"/>
+              </a:rPr>
+              <a:t>User </a:t>
+            </a:r>
+            <a:endParaRPr lang="en-US" sz="2000" dirty="0" smtClean="0">
+              <a:latin typeface="Lucida Console" panose="020B0609040504020204" pitchFamily="49" charset="0"/>
+            </a:endParaRPr>
+          </a:p>
+          <a:p>
+            <a:pPr marL="0" indent="0">
+              <a:buNone/>
             </a:pPr>
             <a:r>
-              <a:rPr lang="en-US" dirty="0" smtClean="0"/>
-              <a:t>YAGNI</a:t>
-            </a:r>
-            <a:endParaRPr lang="en-US" dirty="0" smtClean="0"/>
-          </a:p>
-          <a:p>
-            <a:pPr marL="514350" indent="-514350">
-              <a:buFont typeface="+mj-lt"/>
-              <a:buAutoNum type="arabicPeriod"/>
+              <a:rPr lang="en-US" sz="2000" dirty="0" smtClean="0">
+                <a:latin typeface="Lucida Console" panose="020B0609040504020204" pitchFamily="49" charset="0"/>
+              </a:rPr>
+              <a:t>{</a:t>
+            </a:r>
+          </a:p>
+          <a:p>
+            <a:pPr marL="0" indent="0">
+              <a:buNone/>
             </a:pPr>
             <a:r>
-              <a:rPr lang="en-US" dirty="0" smtClean="0"/>
-              <a:t>SRP</a:t>
-            </a:r>
-          </a:p>
-          <a:p>
-            <a:pPr marL="514350" indent="-514350">
-              <a:buFont typeface="+mj-lt"/>
-              <a:buAutoNum type="arabicPeriod"/>
+              <a:rPr lang="en-US" sz="2000" dirty="0" smtClean="0">
+                <a:latin typeface="Lucida Console" panose="020B0609040504020204" pitchFamily="49" charset="0"/>
+              </a:rPr>
+              <a:t>	... </a:t>
+            </a:r>
+          </a:p>
+          <a:p>
+            <a:pPr marL="0" indent="0">
+              <a:buNone/>
             </a:pPr>
             <a:r>
-              <a:rPr lang="en-US" dirty="0" err="1" smtClean="0"/>
-              <a:t>LoD</a:t>
-            </a:r>
-            <a:endParaRPr lang="en-US" dirty="0" smtClean="0"/>
-          </a:p>
-          <a:p>
-            <a:pPr marL="514350" indent="-514350">
-              <a:buFont typeface="+mj-lt"/>
-              <a:buAutoNum type="arabicPeriod"/>
+              <a:rPr lang="en-US" sz="2000" dirty="0">
+                <a:latin typeface="Lucida Console" panose="020B0609040504020204" pitchFamily="49" charset="0"/>
+              </a:rPr>
+              <a:t>	</a:t>
+            </a:r>
+            <a:r>
+              <a:rPr lang="en-US" sz="2000" dirty="0" smtClean="0">
+                <a:latin typeface="Lucida Console" panose="020B0609040504020204" pitchFamily="49" charset="0"/>
+              </a:rPr>
+              <a:t>public </a:t>
+            </a:r>
+            <a:r>
+              <a:rPr lang="en-US" sz="2000" dirty="0">
+                <a:latin typeface="Lucida Console" panose="020B0609040504020204" pitchFamily="49" charset="0"/>
+              </a:rPr>
+              <a:t>function validate() </a:t>
+            </a:r>
+            <a:endParaRPr lang="en-US" sz="2000" dirty="0" smtClean="0">
+              <a:latin typeface="Lucida Console" panose="020B0609040504020204" pitchFamily="49" charset="0"/>
+            </a:endParaRPr>
+          </a:p>
+          <a:p>
+            <a:pPr marL="0" indent="0">
+              <a:buNone/>
             </a:pPr>
-            <a:endParaRPr lang="en-US" dirty="0"/>
+            <a:r>
+              <a:rPr lang="en-US" sz="2000" dirty="0">
+                <a:latin typeface="Lucida Console" panose="020B0609040504020204" pitchFamily="49" charset="0"/>
+              </a:rPr>
+              <a:t>	</a:t>
+            </a:r>
+            <a:r>
+              <a:rPr lang="en-US" sz="2000" dirty="0" smtClean="0">
+                <a:latin typeface="Lucida Console" panose="020B0609040504020204" pitchFamily="49" charset="0"/>
+              </a:rPr>
+              <a:t>{</a:t>
+            </a:r>
+          </a:p>
+          <a:p>
+            <a:pPr marL="0" indent="0">
+              <a:buNone/>
+            </a:pPr>
+            <a:r>
+              <a:rPr lang="en-US" sz="2000" dirty="0">
+                <a:latin typeface="Lucida Console" panose="020B0609040504020204" pitchFamily="49" charset="0"/>
+              </a:rPr>
+              <a:t>	</a:t>
+            </a:r>
+            <a:r>
+              <a:rPr lang="en-US" sz="2000" dirty="0" smtClean="0">
+                <a:latin typeface="Lucida Console" panose="020B0609040504020204" pitchFamily="49" charset="0"/>
+              </a:rPr>
+              <a:t>	if(empty</a:t>
+            </a:r>
+            <a:r>
+              <a:rPr lang="en-US" sz="2000" dirty="0">
+                <a:latin typeface="Lucida Console" panose="020B0609040504020204" pitchFamily="49" charset="0"/>
+              </a:rPr>
+              <a:t>($this-&gt;</a:t>
+            </a:r>
+            <a:r>
+              <a:rPr lang="en-US" sz="2000" dirty="0" err="1">
+                <a:latin typeface="Lucida Console" panose="020B0609040504020204" pitchFamily="49" charset="0"/>
+              </a:rPr>
+              <a:t>user_id</a:t>
+            </a:r>
+            <a:r>
+              <a:rPr lang="en-US" sz="2000" dirty="0">
+                <a:latin typeface="Lucida Console" panose="020B0609040504020204" pitchFamily="49" charset="0"/>
+              </a:rPr>
+              <a:t>)) </a:t>
+            </a:r>
+            <a:r>
+              <a:rPr lang="en-US" sz="2000" dirty="0" smtClean="0">
+                <a:latin typeface="Lucida Console" panose="020B0609040504020204" pitchFamily="49" charset="0"/>
+              </a:rPr>
+              <a:t>{</a:t>
+            </a:r>
+          </a:p>
+          <a:p>
+            <a:pPr marL="0" indent="0">
+              <a:buNone/>
+            </a:pPr>
+            <a:r>
+              <a:rPr lang="en-US" sz="2000" dirty="0">
+                <a:latin typeface="Lucida Console" panose="020B0609040504020204" pitchFamily="49" charset="0"/>
+              </a:rPr>
+              <a:t>		    return false</a:t>
+            </a:r>
+            <a:r>
+              <a:rPr lang="en-US" sz="2000" dirty="0" smtClean="0">
+                <a:latin typeface="Lucida Console" panose="020B0609040504020204" pitchFamily="49" charset="0"/>
+              </a:rPr>
+              <a:t>;</a:t>
+            </a:r>
+          </a:p>
+          <a:p>
+            <a:pPr marL="0" indent="0">
+              <a:buNone/>
+            </a:pPr>
+            <a:r>
+              <a:rPr lang="en-US" sz="2000" dirty="0">
+                <a:latin typeface="Lucida Console" panose="020B0609040504020204" pitchFamily="49" charset="0"/>
+              </a:rPr>
+              <a:t>	</a:t>
+            </a:r>
+            <a:r>
+              <a:rPr lang="en-US" sz="2000" dirty="0" smtClean="0">
+                <a:latin typeface="Lucida Console" panose="020B0609040504020204" pitchFamily="49" charset="0"/>
+              </a:rPr>
+              <a:t>	}</a:t>
+            </a:r>
+          </a:p>
+          <a:p>
+            <a:pPr marL="0" indent="0">
+              <a:buNone/>
+            </a:pPr>
+            <a:r>
+              <a:rPr lang="en-US" sz="2000" dirty="0">
+                <a:latin typeface="Lucida Console" panose="020B0609040504020204" pitchFamily="49" charset="0"/>
+              </a:rPr>
+              <a:t>		return true</a:t>
+            </a:r>
+            <a:r>
+              <a:rPr lang="en-US" sz="2000" dirty="0" smtClean="0">
+                <a:latin typeface="Lucida Console" panose="020B0609040504020204" pitchFamily="49" charset="0"/>
+              </a:rPr>
+              <a:t>;</a:t>
+            </a:r>
+          </a:p>
+          <a:p>
+            <a:pPr marL="0" indent="0">
+              <a:buNone/>
+            </a:pPr>
+            <a:r>
+              <a:rPr lang="en-US" sz="2000" dirty="0">
+                <a:latin typeface="Lucida Console" panose="020B0609040504020204" pitchFamily="49" charset="0"/>
+              </a:rPr>
+              <a:t>	</a:t>
+            </a:r>
+            <a:r>
+              <a:rPr lang="en-US" sz="2000" dirty="0" smtClean="0">
+                <a:latin typeface="Lucida Console" panose="020B0609040504020204" pitchFamily="49" charset="0"/>
+              </a:rPr>
+              <a:t>}</a:t>
+            </a:r>
+          </a:p>
+          <a:p>
+            <a:pPr marL="0" indent="0">
+              <a:buNone/>
+            </a:pPr>
+            <a:r>
+              <a:rPr lang="en-US" sz="2000" dirty="0" smtClean="0">
+                <a:latin typeface="Lucida Console" panose="020B0609040504020204" pitchFamily="49" charset="0"/>
+              </a:rPr>
+              <a:t>}</a:t>
+            </a:r>
+            <a:endParaRPr lang="en-US" sz="2000" dirty="0" smtClean="0">
+              <a:latin typeface="Lucida Console" panose="020B0609040504020204" pitchFamily="49" charset="0"/>
+            </a:endParaRPr>
           </a:p>
         </p:txBody>
       </p:sp>
     </p:spTree>
     <p:extLst>
       <p:ext uri="{BB962C8B-B14F-4D97-AF65-F5344CB8AC3E}">
-        <p14:creationId xmlns:p14="http://schemas.microsoft.com/office/powerpoint/2010/main" val="3993008964"/>
+        <p14:creationId xmlns:p14="http://schemas.microsoft.com/office/powerpoint/2010/main" val="2462706632"/>
       </p:ext>
     </p:extLst>
   </p:cSld>
@@ -10116,7 +12192,7 @@
       </p:grpSpPr>
       <p:sp>
         <p:nvSpPr>
-          <p:cNvPr id="2" name="Title 1"/>
+          <p:cNvPr id="4" name="Title 3"/>
           <p:cNvSpPr>
             <a:spLocks noGrp="1"/>
           </p:cNvSpPr>
@@ -10128,57 +12204,752 @@
         <p:txBody>
           <a:bodyPr/>
           <a:lstStyle/>
-          <a:p>
-            <a:r>
-              <a:rPr lang="en-US" dirty="0" smtClean="0"/>
-              <a:t>Tying it all Together</a:t>
-            </a:r>
-            <a:endParaRPr lang="en-US" dirty="0"/>
-          </a:p>
-        </p:txBody>
-      </p:sp>
-      <p:sp>
-        <p:nvSpPr>
-          <p:cNvPr id="3" name="Content Placeholder 2"/>
-          <p:cNvSpPr>
-            <a:spLocks noGrp="1"/>
-          </p:cNvSpPr>
-          <p:nvPr>
-            <p:ph idx="1"/>
-          </p:nvPr>
-        </p:nvSpPr>
-        <p:spPr/>
-        <p:txBody>
-          <a:bodyPr/>
-          <a:lstStyle/>
-          <a:p>
-            <a:r>
-              <a:rPr lang="en-US" dirty="0" smtClean="0"/>
-              <a:t>File Layout and Configuration</a:t>
-            </a:r>
-          </a:p>
-          <a:p>
-            <a:r>
-              <a:rPr lang="en-US" dirty="0" smtClean="0"/>
-              <a:t>Data Models</a:t>
-            </a:r>
-          </a:p>
           <a:p>
             <a:r>
               <a:rPr lang="en-US" dirty="0" smtClean="0"/>
               <a:t>Views and Templates</a:t>
             </a:r>
-          </a:p>
+            <a:endParaRPr lang="en-US" dirty="0"/>
+          </a:p>
+        </p:txBody>
+      </p:sp>
+      <p:sp>
+        <p:nvSpPr>
+          <p:cNvPr id="5" name="Text Placeholder 4"/>
+          <p:cNvSpPr>
+            <a:spLocks noGrp="1"/>
+          </p:cNvSpPr>
+          <p:nvPr>
+            <p:ph type="body" idx="1"/>
+          </p:nvPr>
+        </p:nvSpPr>
+        <p:spPr/>
+        <p:txBody>
+          <a:bodyPr/>
+          <a:lstStyle/>
+          <a:p>
+            <a:r>
+              <a:rPr lang="en-US" dirty="0" smtClean="0"/>
+              <a:t>Lesson 3:</a:t>
+            </a:r>
+            <a:endParaRPr lang="en-US" dirty="0"/>
+          </a:p>
+        </p:txBody>
+      </p:sp>
+    </p:spTree>
+    <p:extLst>
+      <p:ext uri="{BB962C8B-B14F-4D97-AF65-F5344CB8AC3E}">
+        <p14:creationId xmlns:p14="http://schemas.microsoft.com/office/powerpoint/2010/main" val="3115303056"/>
+      </p:ext>
+    </p:extLst>
+  </p:cSld>
+  <p:clrMapOvr>
+    <a:masterClrMapping/>
+  </p:clrMapOvr>
+  <p:timing>
+    <p:tnLst>
+      <p:par>
+        <p:cTn id="1" dur="indefinite" restart="never" nodeType="tmRoot"/>
+      </p:par>
+    </p:tnLst>
+  </p:timing>
+</p:sld>
+</file>
+
+<file path=ppt/slides/slide32.xml><?xml version="1.0" encoding="utf-8"?>
+<p:sld xmlns:a="http://schemas.openxmlformats.org/drawingml/2006/main" xmlns:r="http://schemas.openxmlformats.org/officeDocument/2006/relationships" xmlns:p="http://schemas.openxmlformats.org/presentationml/2006/main">
+  <p:cSld>
+    <p:spTree>
+      <p:nvGrpSpPr>
+        <p:cNvPr id="1" name=""/>
+        <p:cNvGrpSpPr/>
+        <p:nvPr/>
+      </p:nvGrpSpPr>
+      <p:grpSpPr>
+        <a:xfrm>
+          <a:off x="0" y="0"/>
+          <a:ext cx="0" cy="0"/>
+          <a:chOff x="0" y="0"/>
+          <a:chExt cx="0" cy="0"/>
+        </a:xfrm>
+      </p:grpSpPr>
+      <p:sp>
+        <p:nvSpPr>
+          <p:cNvPr id="4" name="Title 3"/>
+          <p:cNvSpPr>
+            <a:spLocks noGrp="1"/>
+          </p:cNvSpPr>
+          <p:nvPr>
+            <p:ph type="title"/>
+          </p:nvPr>
+        </p:nvSpPr>
+        <p:spPr/>
+        <p:txBody>
+          <a:bodyPr/>
+          <a:lstStyle/>
+          <a:p>
+            <a:r>
+              <a:rPr lang="en-US" dirty="0" smtClean="0"/>
+              <a:t>Template Class</a:t>
+            </a:r>
+            <a:endParaRPr lang="en-US" dirty="0"/>
+          </a:p>
+        </p:txBody>
+      </p:sp>
+      <p:sp>
+        <p:nvSpPr>
+          <p:cNvPr id="5" name="Content Placeholder 4"/>
+          <p:cNvSpPr>
+            <a:spLocks noGrp="1"/>
+          </p:cNvSpPr>
+          <p:nvPr>
+            <p:ph idx="1"/>
+          </p:nvPr>
+        </p:nvSpPr>
+        <p:spPr/>
+        <p:txBody>
+          <a:bodyPr/>
+          <a:lstStyle/>
+          <a:p>
+            <a:r>
+              <a:rPr lang="en-US" dirty="0" smtClean="0"/>
+              <a:t>Holds the data to display</a:t>
+            </a:r>
+          </a:p>
+          <a:p>
+            <a:r>
+              <a:rPr lang="en-US" dirty="0" smtClean="0"/>
+              <a:t>Has “helpers” for common functionality</a:t>
+            </a:r>
+          </a:p>
+        </p:txBody>
+      </p:sp>
+    </p:spTree>
+    <p:extLst>
+      <p:ext uri="{BB962C8B-B14F-4D97-AF65-F5344CB8AC3E}">
+        <p14:creationId xmlns:p14="http://schemas.microsoft.com/office/powerpoint/2010/main" val="2186060473"/>
+      </p:ext>
+    </p:extLst>
+  </p:cSld>
+  <p:clrMapOvr>
+    <a:masterClrMapping/>
+  </p:clrMapOvr>
+  <p:timing>
+    <p:tnLst>
+      <p:par>
+        <p:cTn id="1" dur="indefinite" restart="never" nodeType="tmRoot"/>
+      </p:par>
+    </p:tnLst>
+  </p:timing>
+</p:sld>
+</file>
+
+<file path=ppt/slides/slide33.xml><?xml version="1.0" encoding="utf-8"?>
+<p:sld xmlns:a="http://schemas.openxmlformats.org/drawingml/2006/main" xmlns:r="http://schemas.openxmlformats.org/officeDocument/2006/relationships" xmlns:p="http://schemas.openxmlformats.org/presentationml/2006/main">
+  <p:cSld>
+    <p:spTree>
+      <p:nvGrpSpPr>
+        <p:cNvPr id="1" name=""/>
+        <p:cNvGrpSpPr/>
+        <p:nvPr/>
+      </p:nvGrpSpPr>
+      <p:grpSpPr>
+        <a:xfrm>
+          <a:off x="0" y="0"/>
+          <a:ext cx="0" cy="0"/>
+          <a:chOff x="0" y="0"/>
+          <a:chExt cx="0" cy="0"/>
+        </a:xfrm>
+      </p:grpSpPr>
+      <p:sp>
+        <p:nvSpPr>
+          <p:cNvPr id="2" name="Title 1"/>
+          <p:cNvSpPr>
+            <a:spLocks noGrp="1"/>
+          </p:cNvSpPr>
+          <p:nvPr>
+            <p:ph type="title"/>
+          </p:nvPr>
+        </p:nvSpPr>
+        <p:spPr/>
+        <p:txBody>
+          <a:bodyPr/>
+          <a:lstStyle/>
+          <a:p>
+            <a:r>
+              <a:rPr lang="en-US" dirty="0" smtClean="0"/>
+              <a:t>Template File</a:t>
+            </a:r>
+            <a:endParaRPr lang="en-US" dirty="0"/>
+          </a:p>
+        </p:txBody>
+      </p:sp>
+      <p:sp>
+        <p:nvSpPr>
+          <p:cNvPr id="3" name="Content Placeholder 2"/>
+          <p:cNvSpPr>
+            <a:spLocks noGrp="1"/>
+          </p:cNvSpPr>
+          <p:nvPr>
+            <p:ph idx="1"/>
+          </p:nvPr>
+        </p:nvSpPr>
+        <p:spPr/>
+        <p:txBody>
+          <a:bodyPr/>
+          <a:lstStyle/>
+          <a:p>
+            <a:r>
+              <a:rPr lang="en-US" dirty="0" smtClean="0"/>
+              <a:t>Mainly HTML</a:t>
+            </a:r>
+          </a:p>
+          <a:p>
+            <a:r>
+              <a:rPr lang="en-US" dirty="0" smtClean="0"/>
+              <a:t>Shortcut echo tags</a:t>
+            </a:r>
+          </a:p>
+          <a:p>
+            <a:r>
+              <a:rPr lang="en-US" dirty="0" smtClean="0"/>
+              <a:t>Very little logic </a:t>
+            </a:r>
+          </a:p>
+          <a:p>
+            <a:pPr lvl="1"/>
+            <a:r>
+              <a:rPr lang="en-US" dirty="0" smtClean="0"/>
+              <a:t>simple conditionals</a:t>
+            </a:r>
+          </a:p>
+          <a:p>
+            <a:pPr lvl="1"/>
+            <a:r>
+              <a:rPr lang="en-US" dirty="0" smtClean="0"/>
+              <a:t>simple loops</a:t>
+            </a:r>
+          </a:p>
+          <a:p>
+            <a:r>
+              <a:rPr lang="en-US" dirty="0" smtClean="0"/>
+              <a:t>Might include other templates</a:t>
+            </a:r>
+          </a:p>
+        </p:txBody>
+      </p:sp>
+    </p:spTree>
+    <p:extLst>
+      <p:ext uri="{BB962C8B-B14F-4D97-AF65-F5344CB8AC3E}">
+        <p14:creationId xmlns:p14="http://schemas.microsoft.com/office/powerpoint/2010/main" val="219596888"/>
+      </p:ext>
+    </p:extLst>
+  </p:cSld>
+  <p:clrMapOvr>
+    <a:masterClrMapping/>
+  </p:clrMapOvr>
+  <p:timing>
+    <p:tnLst>
+      <p:par>
+        <p:cTn id="1" dur="indefinite" restart="never" nodeType="tmRoot"/>
+      </p:par>
+    </p:tnLst>
+  </p:timing>
+</p:sld>
+</file>
+
+<file path=ppt/slides/slide34.xml><?xml version="1.0" encoding="utf-8"?>
+<p:sld xmlns:a="http://schemas.openxmlformats.org/drawingml/2006/main" xmlns:r="http://schemas.openxmlformats.org/officeDocument/2006/relationships" xmlns:p="http://schemas.openxmlformats.org/presentationml/2006/main">
+  <p:cSld>
+    <p:spTree>
+      <p:nvGrpSpPr>
+        <p:cNvPr id="1" name=""/>
+        <p:cNvGrpSpPr/>
+        <p:nvPr/>
+      </p:nvGrpSpPr>
+      <p:grpSpPr>
+        <a:xfrm>
+          <a:off x="0" y="0"/>
+          <a:ext cx="0" cy="0"/>
+          <a:chOff x="0" y="0"/>
+          <a:chExt cx="0" cy="0"/>
+        </a:xfrm>
+      </p:grpSpPr>
+      <p:sp>
+        <p:nvSpPr>
+          <p:cNvPr id="4" name="Title 3"/>
+          <p:cNvSpPr>
+            <a:spLocks noGrp="1"/>
+          </p:cNvSpPr>
+          <p:nvPr>
+            <p:ph type="title"/>
+          </p:nvPr>
+        </p:nvSpPr>
+        <p:spPr/>
+        <p:txBody>
+          <a:bodyPr/>
+          <a:lstStyle/>
           <a:p>
             <a:r>
               <a:rPr lang="en-US" dirty="0" smtClean="0"/>
               <a:t>Routing and Controllers</a:t>
             </a:r>
-          </a:p>
+            <a:endParaRPr lang="en-US" dirty="0"/>
+          </a:p>
+        </p:txBody>
+      </p:sp>
+      <p:sp>
+        <p:nvSpPr>
+          <p:cNvPr id="5" name="Text Placeholder 4"/>
+          <p:cNvSpPr>
+            <a:spLocks noGrp="1"/>
+          </p:cNvSpPr>
+          <p:nvPr>
+            <p:ph type="body" idx="1"/>
+          </p:nvPr>
+        </p:nvSpPr>
+        <p:spPr/>
+        <p:txBody>
+          <a:bodyPr/>
+          <a:lstStyle/>
           <a:p>
             <a:r>
               <a:rPr lang="en-US" dirty="0" smtClean="0"/>
-              <a:t>Security and Validation</a:t>
+              <a:t>Lesson 4:</a:t>
+            </a:r>
+            <a:endParaRPr lang="en-US" dirty="0"/>
+          </a:p>
+        </p:txBody>
+      </p:sp>
+    </p:spTree>
+    <p:extLst>
+      <p:ext uri="{BB962C8B-B14F-4D97-AF65-F5344CB8AC3E}">
+        <p14:creationId xmlns:p14="http://schemas.microsoft.com/office/powerpoint/2010/main" val="2073174591"/>
+      </p:ext>
+    </p:extLst>
+  </p:cSld>
+  <p:clrMapOvr>
+    <a:masterClrMapping/>
+  </p:clrMapOvr>
+  <p:timing>
+    <p:tnLst>
+      <p:par>
+        <p:cTn id="1" dur="indefinite" restart="never" nodeType="tmRoot"/>
+      </p:par>
+    </p:tnLst>
+  </p:timing>
+</p:sld>
+</file>
+
+<file path=ppt/slides/slide35.xml><?xml version="1.0" encoding="utf-8"?>
+<p:sld xmlns:a="http://schemas.openxmlformats.org/drawingml/2006/main" xmlns:r="http://schemas.openxmlformats.org/officeDocument/2006/relationships" xmlns:p="http://schemas.openxmlformats.org/presentationml/2006/main">
+  <p:cSld>
+    <p:spTree>
+      <p:nvGrpSpPr>
+        <p:cNvPr id="1" name=""/>
+        <p:cNvGrpSpPr/>
+        <p:nvPr/>
+      </p:nvGrpSpPr>
+      <p:grpSpPr>
+        <a:xfrm>
+          <a:off x="0" y="0"/>
+          <a:ext cx="0" cy="0"/>
+          <a:chOff x="0" y="0"/>
+          <a:chExt cx="0" cy="0"/>
+        </a:xfrm>
+      </p:grpSpPr>
+      <p:sp>
+        <p:nvSpPr>
+          <p:cNvPr id="2" name="Title 1"/>
+          <p:cNvSpPr>
+            <a:spLocks noGrp="1"/>
+          </p:cNvSpPr>
+          <p:nvPr>
+            <p:ph type="title"/>
+          </p:nvPr>
+        </p:nvSpPr>
+        <p:spPr/>
+        <p:txBody>
+          <a:bodyPr/>
+          <a:lstStyle/>
+          <a:p>
+            <a:r>
+              <a:rPr lang="en-US" dirty="0" smtClean="0"/>
+              <a:t>Login and Security</a:t>
+            </a:r>
+            <a:endParaRPr lang="en-US" dirty="0"/>
+          </a:p>
+        </p:txBody>
+      </p:sp>
+      <p:sp>
+        <p:nvSpPr>
+          <p:cNvPr id="3" name="Text Placeholder 2"/>
+          <p:cNvSpPr>
+            <a:spLocks noGrp="1"/>
+          </p:cNvSpPr>
+          <p:nvPr>
+            <p:ph type="body" idx="1"/>
+          </p:nvPr>
+        </p:nvSpPr>
+        <p:spPr/>
+        <p:txBody>
+          <a:bodyPr/>
+          <a:lstStyle/>
+          <a:p>
+            <a:r>
+              <a:rPr lang="en-US" dirty="0" smtClean="0"/>
+              <a:t>Lesson 5:</a:t>
+            </a:r>
+            <a:endParaRPr lang="en-US" dirty="0"/>
+          </a:p>
+        </p:txBody>
+      </p:sp>
+    </p:spTree>
+    <p:extLst>
+      <p:ext uri="{BB962C8B-B14F-4D97-AF65-F5344CB8AC3E}">
+        <p14:creationId xmlns:p14="http://schemas.microsoft.com/office/powerpoint/2010/main" val="871361754"/>
+      </p:ext>
+    </p:extLst>
+  </p:cSld>
+  <p:clrMapOvr>
+    <a:masterClrMapping/>
+  </p:clrMapOvr>
+  <p:timing>
+    <p:tnLst>
+      <p:par>
+        <p:cTn id="1" dur="indefinite" restart="never" nodeType="tmRoot"/>
+      </p:par>
+    </p:tnLst>
+  </p:timing>
+</p:sld>
+</file>
+
+<file path=ppt/slides/slide36.xml><?xml version="1.0" encoding="utf-8"?>
+<p:sld xmlns:a="http://schemas.openxmlformats.org/drawingml/2006/main" xmlns:r="http://schemas.openxmlformats.org/officeDocument/2006/relationships" xmlns:p="http://schemas.openxmlformats.org/presentationml/2006/main">
+  <p:cSld>
+    <p:spTree>
+      <p:nvGrpSpPr>
+        <p:cNvPr id="1" name=""/>
+        <p:cNvGrpSpPr/>
+        <p:nvPr/>
+      </p:nvGrpSpPr>
+      <p:grpSpPr>
+        <a:xfrm>
+          <a:off x="0" y="0"/>
+          <a:ext cx="0" cy="0"/>
+          <a:chOff x="0" y="0"/>
+          <a:chExt cx="0" cy="0"/>
+        </a:xfrm>
+      </p:grpSpPr>
+      <p:sp>
+        <p:nvSpPr>
+          <p:cNvPr id="2" name="Title 1"/>
+          <p:cNvSpPr>
+            <a:spLocks noGrp="1"/>
+          </p:cNvSpPr>
+          <p:nvPr>
+            <p:ph type="title"/>
+          </p:nvPr>
+        </p:nvSpPr>
+        <p:spPr/>
+        <p:txBody>
+          <a:bodyPr/>
+          <a:lstStyle/>
+          <a:p>
+            <a:r>
+              <a:rPr lang="en-US" dirty="0" smtClean="0"/>
+              <a:t>Wrapping it up</a:t>
+            </a:r>
+            <a:endParaRPr lang="en-US" dirty="0"/>
+          </a:p>
+        </p:txBody>
+      </p:sp>
+      <p:sp>
+        <p:nvSpPr>
+          <p:cNvPr id="3" name="Text Placeholder 2"/>
+          <p:cNvSpPr>
+            <a:spLocks noGrp="1"/>
+          </p:cNvSpPr>
+          <p:nvPr>
+            <p:ph type="body" idx="1"/>
+          </p:nvPr>
+        </p:nvSpPr>
+        <p:spPr/>
+        <p:txBody>
+          <a:bodyPr/>
+          <a:lstStyle/>
+          <a:p>
+            <a:r>
+              <a:rPr lang="en-US" dirty="0" smtClean="0"/>
+              <a:t>Lesson </a:t>
+            </a:r>
+            <a:r>
+              <a:rPr lang="en-US" dirty="0" smtClean="0"/>
+              <a:t>6:</a:t>
+            </a:r>
+            <a:endParaRPr lang="en-US" dirty="0"/>
+          </a:p>
+        </p:txBody>
+      </p:sp>
+    </p:spTree>
+    <p:extLst>
+      <p:ext uri="{BB962C8B-B14F-4D97-AF65-F5344CB8AC3E}">
+        <p14:creationId xmlns:p14="http://schemas.microsoft.com/office/powerpoint/2010/main" val="1869991124"/>
+      </p:ext>
+    </p:extLst>
+  </p:cSld>
+  <p:clrMapOvr>
+    <a:masterClrMapping/>
+  </p:clrMapOvr>
+  <p:timing>
+    <p:tnLst>
+      <p:par>
+        <p:cTn id="1" dur="indefinite" restart="never" nodeType="tmRoot"/>
+      </p:par>
+    </p:tnLst>
+  </p:timing>
+</p:sld>
+</file>
+
+<file path=ppt/slides/slide37.xml><?xml version="1.0" encoding="utf-8"?>
+<p:sld xmlns:a="http://schemas.openxmlformats.org/drawingml/2006/main" xmlns:r="http://schemas.openxmlformats.org/officeDocument/2006/relationships" xmlns:p="http://schemas.openxmlformats.org/presentationml/2006/main">
+  <p:cSld>
+    <p:spTree>
+      <p:nvGrpSpPr>
+        <p:cNvPr id="1" name=""/>
+        <p:cNvGrpSpPr/>
+        <p:nvPr/>
+      </p:nvGrpSpPr>
+      <p:grpSpPr>
+        <a:xfrm>
+          <a:off x="0" y="0"/>
+          <a:ext cx="0" cy="0"/>
+          <a:chOff x="0" y="0"/>
+          <a:chExt cx="0" cy="0"/>
+        </a:xfrm>
+      </p:grpSpPr>
+      <p:sp>
+        <p:nvSpPr>
+          <p:cNvPr id="2" name="Title 1"/>
+          <p:cNvSpPr>
+            <a:spLocks noGrp="1"/>
+          </p:cNvSpPr>
+          <p:nvPr>
+            <p:ph type="title"/>
+          </p:nvPr>
+        </p:nvSpPr>
+        <p:spPr/>
+        <p:txBody>
+          <a:bodyPr>
+            <a:normAutofit fontScale="90000"/>
+          </a:bodyPr>
+          <a:lstStyle/>
+          <a:p>
+            <a:r>
+              <a:rPr lang="en-US" dirty="0" smtClean="0"/>
+              <a:t>Use the Principles of Architecture</a:t>
+            </a:r>
+            <a:br>
+              <a:rPr lang="en-US" dirty="0" smtClean="0"/>
+            </a:br>
+            <a:r>
+              <a:rPr lang="en-US" dirty="0" smtClean="0"/>
+              <a:t>You've </a:t>
+            </a:r>
+            <a:r>
+              <a:rPr lang="en-US" dirty="0" smtClean="0"/>
+              <a:t>Learned (without realizing it)</a:t>
+            </a:r>
+            <a:endParaRPr lang="en-US" dirty="0"/>
+          </a:p>
+        </p:txBody>
+      </p:sp>
+      <p:sp>
+        <p:nvSpPr>
+          <p:cNvPr id="3" name="Content Placeholder 2"/>
+          <p:cNvSpPr>
+            <a:spLocks noGrp="1"/>
+          </p:cNvSpPr>
+          <p:nvPr>
+            <p:ph idx="1"/>
+          </p:nvPr>
+        </p:nvSpPr>
+        <p:spPr/>
+        <p:txBody>
+          <a:bodyPr/>
+          <a:lstStyle/>
+          <a:p>
+            <a:pPr marL="514350" indent="-514350">
+              <a:buFont typeface="+mj-lt"/>
+              <a:buAutoNum type="arabicPeriod"/>
+            </a:pPr>
+            <a:r>
+              <a:rPr lang="en-US" dirty="0"/>
+              <a:t>SOC</a:t>
+            </a:r>
+          </a:p>
+          <a:p>
+            <a:pPr marL="514350" indent="-514350">
+              <a:buFont typeface="+mj-lt"/>
+              <a:buAutoNum type="arabicPeriod"/>
+            </a:pPr>
+            <a:r>
+              <a:rPr lang="en-US" dirty="0" smtClean="0"/>
+              <a:t>DRY</a:t>
+            </a:r>
+          </a:p>
+          <a:p>
+            <a:pPr marL="514350" indent="-514350">
+              <a:buFont typeface="+mj-lt"/>
+              <a:buAutoNum type="arabicPeriod"/>
+            </a:pPr>
+            <a:r>
+              <a:rPr lang="en-US" dirty="0" smtClean="0"/>
+              <a:t>YAGNI</a:t>
+            </a:r>
+          </a:p>
+          <a:p>
+            <a:pPr marL="514350" indent="-514350">
+              <a:buFont typeface="+mj-lt"/>
+              <a:buAutoNum type="arabicPeriod"/>
+            </a:pPr>
+            <a:r>
+              <a:rPr lang="en-US" dirty="0" smtClean="0"/>
+              <a:t>SRP</a:t>
+            </a:r>
+          </a:p>
+          <a:p>
+            <a:pPr marL="514350" indent="-514350">
+              <a:buFont typeface="+mj-lt"/>
+              <a:buAutoNum type="arabicPeriod"/>
+            </a:pPr>
+            <a:r>
+              <a:rPr lang="en-US" dirty="0" err="1" smtClean="0"/>
+              <a:t>LoD</a:t>
+            </a:r>
+            <a:endParaRPr lang="en-US" dirty="0" smtClean="0"/>
+          </a:p>
+          <a:p>
+            <a:pPr marL="514350" indent="-514350">
+              <a:buFont typeface="+mj-lt"/>
+              <a:buAutoNum type="arabicPeriod"/>
+            </a:pPr>
+            <a:endParaRPr lang="en-US" dirty="0"/>
+          </a:p>
+        </p:txBody>
+      </p:sp>
+    </p:spTree>
+    <p:extLst>
+      <p:ext uri="{BB962C8B-B14F-4D97-AF65-F5344CB8AC3E}">
+        <p14:creationId xmlns:p14="http://schemas.microsoft.com/office/powerpoint/2010/main" val="3993008964"/>
+      </p:ext>
+    </p:extLst>
+  </p:cSld>
+  <p:clrMapOvr>
+    <a:masterClrMapping/>
+  </p:clrMapOvr>
+  <p:timing>
+    <p:tnLst>
+      <p:par>
+        <p:cTn id="1" dur="indefinite" restart="never" nodeType="tmRoot"/>
+      </p:par>
+    </p:tnLst>
+  </p:timing>
+</p:sld>
+</file>
+
+<file path=ppt/slides/slide38.xml><?xml version="1.0" encoding="utf-8"?>
+<p:sld xmlns:a="http://schemas.openxmlformats.org/drawingml/2006/main" xmlns:r="http://schemas.openxmlformats.org/officeDocument/2006/relationships" xmlns:p="http://schemas.openxmlformats.org/presentationml/2006/main">
+  <p:cSld>
+    <p:spTree>
+      <p:nvGrpSpPr>
+        <p:cNvPr id="1" name=""/>
+        <p:cNvGrpSpPr/>
+        <p:nvPr/>
+      </p:nvGrpSpPr>
+      <p:grpSpPr>
+        <a:xfrm>
+          <a:off x="0" y="0"/>
+          <a:ext cx="0" cy="0"/>
+          <a:chOff x="0" y="0"/>
+          <a:chExt cx="0" cy="0"/>
+        </a:xfrm>
+      </p:grpSpPr>
+      <p:sp>
+        <p:nvSpPr>
+          <p:cNvPr id="2" name="Title 1"/>
+          <p:cNvSpPr>
+            <a:spLocks noGrp="1"/>
+          </p:cNvSpPr>
+          <p:nvPr>
+            <p:ph type="title"/>
+          </p:nvPr>
+        </p:nvSpPr>
+        <p:spPr/>
+        <p:txBody>
+          <a:bodyPr/>
+          <a:lstStyle/>
+          <a:p>
+            <a:r>
+              <a:rPr lang="en-US" dirty="0" smtClean="0"/>
+              <a:t>Learn New Things!</a:t>
+            </a:r>
+            <a:endParaRPr lang="en-US" dirty="0"/>
+          </a:p>
+        </p:txBody>
+      </p:sp>
+      <p:sp>
+        <p:nvSpPr>
+          <p:cNvPr id="3" name="Content Placeholder 2"/>
+          <p:cNvSpPr>
+            <a:spLocks noGrp="1"/>
+          </p:cNvSpPr>
+          <p:nvPr>
+            <p:ph idx="1"/>
+          </p:nvPr>
+        </p:nvSpPr>
+        <p:spPr/>
+        <p:txBody>
+          <a:bodyPr/>
+          <a:lstStyle/>
+          <a:p>
+            <a:r>
+              <a:rPr lang="en-US" dirty="0" smtClean="0"/>
+              <a:t>CLI and CLI Programming</a:t>
+            </a:r>
+            <a:endParaRPr lang="en-US" dirty="0" smtClean="0"/>
+          </a:p>
+          <a:p>
+            <a:r>
+              <a:rPr lang="en-US" dirty="0" smtClean="0"/>
+              <a:t>Version Control</a:t>
+            </a:r>
+            <a:endParaRPr lang="en-US" dirty="0" smtClean="0"/>
+          </a:p>
+          <a:p>
+            <a:r>
+              <a:rPr lang="en-US" dirty="0" smtClean="0"/>
+              <a:t>Composer and Libraries</a:t>
+            </a:r>
+            <a:endParaRPr lang="en-US" dirty="0" smtClean="0"/>
+          </a:p>
+          <a:p>
+            <a:r>
+              <a:rPr lang="en-US" dirty="0" smtClean="0"/>
+              <a:t>Advanced Object Oriented Programming</a:t>
+            </a:r>
+          </a:p>
+          <a:p>
+            <a:r>
+              <a:rPr lang="en-US" dirty="0" err="1" smtClean="0"/>
+              <a:t>Javascript</a:t>
+            </a:r>
+            <a:endParaRPr lang="en-US" dirty="0"/>
+          </a:p>
+          <a:p>
+            <a:r>
+              <a:rPr lang="en-US" dirty="0" smtClean="0"/>
+              <a:t>Advanced HTML and CSS</a:t>
             </a:r>
             <a:endParaRPr lang="en-US" dirty="0"/>
           </a:p>
@@ -10543,11 +13314,7 @@
             </a:r>
             <a:r>
               <a:rPr lang="en-US" dirty="0" smtClean="0"/>
-              <a:t>, images</a:t>
-            </a:r>
-            <a:r>
-              <a:rPr lang="en-US" dirty="0" smtClean="0"/>
-              <a:t>, and the PHP files that control logic</a:t>
+              <a:t>, images, and the PHP files that control logic</a:t>
             </a:r>
           </a:p>
           <a:p>
@@ -10691,28 +13458,19 @@
               <a:rPr lang="en-US" dirty="0" smtClean="0">
                 <a:latin typeface="Lucida Console" panose="020B0609040504020204" pitchFamily="49" charset="0"/>
               </a:rPr>
-              <a:t>/</a:t>
-            </a:r>
+              <a:t>/public/fonts</a:t>
+            </a:r>
+          </a:p>
+          <a:p>
+            <a:pPr marL="0" indent="0">
+              <a:buNone/>
+            </a:pPr>
             <a:r>
               <a:rPr lang="en-US" dirty="0" smtClean="0">
                 <a:latin typeface="Lucida Console" panose="020B0609040504020204" pitchFamily="49" charset="0"/>
               </a:rPr>
-              <a:t>public/fonts</a:t>
-            </a:r>
-          </a:p>
-          <a:p>
-            <a:pPr marL="0" indent="0">
-              <a:buNone/>
-            </a:pPr>
-            <a:r>
-              <a:rPr lang="en-US" dirty="0" smtClean="0">
-                <a:latin typeface="Lucida Console" panose="020B0609040504020204" pitchFamily="49" charset="0"/>
-              </a:rPr>
               <a:t>/public/images</a:t>
             </a:r>
-            <a:endParaRPr lang="en-US" dirty="0" smtClean="0">
-              <a:latin typeface="Lucida Console" panose="020B0609040504020204" pitchFamily="49" charset="0"/>
-            </a:endParaRPr>
           </a:p>
           <a:p>
             <a:pPr marL="0" indent="0">
@@ -10790,15 +13548,7 @@
           <a:p>
             <a:r>
               <a:rPr lang="en-US" dirty="0" smtClean="0"/>
-              <a:t>Data</a:t>
-            </a:r>
-            <a:r>
-              <a:rPr lang="en-US" dirty="0" smtClean="0"/>
-              <a:t> </a:t>
-            </a:r>
-            <a:r>
-              <a:rPr lang="en-US" dirty="0" smtClean="0"/>
-              <a:t>Information</a:t>
+              <a:t>Data Information</a:t>
             </a:r>
             <a:endParaRPr lang="en-US" dirty="0"/>
           </a:p>
@@ -10839,9 +13589,6 @@
               </a:rPr>
               <a:t>/data</a:t>
             </a:r>
-            <a:endParaRPr lang="en-US" dirty="0" smtClean="0">
-              <a:latin typeface="Lucida Console" panose="020B0609040504020204" pitchFamily="49" charset="0"/>
-            </a:endParaRPr>
           </a:p>
           <a:p>
             <a:pPr marL="0" indent="0">
@@ -10930,11 +13677,7 @@
           <a:p>
             <a:r>
               <a:rPr lang="en-US" dirty="0" smtClean="0"/>
-              <a:t>Separating Application </a:t>
-            </a:r>
-            <a:r>
-              <a:rPr lang="en-US" dirty="0" smtClean="0"/>
-              <a:t>Code</a:t>
+              <a:t>Separating Application Code</a:t>
             </a:r>
             <a:endParaRPr lang="en-US" dirty="0"/>
           </a:p>
@@ -10969,19 +13712,7 @@
           <a:p>
             <a:r>
               <a:rPr lang="en-US" dirty="0" smtClean="0"/>
-              <a:t>Data </a:t>
-            </a:r>
-            <a:r>
-              <a:rPr lang="en-US" dirty="0" smtClean="0"/>
-              <a:t>rules and reading/writing</a:t>
-            </a:r>
-            <a:r>
-              <a:rPr lang="en-US" dirty="0" smtClean="0"/>
-              <a:t> </a:t>
-            </a:r>
-            <a:r>
-              <a:rPr lang="en-US" dirty="0" smtClean="0"/>
-              <a:t>– our Model</a:t>
+              <a:t>Data rules and reading/writing – our Model</a:t>
             </a:r>
           </a:p>
           <a:p>

--- a/course/4 - Organization and Projects/Organization and Projects.pptx
+++ b/course/4 - Organization and Projects/Organization and Projects.pptx
@@ -5,7 +5,7 @@
     <p:sldMasterId id="2147483648" r:id="rId1"/>
   </p:sldMasterIdLst>
   <p:notesMasterIdLst>
-    <p:notesMasterId r:id="rId40"/>
+    <p:notesMasterId r:id="rId43"/>
   </p:notesMasterIdLst>
   <p:sldIdLst>
     <p:sldId id="256" r:id="rId2"/>
@@ -39,13 +39,16 @@
     <p:sldId id="298" r:id="rId30"/>
     <p:sldId id="299" r:id="rId31"/>
     <p:sldId id="294" r:id="rId32"/>
-    <p:sldId id="269" r:id="rId33"/>
-    <p:sldId id="270" r:id="rId34"/>
-    <p:sldId id="271" r:id="rId35"/>
-    <p:sldId id="279" r:id="rId36"/>
-    <p:sldId id="293" r:id="rId37"/>
-    <p:sldId id="272" r:id="rId38"/>
-    <p:sldId id="262" r:id="rId39"/>
+    <p:sldId id="270" r:id="rId33"/>
+    <p:sldId id="269" r:id="rId34"/>
+    <p:sldId id="300" r:id="rId35"/>
+    <p:sldId id="301" r:id="rId36"/>
+    <p:sldId id="303" r:id="rId37"/>
+    <p:sldId id="302" r:id="rId38"/>
+    <p:sldId id="271" r:id="rId39"/>
+    <p:sldId id="293" r:id="rId40"/>
+    <p:sldId id="272" r:id="rId41"/>
+    <p:sldId id="262" r:id="rId42"/>
   </p:sldIdLst>
   <p:sldSz cx="9144000" cy="6858000" type="screen4x3"/>
   <p:notesSz cx="6858000" cy="9144000"/>
@@ -3077,11 +3080,7 @@
             </a:r>
             <a:r>
               <a:rPr lang="en-US" baseline="0" dirty="0" smtClean="0"/>
-              <a:t> you link your validation methods directly to the data, this also allows you to change your data definition and keep your validation linked together </a:t>
-            </a:r>
-            <a:r>
-              <a:rPr lang="en-US" baseline="0" smtClean="0"/>
-              <a:t>with it</a:t>
+              <a:t> you link your validation methods directly to the data, this also allows you to change your data definition and keep your validation linked together with it</a:t>
             </a:r>
             <a:endParaRPr lang="en-US" dirty="0"/>
           </a:p>
@@ -3273,37 +3272,39 @@
           <a:p>
             <a:r>
               <a:rPr lang="en-US" dirty="0" smtClean="0"/>
-              <a:t>We have a very simple template class</a:t>
-            </a:r>
-          </a:p>
-          <a:p>
-            <a:r>
-              <a:rPr lang="en-US" dirty="0" smtClean="0"/>
-              <a:t>we</a:t>
+              <a:t>so what we're calling a "template" is a small chunk of html that we can echo</a:t>
             </a:r>
             <a:r>
               <a:rPr lang="en-US" baseline="0" dirty="0" smtClean="0"/>
-              <a:t> need to be able to give it a template (</a:t>
+              <a:t> out PHP and maybe do a little bit of logic on</a:t>
+            </a:r>
+          </a:p>
+          <a:p>
+            <a:r>
+              <a:rPr lang="en-US" baseline="0" dirty="0" smtClean="0"/>
+              <a:t>logic SHOULD be limited to loops (</a:t>
             </a:r>
             <a:r>
               <a:rPr lang="en-US" baseline="0" dirty="0" err="1" smtClean="0"/>
-              <a:t>flename</a:t>
+              <a:t>foreach</a:t>
             </a:r>
             <a:r>
               <a:rPr lang="en-US" baseline="0" dirty="0" smtClean="0"/>
-              <a:t>) to generate</a:t>
-            </a:r>
-          </a:p>
-          <a:p>
+              <a:t>), </a:t>
+            </a:r>
+            <a:r>
+              <a:rPr lang="en-US" baseline="0" dirty="0" err="1" smtClean="0"/>
+              <a:t>isset</a:t>
+            </a:r>
             <a:r>
               <a:rPr lang="en-US" baseline="0" dirty="0" smtClean="0"/>
-              <a:t>we need to be able to give it data to insert into the template</a:t>
+              <a:t> checks, and simple if/else logic</a:t>
             </a:r>
           </a:p>
           <a:p>
             <a:r>
               <a:rPr lang="en-US" baseline="0" dirty="0" smtClean="0"/>
-              <a:t>we need to have some helper functionality for things like escaping our output</a:t>
+              <a:t>the less logic you have in your templates the happier you'll be</a:t>
             </a:r>
             <a:endParaRPr lang="en-US" dirty="0"/>
           </a:p>
@@ -3335,7 +3336,7 @@
     </p:spTree>
     <p:extLst>
       <p:ext uri="{BB962C8B-B14F-4D97-AF65-F5344CB8AC3E}">
-        <p14:creationId xmlns:p14="http://schemas.microsoft.com/office/powerpoint/2010/main" val="1658409535"/>
+        <p14:creationId xmlns:p14="http://schemas.microsoft.com/office/powerpoint/2010/main" val="3420582633"/>
       </p:ext>
     </p:extLst>
   </p:cSld>
@@ -3391,11 +3392,37 @@
           <a:p>
             <a:r>
               <a:rPr lang="en-US" dirty="0" smtClean="0"/>
-              <a:t>snippets</a:t>
+              <a:t>We have a very simple template class</a:t>
+            </a:r>
+          </a:p>
+          <a:p>
+            <a:r>
+              <a:rPr lang="en-US" dirty="0" smtClean="0"/>
+              <a:t>we</a:t>
             </a:r>
             <a:r>
               <a:rPr lang="en-US" baseline="0" dirty="0" smtClean="0"/>
-              <a:t> of html</a:t>
+              <a:t> need to be able to give it a template (</a:t>
+            </a:r>
+            <a:r>
+              <a:rPr lang="en-US" baseline="0" dirty="0" err="1" smtClean="0"/>
+              <a:t>flename</a:t>
+            </a:r>
+            <a:r>
+              <a:rPr lang="en-US" baseline="0" dirty="0" smtClean="0"/>
+              <a:t>) to generate</a:t>
+            </a:r>
+          </a:p>
+          <a:p>
+            <a:r>
+              <a:rPr lang="en-US" baseline="0" dirty="0" smtClean="0"/>
+              <a:t>we need to be able to give it data to insert into the template</a:t>
+            </a:r>
+          </a:p>
+          <a:p>
+            <a:r>
+              <a:rPr lang="en-US" baseline="0" dirty="0" smtClean="0"/>
+              <a:t>we need to have some helper functionality for things like escaping our output</a:t>
             </a:r>
             <a:endParaRPr lang="en-US" dirty="0"/>
           </a:p>
@@ -3427,7 +3454,7 @@
     </p:spTree>
     <p:extLst>
       <p:ext uri="{BB962C8B-B14F-4D97-AF65-F5344CB8AC3E}">
-        <p14:creationId xmlns:p14="http://schemas.microsoft.com/office/powerpoint/2010/main" val="3420582633"/>
+        <p14:creationId xmlns:p14="http://schemas.microsoft.com/office/powerpoint/2010/main" val="1658409535"/>
       </p:ext>
     </p:extLst>
   </p:cSld>
@@ -3483,23 +3510,49 @@
           <a:p>
             <a:r>
               <a:rPr lang="en-US" dirty="0" smtClean="0"/>
-              <a:t>PHP</a:t>
+              <a:t>So this is a very simple example template file</a:t>
+            </a:r>
+          </a:p>
+          <a:p>
+            <a:r>
+              <a:rPr lang="en-US" dirty="0" smtClean="0"/>
+              <a:t>because we're executing this inside a class method, our data will be properties of the</a:t>
             </a:r>
             <a:r>
               <a:rPr lang="en-US" baseline="0" dirty="0" smtClean="0"/>
-              <a:t> is a template language – there’s no reason to make things complex</a:t>
+              <a:t> object</a:t>
             </a:r>
           </a:p>
           <a:p>
             <a:r>
               <a:rPr lang="en-US" baseline="0" dirty="0" smtClean="0"/>
-              <a:t>although this is sometimes called “views” the concept is similar</a:t>
-            </a:r>
+              <a:t>we use the PHP short tags which are always available</a:t>
+            </a:r>
+          </a:p>
+          <a:p>
+            <a:endParaRPr lang="en-US" baseline="0" dirty="0" smtClean="0"/>
           </a:p>
           <a:p>
             <a:r>
               <a:rPr lang="en-US" baseline="0" dirty="0" smtClean="0"/>
-              <a:t>you have a file with placeholders that you want to fill with data before output</a:t>
+              <a:t>it's a shortcut to typing &lt;?</a:t>
+            </a:r>
+            <a:r>
+              <a:rPr lang="en-US" baseline="0" dirty="0" err="1" smtClean="0"/>
+              <a:t>php</a:t>
+            </a:r>
+            <a:r>
+              <a:rPr lang="en-US" baseline="0" dirty="0" smtClean="0"/>
+              <a:t> echo $this-&gt;title ?&gt;</a:t>
+            </a:r>
+          </a:p>
+          <a:p>
+            <a:endParaRPr lang="en-US" baseline="0" dirty="0" smtClean="0"/>
+          </a:p>
+          <a:p>
+            <a:r>
+              <a:rPr lang="en-US" baseline="0" dirty="0" smtClean="0"/>
+              <a:t>You don't need closing ; when you jump in and out of PHP</a:t>
             </a:r>
             <a:endParaRPr lang="en-US" dirty="0"/>
           </a:p>
@@ -3531,7 +3584,7 @@
     </p:spTree>
     <p:extLst>
       <p:ext uri="{BB962C8B-B14F-4D97-AF65-F5344CB8AC3E}">
-        <p14:creationId xmlns:p14="http://schemas.microsoft.com/office/powerpoint/2010/main" val="1921267855"/>
+        <p14:creationId xmlns:p14="http://schemas.microsoft.com/office/powerpoint/2010/main" val="2528748865"/>
       </p:ext>
     </p:extLst>
   </p:cSld>
@@ -3585,7 +3638,25 @@
           <a:bodyPr/>
           <a:lstStyle/>
           <a:p>
-            <a:endParaRPr lang="en-US" dirty="0"/>
+            <a:r>
+              <a:rPr lang="en-US" dirty="0" smtClean="0"/>
+              <a:t>So</a:t>
+            </a:r>
+            <a:r>
+              <a:rPr lang="en-US" baseline="0" dirty="0" smtClean="0"/>
+              <a:t> our template class has a simple "render" method</a:t>
+            </a:r>
+            <a:r>
+              <a:rPr lang="en-US" baseline="0" dirty="0"/>
+              <a:t> </a:t>
+            </a:r>
+            <a:r>
+              <a:rPr lang="en-US" baseline="0" dirty="0" smtClean="0"/>
+              <a:t>which takes a template filename and renders it</a:t>
+            </a:r>
+          </a:p>
+          <a:p>
+            <a:endParaRPr lang="en-US" baseline="0" dirty="0" smtClean="0"/>
           </a:p>
         </p:txBody>
       </p:sp>
@@ -3615,7 +3686,7 @@
     </p:spTree>
     <p:extLst>
       <p:ext uri="{BB962C8B-B14F-4D97-AF65-F5344CB8AC3E}">
-        <p14:creationId xmlns:p14="http://schemas.microsoft.com/office/powerpoint/2010/main" val="2479793429"/>
+        <p14:creationId xmlns:p14="http://schemas.microsoft.com/office/powerpoint/2010/main" val="632510243"/>
       </p:ext>
     </p:extLst>
   </p:cSld>
@@ -3670,30 +3741,8 @@
           <a:lstStyle/>
           <a:p>
             <a:r>
-              <a:rPr lang="en-US" dirty="0" smtClean="0"/>
-              <a:t>So where do we go from here?</a:t>
-            </a:r>
-          </a:p>
-          <a:p>
-            <a:r>
-              <a:rPr lang="en-US" dirty="0" smtClean="0"/>
-              <a:t>We have a working application</a:t>
-            </a:r>
-          </a:p>
-          <a:p>
-            <a:r>
-              <a:rPr lang="en-US" dirty="0" smtClean="0"/>
-              <a:t>We</a:t>
-            </a:r>
-            <a:r>
               <a:rPr lang="en-US" baseline="0" dirty="0" smtClean="0"/>
-              <a:t> understand the basics of working with PHP code</a:t>
-            </a:r>
-          </a:p>
-          <a:p>
-            <a:r>
-              <a:rPr lang="en-US" baseline="0" dirty="0" smtClean="0"/>
-              <a:t>But there's still so much more to learn</a:t>
+              <a:t>So basically all we do is set our variables, then render our template</a:t>
             </a:r>
             <a:endParaRPr lang="en-US" dirty="0"/>
           </a:p>
@@ -3725,7 +3774,7 @@
     </p:spTree>
     <p:extLst>
       <p:ext uri="{BB962C8B-B14F-4D97-AF65-F5344CB8AC3E}">
-        <p14:creationId xmlns:p14="http://schemas.microsoft.com/office/powerpoint/2010/main" val="1929863814"/>
+        <p14:creationId xmlns:p14="http://schemas.microsoft.com/office/powerpoint/2010/main" val="3774227632"/>
       </p:ext>
     </p:extLst>
   </p:cSld>
@@ -3781,100 +3830,24 @@
           <a:p>
             <a:r>
               <a:rPr lang="en-US" dirty="0" smtClean="0"/>
-              <a:t>These</a:t>
+              <a:t>So a template class probably needs a way to do a couple of things</a:t>
+            </a:r>
+          </a:p>
+          <a:p>
+            <a:r>
+              <a:rPr lang="en-US" dirty="0" smtClean="0"/>
+              <a:t>First is to have a way to have a "base" template</a:t>
             </a:r>
             <a:r>
               <a:rPr lang="en-US" baseline="0" dirty="0" smtClean="0"/>
-              <a:t> are 5 of the most important principles in laying out and designing a project.  We're going go use each of these things as a demonstration in how to lay things out</a:t>
+              <a:t> set </a:t>
             </a:r>
           </a:p>
           <a:p>
             <a:r>
               <a:rPr lang="en-US" baseline="0" dirty="0" smtClean="0"/>
-              <a:t>because these are best displayed by example</a:t>
-            </a:r>
-          </a:p>
-          <a:p>
-            <a:endParaRPr lang="en-US" baseline="0" dirty="0" smtClean="0"/>
-          </a:p>
-          <a:p>
-            <a:r>
-              <a:rPr lang="en-US" baseline="0" dirty="0" smtClean="0"/>
-              <a:t>But hilariously enough like most things in software development we have silly acronyms for them all</a:t>
-            </a:r>
-          </a:p>
-          <a:p>
-            <a:endParaRPr lang="en-US" baseline="0" dirty="0" smtClean="0"/>
-          </a:p>
-          <a:p>
-            <a:r>
-              <a:rPr lang="en-US" dirty="0" smtClean="0"/>
-              <a:t>The DRY principle is stated as “Every piece of knowledge must have a single, unambiguous, authoritative representation within a system.” – don't repeat yourself (use the "rule</a:t>
-            </a:r>
-            <a:r>
-              <a:rPr lang="en-US" baseline="0" dirty="0" smtClean="0"/>
-              <a:t> of three")</a:t>
-            </a:r>
-            <a:endParaRPr lang="en-US" dirty="0" smtClean="0"/>
-          </a:p>
-          <a:p>
-            <a:r>
-              <a:rPr lang="en-US" dirty="0" smtClean="0"/>
-              <a:t>Separation</a:t>
-            </a:r>
-            <a:r>
-              <a:rPr lang="en-US" baseline="0" dirty="0" smtClean="0"/>
-              <a:t> of concerns  Modularity, and hence separation of concerns, is achieved by encapsulating information inside a section of code that has a well-defined interface</a:t>
-            </a:r>
-          </a:p>
-          <a:p>
-            <a:r>
-              <a:rPr lang="en-US" baseline="0" dirty="0" err="1" smtClean="0"/>
-              <a:t>yagni</a:t>
-            </a:r>
-            <a:r>
-              <a:rPr lang="en-US" baseline="0" dirty="0" smtClean="0"/>
-              <a:t> is "you </a:t>
-            </a:r>
-            <a:r>
-              <a:rPr lang="en-US" baseline="0" dirty="0" err="1" smtClean="0"/>
-              <a:t>ain't</a:t>
-            </a:r>
-            <a:r>
-              <a:rPr lang="en-US" baseline="0" dirty="0" smtClean="0"/>
-              <a:t> </a:t>
-            </a:r>
-            <a:r>
-              <a:rPr lang="en-US" baseline="0" dirty="0" err="1" smtClean="0"/>
-              <a:t>gonna</a:t>
-            </a:r>
-            <a:r>
-              <a:rPr lang="en-US" baseline="0" dirty="0" smtClean="0"/>
-              <a:t> need it") – minimize what you design upfront until </a:t>
-            </a:r>
-            <a:r>
-              <a:rPr lang="en-US" baseline="0" dirty="0" smtClean="0"/>
-              <a:t>you </a:t>
-            </a:r>
-            <a:r>
-              <a:rPr lang="en-US" baseline="0" dirty="0" smtClean="0"/>
-              <a:t>need it</a:t>
-            </a:r>
-          </a:p>
-          <a:p>
-            <a:r>
-              <a:rPr lang="en-US" baseline="0" dirty="0" smtClean="0"/>
-              <a:t>single responsibility principle – each component or module has one job (one feature, one bit of functionality, or one aggregate of functionality)</a:t>
-            </a:r>
-          </a:p>
-          <a:p>
-            <a:r>
-              <a:rPr lang="en-US" baseline="0" dirty="0" smtClean="0"/>
-              <a:t>LOD – law of Demeter – principle of least knowledge – each object shouldn't know about internal details of another object</a:t>
-            </a:r>
-            <a:endParaRPr lang="en-US" dirty="0" smtClean="0"/>
-          </a:p>
-          <a:p>
+              <a:t>these are all considerations for writing a "base" class that will do the template work</a:t>
+            </a:r>
             <a:endParaRPr lang="en-US" dirty="0"/>
           </a:p>
         </p:txBody>
@@ -3905,7 +3878,7 @@
     </p:spTree>
     <p:extLst>
       <p:ext uri="{BB962C8B-B14F-4D97-AF65-F5344CB8AC3E}">
-        <p14:creationId xmlns:p14="http://schemas.microsoft.com/office/powerpoint/2010/main" val="2677762798"/>
+        <p14:creationId xmlns:p14="http://schemas.microsoft.com/office/powerpoint/2010/main" val="3473321943"/>
       </p:ext>
     </p:extLst>
   </p:cSld>
@@ -3960,10 +3933,26 @@
           <a:lstStyle/>
           <a:p>
             <a:r>
+              <a:rPr lang="en-US" dirty="0" smtClean="0"/>
+              <a:t>PHP</a:t>
+            </a:r>
+            <a:r>
               <a:rPr lang="en-US" baseline="0" dirty="0" smtClean="0"/>
-              <a:t>Now we aren't quite ready for a two day workshop for this, but here are a list of things you should look into</a:t>
-            </a:r>
-            <a:endParaRPr lang="en-US" baseline="0" dirty="0" smtClean="0"/>
+              <a:t> is a template language – there’s no reason to make things complex</a:t>
+            </a:r>
+          </a:p>
+          <a:p>
+            <a:r>
+              <a:rPr lang="en-US" baseline="0" dirty="0" smtClean="0"/>
+              <a:t>although this is sometimes called “views” the concept is similar</a:t>
+            </a:r>
+          </a:p>
+          <a:p>
+            <a:r>
+              <a:rPr lang="en-US" baseline="0" dirty="0" smtClean="0"/>
+              <a:t>you have a file with placeholders that you want to fill with data before output</a:t>
+            </a:r>
+            <a:endParaRPr lang="en-US" dirty="0"/>
           </a:p>
         </p:txBody>
       </p:sp>
@@ -3993,7 +3982,117 @@
     </p:spTree>
     <p:extLst>
       <p:ext uri="{BB962C8B-B14F-4D97-AF65-F5344CB8AC3E}">
-        <p14:creationId xmlns:p14="http://schemas.microsoft.com/office/powerpoint/2010/main" val="330699177"/>
+        <p14:creationId xmlns:p14="http://schemas.microsoft.com/office/powerpoint/2010/main" val="1921267855"/>
+      </p:ext>
+    </p:extLst>
+  </p:cSld>
+  <p:clrMapOvr>
+    <a:masterClrMapping/>
+  </p:clrMapOvr>
+</p:notes>
+</file>
+
+<file path=ppt/notesSlides/notesSlide39.xml><?xml version="1.0" encoding="utf-8"?>
+<p:notes xmlns:a="http://schemas.openxmlformats.org/drawingml/2006/main" xmlns:r="http://schemas.openxmlformats.org/officeDocument/2006/relationships" xmlns:p="http://schemas.openxmlformats.org/presentationml/2006/main">
+  <p:cSld>
+    <p:spTree>
+      <p:nvGrpSpPr>
+        <p:cNvPr id="1" name=""/>
+        <p:cNvGrpSpPr/>
+        <p:nvPr/>
+      </p:nvGrpSpPr>
+      <p:grpSpPr>
+        <a:xfrm>
+          <a:off x="0" y="0"/>
+          <a:ext cx="0" cy="0"/>
+          <a:chOff x="0" y="0"/>
+          <a:chExt cx="0" cy="0"/>
+        </a:xfrm>
+      </p:grpSpPr>
+      <p:sp>
+        <p:nvSpPr>
+          <p:cNvPr id="2" name="Slide Image Placeholder 1"/>
+          <p:cNvSpPr>
+            <a:spLocks noGrp="1" noRot="1" noChangeAspect="1"/>
+          </p:cNvSpPr>
+          <p:nvPr>
+            <p:ph type="sldImg"/>
+          </p:nvPr>
+        </p:nvSpPr>
+        <p:spPr/>
+      </p:sp>
+      <p:sp>
+        <p:nvSpPr>
+          <p:cNvPr id="3" name="Notes Placeholder 2"/>
+          <p:cNvSpPr>
+            <a:spLocks noGrp="1"/>
+          </p:cNvSpPr>
+          <p:nvPr>
+            <p:ph type="body" idx="1"/>
+          </p:nvPr>
+        </p:nvSpPr>
+        <p:spPr/>
+        <p:txBody>
+          <a:bodyPr/>
+          <a:lstStyle/>
+          <a:p>
+            <a:r>
+              <a:rPr lang="en-US" dirty="0" smtClean="0"/>
+              <a:t>So where do we go from here?</a:t>
+            </a:r>
+          </a:p>
+          <a:p>
+            <a:r>
+              <a:rPr lang="en-US" dirty="0" smtClean="0"/>
+              <a:t>We have a working application</a:t>
+            </a:r>
+          </a:p>
+          <a:p>
+            <a:r>
+              <a:rPr lang="en-US" dirty="0" smtClean="0"/>
+              <a:t>We</a:t>
+            </a:r>
+            <a:r>
+              <a:rPr lang="en-US" baseline="0" dirty="0" smtClean="0"/>
+              <a:t> understand the basics of working with PHP code</a:t>
+            </a:r>
+          </a:p>
+          <a:p>
+            <a:r>
+              <a:rPr lang="en-US" baseline="0" dirty="0" smtClean="0"/>
+              <a:t>But there's still so much more to learn</a:t>
+            </a:r>
+            <a:endParaRPr lang="en-US" dirty="0"/>
+          </a:p>
+        </p:txBody>
+      </p:sp>
+      <p:sp>
+        <p:nvSpPr>
+          <p:cNvPr id="4" name="Slide Number Placeholder 3"/>
+          <p:cNvSpPr>
+            <a:spLocks noGrp="1"/>
+          </p:cNvSpPr>
+          <p:nvPr>
+            <p:ph type="sldNum" sz="quarter" idx="10"/>
+          </p:nvPr>
+        </p:nvSpPr>
+        <p:spPr/>
+        <p:txBody>
+          <a:bodyPr/>
+          <a:lstStyle/>
+          <a:p>
+            <a:fld id="{418E688B-F764-3946-880A-E9595C7985CE}" type="slidenum">
+              <a:rPr lang="en-US" smtClean="0"/>
+              <a:t>39</a:t>
+            </a:fld>
+            <a:endParaRPr lang="en-US"/>
+          </a:p>
+        </p:txBody>
+      </p:sp>
+    </p:spTree>
+    <p:extLst>
+      <p:ext uri="{BB962C8B-B14F-4D97-AF65-F5344CB8AC3E}">
+        <p14:creationId xmlns:p14="http://schemas.microsoft.com/office/powerpoint/2010/main" val="1929863814"/>
       </p:ext>
     </p:extLst>
   </p:cSld>
@@ -4163,6 +4262,274 @@
     <p:extLst>
       <p:ext uri="{BB962C8B-B14F-4D97-AF65-F5344CB8AC3E}">
         <p14:creationId xmlns:p14="http://schemas.microsoft.com/office/powerpoint/2010/main" val="1921267855"/>
+      </p:ext>
+    </p:extLst>
+  </p:cSld>
+  <p:clrMapOvr>
+    <a:masterClrMapping/>
+  </p:clrMapOvr>
+</p:notes>
+</file>
+
+<file path=ppt/notesSlides/notesSlide40.xml><?xml version="1.0" encoding="utf-8"?>
+<p:notes xmlns:a="http://schemas.openxmlformats.org/drawingml/2006/main" xmlns:r="http://schemas.openxmlformats.org/officeDocument/2006/relationships" xmlns:p="http://schemas.openxmlformats.org/presentationml/2006/main">
+  <p:cSld>
+    <p:spTree>
+      <p:nvGrpSpPr>
+        <p:cNvPr id="1" name=""/>
+        <p:cNvGrpSpPr/>
+        <p:nvPr/>
+      </p:nvGrpSpPr>
+      <p:grpSpPr>
+        <a:xfrm>
+          <a:off x="0" y="0"/>
+          <a:ext cx="0" cy="0"/>
+          <a:chOff x="0" y="0"/>
+          <a:chExt cx="0" cy="0"/>
+        </a:xfrm>
+      </p:grpSpPr>
+      <p:sp>
+        <p:nvSpPr>
+          <p:cNvPr id="2" name="Slide Image Placeholder 1"/>
+          <p:cNvSpPr>
+            <a:spLocks noGrp="1" noRot="1" noChangeAspect="1"/>
+          </p:cNvSpPr>
+          <p:nvPr>
+            <p:ph type="sldImg"/>
+          </p:nvPr>
+        </p:nvSpPr>
+        <p:spPr/>
+      </p:sp>
+      <p:sp>
+        <p:nvSpPr>
+          <p:cNvPr id="3" name="Notes Placeholder 2"/>
+          <p:cNvSpPr>
+            <a:spLocks noGrp="1"/>
+          </p:cNvSpPr>
+          <p:nvPr>
+            <p:ph type="body" idx="1"/>
+          </p:nvPr>
+        </p:nvSpPr>
+        <p:spPr/>
+        <p:txBody>
+          <a:bodyPr/>
+          <a:lstStyle/>
+          <a:p>
+            <a:r>
+              <a:rPr lang="en-US" dirty="0" smtClean="0"/>
+              <a:t>These</a:t>
+            </a:r>
+            <a:r>
+              <a:rPr lang="en-US" baseline="0" dirty="0" smtClean="0"/>
+              <a:t> are 5 of the most important principles in laying out and designing a project.  We're going go use each of these things as a demonstration in how to lay things out</a:t>
+            </a:r>
+          </a:p>
+          <a:p>
+            <a:r>
+              <a:rPr lang="en-US" baseline="0" dirty="0" smtClean="0"/>
+              <a:t>because these are best displayed by example</a:t>
+            </a:r>
+          </a:p>
+          <a:p>
+            <a:endParaRPr lang="en-US" baseline="0" dirty="0" smtClean="0"/>
+          </a:p>
+          <a:p>
+            <a:r>
+              <a:rPr lang="en-US" baseline="0" dirty="0" smtClean="0"/>
+              <a:t>But hilariously enough like most things in software development we have silly acronyms for them all</a:t>
+            </a:r>
+          </a:p>
+          <a:p>
+            <a:endParaRPr lang="en-US" baseline="0" dirty="0" smtClean="0"/>
+          </a:p>
+          <a:p>
+            <a:r>
+              <a:rPr lang="en-US" dirty="0" smtClean="0"/>
+              <a:t>The DRY principle is stated as “Every piece of knowledge must have a single, unambiguous, authoritative representation within a system.” – don't repeat yourself (use the "rule</a:t>
+            </a:r>
+            <a:r>
+              <a:rPr lang="en-US" baseline="0" dirty="0" smtClean="0"/>
+              <a:t> of three")</a:t>
+            </a:r>
+            <a:endParaRPr lang="en-US" dirty="0" smtClean="0"/>
+          </a:p>
+          <a:p>
+            <a:r>
+              <a:rPr lang="en-US" dirty="0" smtClean="0"/>
+              <a:t>Separation</a:t>
+            </a:r>
+            <a:r>
+              <a:rPr lang="en-US" baseline="0" dirty="0" smtClean="0"/>
+              <a:t> of concerns  Modularity, and hence separation of concerns, is achieved by encapsulating information inside a section of code that has a well-defined interface</a:t>
+            </a:r>
+          </a:p>
+          <a:p>
+            <a:r>
+              <a:rPr lang="en-US" baseline="0" dirty="0" err="1" smtClean="0"/>
+              <a:t>yagni</a:t>
+            </a:r>
+            <a:r>
+              <a:rPr lang="en-US" baseline="0" dirty="0" smtClean="0"/>
+              <a:t> is "you </a:t>
+            </a:r>
+            <a:r>
+              <a:rPr lang="en-US" baseline="0" dirty="0" err="1" smtClean="0"/>
+              <a:t>ain't</a:t>
+            </a:r>
+            <a:r>
+              <a:rPr lang="en-US" baseline="0" dirty="0" smtClean="0"/>
+              <a:t> </a:t>
+            </a:r>
+            <a:r>
+              <a:rPr lang="en-US" baseline="0" dirty="0" err="1" smtClean="0"/>
+              <a:t>gonna</a:t>
+            </a:r>
+            <a:r>
+              <a:rPr lang="en-US" baseline="0" dirty="0" smtClean="0"/>
+              <a:t> need it") – minimize what you design upfront until </a:t>
+            </a:r>
+            <a:r>
+              <a:rPr lang="en-US" baseline="0" dirty="0" smtClean="0"/>
+              <a:t>you </a:t>
+            </a:r>
+            <a:r>
+              <a:rPr lang="en-US" baseline="0" dirty="0" smtClean="0"/>
+              <a:t>need it</a:t>
+            </a:r>
+          </a:p>
+          <a:p>
+            <a:r>
+              <a:rPr lang="en-US" baseline="0" dirty="0" smtClean="0"/>
+              <a:t>single responsibility principle – each component or module has one job (one feature, one bit of functionality, or one aggregate of functionality)</a:t>
+            </a:r>
+          </a:p>
+          <a:p>
+            <a:r>
+              <a:rPr lang="en-US" baseline="0" dirty="0" smtClean="0"/>
+              <a:t>LOD – law of Demeter – principle of least knowledge – each object shouldn't know about internal details of another object</a:t>
+            </a:r>
+            <a:endParaRPr lang="en-US" dirty="0" smtClean="0"/>
+          </a:p>
+          <a:p>
+            <a:endParaRPr lang="en-US" dirty="0"/>
+          </a:p>
+        </p:txBody>
+      </p:sp>
+      <p:sp>
+        <p:nvSpPr>
+          <p:cNvPr id="4" name="Slide Number Placeholder 3"/>
+          <p:cNvSpPr>
+            <a:spLocks noGrp="1"/>
+          </p:cNvSpPr>
+          <p:nvPr>
+            <p:ph type="sldNum" sz="quarter" idx="10"/>
+          </p:nvPr>
+        </p:nvSpPr>
+        <p:spPr/>
+        <p:txBody>
+          <a:bodyPr/>
+          <a:lstStyle/>
+          <a:p>
+            <a:fld id="{418E688B-F764-3946-880A-E9595C7985CE}" type="slidenum">
+              <a:rPr lang="en-US" smtClean="0"/>
+              <a:t>40</a:t>
+            </a:fld>
+            <a:endParaRPr lang="en-US"/>
+          </a:p>
+        </p:txBody>
+      </p:sp>
+    </p:spTree>
+    <p:extLst>
+      <p:ext uri="{BB962C8B-B14F-4D97-AF65-F5344CB8AC3E}">
+        <p14:creationId xmlns:p14="http://schemas.microsoft.com/office/powerpoint/2010/main" val="2677762798"/>
+      </p:ext>
+    </p:extLst>
+  </p:cSld>
+  <p:clrMapOvr>
+    <a:masterClrMapping/>
+  </p:clrMapOvr>
+</p:notes>
+</file>
+
+<file path=ppt/notesSlides/notesSlide41.xml><?xml version="1.0" encoding="utf-8"?>
+<p:notes xmlns:a="http://schemas.openxmlformats.org/drawingml/2006/main" xmlns:r="http://schemas.openxmlformats.org/officeDocument/2006/relationships" xmlns:p="http://schemas.openxmlformats.org/presentationml/2006/main">
+  <p:cSld>
+    <p:spTree>
+      <p:nvGrpSpPr>
+        <p:cNvPr id="1" name=""/>
+        <p:cNvGrpSpPr/>
+        <p:nvPr/>
+      </p:nvGrpSpPr>
+      <p:grpSpPr>
+        <a:xfrm>
+          <a:off x="0" y="0"/>
+          <a:ext cx="0" cy="0"/>
+          <a:chOff x="0" y="0"/>
+          <a:chExt cx="0" cy="0"/>
+        </a:xfrm>
+      </p:grpSpPr>
+      <p:sp>
+        <p:nvSpPr>
+          <p:cNvPr id="2" name="Slide Image Placeholder 1"/>
+          <p:cNvSpPr>
+            <a:spLocks noGrp="1" noRot="1" noChangeAspect="1"/>
+          </p:cNvSpPr>
+          <p:nvPr>
+            <p:ph type="sldImg"/>
+          </p:nvPr>
+        </p:nvSpPr>
+        <p:spPr/>
+      </p:sp>
+      <p:sp>
+        <p:nvSpPr>
+          <p:cNvPr id="3" name="Notes Placeholder 2"/>
+          <p:cNvSpPr>
+            <a:spLocks noGrp="1"/>
+          </p:cNvSpPr>
+          <p:nvPr>
+            <p:ph type="body" idx="1"/>
+          </p:nvPr>
+        </p:nvSpPr>
+        <p:spPr/>
+        <p:txBody>
+          <a:bodyPr/>
+          <a:lstStyle/>
+          <a:p>
+            <a:r>
+              <a:rPr lang="en-US" baseline="0" dirty="0" smtClean="0"/>
+              <a:t>Now we aren't quite ready for a two day workshop for this, but here are a list of things you should look into</a:t>
+            </a:r>
+            <a:endParaRPr lang="en-US" baseline="0" dirty="0" smtClean="0"/>
+          </a:p>
+        </p:txBody>
+      </p:sp>
+      <p:sp>
+        <p:nvSpPr>
+          <p:cNvPr id="4" name="Slide Number Placeholder 3"/>
+          <p:cNvSpPr>
+            <a:spLocks noGrp="1"/>
+          </p:cNvSpPr>
+          <p:nvPr>
+            <p:ph type="sldNum" sz="quarter" idx="10"/>
+          </p:nvPr>
+        </p:nvSpPr>
+        <p:spPr/>
+        <p:txBody>
+          <a:bodyPr/>
+          <a:lstStyle/>
+          <a:p>
+            <a:fld id="{418E688B-F764-3946-880A-E9595C7985CE}" type="slidenum">
+              <a:rPr lang="en-US" smtClean="0"/>
+              <a:t>41</a:t>
+            </a:fld>
+            <a:endParaRPr lang="en-US"/>
+          </a:p>
+        </p:txBody>
+      </p:sp>
+    </p:spTree>
+    <p:extLst>
+      <p:ext uri="{BB962C8B-B14F-4D97-AF65-F5344CB8AC3E}">
+        <p14:creationId xmlns:p14="http://schemas.microsoft.com/office/powerpoint/2010/main" val="330699177"/>
       </p:ext>
     </p:extLst>
   </p:cSld>
@@ -12275,7 +12642,7 @@
       </p:grpSpPr>
       <p:sp>
         <p:nvSpPr>
-          <p:cNvPr id="4" name="Title 3"/>
+          <p:cNvPr id="2" name="Title 1"/>
           <p:cNvSpPr>
             <a:spLocks noGrp="1"/>
           </p:cNvSpPr>
@@ -12290,7 +12657,7 @@
           <a:p>
             <a:r>
               <a:rPr lang="en-US" dirty="0" smtClean="0"/>
-              <a:t>Template Class</a:t>
+              <a:t>Template File</a:t>
             </a:r>
             <a:endParaRPr lang="en-US" dirty="0"/>
           </a:p>
@@ -12298,7 +12665,7 @@
       </p:sp>
       <p:sp>
         <p:nvSpPr>
-          <p:cNvPr id="5" name="Content Placeholder 4"/>
+          <p:cNvPr id="3" name="Content Placeholder 2"/>
           <p:cNvSpPr>
             <a:spLocks noGrp="1"/>
           </p:cNvSpPr>
@@ -12313,13 +12680,43 @@
           <a:p>
             <a:r>
               <a:rPr lang="en-US" dirty="0" smtClean="0"/>
-              <a:t>Holds the data to display</a:t>
+              <a:t>Mainly HTML</a:t>
             </a:r>
           </a:p>
           <a:p>
             <a:r>
               <a:rPr lang="en-US" dirty="0" smtClean="0"/>
-              <a:t>Has “helpers” for common functionality</a:t>
+              <a:t>Shortcut echo tags</a:t>
+            </a:r>
+          </a:p>
+          <a:p>
+            <a:r>
+              <a:rPr lang="en-US" dirty="0" smtClean="0"/>
+              <a:t>Very little logic </a:t>
+            </a:r>
+          </a:p>
+          <a:p>
+            <a:pPr lvl="1"/>
+            <a:r>
+              <a:rPr lang="en-US" dirty="0" smtClean="0"/>
+              <a:t>simple conditionals</a:t>
+            </a:r>
+          </a:p>
+          <a:p>
+            <a:pPr lvl="1"/>
+            <a:r>
+              <a:rPr lang="en-US" dirty="0" smtClean="0"/>
+              <a:t>simple loops</a:t>
+            </a:r>
+          </a:p>
+          <a:p>
+            <a:r>
+              <a:rPr lang="en-US" dirty="0" smtClean="0"/>
+              <a:t>May or may not include </a:t>
+            </a:r>
+            <a:r>
+              <a:rPr lang="en-US" dirty="0" smtClean="0"/>
+              <a:t>other templates</a:t>
             </a:r>
           </a:p>
         </p:txBody>
@@ -12327,7 +12724,7 @@
     </p:spTree>
     <p:extLst>
       <p:ext uri="{BB962C8B-B14F-4D97-AF65-F5344CB8AC3E}">
-        <p14:creationId xmlns:p14="http://schemas.microsoft.com/office/powerpoint/2010/main" val="2186060473"/>
+        <p14:creationId xmlns:p14="http://schemas.microsoft.com/office/powerpoint/2010/main" val="219596888"/>
       </p:ext>
     </p:extLst>
   </p:cSld>
@@ -12363,7 +12760,7 @@
       </p:grpSpPr>
       <p:sp>
         <p:nvSpPr>
-          <p:cNvPr id="2" name="Title 1"/>
+          <p:cNvPr id="4" name="Title 3"/>
           <p:cNvSpPr>
             <a:spLocks noGrp="1"/>
           </p:cNvSpPr>
@@ -12378,7 +12775,7 @@
           <a:p>
             <a:r>
               <a:rPr lang="en-US" dirty="0" smtClean="0"/>
-              <a:t>Template File</a:t>
+              <a:t>Template Class</a:t>
             </a:r>
             <a:endParaRPr lang="en-US" dirty="0"/>
           </a:p>
@@ -12386,7 +12783,7 @@
       </p:sp>
       <p:sp>
         <p:nvSpPr>
-          <p:cNvPr id="3" name="Content Placeholder 2"/>
+          <p:cNvPr id="5" name="Content Placeholder 4"/>
           <p:cNvSpPr>
             <a:spLocks noGrp="1"/>
           </p:cNvSpPr>
@@ -12401,39 +12798,13 @@
           <a:p>
             <a:r>
               <a:rPr lang="en-US" dirty="0" smtClean="0"/>
-              <a:t>Mainly HTML</a:t>
+              <a:t>Holds the data to display</a:t>
             </a:r>
           </a:p>
           <a:p>
             <a:r>
               <a:rPr lang="en-US" dirty="0" smtClean="0"/>
-              <a:t>Shortcut echo tags</a:t>
-            </a:r>
-          </a:p>
-          <a:p>
-            <a:r>
-              <a:rPr lang="en-US" dirty="0" smtClean="0"/>
-              <a:t>Very little logic </a:t>
-            </a:r>
-          </a:p>
-          <a:p>
-            <a:pPr lvl="1"/>
-            <a:r>
-              <a:rPr lang="en-US" dirty="0" smtClean="0"/>
-              <a:t>simple conditionals</a:t>
-            </a:r>
-          </a:p>
-          <a:p>
-            <a:pPr lvl="1"/>
-            <a:r>
-              <a:rPr lang="en-US" dirty="0" smtClean="0"/>
-              <a:t>simple loops</a:t>
-            </a:r>
-          </a:p>
-          <a:p>
-            <a:r>
-              <a:rPr lang="en-US" dirty="0" smtClean="0"/>
-              <a:t>Might include other templates</a:t>
+              <a:t>Has “helpers” for common functionality</a:t>
             </a:r>
           </a:p>
         </p:txBody>
@@ -12441,7 +12812,7 @@
     </p:spTree>
     <p:extLst>
       <p:ext uri="{BB962C8B-B14F-4D97-AF65-F5344CB8AC3E}">
-        <p14:creationId xmlns:p14="http://schemas.microsoft.com/office/powerpoint/2010/main" val="219596888"/>
+        <p14:creationId xmlns:p14="http://schemas.microsoft.com/office/powerpoint/2010/main" val="2186060473"/>
       </p:ext>
     </p:extLst>
   </p:cSld>
@@ -12477,7 +12848,7 @@
       </p:grpSpPr>
       <p:sp>
         <p:nvSpPr>
-          <p:cNvPr id="4" name="Title 3"/>
+          <p:cNvPr id="2" name="Title 1"/>
           <p:cNvSpPr>
             <a:spLocks noGrp="1"/>
           </p:cNvSpPr>
@@ -12492,7 +12863,7 @@
           <a:p>
             <a:r>
               <a:rPr lang="en-US" dirty="0" smtClean="0"/>
-              <a:t>Routing and Controllers</a:t>
+              <a:t>Template File</a:t>
             </a:r>
             <a:endParaRPr lang="en-US" dirty="0"/>
           </a:p>
@@ -12500,31 +12871,293 @@
       </p:sp>
       <p:sp>
         <p:nvSpPr>
-          <p:cNvPr id="5" name="Text Placeholder 4"/>
-          <p:cNvSpPr>
-            <a:spLocks noGrp="1"/>
-          </p:cNvSpPr>
-          <p:nvPr>
-            <p:ph type="body" idx="1"/>
-          </p:nvPr>
-        </p:nvSpPr>
-        <p:spPr/>
-        <p:txBody>
-          <a:bodyPr/>
-          <a:lstStyle/>
-          <a:p>
-            <a:r>
-              <a:rPr lang="en-US" dirty="0" smtClean="0"/>
-              <a:t>Lesson 4:</a:t>
-            </a:r>
-            <a:endParaRPr lang="en-US" dirty="0"/>
+          <p:cNvPr id="3" name="Content Placeholder 2"/>
+          <p:cNvSpPr>
+            <a:spLocks noGrp="1"/>
+          </p:cNvSpPr>
+          <p:nvPr>
+            <p:ph idx="1"/>
+          </p:nvPr>
+        </p:nvSpPr>
+        <p:spPr>
+          <a:solidFill>
+            <a:schemeClr val="bg1">
+              <a:lumMod val="85000"/>
+            </a:schemeClr>
+          </a:solidFill>
+          <a:ln>
+            <a:solidFill>
+              <a:schemeClr val="tx1"/>
+            </a:solidFill>
+          </a:ln>
+        </p:spPr>
+        <p:txBody>
+          <a:bodyPr>
+            <a:normAutofit/>
+          </a:bodyPr>
+          <a:lstStyle/>
+          <a:p>
+            <a:pPr marL="0" indent="0">
+              <a:buNone/>
+            </a:pPr>
+            <a:r>
+              <a:rPr lang="en-US" sz="2000" dirty="0">
+                <a:latin typeface="Lucida Console" panose="020B0609040504020204" pitchFamily="49" charset="0"/>
+              </a:rPr>
+              <a:t>&lt;!</a:t>
+            </a:r>
+            <a:r>
+              <a:rPr lang="en-US" sz="2000" dirty="0" err="1">
+                <a:latin typeface="Lucida Console" panose="020B0609040504020204" pitchFamily="49" charset="0"/>
+              </a:rPr>
+              <a:t>doctype</a:t>
+            </a:r>
+            <a:r>
+              <a:rPr lang="en-US" sz="2000" dirty="0">
+                <a:latin typeface="Lucida Console" panose="020B0609040504020204" pitchFamily="49" charset="0"/>
+              </a:rPr>
+              <a:t> html</a:t>
+            </a:r>
+            <a:r>
+              <a:rPr lang="en-US" sz="2000" dirty="0" smtClean="0">
+                <a:latin typeface="Lucida Console" panose="020B0609040504020204" pitchFamily="49" charset="0"/>
+              </a:rPr>
+              <a:t>&gt;</a:t>
+            </a:r>
+          </a:p>
+          <a:p>
+            <a:pPr marL="0" indent="0">
+              <a:buNone/>
+            </a:pPr>
+            <a:r>
+              <a:rPr lang="en-US" sz="2000" dirty="0" smtClean="0">
+                <a:latin typeface="Lucida Console" panose="020B0609040504020204" pitchFamily="49" charset="0"/>
+              </a:rPr>
+              <a:t>&lt;</a:t>
+            </a:r>
+            <a:r>
+              <a:rPr lang="en-US" sz="2000" dirty="0">
+                <a:latin typeface="Lucida Console" panose="020B0609040504020204" pitchFamily="49" charset="0"/>
+              </a:rPr>
+              <a:t>html</a:t>
+            </a:r>
+            <a:r>
+              <a:rPr lang="en-US" sz="2000" dirty="0" smtClean="0">
+                <a:latin typeface="Lucida Console" panose="020B0609040504020204" pitchFamily="49" charset="0"/>
+              </a:rPr>
+              <a:t>&gt;</a:t>
+            </a:r>
+          </a:p>
+          <a:p>
+            <a:pPr marL="0" indent="0">
+              <a:buNone/>
+            </a:pPr>
+            <a:r>
+              <a:rPr lang="en-US" sz="2000" dirty="0" smtClean="0">
+                <a:latin typeface="Lucida Console" panose="020B0609040504020204" pitchFamily="49" charset="0"/>
+              </a:rPr>
+              <a:t>    </a:t>
+            </a:r>
+            <a:r>
+              <a:rPr lang="en-US" sz="2000" dirty="0">
+                <a:latin typeface="Lucida Console" panose="020B0609040504020204" pitchFamily="49" charset="0"/>
+              </a:rPr>
+              <a:t>&lt;head</a:t>
+            </a:r>
+            <a:r>
+              <a:rPr lang="en-US" sz="2000" dirty="0" smtClean="0">
+                <a:latin typeface="Lucida Console" panose="020B0609040504020204" pitchFamily="49" charset="0"/>
+              </a:rPr>
+              <a:t>&gt;</a:t>
+            </a:r>
+          </a:p>
+          <a:p>
+            <a:pPr marL="0" indent="0">
+              <a:buNone/>
+            </a:pPr>
+            <a:r>
+              <a:rPr lang="en-US" sz="2000" dirty="0" smtClean="0">
+                <a:latin typeface="Lucida Console" panose="020B0609040504020204" pitchFamily="49" charset="0"/>
+              </a:rPr>
+              <a:t>        </a:t>
+            </a:r>
+            <a:r>
+              <a:rPr lang="en-US" sz="2000" dirty="0">
+                <a:latin typeface="Lucida Console" panose="020B0609040504020204" pitchFamily="49" charset="0"/>
+              </a:rPr>
+              <a:t>&lt;title&gt;&lt;?= $this-&gt;title ?&gt;&lt;/title</a:t>
+            </a:r>
+            <a:r>
+              <a:rPr lang="en-US" sz="2000" dirty="0" smtClean="0">
+                <a:latin typeface="Lucida Console" panose="020B0609040504020204" pitchFamily="49" charset="0"/>
+              </a:rPr>
+              <a:t>&gt;</a:t>
+            </a:r>
+          </a:p>
+          <a:p>
+            <a:pPr marL="0" indent="0">
+              <a:buNone/>
+            </a:pPr>
+            <a:r>
+              <a:rPr lang="en-US" sz="2000" dirty="0" smtClean="0">
+                <a:latin typeface="Lucida Console" panose="020B0609040504020204" pitchFamily="49" charset="0"/>
+              </a:rPr>
+              <a:t>    </a:t>
+            </a:r>
+            <a:r>
+              <a:rPr lang="en-US" sz="2000" dirty="0">
+                <a:latin typeface="Lucida Console" panose="020B0609040504020204" pitchFamily="49" charset="0"/>
+              </a:rPr>
+              <a:t>&lt;/head</a:t>
+            </a:r>
+            <a:r>
+              <a:rPr lang="en-US" sz="2000" dirty="0" smtClean="0">
+                <a:latin typeface="Lucida Console" panose="020B0609040504020204" pitchFamily="49" charset="0"/>
+              </a:rPr>
+              <a:t>&gt;</a:t>
+            </a:r>
+          </a:p>
+          <a:p>
+            <a:pPr marL="0" indent="0">
+              <a:buNone/>
+            </a:pPr>
+            <a:r>
+              <a:rPr lang="en-US" sz="2000" dirty="0" smtClean="0">
+                <a:latin typeface="Lucida Console" panose="020B0609040504020204" pitchFamily="49" charset="0"/>
+              </a:rPr>
+              <a:t>    </a:t>
+            </a:r>
+            <a:r>
+              <a:rPr lang="en-US" sz="2000" dirty="0">
+                <a:latin typeface="Lucida Console" panose="020B0609040504020204" pitchFamily="49" charset="0"/>
+              </a:rPr>
+              <a:t>&lt;body</a:t>
+            </a:r>
+            <a:r>
+              <a:rPr lang="en-US" sz="2000" dirty="0" smtClean="0">
+                <a:latin typeface="Lucida Console" panose="020B0609040504020204" pitchFamily="49" charset="0"/>
+              </a:rPr>
+              <a:t>&gt;</a:t>
+            </a:r>
+          </a:p>
+          <a:p>
+            <a:pPr marL="0" indent="0">
+              <a:buNone/>
+            </a:pPr>
+            <a:r>
+              <a:rPr lang="en-US" sz="2000" dirty="0" smtClean="0">
+                <a:latin typeface="Lucida Console" panose="020B0609040504020204" pitchFamily="49" charset="0"/>
+              </a:rPr>
+              <a:t>        </a:t>
+            </a:r>
+            <a:r>
+              <a:rPr lang="en-US" sz="2000" dirty="0">
+                <a:latin typeface="Lucida Console" panose="020B0609040504020204" pitchFamily="49" charset="0"/>
+              </a:rPr>
+              <a:t>&lt;div</a:t>
+            </a:r>
+            <a:r>
+              <a:rPr lang="en-US" sz="2000" dirty="0" smtClean="0">
+                <a:latin typeface="Lucida Console" panose="020B0609040504020204" pitchFamily="49" charset="0"/>
+              </a:rPr>
+              <a:t>&gt;</a:t>
+            </a:r>
+          </a:p>
+          <a:p>
+            <a:pPr marL="0" indent="0">
+              <a:buNone/>
+            </a:pPr>
+            <a:r>
+              <a:rPr lang="en-US" sz="2000" dirty="0" smtClean="0">
+                <a:latin typeface="Lucida Console" panose="020B0609040504020204" pitchFamily="49" charset="0"/>
+              </a:rPr>
+              <a:t>            </a:t>
+            </a:r>
+            <a:r>
+              <a:rPr lang="en-US" sz="2000" dirty="0">
+                <a:latin typeface="Lucida Console" panose="020B0609040504020204" pitchFamily="49" charset="0"/>
+              </a:rPr>
+              <a:t>&lt;?= $this-&gt;message </a:t>
+            </a:r>
+            <a:r>
+              <a:rPr lang="en-US" sz="2000" dirty="0" smtClean="0">
+                <a:latin typeface="Lucida Console" panose="020B0609040504020204" pitchFamily="49" charset="0"/>
+              </a:rPr>
+              <a:t>?&gt;</a:t>
+            </a:r>
+          </a:p>
+          <a:p>
+            <a:pPr marL="0" indent="0">
+              <a:buNone/>
+            </a:pPr>
+            <a:r>
+              <a:rPr lang="en-US" sz="2000" dirty="0" smtClean="0">
+                <a:latin typeface="Lucida Console" panose="020B0609040504020204" pitchFamily="49" charset="0"/>
+              </a:rPr>
+              <a:t>        </a:t>
+            </a:r>
+            <a:r>
+              <a:rPr lang="en-US" sz="2000" dirty="0">
+                <a:latin typeface="Lucida Console" panose="020B0609040504020204" pitchFamily="49" charset="0"/>
+              </a:rPr>
+              <a:t>&lt;/div</a:t>
+            </a:r>
+            <a:r>
+              <a:rPr lang="en-US" sz="2000" dirty="0" smtClean="0">
+                <a:latin typeface="Lucida Console" panose="020B0609040504020204" pitchFamily="49" charset="0"/>
+              </a:rPr>
+              <a:t>&gt;</a:t>
+            </a:r>
+          </a:p>
+          <a:p>
+            <a:pPr marL="0" indent="0">
+              <a:buNone/>
+            </a:pPr>
+            <a:r>
+              <a:rPr lang="en-US" sz="2000" dirty="0" smtClean="0">
+                <a:latin typeface="Lucida Console" panose="020B0609040504020204" pitchFamily="49" charset="0"/>
+              </a:rPr>
+              <a:t>    </a:t>
+            </a:r>
+            <a:r>
+              <a:rPr lang="en-US" sz="2000" dirty="0">
+                <a:latin typeface="Lucida Console" panose="020B0609040504020204" pitchFamily="49" charset="0"/>
+              </a:rPr>
+              <a:t>&lt;/body</a:t>
+            </a:r>
+            <a:r>
+              <a:rPr lang="en-US" sz="2000" dirty="0" smtClean="0">
+                <a:latin typeface="Lucida Console" panose="020B0609040504020204" pitchFamily="49" charset="0"/>
+              </a:rPr>
+              <a:t>&gt;</a:t>
+            </a:r>
+          </a:p>
+          <a:p>
+            <a:pPr marL="0" indent="0">
+              <a:buNone/>
+            </a:pPr>
+            <a:r>
+              <a:rPr lang="en-US" sz="2000" dirty="0" smtClean="0">
+                <a:latin typeface="Lucida Console" panose="020B0609040504020204" pitchFamily="49" charset="0"/>
+              </a:rPr>
+              <a:t>&lt;/</a:t>
+            </a:r>
+            <a:r>
+              <a:rPr lang="en-US" sz="2000" dirty="0">
+                <a:latin typeface="Lucida Console" panose="020B0609040504020204" pitchFamily="49" charset="0"/>
+              </a:rPr>
+              <a:t>html&gt;</a:t>
+            </a:r>
+            <a:endParaRPr lang="en-US" sz="2000" dirty="0" smtClean="0">
+              <a:latin typeface="Lucida Console" panose="020B0609040504020204" pitchFamily="49" charset="0"/>
+            </a:endParaRPr>
           </a:p>
         </p:txBody>
       </p:sp>
     </p:spTree>
     <p:extLst>
       <p:ext uri="{BB962C8B-B14F-4D97-AF65-F5344CB8AC3E}">
-        <p14:creationId xmlns:p14="http://schemas.microsoft.com/office/powerpoint/2010/main" val="2073174591"/>
+        <p14:creationId xmlns:p14="http://schemas.microsoft.com/office/powerpoint/2010/main" val="1265345680"/>
       </p:ext>
     </p:extLst>
   </p:cSld>
@@ -12575,7 +13208,7 @@
           <a:p>
             <a:r>
               <a:rPr lang="en-US" dirty="0" smtClean="0"/>
-              <a:t>Login and Security</a:t>
+              <a:t>Template Class</a:t>
             </a:r>
             <a:endParaRPr lang="en-US" dirty="0"/>
           </a:p>
@@ -12583,31 +13216,257 @@
       </p:sp>
       <p:sp>
         <p:nvSpPr>
-          <p:cNvPr id="3" name="Text Placeholder 2"/>
-          <p:cNvSpPr>
-            <a:spLocks noGrp="1"/>
-          </p:cNvSpPr>
-          <p:nvPr>
-            <p:ph type="body" idx="1"/>
-          </p:nvPr>
-        </p:nvSpPr>
-        <p:spPr/>
-        <p:txBody>
-          <a:bodyPr/>
-          <a:lstStyle/>
-          <a:p>
-            <a:r>
-              <a:rPr lang="en-US" dirty="0" smtClean="0"/>
-              <a:t>Lesson 5:</a:t>
-            </a:r>
-            <a:endParaRPr lang="en-US" dirty="0"/>
+          <p:cNvPr id="3" name="Content Placeholder 2"/>
+          <p:cNvSpPr>
+            <a:spLocks noGrp="1"/>
+          </p:cNvSpPr>
+          <p:nvPr>
+            <p:ph idx="1"/>
+          </p:nvPr>
+        </p:nvSpPr>
+        <p:spPr>
+          <a:solidFill>
+            <a:schemeClr val="bg1">
+              <a:lumMod val="85000"/>
+            </a:schemeClr>
+          </a:solidFill>
+          <a:ln>
+            <a:solidFill>
+              <a:schemeClr val="tx1"/>
+            </a:solidFill>
+          </a:ln>
+        </p:spPr>
+        <p:txBody>
+          <a:bodyPr>
+            <a:normAutofit/>
+          </a:bodyPr>
+          <a:lstStyle/>
+          <a:p>
+            <a:pPr marL="0" indent="0">
+              <a:buNone/>
+            </a:pPr>
+            <a:r>
+              <a:rPr lang="en-US" sz="2000" dirty="0">
+                <a:latin typeface="Lucida Console" panose="020B0609040504020204" pitchFamily="49" charset="0"/>
+              </a:rPr>
+              <a:t>&lt;?</a:t>
+            </a:r>
+            <a:r>
+              <a:rPr lang="en-US" sz="2000" dirty="0" err="1" smtClean="0">
+                <a:latin typeface="Lucida Console" panose="020B0609040504020204" pitchFamily="49" charset="0"/>
+              </a:rPr>
+              <a:t>php</a:t>
+            </a:r>
+            <a:endParaRPr lang="en-US" sz="2000" dirty="0" smtClean="0">
+              <a:latin typeface="Lucida Console" panose="020B0609040504020204" pitchFamily="49" charset="0"/>
+            </a:endParaRPr>
+          </a:p>
+          <a:p>
+            <a:pPr marL="0" indent="0">
+              <a:buNone/>
+            </a:pPr>
+            <a:r>
+              <a:rPr lang="en-US" sz="2000" dirty="0" smtClean="0">
+                <a:latin typeface="Lucida Console" panose="020B0609040504020204" pitchFamily="49" charset="0"/>
+              </a:rPr>
+              <a:t>class </a:t>
+            </a:r>
+            <a:r>
+              <a:rPr lang="en-US" sz="2000" dirty="0">
+                <a:latin typeface="Lucida Console" panose="020B0609040504020204" pitchFamily="49" charset="0"/>
+              </a:rPr>
+              <a:t>Template </a:t>
+            </a:r>
+            <a:endParaRPr lang="en-US" sz="2000" dirty="0" smtClean="0">
+              <a:latin typeface="Lucida Console" panose="020B0609040504020204" pitchFamily="49" charset="0"/>
+            </a:endParaRPr>
+          </a:p>
+          <a:p>
+            <a:pPr marL="0" indent="0">
+              <a:buNone/>
+            </a:pPr>
+            <a:r>
+              <a:rPr lang="en-US" sz="2000" dirty="0" smtClean="0">
+                <a:latin typeface="Lucida Console" panose="020B0609040504020204" pitchFamily="49" charset="0"/>
+              </a:rPr>
+              <a:t>{</a:t>
+            </a:r>
+          </a:p>
+          <a:p>
+            <a:pPr marL="0" indent="0">
+              <a:buNone/>
+            </a:pPr>
+            <a:r>
+              <a:rPr lang="en-US" sz="2000" dirty="0" smtClean="0">
+                <a:latin typeface="Lucida Console" panose="020B0609040504020204" pitchFamily="49" charset="0"/>
+              </a:rPr>
+              <a:t>    </a:t>
+            </a:r>
+            <a:r>
+              <a:rPr lang="en-US" sz="2000" dirty="0">
+                <a:latin typeface="Lucida Console" panose="020B0609040504020204" pitchFamily="49" charset="0"/>
+              </a:rPr>
+              <a:t>public function render($</a:t>
+            </a:r>
+            <a:r>
+              <a:rPr lang="en-US" sz="2000" dirty="0" err="1">
+                <a:latin typeface="Lucida Console" panose="020B0609040504020204" pitchFamily="49" charset="0"/>
+              </a:rPr>
+              <a:t>tpl</a:t>
+            </a:r>
+            <a:r>
+              <a:rPr lang="en-US" sz="2000" dirty="0">
+                <a:latin typeface="Lucida Console" panose="020B0609040504020204" pitchFamily="49" charset="0"/>
+              </a:rPr>
+              <a:t>, $data = array</a:t>
+            </a:r>
+            <a:r>
+              <a:rPr lang="en-US" sz="2000" dirty="0" smtClean="0">
+                <a:latin typeface="Lucida Console" panose="020B0609040504020204" pitchFamily="49" charset="0"/>
+              </a:rPr>
+              <a:t>())</a:t>
+            </a:r>
+          </a:p>
+          <a:p>
+            <a:pPr marL="0" indent="0">
+              <a:buNone/>
+            </a:pPr>
+            <a:r>
+              <a:rPr lang="en-US" sz="2000" dirty="0">
+                <a:latin typeface="Lucida Console" panose="020B0609040504020204" pitchFamily="49" charset="0"/>
+              </a:rPr>
+              <a:t>	</a:t>
+            </a:r>
+            <a:r>
+              <a:rPr lang="en-US" sz="2000" dirty="0" smtClean="0">
+                <a:latin typeface="Lucida Console" panose="020B0609040504020204" pitchFamily="49" charset="0"/>
+              </a:rPr>
+              <a:t> {</a:t>
+            </a:r>
+          </a:p>
+          <a:p>
+            <a:pPr marL="0" indent="0">
+              <a:buNone/>
+            </a:pPr>
+            <a:r>
+              <a:rPr lang="en-US" sz="2000" dirty="0" smtClean="0">
+                <a:latin typeface="Lucida Console" panose="020B0609040504020204" pitchFamily="49" charset="0"/>
+              </a:rPr>
+              <a:t>        </a:t>
+            </a:r>
+            <a:r>
+              <a:rPr lang="en-US" sz="2000" dirty="0" err="1">
+                <a:latin typeface="Lucida Console" panose="020B0609040504020204" pitchFamily="49" charset="0"/>
+              </a:rPr>
+              <a:t>foreach</a:t>
+            </a:r>
+            <a:r>
+              <a:rPr lang="en-US" sz="2000" dirty="0">
+                <a:latin typeface="Lucida Console" panose="020B0609040504020204" pitchFamily="49" charset="0"/>
+              </a:rPr>
+              <a:t> ($data as $key =&gt; $value) </a:t>
+            </a:r>
+            <a:r>
+              <a:rPr lang="en-US" sz="2000" dirty="0" smtClean="0">
+                <a:latin typeface="Lucida Console" panose="020B0609040504020204" pitchFamily="49" charset="0"/>
+              </a:rPr>
+              <a:t>{</a:t>
+            </a:r>
+          </a:p>
+          <a:p>
+            <a:pPr marL="0" indent="0">
+              <a:buNone/>
+            </a:pPr>
+            <a:r>
+              <a:rPr lang="en-US" sz="2000" dirty="0" smtClean="0">
+                <a:latin typeface="Lucida Console" panose="020B0609040504020204" pitchFamily="49" charset="0"/>
+              </a:rPr>
+              <a:t>            </a:t>
+            </a:r>
+            <a:r>
+              <a:rPr lang="en-US" sz="2000" dirty="0">
+                <a:latin typeface="Lucida Console" panose="020B0609040504020204" pitchFamily="49" charset="0"/>
+              </a:rPr>
+              <a:t>$this-&gt;{$key} = $value</a:t>
+            </a:r>
+            <a:r>
+              <a:rPr lang="en-US" sz="2000" dirty="0" smtClean="0">
+                <a:latin typeface="Lucida Console" panose="020B0609040504020204" pitchFamily="49" charset="0"/>
+              </a:rPr>
+              <a:t>;</a:t>
+            </a:r>
+          </a:p>
+          <a:p>
+            <a:pPr marL="0" indent="0">
+              <a:buNone/>
+            </a:pPr>
+            <a:r>
+              <a:rPr lang="en-US" sz="2000" dirty="0" smtClean="0">
+                <a:latin typeface="Lucida Console" panose="020B0609040504020204" pitchFamily="49" charset="0"/>
+              </a:rPr>
+              <a:t>        }</a:t>
+            </a:r>
+          </a:p>
+          <a:p>
+            <a:pPr marL="0" indent="0">
+              <a:buNone/>
+            </a:pPr>
+            <a:r>
+              <a:rPr lang="en-US" sz="2000" dirty="0" smtClean="0">
+                <a:latin typeface="Lucida Console" panose="020B0609040504020204" pitchFamily="49" charset="0"/>
+              </a:rPr>
+              <a:t>        </a:t>
+            </a:r>
+            <a:r>
+              <a:rPr lang="en-US" sz="2000" dirty="0">
+                <a:latin typeface="Lucida Console" panose="020B0609040504020204" pitchFamily="49" charset="0"/>
+              </a:rPr>
+              <a:t>require __DIR__ . '/' . $</a:t>
+            </a:r>
+            <a:r>
+              <a:rPr lang="en-US" sz="2000" dirty="0" err="1">
+                <a:latin typeface="Lucida Console" panose="020B0609040504020204" pitchFamily="49" charset="0"/>
+              </a:rPr>
+              <a:t>tpl</a:t>
+            </a:r>
+            <a:r>
+              <a:rPr lang="en-US" sz="2000" dirty="0" smtClean="0">
+                <a:latin typeface="Lucida Console" panose="020B0609040504020204" pitchFamily="49" charset="0"/>
+              </a:rPr>
+              <a:t>;</a:t>
+            </a:r>
+          </a:p>
+          <a:p>
+            <a:pPr marL="0" indent="0">
+              <a:buNone/>
+            </a:pPr>
+            <a:r>
+              <a:rPr lang="en-US" sz="2000" dirty="0" smtClean="0">
+                <a:latin typeface="Lucida Console" panose="020B0609040504020204" pitchFamily="49" charset="0"/>
+              </a:rPr>
+              <a:t>    }</a:t>
+            </a:r>
+          </a:p>
+          <a:p>
+            <a:pPr marL="0" indent="0">
+              <a:buNone/>
+            </a:pPr>
+            <a:r>
+              <a:rPr lang="en-US" sz="2000" dirty="0" smtClean="0">
+                <a:latin typeface="Lucida Console" panose="020B0609040504020204" pitchFamily="49" charset="0"/>
+              </a:rPr>
+              <a:t>}</a:t>
+            </a:r>
+            <a:endParaRPr lang="en-US" sz="2000" dirty="0" smtClean="0">
+              <a:latin typeface="Lucida Console" panose="020B0609040504020204" pitchFamily="49" charset="0"/>
+            </a:endParaRPr>
           </a:p>
         </p:txBody>
       </p:sp>
     </p:spTree>
     <p:extLst>
       <p:ext uri="{BB962C8B-B14F-4D97-AF65-F5344CB8AC3E}">
-        <p14:creationId xmlns:p14="http://schemas.microsoft.com/office/powerpoint/2010/main" val="871361754"/>
+        <p14:creationId xmlns:p14="http://schemas.microsoft.com/office/powerpoint/2010/main" val="2832848273"/>
       </p:ext>
     </p:extLst>
   </p:cSld>
@@ -12658,7 +13517,7 @@
           <a:p>
             <a:r>
               <a:rPr lang="en-US" dirty="0" smtClean="0"/>
-              <a:t>Wrapping it up</a:t>
+              <a:t>Using Templates</a:t>
             </a:r>
             <a:endParaRPr lang="en-US" dirty="0"/>
           </a:p>
@@ -12666,35 +13525,210 @@
       </p:sp>
       <p:sp>
         <p:nvSpPr>
-          <p:cNvPr id="3" name="Text Placeholder 2"/>
-          <p:cNvSpPr>
-            <a:spLocks noGrp="1"/>
-          </p:cNvSpPr>
-          <p:nvPr>
-            <p:ph type="body" idx="1"/>
-          </p:nvPr>
-        </p:nvSpPr>
-        <p:spPr/>
-        <p:txBody>
-          <a:bodyPr/>
-          <a:lstStyle/>
-          <a:p>
-            <a:r>
-              <a:rPr lang="en-US" dirty="0" smtClean="0"/>
-              <a:t>Lesson </a:t>
-            </a:r>
-            <a:r>
-              <a:rPr lang="en-US" dirty="0" smtClean="0"/>
-              <a:t>6:</a:t>
-            </a:r>
-            <a:endParaRPr lang="en-US" dirty="0"/>
+          <p:cNvPr id="3" name="Content Placeholder 2"/>
+          <p:cNvSpPr>
+            <a:spLocks noGrp="1"/>
+          </p:cNvSpPr>
+          <p:nvPr>
+            <p:ph idx="1"/>
+          </p:nvPr>
+        </p:nvSpPr>
+        <p:spPr>
+          <a:solidFill>
+            <a:schemeClr val="bg1">
+              <a:lumMod val="85000"/>
+            </a:schemeClr>
+          </a:solidFill>
+          <a:ln>
+            <a:solidFill>
+              <a:schemeClr val="tx1"/>
+            </a:solidFill>
+          </a:ln>
+        </p:spPr>
+        <p:txBody>
+          <a:bodyPr>
+            <a:normAutofit/>
+          </a:bodyPr>
+          <a:lstStyle/>
+          <a:p>
+            <a:pPr marL="0" indent="0">
+              <a:buNone/>
+            </a:pPr>
+            <a:r>
+              <a:rPr lang="en-US" sz="2000" dirty="0" smtClean="0">
+                <a:latin typeface="Lucida Console" panose="020B0609040504020204" pitchFamily="49" charset="0"/>
+              </a:rPr>
+              <a:t>&lt;?</a:t>
+            </a:r>
+            <a:r>
+              <a:rPr lang="en-US" sz="2000" dirty="0" err="1" smtClean="0">
+                <a:latin typeface="Lucida Console" panose="020B0609040504020204" pitchFamily="49" charset="0"/>
+              </a:rPr>
+              <a:t>php</a:t>
+            </a:r>
+            <a:endParaRPr lang="en-US" sz="2000" dirty="0" smtClean="0">
+              <a:latin typeface="Lucida Console" panose="020B0609040504020204" pitchFamily="49" charset="0"/>
+            </a:endParaRPr>
+          </a:p>
+          <a:p>
+            <a:pPr marL="0" indent="0">
+              <a:buNone/>
+            </a:pPr>
+            <a:r>
+              <a:rPr lang="en-US" sz="2000" dirty="0">
+                <a:latin typeface="Lucida Console" panose="020B0609040504020204" pitchFamily="49" charset="0"/>
+              </a:rPr>
+              <a:t>$</a:t>
+            </a:r>
+            <a:r>
+              <a:rPr lang="en-US" sz="2000" dirty="0" err="1">
+                <a:latin typeface="Lucida Console" panose="020B0609040504020204" pitchFamily="49" charset="0"/>
+              </a:rPr>
+              <a:t>vars</a:t>
+            </a:r>
+            <a:r>
+              <a:rPr lang="en-US" sz="2000" dirty="0">
+                <a:latin typeface="Lucida Console" panose="020B0609040504020204" pitchFamily="49" charset="0"/>
+              </a:rPr>
+              <a:t> = </a:t>
+            </a:r>
+            <a:r>
+              <a:rPr lang="en-US" sz="2000" dirty="0" smtClean="0">
+                <a:latin typeface="Lucida Console" panose="020B0609040504020204" pitchFamily="49" charset="0"/>
+              </a:rPr>
+              <a:t>[</a:t>
+            </a:r>
+          </a:p>
+          <a:p>
+            <a:pPr marL="0" indent="0">
+              <a:buNone/>
+            </a:pPr>
+            <a:r>
+              <a:rPr lang="en-US" sz="2000" dirty="0" smtClean="0">
+                <a:latin typeface="Lucida Console" panose="020B0609040504020204" pitchFamily="49" charset="0"/>
+              </a:rPr>
+              <a:t>    </a:t>
+            </a:r>
+            <a:r>
+              <a:rPr lang="en-US" sz="2000" dirty="0">
+                <a:latin typeface="Lucida Console" panose="020B0609040504020204" pitchFamily="49" charset="0"/>
+              </a:rPr>
+              <a:t>'title' =&gt; 'Hello and Welcome</a:t>
+            </a:r>
+            <a:r>
+              <a:rPr lang="en-US" sz="2000" dirty="0" smtClean="0">
+                <a:latin typeface="Lucida Console" panose="020B0609040504020204" pitchFamily="49" charset="0"/>
+              </a:rPr>
+              <a:t>',</a:t>
+            </a:r>
+          </a:p>
+          <a:p>
+            <a:pPr marL="0" indent="0">
+              <a:buNone/>
+            </a:pPr>
+            <a:r>
+              <a:rPr lang="en-US" sz="2000" dirty="0" smtClean="0">
+                <a:latin typeface="Lucida Console" panose="020B0609040504020204" pitchFamily="49" charset="0"/>
+              </a:rPr>
+              <a:t>    </a:t>
+            </a:r>
+            <a:r>
+              <a:rPr lang="en-US" sz="2000" dirty="0">
+                <a:latin typeface="Lucida Console" panose="020B0609040504020204" pitchFamily="49" charset="0"/>
+              </a:rPr>
+              <a:t>'message' =&gt; 'This is my </a:t>
+            </a:r>
+            <a:r>
+              <a:rPr lang="en-US" sz="2000" dirty="0" err="1">
+                <a:latin typeface="Lucida Console" panose="020B0609040504020204" pitchFamily="49" charset="0"/>
+              </a:rPr>
+              <a:t>templated</a:t>
+            </a:r>
+            <a:r>
+              <a:rPr lang="en-US" sz="2000" dirty="0">
+                <a:latin typeface="Lucida Console" panose="020B0609040504020204" pitchFamily="49" charset="0"/>
+              </a:rPr>
+              <a:t> application</a:t>
+            </a:r>
+            <a:r>
+              <a:rPr lang="en-US" sz="2000" dirty="0" smtClean="0">
+                <a:latin typeface="Lucida Console" panose="020B0609040504020204" pitchFamily="49" charset="0"/>
+              </a:rPr>
+              <a:t>',</a:t>
+            </a:r>
+          </a:p>
+          <a:p>
+            <a:pPr marL="0" indent="0">
+              <a:buNone/>
+            </a:pPr>
+            <a:r>
+              <a:rPr lang="en-US" sz="2000" dirty="0" smtClean="0">
+                <a:latin typeface="Lucida Console" panose="020B0609040504020204" pitchFamily="49" charset="0"/>
+              </a:rPr>
+              <a:t>];</a:t>
+            </a:r>
+          </a:p>
+          <a:p>
+            <a:pPr marL="0" indent="0">
+              <a:buNone/>
+            </a:pPr>
+            <a:r>
+              <a:rPr lang="en-US" sz="2000" dirty="0" smtClean="0">
+                <a:latin typeface="Lucida Console" panose="020B0609040504020204" pitchFamily="49" charset="0"/>
+              </a:rPr>
+              <a:t>$</a:t>
+            </a:r>
+            <a:r>
+              <a:rPr lang="en-US" sz="2000" dirty="0">
+                <a:latin typeface="Lucida Console" panose="020B0609040504020204" pitchFamily="49" charset="0"/>
+              </a:rPr>
+              <a:t>template = new Template</a:t>
+            </a:r>
+            <a:r>
+              <a:rPr lang="en-US" sz="2000" dirty="0" smtClean="0">
+                <a:latin typeface="Lucida Console" panose="020B0609040504020204" pitchFamily="49" charset="0"/>
+              </a:rPr>
+              <a:t>;</a:t>
+            </a:r>
+          </a:p>
+          <a:p>
+            <a:pPr marL="0" indent="0">
+              <a:buNone/>
+            </a:pPr>
+            <a:r>
+              <a:rPr lang="en-US" sz="2000" dirty="0" smtClean="0">
+                <a:latin typeface="Lucida Console" panose="020B0609040504020204" pitchFamily="49" charset="0"/>
+              </a:rPr>
+              <a:t>$</a:t>
+            </a:r>
+            <a:r>
+              <a:rPr lang="en-US" sz="2000" dirty="0">
+                <a:latin typeface="Lucida Console" panose="020B0609040504020204" pitchFamily="49" charset="0"/>
+              </a:rPr>
+              <a:t>template-&gt;render('3-1-template.html', $</a:t>
+            </a:r>
+            <a:r>
+              <a:rPr lang="en-US" sz="2000" dirty="0" err="1">
+                <a:latin typeface="Lucida Console" panose="020B0609040504020204" pitchFamily="49" charset="0"/>
+              </a:rPr>
+              <a:t>vars</a:t>
+            </a:r>
+            <a:r>
+              <a:rPr lang="en-US" sz="2000" dirty="0">
+                <a:latin typeface="Lucida Console" panose="020B0609040504020204" pitchFamily="49" charset="0"/>
+              </a:rPr>
+              <a:t>);</a:t>
+            </a:r>
+            <a:endParaRPr lang="en-US" sz="2000" dirty="0" smtClean="0">
+              <a:latin typeface="Lucida Console" panose="020B0609040504020204" pitchFamily="49" charset="0"/>
+            </a:endParaRPr>
           </a:p>
         </p:txBody>
       </p:sp>
     </p:spTree>
     <p:extLst>
       <p:ext uri="{BB962C8B-B14F-4D97-AF65-F5344CB8AC3E}">
-        <p14:creationId xmlns:p14="http://schemas.microsoft.com/office/powerpoint/2010/main" val="1869991124"/>
+        <p14:creationId xmlns:p14="http://schemas.microsoft.com/office/powerpoint/2010/main" val="61674566"/>
       </p:ext>
     </p:extLst>
   </p:cSld>
@@ -12740,108 +13774,55 @@
         </p:nvSpPr>
         <p:spPr/>
         <p:txBody>
-          <a:bodyPr>
-            <a:normAutofit fontScale="90000"/>
-          </a:bodyPr>
+          <a:bodyPr/>
           <a:lstStyle/>
           <a:p>
             <a:r>
               <a:rPr lang="en-US" dirty="0" smtClean="0"/>
-              <a:t>Use the Principles of Architecture</a:t>
-            </a:r>
-            <a:br>
+              <a:t>Considerations for Templates</a:t>
+            </a:r>
+            <a:endParaRPr lang="en-US" dirty="0"/>
+          </a:p>
+        </p:txBody>
+      </p:sp>
+      <p:sp>
+        <p:nvSpPr>
+          <p:cNvPr id="3" name="Content Placeholder 2"/>
+          <p:cNvSpPr>
+            <a:spLocks noGrp="1"/>
+          </p:cNvSpPr>
+          <p:nvPr>
+            <p:ph idx="1"/>
+          </p:nvPr>
+        </p:nvSpPr>
+        <p:spPr/>
+        <p:txBody>
+          <a:bodyPr/>
+          <a:lstStyle/>
+          <a:p>
+            <a:r>
               <a:rPr lang="en-US" dirty="0" smtClean="0"/>
-            </a:br>
+              <a:t>Escaping Output</a:t>
+            </a:r>
+          </a:p>
+          <a:p>
             <a:r>
               <a:rPr lang="en-US" dirty="0" smtClean="0"/>
-              <a:t>You've </a:t>
-            </a:r>
+              <a:t>"Base" templates</a:t>
+            </a:r>
+          </a:p>
+          <a:p>
             <a:r>
               <a:rPr lang="en-US" dirty="0" smtClean="0"/>
-              <a:t>Learned (without realizing it)</a:t>
-            </a:r>
-            <a:endParaRPr lang="en-US" dirty="0"/>
-          </a:p>
-        </p:txBody>
-      </p:sp>
-      <p:sp>
-        <p:nvSpPr>
-          <p:cNvPr id="3" name="Content Placeholder 2"/>
-          <p:cNvSpPr>
-            <a:spLocks noGrp="1"/>
-          </p:cNvSpPr>
-          <p:nvPr>
-            <p:ph idx="1"/>
-          </p:nvPr>
-        </p:nvSpPr>
-        <p:spPr/>
-        <p:txBody>
-          <a:bodyPr/>
-          <a:lstStyle/>
-          <a:p>
-            <a:pPr marL="514350" indent="-514350">
-              <a:buFont typeface="+mj-lt"/>
-              <a:buAutoNum type="arabicPeriod"/>
-            </a:pPr>
-            <a:r>
-              <a:rPr lang="en-US" dirty="0"/>
-              <a:t>SOC</a:t>
-            </a:r>
-          </a:p>
-          <a:p>
-            <a:pPr marL="514350" indent="-514350">
-              <a:buFont typeface="+mj-lt"/>
-              <a:buAutoNum type="arabicPeriod"/>
-            </a:pPr>
-            <a:r>
-              <a:rPr lang="en-US" dirty="0" smtClean="0"/>
-              <a:t>DRY</a:t>
-            </a:r>
-          </a:p>
-          <a:p>
-            <a:pPr marL="514350" indent="-514350">
-              <a:buFont typeface="+mj-lt"/>
-              <a:buAutoNum type="arabicPeriod"/>
-            </a:pPr>
-            <a:r>
-              <a:rPr lang="en-US" dirty="0" smtClean="0"/>
-              <a:t>YAGNI</a:t>
-            </a:r>
-          </a:p>
-          <a:p>
-            <a:pPr marL="514350" indent="-514350">
-              <a:buFont typeface="+mj-lt"/>
-              <a:buAutoNum type="arabicPeriod"/>
-            </a:pPr>
-            <a:r>
-              <a:rPr lang="en-US" dirty="0" smtClean="0"/>
-              <a:t>SRP</a:t>
-            </a:r>
-          </a:p>
-          <a:p>
-            <a:pPr marL="514350" indent="-514350">
-              <a:buFont typeface="+mj-lt"/>
-              <a:buAutoNum type="arabicPeriod"/>
-            </a:pPr>
-            <a:r>
-              <a:rPr lang="en-US" dirty="0" err="1" smtClean="0"/>
-              <a:t>LoD</a:t>
-            </a:r>
-            <a:endParaRPr lang="en-US" dirty="0" smtClean="0"/>
-          </a:p>
-          <a:p>
-            <a:pPr marL="514350" indent="-514350">
-              <a:buFont typeface="+mj-lt"/>
-              <a:buAutoNum type="arabicPeriod"/>
-            </a:pPr>
-            <a:endParaRPr lang="en-US" dirty="0"/>
+              <a:t>Set our template file location</a:t>
+            </a:r>
           </a:p>
         </p:txBody>
       </p:sp>
     </p:spTree>
     <p:extLst>
       <p:ext uri="{BB962C8B-B14F-4D97-AF65-F5344CB8AC3E}">
-        <p14:creationId xmlns:p14="http://schemas.microsoft.com/office/powerpoint/2010/main" val="3993008964"/>
+        <p14:creationId xmlns:p14="http://schemas.microsoft.com/office/powerpoint/2010/main" val="407373586"/>
       </p:ext>
     </p:extLst>
   </p:cSld>
@@ -12877,7 +13858,7 @@
       </p:grpSpPr>
       <p:sp>
         <p:nvSpPr>
-          <p:cNvPr id="2" name="Title 1"/>
+          <p:cNvPr id="4" name="Title 3"/>
           <p:cNvSpPr>
             <a:spLocks noGrp="1"/>
           </p:cNvSpPr>
@@ -12892,7 +13873,11 @@
           <a:p>
             <a:r>
               <a:rPr lang="en-US" dirty="0" smtClean="0"/>
-              <a:t>Learn New Things!</a:t>
+              <a:t>Controllers </a:t>
+            </a:r>
+            <a:r>
+              <a:rPr lang="en-US" smtClean="0"/>
+              <a:t>and Routing</a:t>
             </a:r>
             <a:endParaRPr lang="en-US" dirty="0"/>
           </a:p>
@@ -12900,12 +13885,12 @@
       </p:sp>
       <p:sp>
         <p:nvSpPr>
-          <p:cNvPr id="3" name="Content Placeholder 2"/>
-          <p:cNvSpPr>
-            <a:spLocks noGrp="1"/>
-          </p:cNvSpPr>
-          <p:nvPr>
-            <p:ph idx="1"/>
+          <p:cNvPr id="5" name="Text Placeholder 4"/>
+          <p:cNvSpPr>
+            <a:spLocks noGrp="1"/>
+          </p:cNvSpPr>
+          <p:nvPr>
+            <p:ph type="body" idx="1"/>
           </p:nvPr>
         </p:nvSpPr>
         <p:spPr/>
@@ -12915,41 +13900,7 @@
           <a:p>
             <a:r>
               <a:rPr lang="en-US" dirty="0" smtClean="0"/>
-              <a:t>CLI and CLI Programming</a:t>
-            </a:r>
-            <a:endParaRPr lang="en-US" dirty="0" smtClean="0"/>
-          </a:p>
-          <a:p>
-            <a:r>
-              <a:rPr lang="en-US" dirty="0" smtClean="0"/>
-              <a:t>Version Control</a:t>
-            </a:r>
-            <a:endParaRPr lang="en-US" dirty="0" smtClean="0"/>
-          </a:p>
-          <a:p>
-            <a:r>
-              <a:rPr lang="en-US" dirty="0" smtClean="0"/>
-              <a:t>Composer and Libraries</a:t>
-            </a:r>
-            <a:endParaRPr lang="en-US" dirty="0" smtClean="0"/>
-          </a:p>
-          <a:p>
-            <a:r>
-              <a:rPr lang="en-US" dirty="0" smtClean="0"/>
-              <a:t>Advanced Object Oriented Programming</a:t>
-            </a:r>
-          </a:p>
-          <a:p>
-            <a:r>
-              <a:rPr lang="en-US" dirty="0" err="1" smtClean="0"/>
-              <a:t>Javascript</a:t>
-            </a:r>
-            <a:endParaRPr lang="en-US" dirty="0"/>
-          </a:p>
-          <a:p>
-            <a:r>
-              <a:rPr lang="en-US" dirty="0" smtClean="0"/>
-              <a:t>Advanced HTML and CSS</a:t>
+              <a:t>Lesson 4:</a:t>
             </a:r>
             <a:endParaRPr lang="en-US" dirty="0"/>
           </a:p>
@@ -12958,7 +13909,98 @@
     </p:spTree>
     <p:extLst>
       <p:ext uri="{BB962C8B-B14F-4D97-AF65-F5344CB8AC3E}">
-        <p14:creationId xmlns:p14="http://schemas.microsoft.com/office/powerpoint/2010/main" val="1089236965"/>
+        <p14:creationId xmlns:p14="http://schemas.microsoft.com/office/powerpoint/2010/main" val="2073174591"/>
+      </p:ext>
+    </p:extLst>
+  </p:cSld>
+  <p:clrMapOvr>
+    <a:masterClrMapping/>
+  </p:clrMapOvr>
+  <p:timing>
+    <p:tnLst>
+      <p:par>
+        <p:cTn id="1" dur="indefinite" restart="never" nodeType="tmRoot"/>
+      </p:par>
+    </p:tnLst>
+  </p:timing>
+</p:sld>
+</file>
+
+<file path=ppt/slides/slide39.xml><?xml version="1.0" encoding="utf-8"?>
+<p:sld xmlns:a="http://schemas.openxmlformats.org/drawingml/2006/main" xmlns:r="http://schemas.openxmlformats.org/officeDocument/2006/relationships" xmlns:p="http://schemas.openxmlformats.org/presentationml/2006/main">
+  <p:cSld>
+    <p:spTree>
+      <p:nvGrpSpPr>
+        <p:cNvPr id="1" name=""/>
+        <p:cNvGrpSpPr/>
+        <p:nvPr/>
+      </p:nvGrpSpPr>
+      <p:grpSpPr>
+        <a:xfrm>
+          <a:off x="0" y="0"/>
+          <a:ext cx="0" cy="0"/>
+          <a:chOff x="0" y="0"/>
+          <a:chExt cx="0" cy="0"/>
+        </a:xfrm>
+      </p:grpSpPr>
+      <p:sp>
+        <p:nvSpPr>
+          <p:cNvPr id="2" name="Title 1"/>
+          <p:cNvSpPr>
+            <a:spLocks noGrp="1"/>
+          </p:cNvSpPr>
+          <p:nvPr>
+            <p:ph type="title"/>
+          </p:nvPr>
+        </p:nvSpPr>
+        <p:spPr/>
+        <p:txBody>
+          <a:bodyPr/>
+          <a:lstStyle/>
+          <a:p>
+            <a:r>
+              <a:rPr lang="en-US" dirty="0" smtClean="0"/>
+              <a:t>Wrapping it up</a:t>
+            </a:r>
+            <a:endParaRPr lang="en-US" dirty="0"/>
+          </a:p>
+        </p:txBody>
+      </p:sp>
+      <p:sp>
+        <p:nvSpPr>
+          <p:cNvPr id="3" name="Text Placeholder 2"/>
+          <p:cNvSpPr>
+            <a:spLocks noGrp="1"/>
+          </p:cNvSpPr>
+          <p:nvPr>
+            <p:ph type="body" idx="1"/>
+          </p:nvPr>
+        </p:nvSpPr>
+        <p:spPr/>
+        <p:txBody>
+          <a:bodyPr/>
+          <a:lstStyle/>
+          <a:p>
+            <a:r>
+              <a:rPr lang="en-US" dirty="0" smtClean="0"/>
+              <a:t>Lesson </a:t>
+            </a:r>
+            <a:r>
+              <a:rPr lang="en-US" dirty="0"/>
+              <a:t>∞</a:t>
+            </a:r>
+            <a:r>
+              <a:rPr lang="en-US" dirty="0" smtClean="0"/>
+              <a:t>:</a:t>
+            </a:r>
+            <a:endParaRPr lang="en-US" dirty="0"/>
+          </a:p>
+        </p:txBody>
+      </p:sp>
+    </p:spTree>
+    <p:extLst>
+      <p:ext uri="{BB962C8B-B14F-4D97-AF65-F5344CB8AC3E}">
+        <p14:creationId xmlns:p14="http://schemas.microsoft.com/office/powerpoint/2010/main" val="1869991124"/>
       </p:ext>
     </p:extLst>
   </p:cSld>
@@ -13050,6 +14092,270 @@
     <p:extLst>
       <p:ext uri="{BB962C8B-B14F-4D97-AF65-F5344CB8AC3E}">
         <p14:creationId xmlns:p14="http://schemas.microsoft.com/office/powerpoint/2010/main" val="2597539661"/>
+      </p:ext>
+    </p:extLst>
+  </p:cSld>
+  <p:clrMapOvr>
+    <a:masterClrMapping/>
+  </p:clrMapOvr>
+  <p:timing>
+    <p:tnLst>
+      <p:par>
+        <p:cTn id="1" dur="indefinite" restart="never" nodeType="tmRoot"/>
+      </p:par>
+    </p:tnLst>
+  </p:timing>
+</p:sld>
+</file>
+
+<file path=ppt/slides/slide40.xml><?xml version="1.0" encoding="utf-8"?>
+<p:sld xmlns:a="http://schemas.openxmlformats.org/drawingml/2006/main" xmlns:r="http://schemas.openxmlformats.org/officeDocument/2006/relationships" xmlns:p="http://schemas.openxmlformats.org/presentationml/2006/main">
+  <p:cSld>
+    <p:spTree>
+      <p:nvGrpSpPr>
+        <p:cNvPr id="1" name=""/>
+        <p:cNvGrpSpPr/>
+        <p:nvPr/>
+      </p:nvGrpSpPr>
+      <p:grpSpPr>
+        <a:xfrm>
+          <a:off x="0" y="0"/>
+          <a:ext cx="0" cy="0"/>
+          <a:chOff x="0" y="0"/>
+          <a:chExt cx="0" cy="0"/>
+        </a:xfrm>
+      </p:grpSpPr>
+      <p:sp>
+        <p:nvSpPr>
+          <p:cNvPr id="2" name="Title 1"/>
+          <p:cNvSpPr>
+            <a:spLocks noGrp="1"/>
+          </p:cNvSpPr>
+          <p:nvPr>
+            <p:ph type="title"/>
+          </p:nvPr>
+        </p:nvSpPr>
+        <p:spPr/>
+        <p:txBody>
+          <a:bodyPr>
+            <a:normAutofit fontScale="90000"/>
+          </a:bodyPr>
+          <a:lstStyle/>
+          <a:p>
+            <a:r>
+              <a:rPr lang="en-US" dirty="0" smtClean="0"/>
+              <a:t>Use the Principles of Architecture</a:t>
+            </a:r>
+            <a:br>
+              <a:rPr lang="en-US" dirty="0" smtClean="0"/>
+            </a:br>
+            <a:r>
+              <a:rPr lang="en-US" dirty="0" smtClean="0"/>
+              <a:t>You've </a:t>
+            </a:r>
+            <a:r>
+              <a:rPr lang="en-US" dirty="0" smtClean="0"/>
+              <a:t>Learned (without realizing it)</a:t>
+            </a:r>
+            <a:endParaRPr lang="en-US" dirty="0"/>
+          </a:p>
+        </p:txBody>
+      </p:sp>
+      <p:sp>
+        <p:nvSpPr>
+          <p:cNvPr id="3" name="Content Placeholder 2"/>
+          <p:cNvSpPr>
+            <a:spLocks noGrp="1"/>
+          </p:cNvSpPr>
+          <p:nvPr>
+            <p:ph idx="1"/>
+          </p:nvPr>
+        </p:nvSpPr>
+        <p:spPr/>
+        <p:txBody>
+          <a:bodyPr/>
+          <a:lstStyle/>
+          <a:p>
+            <a:pPr marL="514350" indent="-514350">
+              <a:buFont typeface="+mj-lt"/>
+              <a:buAutoNum type="arabicPeriod"/>
+            </a:pPr>
+            <a:r>
+              <a:rPr lang="en-US" dirty="0"/>
+              <a:t>SOC</a:t>
+            </a:r>
+          </a:p>
+          <a:p>
+            <a:pPr marL="514350" indent="-514350">
+              <a:buFont typeface="+mj-lt"/>
+              <a:buAutoNum type="arabicPeriod"/>
+            </a:pPr>
+            <a:r>
+              <a:rPr lang="en-US" dirty="0" smtClean="0"/>
+              <a:t>DRY</a:t>
+            </a:r>
+          </a:p>
+          <a:p>
+            <a:pPr marL="514350" indent="-514350">
+              <a:buFont typeface="+mj-lt"/>
+              <a:buAutoNum type="arabicPeriod"/>
+            </a:pPr>
+            <a:r>
+              <a:rPr lang="en-US" dirty="0" smtClean="0"/>
+              <a:t>YAGNI</a:t>
+            </a:r>
+          </a:p>
+          <a:p>
+            <a:pPr marL="514350" indent="-514350">
+              <a:buFont typeface="+mj-lt"/>
+              <a:buAutoNum type="arabicPeriod"/>
+            </a:pPr>
+            <a:r>
+              <a:rPr lang="en-US" dirty="0" smtClean="0"/>
+              <a:t>SRP</a:t>
+            </a:r>
+          </a:p>
+          <a:p>
+            <a:pPr marL="514350" indent="-514350">
+              <a:buFont typeface="+mj-lt"/>
+              <a:buAutoNum type="arabicPeriod"/>
+            </a:pPr>
+            <a:r>
+              <a:rPr lang="en-US" dirty="0" err="1" smtClean="0"/>
+              <a:t>LoD</a:t>
+            </a:r>
+            <a:endParaRPr lang="en-US" dirty="0" smtClean="0"/>
+          </a:p>
+          <a:p>
+            <a:pPr marL="514350" indent="-514350">
+              <a:buFont typeface="+mj-lt"/>
+              <a:buAutoNum type="arabicPeriod"/>
+            </a:pPr>
+            <a:endParaRPr lang="en-US" dirty="0"/>
+          </a:p>
+        </p:txBody>
+      </p:sp>
+    </p:spTree>
+    <p:extLst>
+      <p:ext uri="{BB962C8B-B14F-4D97-AF65-F5344CB8AC3E}">
+        <p14:creationId xmlns:p14="http://schemas.microsoft.com/office/powerpoint/2010/main" val="3993008964"/>
+      </p:ext>
+    </p:extLst>
+  </p:cSld>
+  <p:clrMapOvr>
+    <a:masterClrMapping/>
+  </p:clrMapOvr>
+  <p:timing>
+    <p:tnLst>
+      <p:par>
+        <p:cTn id="1" dur="indefinite" restart="never" nodeType="tmRoot"/>
+      </p:par>
+    </p:tnLst>
+  </p:timing>
+</p:sld>
+</file>
+
+<file path=ppt/slides/slide41.xml><?xml version="1.0" encoding="utf-8"?>
+<p:sld xmlns:a="http://schemas.openxmlformats.org/drawingml/2006/main" xmlns:r="http://schemas.openxmlformats.org/officeDocument/2006/relationships" xmlns:p="http://schemas.openxmlformats.org/presentationml/2006/main">
+  <p:cSld>
+    <p:spTree>
+      <p:nvGrpSpPr>
+        <p:cNvPr id="1" name=""/>
+        <p:cNvGrpSpPr/>
+        <p:nvPr/>
+      </p:nvGrpSpPr>
+      <p:grpSpPr>
+        <a:xfrm>
+          <a:off x="0" y="0"/>
+          <a:ext cx="0" cy="0"/>
+          <a:chOff x="0" y="0"/>
+          <a:chExt cx="0" cy="0"/>
+        </a:xfrm>
+      </p:grpSpPr>
+      <p:sp>
+        <p:nvSpPr>
+          <p:cNvPr id="2" name="Title 1"/>
+          <p:cNvSpPr>
+            <a:spLocks noGrp="1"/>
+          </p:cNvSpPr>
+          <p:nvPr>
+            <p:ph type="title"/>
+          </p:nvPr>
+        </p:nvSpPr>
+        <p:spPr/>
+        <p:txBody>
+          <a:bodyPr/>
+          <a:lstStyle/>
+          <a:p>
+            <a:r>
+              <a:rPr lang="en-US" dirty="0" smtClean="0"/>
+              <a:t>Learn New Things!</a:t>
+            </a:r>
+            <a:endParaRPr lang="en-US" dirty="0"/>
+          </a:p>
+        </p:txBody>
+      </p:sp>
+      <p:sp>
+        <p:nvSpPr>
+          <p:cNvPr id="3" name="Content Placeholder 2"/>
+          <p:cNvSpPr>
+            <a:spLocks noGrp="1"/>
+          </p:cNvSpPr>
+          <p:nvPr>
+            <p:ph idx="1"/>
+          </p:nvPr>
+        </p:nvSpPr>
+        <p:spPr/>
+        <p:txBody>
+          <a:bodyPr/>
+          <a:lstStyle/>
+          <a:p>
+            <a:r>
+              <a:rPr lang="en-US" dirty="0" smtClean="0"/>
+              <a:t>CLI and CLI Programming</a:t>
+            </a:r>
+            <a:endParaRPr lang="en-US" dirty="0" smtClean="0"/>
+          </a:p>
+          <a:p>
+            <a:r>
+              <a:rPr lang="en-US" dirty="0" smtClean="0"/>
+              <a:t>Version Control</a:t>
+            </a:r>
+            <a:endParaRPr lang="en-US" dirty="0" smtClean="0"/>
+          </a:p>
+          <a:p>
+            <a:r>
+              <a:rPr lang="en-US" dirty="0" smtClean="0"/>
+              <a:t>Composer and Libraries</a:t>
+            </a:r>
+            <a:endParaRPr lang="en-US" dirty="0" smtClean="0"/>
+          </a:p>
+          <a:p>
+            <a:r>
+              <a:rPr lang="en-US" dirty="0" smtClean="0"/>
+              <a:t>Advanced Object Oriented Programming</a:t>
+            </a:r>
+          </a:p>
+          <a:p>
+            <a:r>
+              <a:rPr lang="en-US" dirty="0" err="1" smtClean="0"/>
+              <a:t>Javascript</a:t>
+            </a:r>
+            <a:endParaRPr lang="en-US" dirty="0"/>
+          </a:p>
+          <a:p>
+            <a:r>
+              <a:rPr lang="en-US" dirty="0" smtClean="0"/>
+              <a:t>Advanced HTML and CSS</a:t>
+            </a:r>
+            <a:endParaRPr lang="en-US" dirty="0"/>
+          </a:p>
+        </p:txBody>
+      </p:sp>
+    </p:spTree>
+    <p:extLst>
+      <p:ext uri="{BB962C8B-B14F-4D97-AF65-F5344CB8AC3E}">
+        <p14:creationId xmlns:p14="http://schemas.microsoft.com/office/powerpoint/2010/main" val="1089236965"/>
       </p:ext>
     </p:extLst>
   </p:cSld>
